--- a/Interrogation_SII/03_Cisaille hydraulique/ServoMoteur_CommandeVanne_Corrige.pptx
+++ b/Interrogation_SII/03_Cisaille hydraulique/ServoMoteur_CommandeVanne_Corrige.pptx
@@ -2331,497 +2331,6 @@
       <dsp:cNvGrpSpPr/>
     </dsp:nvGrpSpPr>
     <dsp:grpSpPr/>
-    <dsp:sp modelId="{782C1BBA-34E8-45C8-8C23-3A526046787D}">
-      <dsp:nvSpPr>
-        <dsp:cNvPr id="0" name=""/>
-        <dsp:cNvSpPr/>
-      </dsp:nvSpPr>
-      <dsp:spPr>
-        <a:xfrm>
-          <a:off x="1316778" y="611"/>
-          <a:ext cx="1349844" cy="674922"/>
-        </a:xfrm>
-        <a:prstGeom prst="roundRect">
-          <a:avLst>
-            <a:gd name="adj" fmla="val 10000"/>
-          </a:avLst>
-        </a:prstGeom>
-        <a:solidFill>
-          <a:schemeClr val="accent2">
-            <a:hueOff val="0"/>
-            <a:satOff val="0"/>
-            <a:lumOff val="0"/>
-            <a:alphaOff val="0"/>
-          </a:schemeClr>
-        </a:solidFill>
-        <a:ln w="19050" cap="flat" cmpd="sng" algn="ctr">
-          <a:solidFill>
-            <a:schemeClr val="lt1">
-              <a:hueOff val="0"/>
-              <a:satOff val="0"/>
-              <a:lumOff val="0"/>
-              <a:alphaOff val="0"/>
-            </a:schemeClr>
-          </a:solidFill>
-          <a:prstDash val="solid"/>
-        </a:ln>
-        <a:effectLst/>
-      </dsp:spPr>
-      <dsp:style>
-        <a:lnRef idx="2">
-          <a:scrgbClr r="0" g="0" b="0"/>
-        </a:lnRef>
-        <a:fillRef idx="1">
-          <a:scrgbClr r="0" g="0" b="0"/>
-        </a:fillRef>
-        <a:effectRef idx="0">
-          <a:scrgbClr r="0" g="0" b="0"/>
-        </a:effectRef>
-        <a:fontRef idx="minor">
-          <a:schemeClr val="lt1"/>
-        </a:fontRef>
-      </dsp:style>
-      <dsp:txBody>
-        <a:bodyPr spcFirstLastPara="0" vert="horz" wrap="square" lIns="38100" tIns="38100" rIns="38100" bIns="38100" numCol="1" spcCol="1270" anchor="ctr" anchorCtr="0">
-          <a:noAutofit/>
-        </a:bodyPr>
-        <a:lstStyle/>
-        <a:p>
-          <a:pPr lvl="0" algn="ctr" defTabSz="444500">
-            <a:lnSpc>
-              <a:spcPct val="90000"/>
-            </a:lnSpc>
-            <a:spcBef>
-              <a:spcPct val="0"/>
-            </a:spcBef>
-            <a:spcAft>
-              <a:spcPct val="35000"/>
-            </a:spcAft>
-          </a:pPr>
-          <a:r>
-            <a:rPr lang="fr-FR" sz="1000" kern="1200" dirty="0" smtClean="0"/>
-            <a:t>Produit</a:t>
-          </a:r>
-        </a:p>
-        <a:p>
-          <a:pPr lvl="0" algn="ctr" defTabSz="444500">
-            <a:lnSpc>
-              <a:spcPct val="90000"/>
-            </a:lnSpc>
-            <a:spcBef>
-              <a:spcPct val="0"/>
-            </a:spcBef>
-            <a:spcAft>
-              <a:spcPct val="35000"/>
-            </a:spcAft>
-          </a:pPr>
-          <a:r>
-            <a:rPr lang="fr-FR" sz="1000" kern="1200" dirty="0" err="1" smtClean="0"/>
-            <a:t>Bati</a:t>
-          </a:r>
-          <a:endParaRPr lang="fr-FR" sz="1000" kern="1200" dirty="0"/>
-        </a:p>
-      </dsp:txBody>
-      <dsp:txXfrm>
-        <a:off x="1336546" y="20379"/>
-        <a:ext cx="1310308" cy="635386"/>
-      </dsp:txXfrm>
-    </dsp:sp>
-    <dsp:sp modelId="{76BFC082-0D12-48CB-A1E3-FF662367BFEF}">
-      <dsp:nvSpPr>
-        <dsp:cNvPr id="0" name=""/>
-        <dsp:cNvSpPr/>
-      </dsp:nvSpPr>
-      <dsp:spPr>
-        <a:xfrm rot="3600000">
-          <a:off x="2197420" y="1184767"/>
-          <a:ext cx="702623" cy="236222"/>
-        </a:xfrm>
-        <a:prstGeom prst="leftRightArrow">
-          <a:avLst>
-            <a:gd name="adj1" fmla="val 60000"/>
-            <a:gd name="adj2" fmla="val 50000"/>
-          </a:avLst>
-        </a:prstGeom>
-        <a:solidFill>
-          <a:schemeClr val="accent2">
-            <a:hueOff val="0"/>
-            <a:satOff val="0"/>
-            <a:lumOff val="0"/>
-            <a:alphaOff val="0"/>
-          </a:schemeClr>
-        </a:solidFill>
-        <a:ln>
-          <a:noFill/>
-        </a:ln>
-        <a:effectLst/>
-      </dsp:spPr>
-      <dsp:style>
-        <a:lnRef idx="0">
-          <a:scrgbClr r="0" g="0" b="0"/>
-        </a:lnRef>
-        <a:fillRef idx="1">
-          <a:scrgbClr r="0" g="0" b="0"/>
-        </a:fillRef>
-        <a:effectRef idx="0">
-          <a:scrgbClr r="0" g="0" b="0"/>
-        </a:effectRef>
-        <a:fontRef idx="minor">
-          <a:schemeClr val="lt1"/>
-        </a:fontRef>
-      </dsp:style>
-      <dsp:txBody>
-        <a:bodyPr spcFirstLastPara="0" vert="horz" wrap="square" lIns="0" tIns="0" rIns="0" bIns="0" numCol="1" spcCol="1270" anchor="ctr" anchorCtr="0">
-          <a:noAutofit/>
-        </a:bodyPr>
-        <a:lstStyle/>
-        <a:p>
-          <a:pPr lvl="0" algn="ctr" defTabSz="355600">
-            <a:lnSpc>
-              <a:spcPct val="90000"/>
-            </a:lnSpc>
-            <a:spcBef>
-              <a:spcPct val="0"/>
-            </a:spcBef>
-            <a:spcAft>
-              <a:spcPct val="35000"/>
-            </a:spcAft>
-          </a:pPr>
-          <a:endParaRPr lang="fr-FR" sz="800" kern="1200"/>
-        </a:p>
-      </dsp:txBody>
-      <dsp:txXfrm>
-        <a:off x="2268287" y="1232011"/>
-        <a:ext cx="560889" cy="141734"/>
-      </dsp:txXfrm>
-    </dsp:sp>
-    <dsp:sp modelId="{BBBE7AF0-8599-4CC9-8E61-B532C2CECBE2}">
-      <dsp:nvSpPr>
-        <dsp:cNvPr id="0" name=""/>
-        <dsp:cNvSpPr/>
-      </dsp:nvSpPr>
-      <dsp:spPr>
-        <a:xfrm>
-          <a:off x="2430840" y="1930223"/>
-          <a:ext cx="1349844" cy="674922"/>
-        </a:xfrm>
-        <a:prstGeom prst="roundRect">
-          <a:avLst>
-            <a:gd name="adj" fmla="val 10000"/>
-          </a:avLst>
-        </a:prstGeom>
-        <a:solidFill>
-          <a:schemeClr val="accent2">
-            <a:hueOff val="-4271743"/>
-            <a:satOff val="12481"/>
-            <a:lumOff val="-2353"/>
-            <a:alphaOff val="0"/>
-          </a:schemeClr>
-        </a:solidFill>
-        <a:ln w="19050" cap="flat" cmpd="sng" algn="ctr">
-          <a:solidFill>
-            <a:schemeClr val="lt1">
-              <a:hueOff val="0"/>
-              <a:satOff val="0"/>
-              <a:lumOff val="0"/>
-              <a:alphaOff val="0"/>
-            </a:schemeClr>
-          </a:solidFill>
-          <a:prstDash val="solid"/>
-        </a:ln>
-        <a:effectLst/>
-      </dsp:spPr>
-      <dsp:style>
-        <a:lnRef idx="2">
-          <a:scrgbClr r="0" g="0" b="0"/>
-        </a:lnRef>
-        <a:fillRef idx="1">
-          <a:scrgbClr r="0" g="0" b="0"/>
-        </a:fillRef>
-        <a:effectRef idx="0">
-          <a:scrgbClr r="0" g="0" b="0"/>
-        </a:effectRef>
-        <a:fontRef idx="minor">
-          <a:schemeClr val="lt1"/>
-        </a:fontRef>
-      </dsp:style>
-      <dsp:txBody>
-        <a:bodyPr spcFirstLastPara="0" vert="horz" wrap="square" lIns="38100" tIns="38100" rIns="38100" bIns="38100" numCol="1" spcCol="1270" anchor="ctr" anchorCtr="0">
-          <a:noAutofit/>
-        </a:bodyPr>
-        <a:lstStyle/>
-        <a:p>
-          <a:pPr lvl="0" algn="ctr" defTabSz="444500">
-            <a:lnSpc>
-              <a:spcPct val="90000"/>
-            </a:lnSpc>
-            <a:spcBef>
-              <a:spcPct val="0"/>
-            </a:spcBef>
-            <a:spcAft>
-              <a:spcPct val="35000"/>
-            </a:spcAft>
-          </a:pPr>
-          <a:r>
-            <a:rPr lang="fr-FR" sz="1000" kern="1200" dirty="0" smtClean="0"/>
-            <a:t>Matériau</a:t>
-          </a:r>
-        </a:p>
-        <a:p>
-          <a:pPr lvl="0" algn="ctr" defTabSz="444500">
-            <a:lnSpc>
-              <a:spcPct val="90000"/>
-            </a:lnSpc>
-            <a:spcBef>
-              <a:spcPct val="0"/>
-            </a:spcBef>
-            <a:spcAft>
-              <a:spcPct val="35000"/>
-            </a:spcAft>
-          </a:pPr>
-          <a:r>
-            <a:rPr lang="fr-FR" sz="1000" kern="1200" dirty="0" smtClean="0"/>
-            <a:t>Alliage d’aluminium résistant à la corrosion</a:t>
-          </a:r>
-        </a:p>
-      </dsp:txBody>
-      <dsp:txXfrm>
-        <a:off x="2450608" y="1949991"/>
-        <a:ext cx="1310308" cy="635386"/>
-      </dsp:txXfrm>
-    </dsp:sp>
-    <dsp:sp modelId="{45C1B289-5A21-4763-AC95-707E965FFA47}">
-      <dsp:nvSpPr>
-        <dsp:cNvPr id="0" name=""/>
-        <dsp:cNvSpPr/>
-      </dsp:nvSpPr>
-      <dsp:spPr>
-        <a:xfrm rot="10800000">
-          <a:off x="1640389" y="2149573"/>
-          <a:ext cx="702623" cy="236222"/>
-        </a:xfrm>
-        <a:prstGeom prst="leftRightArrow">
-          <a:avLst>
-            <a:gd name="adj1" fmla="val 60000"/>
-            <a:gd name="adj2" fmla="val 50000"/>
-          </a:avLst>
-        </a:prstGeom>
-        <a:solidFill>
-          <a:schemeClr val="accent2">
-            <a:hueOff val="-4271743"/>
-            <a:satOff val="12481"/>
-            <a:lumOff val="-2353"/>
-            <a:alphaOff val="0"/>
-          </a:schemeClr>
-        </a:solidFill>
-        <a:ln>
-          <a:noFill/>
-        </a:ln>
-        <a:effectLst/>
-      </dsp:spPr>
-      <dsp:style>
-        <a:lnRef idx="0">
-          <a:scrgbClr r="0" g="0" b="0"/>
-        </a:lnRef>
-        <a:fillRef idx="1">
-          <a:scrgbClr r="0" g="0" b="0"/>
-        </a:fillRef>
-        <a:effectRef idx="0">
-          <a:scrgbClr r="0" g="0" b="0"/>
-        </a:effectRef>
-        <a:fontRef idx="minor">
-          <a:schemeClr val="lt1"/>
-        </a:fontRef>
-      </dsp:style>
-      <dsp:txBody>
-        <a:bodyPr spcFirstLastPara="0" vert="horz" wrap="square" lIns="0" tIns="0" rIns="0" bIns="0" numCol="1" spcCol="1270" anchor="ctr" anchorCtr="0">
-          <a:noAutofit/>
-        </a:bodyPr>
-        <a:lstStyle/>
-        <a:p>
-          <a:pPr lvl="0" algn="ctr" defTabSz="355600">
-            <a:lnSpc>
-              <a:spcPct val="90000"/>
-            </a:lnSpc>
-            <a:spcBef>
-              <a:spcPct val="0"/>
-            </a:spcBef>
-            <a:spcAft>
-              <a:spcPct val="35000"/>
-            </a:spcAft>
-          </a:pPr>
-          <a:endParaRPr lang="fr-FR" sz="800" kern="1200"/>
-        </a:p>
-      </dsp:txBody>
-      <dsp:txXfrm rot="10800000">
-        <a:off x="1711256" y="2196817"/>
-        <a:ext cx="560889" cy="141734"/>
-      </dsp:txXfrm>
-    </dsp:sp>
-    <dsp:sp modelId="{395B7A00-5D35-4721-9064-E9BD669D3296}">
-      <dsp:nvSpPr>
-        <dsp:cNvPr id="0" name=""/>
-        <dsp:cNvSpPr/>
-      </dsp:nvSpPr>
-      <dsp:spPr>
-        <a:xfrm>
-          <a:off x="202716" y="1930223"/>
-          <a:ext cx="1349844" cy="674922"/>
-        </a:xfrm>
-        <a:prstGeom prst="roundRect">
-          <a:avLst>
-            <a:gd name="adj" fmla="val 10000"/>
-          </a:avLst>
-        </a:prstGeom>
-        <a:solidFill>
-          <a:schemeClr val="accent2">
-            <a:hueOff val="-8543487"/>
-            <a:satOff val="24962"/>
-            <a:lumOff val="-4706"/>
-            <a:alphaOff val="0"/>
-          </a:schemeClr>
-        </a:solidFill>
-        <a:ln w="19050" cap="flat" cmpd="sng" algn="ctr">
-          <a:solidFill>
-            <a:schemeClr val="lt1">
-              <a:hueOff val="0"/>
-              <a:satOff val="0"/>
-              <a:lumOff val="0"/>
-              <a:alphaOff val="0"/>
-            </a:schemeClr>
-          </a:solidFill>
-          <a:prstDash val="solid"/>
-        </a:ln>
-        <a:effectLst/>
-      </dsp:spPr>
-      <dsp:style>
-        <a:lnRef idx="2">
-          <a:scrgbClr r="0" g="0" b="0"/>
-        </a:lnRef>
-        <a:fillRef idx="1">
-          <a:scrgbClr r="0" g="0" b="0"/>
-        </a:fillRef>
-        <a:effectRef idx="0">
-          <a:scrgbClr r="0" g="0" b="0"/>
-        </a:effectRef>
-        <a:fontRef idx="minor">
-          <a:schemeClr val="lt1"/>
-        </a:fontRef>
-      </dsp:style>
-      <dsp:txBody>
-        <a:bodyPr spcFirstLastPara="0" vert="horz" wrap="square" lIns="38100" tIns="38100" rIns="38100" bIns="38100" numCol="1" spcCol="1270" anchor="ctr" anchorCtr="0">
-          <a:noAutofit/>
-        </a:bodyPr>
-        <a:lstStyle/>
-        <a:p>
-          <a:pPr lvl="0" algn="ctr" defTabSz="444500">
-            <a:lnSpc>
-              <a:spcPct val="90000"/>
-            </a:lnSpc>
-            <a:spcBef>
-              <a:spcPct val="0"/>
-            </a:spcBef>
-            <a:spcAft>
-              <a:spcPct val="35000"/>
-            </a:spcAft>
-          </a:pPr>
-          <a:r>
-            <a:rPr lang="fr-FR" sz="1000" kern="1200" dirty="0" smtClean="0"/>
-            <a:t>Procédé</a:t>
-          </a:r>
-        </a:p>
-        <a:p>
-          <a:pPr lvl="0" algn="ctr" defTabSz="444500">
-            <a:lnSpc>
-              <a:spcPct val="90000"/>
-            </a:lnSpc>
-            <a:spcBef>
-              <a:spcPct val="0"/>
-            </a:spcBef>
-            <a:spcAft>
-              <a:spcPct val="35000"/>
-            </a:spcAft>
-          </a:pPr>
-          <a:r>
-            <a:rPr lang="fr-FR" sz="1000" kern="1200" dirty="0" smtClean="0"/>
-            <a:t>Fonderie et Fraisage</a:t>
-          </a:r>
-          <a:endParaRPr lang="fr-FR" sz="1000" kern="1200" dirty="0"/>
-        </a:p>
-      </dsp:txBody>
-      <dsp:txXfrm>
-        <a:off x="222484" y="1949991"/>
-        <a:ext cx="1310308" cy="635386"/>
-      </dsp:txXfrm>
-    </dsp:sp>
-    <dsp:sp modelId="{FB6B6323-0F21-4770-9EC5-055D8145946E}">
-      <dsp:nvSpPr>
-        <dsp:cNvPr id="0" name=""/>
-        <dsp:cNvSpPr/>
-      </dsp:nvSpPr>
-      <dsp:spPr>
-        <a:xfrm rot="18000000">
-          <a:off x="1083358" y="1184767"/>
-          <a:ext cx="702623" cy="236222"/>
-        </a:xfrm>
-        <a:prstGeom prst="leftRightArrow">
-          <a:avLst>
-            <a:gd name="adj1" fmla="val 60000"/>
-            <a:gd name="adj2" fmla="val 50000"/>
-          </a:avLst>
-        </a:prstGeom>
-        <a:solidFill>
-          <a:schemeClr val="accent2">
-            <a:hueOff val="-8543487"/>
-            <a:satOff val="24962"/>
-            <a:lumOff val="-4706"/>
-            <a:alphaOff val="0"/>
-          </a:schemeClr>
-        </a:solidFill>
-        <a:ln>
-          <a:noFill/>
-        </a:ln>
-        <a:effectLst/>
-      </dsp:spPr>
-      <dsp:style>
-        <a:lnRef idx="0">
-          <a:scrgbClr r="0" g="0" b="0"/>
-        </a:lnRef>
-        <a:fillRef idx="1">
-          <a:scrgbClr r="0" g="0" b="0"/>
-        </a:fillRef>
-        <a:effectRef idx="0">
-          <a:scrgbClr r="0" g="0" b="0"/>
-        </a:effectRef>
-        <a:fontRef idx="minor">
-          <a:schemeClr val="lt1"/>
-        </a:fontRef>
-      </dsp:style>
-      <dsp:txBody>
-        <a:bodyPr spcFirstLastPara="0" vert="horz" wrap="square" lIns="0" tIns="0" rIns="0" bIns="0" numCol="1" spcCol="1270" anchor="ctr" anchorCtr="0">
-          <a:noAutofit/>
-        </a:bodyPr>
-        <a:lstStyle/>
-        <a:p>
-          <a:pPr lvl="0" algn="ctr" defTabSz="355600">
-            <a:lnSpc>
-              <a:spcPct val="90000"/>
-            </a:lnSpc>
-            <a:spcBef>
-              <a:spcPct val="0"/>
-            </a:spcBef>
-            <a:spcAft>
-              <a:spcPct val="35000"/>
-            </a:spcAft>
-          </a:pPr>
-          <a:endParaRPr lang="fr-FR" sz="800" kern="1200"/>
-        </a:p>
-      </dsp:txBody>
-      <dsp:txXfrm>
-        <a:off x="1154225" y="1232011"/>
-        <a:ext cx="560889" cy="141734"/>
-      </dsp:txXfrm>
-    </dsp:sp>
   </dsp:spTree>
 </dsp:drawing>
 </file>
@@ -2834,514 +2343,6 @@
       <dsp:cNvGrpSpPr/>
     </dsp:nvGrpSpPr>
     <dsp:grpSpPr/>
-    <dsp:sp modelId="{782C1BBA-34E8-45C8-8C23-3A526046787D}">
-      <dsp:nvSpPr>
-        <dsp:cNvPr id="0" name=""/>
-        <dsp:cNvSpPr/>
-      </dsp:nvSpPr>
-      <dsp:spPr>
-        <a:xfrm>
-          <a:off x="1316778" y="611"/>
-          <a:ext cx="1349844" cy="674922"/>
-        </a:xfrm>
-        <a:prstGeom prst="roundRect">
-          <a:avLst>
-            <a:gd name="adj" fmla="val 10000"/>
-          </a:avLst>
-        </a:prstGeom>
-        <a:solidFill>
-          <a:schemeClr val="accent2">
-            <a:hueOff val="0"/>
-            <a:satOff val="0"/>
-            <a:lumOff val="0"/>
-            <a:alphaOff val="0"/>
-          </a:schemeClr>
-        </a:solidFill>
-        <a:ln w="19050" cap="flat" cmpd="sng" algn="ctr">
-          <a:solidFill>
-            <a:schemeClr val="lt1">
-              <a:hueOff val="0"/>
-              <a:satOff val="0"/>
-              <a:lumOff val="0"/>
-              <a:alphaOff val="0"/>
-            </a:schemeClr>
-          </a:solidFill>
-          <a:prstDash val="solid"/>
-        </a:ln>
-        <a:effectLst/>
-      </dsp:spPr>
-      <dsp:style>
-        <a:lnRef idx="2">
-          <a:scrgbClr r="0" g="0" b="0"/>
-        </a:lnRef>
-        <a:fillRef idx="1">
-          <a:scrgbClr r="0" g="0" b="0"/>
-        </a:fillRef>
-        <a:effectRef idx="0">
-          <a:scrgbClr r="0" g="0" b="0"/>
-        </a:effectRef>
-        <a:fontRef idx="minor">
-          <a:schemeClr val="lt1"/>
-        </a:fontRef>
-      </dsp:style>
-      <dsp:txBody>
-        <a:bodyPr spcFirstLastPara="0" vert="horz" wrap="square" lIns="38100" tIns="38100" rIns="38100" bIns="38100" numCol="1" spcCol="1270" anchor="ctr" anchorCtr="0">
-          <a:noAutofit/>
-        </a:bodyPr>
-        <a:lstStyle/>
-        <a:p>
-          <a:pPr lvl="0" algn="ctr" defTabSz="444500">
-            <a:lnSpc>
-              <a:spcPct val="90000"/>
-            </a:lnSpc>
-            <a:spcBef>
-              <a:spcPct val="0"/>
-            </a:spcBef>
-            <a:spcAft>
-              <a:spcPct val="35000"/>
-            </a:spcAft>
-          </a:pPr>
-          <a:r>
-            <a:rPr lang="fr-FR" sz="1000" kern="1200" dirty="0" smtClean="0"/>
-            <a:t>Produit</a:t>
-          </a:r>
-        </a:p>
-        <a:p>
-          <a:pPr lvl="0" algn="ctr" defTabSz="444500">
-            <a:lnSpc>
-              <a:spcPct val="90000"/>
-            </a:lnSpc>
-            <a:spcBef>
-              <a:spcPct val="0"/>
-            </a:spcBef>
-            <a:spcAft>
-              <a:spcPct val="35000"/>
-            </a:spcAft>
-          </a:pPr>
-          <a:r>
-            <a:rPr lang="fr-FR" sz="1000" kern="1200" dirty="0" smtClean="0"/>
-            <a:t>Arbre</a:t>
-          </a:r>
-          <a:endParaRPr lang="fr-FR" sz="1000" kern="1200" dirty="0"/>
-        </a:p>
-      </dsp:txBody>
-      <dsp:txXfrm>
-        <a:off x="1336546" y="20379"/>
-        <a:ext cx="1310308" cy="635386"/>
-      </dsp:txXfrm>
-    </dsp:sp>
-    <dsp:sp modelId="{76BFC082-0D12-48CB-A1E3-FF662367BFEF}">
-      <dsp:nvSpPr>
-        <dsp:cNvPr id="0" name=""/>
-        <dsp:cNvSpPr/>
-      </dsp:nvSpPr>
-      <dsp:spPr>
-        <a:xfrm rot="3600000">
-          <a:off x="2197420" y="1184767"/>
-          <a:ext cx="702623" cy="236222"/>
-        </a:xfrm>
-        <a:prstGeom prst="leftRightArrow">
-          <a:avLst>
-            <a:gd name="adj1" fmla="val 60000"/>
-            <a:gd name="adj2" fmla="val 50000"/>
-          </a:avLst>
-        </a:prstGeom>
-        <a:solidFill>
-          <a:schemeClr val="accent2">
-            <a:hueOff val="0"/>
-            <a:satOff val="0"/>
-            <a:lumOff val="0"/>
-            <a:alphaOff val="0"/>
-          </a:schemeClr>
-        </a:solidFill>
-        <a:ln>
-          <a:noFill/>
-        </a:ln>
-        <a:effectLst/>
-      </dsp:spPr>
-      <dsp:style>
-        <a:lnRef idx="0">
-          <a:scrgbClr r="0" g="0" b="0"/>
-        </a:lnRef>
-        <a:fillRef idx="1">
-          <a:scrgbClr r="0" g="0" b="0"/>
-        </a:fillRef>
-        <a:effectRef idx="0">
-          <a:scrgbClr r="0" g="0" b="0"/>
-        </a:effectRef>
-        <a:fontRef idx="minor">
-          <a:schemeClr val="lt1"/>
-        </a:fontRef>
-      </dsp:style>
-      <dsp:txBody>
-        <a:bodyPr spcFirstLastPara="0" vert="horz" wrap="square" lIns="0" tIns="0" rIns="0" bIns="0" numCol="1" spcCol="1270" anchor="ctr" anchorCtr="0">
-          <a:noAutofit/>
-        </a:bodyPr>
-        <a:lstStyle/>
-        <a:p>
-          <a:pPr lvl="0" algn="ctr" defTabSz="355600">
-            <a:lnSpc>
-              <a:spcPct val="90000"/>
-            </a:lnSpc>
-            <a:spcBef>
-              <a:spcPct val="0"/>
-            </a:spcBef>
-            <a:spcAft>
-              <a:spcPct val="35000"/>
-            </a:spcAft>
-          </a:pPr>
-          <a:endParaRPr lang="fr-FR" sz="800" kern="1200"/>
-        </a:p>
-      </dsp:txBody>
-      <dsp:txXfrm>
-        <a:off x="2268287" y="1232011"/>
-        <a:ext cx="560889" cy="141734"/>
-      </dsp:txXfrm>
-    </dsp:sp>
-    <dsp:sp modelId="{BBBE7AF0-8599-4CC9-8E61-B532C2CECBE2}">
-      <dsp:nvSpPr>
-        <dsp:cNvPr id="0" name=""/>
-        <dsp:cNvSpPr/>
-      </dsp:nvSpPr>
-      <dsp:spPr>
-        <a:xfrm>
-          <a:off x="2430840" y="1930223"/>
-          <a:ext cx="1349844" cy="674922"/>
-        </a:xfrm>
-        <a:prstGeom prst="roundRect">
-          <a:avLst>
-            <a:gd name="adj" fmla="val 10000"/>
-          </a:avLst>
-        </a:prstGeom>
-        <a:solidFill>
-          <a:schemeClr val="accent2">
-            <a:hueOff val="-4271743"/>
-            <a:satOff val="12481"/>
-            <a:lumOff val="-2353"/>
-            <a:alphaOff val="0"/>
-          </a:schemeClr>
-        </a:solidFill>
-        <a:ln w="19050" cap="flat" cmpd="sng" algn="ctr">
-          <a:solidFill>
-            <a:schemeClr val="lt1">
-              <a:hueOff val="0"/>
-              <a:satOff val="0"/>
-              <a:lumOff val="0"/>
-              <a:alphaOff val="0"/>
-            </a:schemeClr>
-          </a:solidFill>
-          <a:prstDash val="solid"/>
-        </a:ln>
-        <a:effectLst/>
-      </dsp:spPr>
-      <dsp:style>
-        <a:lnRef idx="2">
-          <a:scrgbClr r="0" g="0" b="0"/>
-        </a:lnRef>
-        <a:fillRef idx="1">
-          <a:scrgbClr r="0" g="0" b="0"/>
-        </a:fillRef>
-        <a:effectRef idx="0">
-          <a:scrgbClr r="0" g="0" b="0"/>
-        </a:effectRef>
-        <a:fontRef idx="minor">
-          <a:schemeClr val="lt1"/>
-        </a:fontRef>
-      </dsp:style>
-      <dsp:txBody>
-        <a:bodyPr spcFirstLastPara="0" vert="horz" wrap="square" lIns="38100" tIns="38100" rIns="38100" bIns="38100" numCol="1" spcCol="1270" anchor="ctr" anchorCtr="0">
-          <a:noAutofit/>
-        </a:bodyPr>
-        <a:lstStyle/>
-        <a:p>
-          <a:pPr lvl="0" algn="ctr" defTabSz="444500">
-            <a:lnSpc>
-              <a:spcPct val="90000"/>
-            </a:lnSpc>
-            <a:spcBef>
-              <a:spcPct val="0"/>
-            </a:spcBef>
-            <a:spcAft>
-              <a:spcPct val="35000"/>
-            </a:spcAft>
-          </a:pPr>
-          <a:r>
-            <a:rPr lang="fr-FR" sz="1000" kern="1200" dirty="0" smtClean="0"/>
-            <a:t>Matériau</a:t>
-          </a:r>
-        </a:p>
-        <a:p>
-          <a:pPr lvl="0" algn="ctr" defTabSz="444500">
-            <a:lnSpc>
-              <a:spcPct val="90000"/>
-            </a:lnSpc>
-            <a:spcBef>
-              <a:spcPct val="0"/>
-            </a:spcBef>
-            <a:spcAft>
-              <a:spcPct val="35000"/>
-            </a:spcAft>
-          </a:pPr>
-          <a:r>
-            <a:rPr lang="fr-FR" sz="1000" kern="1200" dirty="0" smtClean="0"/>
-            <a:t>Alliage d’acier</a:t>
-          </a:r>
-        </a:p>
-        <a:p>
-          <a:pPr lvl="0" algn="ctr" defTabSz="444500">
-            <a:lnSpc>
-              <a:spcPct val="90000"/>
-            </a:lnSpc>
-            <a:spcBef>
-              <a:spcPct val="0"/>
-            </a:spcBef>
-            <a:spcAft>
-              <a:spcPct val="35000"/>
-            </a:spcAft>
-          </a:pPr>
-          <a:r>
-            <a:rPr lang="fr-FR" sz="1000" kern="1200" dirty="0" smtClean="0"/>
-            <a:t>(Acier faiblement allié)</a:t>
-          </a:r>
-        </a:p>
-      </dsp:txBody>
-      <dsp:txXfrm>
-        <a:off x="2450608" y="1949991"/>
-        <a:ext cx="1310308" cy="635386"/>
-      </dsp:txXfrm>
-    </dsp:sp>
-    <dsp:sp modelId="{45C1B289-5A21-4763-AC95-707E965FFA47}">
-      <dsp:nvSpPr>
-        <dsp:cNvPr id="0" name=""/>
-        <dsp:cNvSpPr/>
-      </dsp:nvSpPr>
-      <dsp:spPr>
-        <a:xfrm rot="10800000">
-          <a:off x="1640389" y="2149573"/>
-          <a:ext cx="702623" cy="236222"/>
-        </a:xfrm>
-        <a:prstGeom prst="leftRightArrow">
-          <a:avLst>
-            <a:gd name="adj1" fmla="val 60000"/>
-            <a:gd name="adj2" fmla="val 50000"/>
-          </a:avLst>
-        </a:prstGeom>
-        <a:solidFill>
-          <a:schemeClr val="accent2">
-            <a:hueOff val="-4271743"/>
-            <a:satOff val="12481"/>
-            <a:lumOff val="-2353"/>
-            <a:alphaOff val="0"/>
-          </a:schemeClr>
-        </a:solidFill>
-        <a:ln>
-          <a:noFill/>
-        </a:ln>
-        <a:effectLst/>
-      </dsp:spPr>
-      <dsp:style>
-        <a:lnRef idx="0">
-          <a:scrgbClr r="0" g="0" b="0"/>
-        </a:lnRef>
-        <a:fillRef idx="1">
-          <a:scrgbClr r="0" g="0" b="0"/>
-        </a:fillRef>
-        <a:effectRef idx="0">
-          <a:scrgbClr r="0" g="0" b="0"/>
-        </a:effectRef>
-        <a:fontRef idx="minor">
-          <a:schemeClr val="lt1"/>
-        </a:fontRef>
-      </dsp:style>
-      <dsp:txBody>
-        <a:bodyPr spcFirstLastPara="0" vert="horz" wrap="square" lIns="0" tIns="0" rIns="0" bIns="0" numCol="1" spcCol="1270" anchor="ctr" anchorCtr="0">
-          <a:noAutofit/>
-        </a:bodyPr>
-        <a:lstStyle/>
-        <a:p>
-          <a:pPr lvl="0" algn="ctr" defTabSz="355600">
-            <a:lnSpc>
-              <a:spcPct val="90000"/>
-            </a:lnSpc>
-            <a:spcBef>
-              <a:spcPct val="0"/>
-            </a:spcBef>
-            <a:spcAft>
-              <a:spcPct val="35000"/>
-            </a:spcAft>
-          </a:pPr>
-          <a:endParaRPr lang="fr-FR" sz="800" kern="1200"/>
-        </a:p>
-      </dsp:txBody>
-      <dsp:txXfrm rot="10800000">
-        <a:off x="1711256" y="2196817"/>
-        <a:ext cx="560889" cy="141734"/>
-      </dsp:txXfrm>
-    </dsp:sp>
-    <dsp:sp modelId="{395B7A00-5D35-4721-9064-E9BD669D3296}">
-      <dsp:nvSpPr>
-        <dsp:cNvPr id="0" name=""/>
-        <dsp:cNvSpPr/>
-      </dsp:nvSpPr>
-      <dsp:spPr>
-        <a:xfrm>
-          <a:off x="202716" y="1930223"/>
-          <a:ext cx="1349844" cy="674922"/>
-        </a:xfrm>
-        <a:prstGeom prst="roundRect">
-          <a:avLst>
-            <a:gd name="adj" fmla="val 10000"/>
-          </a:avLst>
-        </a:prstGeom>
-        <a:solidFill>
-          <a:schemeClr val="accent2">
-            <a:hueOff val="-8543487"/>
-            <a:satOff val="24962"/>
-            <a:lumOff val="-4706"/>
-            <a:alphaOff val="0"/>
-          </a:schemeClr>
-        </a:solidFill>
-        <a:ln w="19050" cap="flat" cmpd="sng" algn="ctr">
-          <a:solidFill>
-            <a:schemeClr val="lt1">
-              <a:hueOff val="0"/>
-              <a:satOff val="0"/>
-              <a:lumOff val="0"/>
-              <a:alphaOff val="0"/>
-            </a:schemeClr>
-          </a:solidFill>
-          <a:prstDash val="solid"/>
-        </a:ln>
-        <a:effectLst/>
-      </dsp:spPr>
-      <dsp:style>
-        <a:lnRef idx="2">
-          <a:scrgbClr r="0" g="0" b="0"/>
-        </a:lnRef>
-        <a:fillRef idx="1">
-          <a:scrgbClr r="0" g="0" b="0"/>
-        </a:fillRef>
-        <a:effectRef idx="0">
-          <a:scrgbClr r="0" g="0" b="0"/>
-        </a:effectRef>
-        <a:fontRef idx="minor">
-          <a:schemeClr val="lt1"/>
-        </a:fontRef>
-      </dsp:style>
-      <dsp:txBody>
-        <a:bodyPr spcFirstLastPara="0" vert="horz" wrap="square" lIns="38100" tIns="38100" rIns="38100" bIns="38100" numCol="1" spcCol="1270" anchor="ctr" anchorCtr="0">
-          <a:noAutofit/>
-        </a:bodyPr>
-        <a:lstStyle/>
-        <a:p>
-          <a:pPr lvl="0" algn="ctr" defTabSz="444500">
-            <a:lnSpc>
-              <a:spcPct val="90000"/>
-            </a:lnSpc>
-            <a:spcBef>
-              <a:spcPct val="0"/>
-            </a:spcBef>
-            <a:spcAft>
-              <a:spcPct val="35000"/>
-            </a:spcAft>
-          </a:pPr>
-          <a:r>
-            <a:rPr lang="fr-FR" sz="1000" kern="1200" dirty="0" smtClean="0"/>
-            <a:t>Procédé</a:t>
-          </a:r>
-        </a:p>
-        <a:p>
-          <a:pPr lvl="0" algn="ctr" defTabSz="444500">
-            <a:lnSpc>
-              <a:spcPct val="90000"/>
-            </a:lnSpc>
-            <a:spcBef>
-              <a:spcPct val="0"/>
-            </a:spcBef>
-            <a:spcAft>
-              <a:spcPct val="35000"/>
-            </a:spcAft>
-          </a:pPr>
-          <a:r>
-            <a:rPr lang="fr-FR" sz="1000" kern="1200" dirty="0" smtClean="0"/>
-            <a:t>Forge, Tournage et taille de engrenages</a:t>
-          </a:r>
-          <a:endParaRPr lang="fr-FR" sz="1000" kern="1200" dirty="0"/>
-        </a:p>
-      </dsp:txBody>
-      <dsp:txXfrm>
-        <a:off x="222484" y="1949991"/>
-        <a:ext cx="1310308" cy="635386"/>
-      </dsp:txXfrm>
-    </dsp:sp>
-    <dsp:sp modelId="{FB6B6323-0F21-4770-9EC5-055D8145946E}">
-      <dsp:nvSpPr>
-        <dsp:cNvPr id="0" name=""/>
-        <dsp:cNvSpPr/>
-      </dsp:nvSpPr>
-      <dsp:spPr>
-        <a:xfrm rot="18000000">
-          <a:off x="1083358" y="1184767"/>
-          <a:ext cx="702623" cy="236222"/>
-        </a:xfrm>
-        <a:prstGeom prst="leftRightArrow">
-          <a:avLst>
-            <a:gd name="adj1" fmla="val 60000"/>
-            <a:gd name="adj2" fmla="val 50000"/>
-          </a:avLst>
-        </a:prstGeom>
-        <a:solidFill>
-          <a:schemeClr val="accent2">
-            <a:hueOff val="-8543487"/>
-            <a:satOff val="24962"/>
-            <a:lumOff val="-4706"/>
-            <a:alphaOff val="0"/>
-          </a:schemeClr>
-        </a:solidFill>
-        <a:ln>
-          <a:noFill/>
-        </a:ln>
-        <a:effectLst/>
-      </dsp:spPr>
-      <dsp:style>
-        <a:lnRef idx="0">
-          <a:scrgbClr r="0" g="0" b="0"/>
-        </a:lnRef>
-        <a:fillRef idx="1">
-          <a:scrgbClr r="0" g="0" b="0"/>
-        </a:fillRef>
-        <a:effectRef idx="0">
-          <a:scrgbClr r="0" g="0" b="0"/>
-        </a:effectRef>
-        <a:fontRef idx="minor">
-          <a:schemeClr val="lt1"/>
-        </a:fontRef>
-      </dsp:style>
-      <dsp:txBody>
-        <a:bodyPr spcFirstLastPara="0" vert="horz" wrap="square" lIns="0" tIns="0" rIns="0" bIns="0" numCol="1" spcCol="1270" anchor="ctr" anchorCtr="0">
-          <a:noAutofit/>
-        </a:bodyPr>
-        <a:lstStyle/>
-        <a:p>
-          <a:pPr lvl="0" algn="ctr" defTabSz="355600">
-            <a:lnSpc>
-              <a:spcPct val="90000"/>
-            </a:lnSpc>
-            <a:spcBef>
-              <a:spcPct val="0"/>
-            </a:spcBef>
-            <a:spcAft>
-              <a:spcPct val="35000"/>
-            </a:spcAft>
-          </a:pPr>
-          <a:endParaRPr lang="fr-FR" sz="800" kern="1200"/>
-        </a:p>
-      </dsp:txBody>
-      <dsp:txXfrm>
-        <a:off x="1154225" y="1232011"/>
-        <a:ext cx="560889" cy="141734"/>
-      </dsp:txXfrm>
-    </dsp:sp>
   </dsp:spTree>
 </dsp:drawing>
 </file>
@@ -5873,7 +4874,7 @@
             <a:fld id="{E494A05E-DEA9-4CEA-A63B-3593EEF3AC45}" type="datetimeFigureOut">
               <a:rPr lang="fr-FR" smtClean="0"/>
               <a:pPr/>
-              <a:t>24/05/2016</a:t>
+              <a:t>27/05/2016</a:t>
             </a:fld>
             <a:endParaRPr lang="fr-FR"/>
           </a:p>
@@ -6421,7 +5422,7 @@
           <a:p>
             <a:fld id="{32E3D6FF-CE74-4F1D-8483-D16BC88A4148}" type="datetime1">
               <a:rPr lang="fr-FR" smtClean="0"/>
-              <a:t>24/05/2016</a:t>
+              <a:t>27/05/2016</a:t>
             </a:fld>
             <a:endParaRPr lang="fr-FR"/>
           </a:p>
@@ -6792,7 +5793,7 @@
           <a:p>
             <a:fld id="{DB20C580-FA0B-49A7-881A-86266CADF638}" type="datetime1">
               <a:rPr lang="fr-FR" smtClean="0"/>
-              <a:t>24/05/2016</a:t>
+              <a:t>27/05/2016</a:t>
             </a:fld>
             <a:endParaRPr lang="fr-FR"/>
           </a:p>
@@ -6972,7 +5973,7 @@
           <a:p>
             <a:fld id="{518F01F2-E379-4247-844F-8288C9462887}" type="datetime1">
               <a:rPr lang="fr-FR" smtClean="0"/>
-              <a:t>24/05/2016</a:t>
+              <a:t>27/05/2016</a:t>
             </a:fld>
             <a:endParaRPr lang="fr-FR"/>
           </a:p>
@@ -7223,7 +6224,7 @@
           <a:p>
             <a:fld id="{58EE6577-BD8D-49F0-9731-70D00DCD9A6A}" type="datetime1">
               <a:rPr lang="fr-FR" smtClean="0"/>
-              <a:t>24/05/2016</a:t>
+              <a:t>27/05/2016</a:t>
             </a:fld>
             <a:endParaRPr lang="fr-FR"/>
           </a:p>
@@ -7550,7 +6551,7 @@
           <a:p>
             <a:fld id="{AEAB8BDD-96FE-4F19-B158-DDB6E8E92F72}" type="datetime1">
               <a:rPr lang="fr-FR" smtClean="0"/>
-              <a:t>24/05/2016</a:t>
+              <a:t>27/05/2016</a:t>
             </a:fld>
             <a:endParaRPr lang="fr-FR"/>
           </a:p>
@@ -7775,7 +6776,7 @@
           <a:p>
             <a:fld id="{67386557-1B0D-43F5-A60B-2CE03B724189}" type="datetime1">
               <a:rPr lang="fr-FR" smtClean="0"/>
-              <a:t>24/05/2016</a:t>
+              <a:t>27/05/2016</a:t>
             </a:fld>
             <a:endParaRPr lang="fr-FR"/>
           </a:p>
@@ -8132,7 +7133,7 @@
           <a:p>
             <a:fld id="{8BD1F960-36DF-4211-BA69-01231A849C93}" type="datetime1">
               <a:rPr lang="fr-FR" smtClean="0"/>
-              <a:t>24/05/2016</a:t>
+              <a:t>27/05/2016</a:t>
             </a:fld>
             <a:endParaRPr lang="fr-FR"/>
           </a:p>
@@ -8369,7 +7370,7 @@
           <a:p>
             <a:fld id="{6DB9E776-FB53-4FA4-B33B-AB15A0E18A13}" type="datetime1">
               <a:rPr lang="fr-FR" smtClean="0"/>
-              <a:t>24/05/2016</a:t>
+              <a:t>27/05/2016</a:t>
             </a:fld>
             <a:endParaRPr lang="fr-FR"/>
           </a:p>
@@ -8514,7 +7515,7 @@
           <a:p>
             <a:fld id="{53CED7B9-ED2C-4532-8614-FA337E3A9D55}" type="datetime1">
               <a:rPr lang="fr-FR" smtClean="0"/>
-              <a:t>24/05/2016</a:t>
+              <a:t>27/05/2016</a:t>
             </a:fld>
             <a:endParaRPr lang="fr-FR"/>
           </a:p>
@@ -8796,7 +7797,7 @@
           <a:p>
             <a:fld id="{1DBA571C-515D-4F9D-ACA8-94DD4C5F5BDF}" type="datetime1">
               <a:rPr lang="fr-FR" smtClean="0"/>
-              <a:t>24/05/2016</a:t>
+              <a:t>27/05/2016</a:t>
             </a:fld>
             <a:endParaRPr lang="fr-FR"/>
           </a:p>
@@ -9208,7 +8209,7 @@
           <a:p>
             <a:fld id="{D3DB0755-CC57-44AB-B9C4-E7820293AA82}" type="datetime1">
               <a:rPr lang="fr-FR" smtClean="0"/>
-              <a:t>24/05/2016</a:t>
+              <a:t>27/05/2016</a:t>
             </a:fld>
             <a:endParaRPr lang="fr-FR"/>
           </a:p>
@@ -9551,7 +8552,7 @@
           <a:p>
             <a:fld id="{C1FD8289-441E-479B-AD0A-3337A8B8D846}" type="datetime1">
               <a:rPr lang="fr-FR" smtClean="0"/>
-              <a:t>24/05/2016</a:t>
+              <a:t>27/05/2016</a:t>
             </a:fld>
             <a:endParaRPr lang="fr-FR"/>
           </a:p>
@@ -10137,7 +9138,11 @@
           <a:p>
             <a:r>
               <a:rPr lang="fr-FR" dirty="0" smtClean="0"/>
-              <a:t>Servomoteur de commande de vanne</a:t>
+              <a:t>Cisaille </a:t>
+            </a:r>
+            <a:r>
+              <a:rPr lang="fr-FR" dirty="0" err="1" smtClean="0"/>
+              <a:t>Hydaulique</a:t>
             </a:r>
             <a:endParaRPr lang="fr-FR" dirty="0"/>
           </a:p>
@@ -10429,34 +9434,6 @@
           </p:sp>
         </mc:Fallback>
       </mc:AlternateContent>
-      <p:pic>
-        <p:nvPicPr>
-          <p:cNvPr id="6" name="Image 5"/>
-          <p:cNvPicPr/>
-          <p:nvPr/>
-        </p:nvPicPr>
-        <p:blipFill>
-          <a:blip r:embed="rId4">
-            <a:extLst>
-              <a:ext uri="{28A0092B-C50C-407E-A947-70E740481C1C}">
-                <a14:useLocalDpi xmlns:a14="http://schemas.microsoft.com/office/drawing/2010/main" val="0"/>
-              </a:ext>
-            </a:extLst>
-          </a:blip>
-          <a:stretch>
-            <a:fillRect/>
-          </a:stretch>
-        </p:blipFill>
-        <p:spPr>
-          <a:xfrm>
-            <a:off x="1043608" y="377813"/>
-            <a:ext cx="1973125" cy="2350764"/>
-          </a:xfrm>
-          <a:prstGeom prst="rect">
-            <a:avLst/>
-          </a:prstGeom>
-        </p:spPr>
-      </p:pic>
       <p:sp>
         <p:nvSpPr>
           <p:cNvPr id="8" name="Espace réservé du numéro de diapositive 7"/>
@@ -10481,6 +9458,39 @@
           </a:p>
         </p:txBody>
       </p:sp>
+      <p:pic>
+        <p:nvPicPr>
+          <p:cNvPr id="7" name="Image 6" descr="Afficher l'image d'origine"/>
+          <p:cNvPicPr/>
+          <p:nvPr/>
+        </p:nvPicPr>
+        <p:blipFill>
+          <a:blip r:embed="rId4" cstate="print">
+            <a:extLst>
+              <a:ext uri="{28A0092B-C50C-407E-A947-70E740481C1C}">
+                <a14:useLocalDpi xmlns:a14="http://schemas.microsoft.com/office/drawing/2010/main" val="0"/>
+              </a:ext>
+            </a:extLst>
+          </a:blip>
+          <a:srcRect/>
+          <a:stretch>
+            <a:fillRect/>
+          </a:stretch>
+        </p:blipFill>
+        <p:spPr bwMode="auto">
+          <a:xfrm>
+            <a:off x="899592" y="620688"/>
+            <a:ext cx="3349168" cy="1764724"/>
+          </a:xfrm>
+          <a:prstGeom prst="rect">
+            <a:avLst/>
+          </a:prstGeom>
+          <a:noFill/>
+          <a:ln>
+            <a:noFill/>
+          </a:ln>
+        </p:spPr>
+      </p:pic>
     </p:spTree>
   </p:cSld>
   <p:clrMapOvr>

--- a/Interrogation_SII/03_Cisaille hydraulique/ServoMoteur_CommandeVanne_Corrige.pptx
+++ b/Interrogation_SII/03_Cisaille hydraulique/ServoMoteur_CommandeVanne_Corrige.pptx
@@ -5,12 +5,16 @@
     <p:sldMasterId id="2147483684" r:id="rId1"/>
   </p:sldMasterIdLst>
   <p:notesMasterIdLst>
-    <p:notesMasterId r:id="rId5"/>
+    <p:notesMasterId r:id="rId9"/>
   </p:notesMasterIdLst>
   <p:sldIdLst>
     <p:sldId id="256" r:id="rId2"/>
-    <p:sldId id="275" r:id="rId3"/>
-    <p:sldId id="282" r:id="rId4"/>
+    <p:sldId id="283" r:id="rId3"/>
+    <p:sldId id="285" r:id="rId4"/>
+    <p:sldId id="275" r:id="rId5"/>
+    <p:sldId id="284" r:id="rId6"/>
+    <p:sldId id="286" r:id="rId7"/>
+    <p:sldId id="282" r:id="rId8"/>
   </p:sldIdLst>
   <p:sldSz cx="9144000" cy="6858000" type="screen4x3"/>
   <p:notesSz cx="6858000" cy="9144000"/>
@@ -115,7 +119,11 @@
         <p14:section name="Section par défaut" id="{C9B3DD92-045B-4322-9572-161E3425DD55}">
           <p14:sldIdLst>
             <p14:sldId id="256"/>
+            <p14:sldId id="283"/>
+            <p14:sldId id="285"/>
             <p14:sldId id="275"/>
+            <p14:sldId id="284"/>
+            <p14:sldId id="286"/>
             <p14:sldId id="282"/>
           </p14:sldIdLst>
         </p14:section>
@@ -3042,7 +3050,7 @@
             <a:fld id="{E494A05E-DEA9-4CEA-A63B-3593EEF3AC45}" type="datetimeFigureOut">
               <a:rPr lang="fr-FR" smtClean="0"/>
               <a:pPr/>
-              <a:t>28/05/2016</a:t>
+              <a:t>29/05/2016</a:t>
             </a:fld>
             <a:endParaRPr lang="fr-FR"/>
           </a:p>
@@ -3590,7 +3598,7 @@
           <a:p>
             <a:fld id="{9C5C4C77-C104-406F-97B3-AEF7EAF56FB1}" type="datetime1">
               <a:rPr lang="fr-FR" smtClean="0"/>
-              <a:t>28/05/2016</a:t>
+              <a:t>29/05/2016</a:t>
             </a:fld>
             <a:endParaRPr lang="fr-FR"/>
           </a:p>
@@ -3961,7 +3969,7 @@
           <a:p>
             <a:fld id="{10DCDD11-3375-42C9-9D68-5C9D09FFFF68}" type="datetime1">
               <a:rPr lang="fr-FR" smtClean="0"/>
-              <a:t>28/05/2016</a:t>
+              <a:t>29/05/2016</a:t>
             </a:fld>
             <a:endParaRPr lang="fr-FR"/>
           </a:p>
@@ -4141,7 +4149,7 @@
           <a:p>
             <a:fld id="{889D6B6F-6E75-4A93-A1F9-B22C02189F31}" type="datetime1">
               <a:rPr lang="fr-FR" smtClean="0"/>
-              <a:t>28/05/2016</a:t>
+              <a:t>29/05/2016</a:t>
             </a:fld>
             <a:endParaRPr lang="fr-FR"/>
           </a:p>
@@ -4392,7 +4400,7 @@
           <a:p>
             <a:fld id="{AA554A50-C167-4589-A808-5B9834C83F3A}" type="datetime1">
               <a:rPr lang="fr-FR" smtClean="0"/>
-              <a:t>28/05/2016</a:t>
+              <a:t>29/05/2016</a:t>
             </a:fld>
             <a:endParaRPr lang="fr-FR"/>
           </a:p>
@@ -4719,7 +4727,7 @@
           <a:p>
             <a:fld id="{D36CEEDF-DD54-4E6F-9549-6A6CA4A3BF45}" type="datetime1">
               <a:rPr lang="fr-FR" smtClean="0"/>
-              <a:t>28/05/2016</a:t>
+              <a:t>29/05/2016</a:t>
             </a:fld>
             <a:endParaRPr lang="fr-FR"/>
           </a:p>
@@ -4944,7 +4952,7 @@
           <a:p>
             <a:fld id="{29F77D22-9681-4254-BD8D-50EDB8FABFA3}" type="datetime1">
               <a:rPr lang="fr-FR" smtClean="0"/>
-              <a:t>28/05/2016</a:t>
+              <a:t>29/05/2016</a:t>
             </a:fld>
             <a:endParaRPr lang="fr-FR"/>
           </a:p>
@@ -5301,7 +5309,7 @@
           <a:p>
             <a:fld id="{2BE63D4A-25B0-43DB-ADF9-11DFCA1DE6B3}" type="datetime1">
               <a:rPr lang="fr-FR" smtClean="0"/>
-              <a:t>28/05/2016</a:t>
+              <a:t>29/05/2016</a:t>
             </a:fld>
             <a:endParaRPr lang="fr-FR"/>
           </a:p>
@@ -5538,7 +5546,7 @@
           <a:p>
             <a:fld id="{BB1EE583-9D6F-4FC5-81AB-E4E0B11488DB}" type="datetime1">
               <a:rPr lang="fr-FR" smtClean="0"/>
-              <a:t>28/05/2016</a:t>
+              <a:t>29/05/2016</a:t>
             </a:fld>
             <a:endParaRPr lang="fr-FR"/>
           </a:p>
@@ -5683,7 +5691,7 @@
           <a:p>
             <a:fld id="{ADA37242-F7A5-4270-A922-CA8DB649FA34}" type="datetime1">
               <a:rPr lang="fr-FR" smtClean="0"/>
-              <a:t>28/05/2016</a:t>
+              <a:t>29/05/2016</a:t>
             </a:fld>
             <a:endParaRPr lang="fr-FR"/>
           </a:p>
@@ -5965,7 +5973,7 @@
           <a:p>
             <a:fld id="{CF3D0D0F-79DC-4CC2-97A5-217437E35895}" type="datetime1">
               <a:rPr lang="fr-FR" smtClean="0"/>
-              <a:t>28/05/2016</a:t>
+              <a:t>29/05/2016</a:t>
             </a:fld>
             <a:endParaRPr lang="fr-FR"/>
           </a:p>
@@ -6377,7 +6385,7 @@
           <a:p>
             <a:fld id="{0134C7D6-272F-4200-BC74-C5527C571EBB}" type="datetime1">
               <a:rPr lang="fr-FR" smtClean="0"/>
-              <a:t>28/05/2016</a:t>
+              <a:t>29/05/2016</a:t>
             </a:fld>
             <a:endParaRPr lang="fr-FR"/>
           </a:p>
@@ -6720,7 +6728,7 @@
           <a:p>
             <a:fld id="{EBEC7BBB-73EA-4F4C-A390-AA5DBD5B46A9}" type="datetime1">
               <a:rPr lang="fr-FR" smtClean="0"/>
-              <a:t>28/05/2016</a:t>
+              <a:t>29/05/2016</a:t>
             </a:fld>
             <a:endParaRPr lang="fr-FR"/>
           </a:p>
@@ -7708,7 +7716,7 @@
           <a:p>
             <a:r>
               <a:rPr lang="fr-FR" dirty="0" smtClean="0"/>
-              <a:t>Modéliser la transmission mécanique</a:t>
+              <a:t>Temps de coupe d’une barre</a:t>
             </a:r>
             <a:endParaRPr lang="fr-FR" dirty="0"/>
           </a:p>
@@ -7761,6 +7769,354 @@
           </a:p>
         </p:txBody>
       </p:sp>
+      <p:sp>
+        <p:nvSpPr>
+          <p:cNvPr id="5" name="Espace réservé du contenu 4"/>
+          <p:cNvSpPr>
+            <a:spLocks noGrp="1"/>
+          </p:cNvSpPr>
+          <p:nvPr>
+            <p:ph sz="quarter" idx="1"/>
+          </p:nvPr>
+        </p:nvSpPr>
+        <p:spPr/>
+        <p:txBody>
+          <a:bodyPr>
+            <a:normAutofit fontScale="92500" lnSpcReduction="20000"/>
+          </a:bodyPr>
+          <a:lstStyle/>
+          <a:p>
+            <a:r>
+              <a:rPr lang="fr-FR" dirty="0" smtClean="0"/>
+              <a:t>En mesurant sur le plan, le rapport de réduction du train d’engrenage est de 0,15.  L’axe à excentrique tourne donc à la fréquence de rotation de 150 tour/min ou 2,5 tours/s.</a:t>
+            </a:r>
+          </a:p>
+          <a:p>
+            <a:r>
+              <a:rPr lang="fr-FR" dirty="0" smtClean="0"/>
+              <a:t>Un tour de pompe dure donc environ 0,4 s. </a:t>
+            </a:r>
+          </a:p>
+          <a:p>
+            <a:pPr lvl="1"/>
+            <a:r>
+              <a:rPr lang="fr-FR" dirty="0" smtClean="0"/>
+              <a:t>Course du piston : 8 mm</a:t>
+            </a:r>
+          </a:p>
+          <a:p>
+            <a:pPr lvl="1"/>
+            <a:r>
+              <a:rPr lang="fr-FR" dirty="0" smtClean="0"/>
+              <a:t>Diamètre du piston : 16,4 mm</a:t>
+            </a:r>
+          </a:p>
+          <a:p>
+            <a:pPr lvl="1"/>
+            <a:r>
+              <a:rPr lang="fr-FR" dirty="0" smtClean="0"/>
+              <a:t>Volume cylindre : 1 690 mm</a:t>
+            </a:r>
+            <a:r>
+              <a:rPr lang="fr-FR" baseline="30000" dirty="0" smtClean="0"/>
+              <a:t>3</a:t>
+            </a:r>
+          </a:p>
+          <a:p>
+            <a:pPr lvl="1"/>
+            <a:r>
+              <a:rPr lang="fr-FR" dirty="0" smtClean="0"/>
+              <a:t>Cylindrée : 3380 mm</a:t>
+            </a:r>
+            <a:r>
+              <a:rPr lang="fr-FR" baseline="30000" dirty="0" smtClean="0"/>
+              <a:t>3</a:t>
+            </a:r>
+            <a:r>
+              <a:rPr lang="fr-FR" dirty="0" smtClean="0"/>
+              <a:t> pour un tour de pompe.</a:t>
+            </a:r>
+          </a:p>
+          <a:p>
+            <a:r>
+              <a:rPr lang="fr-FR" dirty="0" smtClean="0"/>
+              <a:t>Piston : </a:t>
+            </a:r>
+          </a:p>
+          <a:p>
+            <a:pPr lvl="1"/>
+            <a:r>
+              <a:rPr lang="fr-FR" dirty="0" smtClean="0"/>
+              <a:t>Course : 16 mm</a:t>
+            </a:r>
+          </a:p>
+          <a:p>
+            <a:pPr lvl="1"/>
+            <a:r>
+              <a:rPr lang="fr-FR" dirty="0" smtClean="0"/>
+              <a:t>Diamètre : 54 mm</a:t>
+            </a:r>
+          </a:p>
+          <a:p>
+            <a:pPr lvl="1"/>
+            <a:r>
+              <a:rPr lang="fr-FR" dirty="0" smtClean="0"/>
+              <a:t>Volume : 36 644</a:t>
+            </a:r>
+            <a:r>
+              <a:rPr lang="fr-FR" dirty="0"/>
+              <a:t> mm</a:t>
+            </a:r>
+            <a:r>
+              <a:rPr lang="fr-FR" baseline="30000" dirty="0"/>
+              <a:t>3</a:t>
+            </a:r>
+            <a:endParaRPr lang="fr-FR" dirty="0" smtClean="0"/>
+          </a:p>
+          <a:p>
+            <a:r>
+              <a:rPr lang="fr-FR" dirty="0" smtClean="0"/>
+              <a:t>Temps pour couper la barre : </a:t>
+            </a:r>
+          </a:p>
+          <a:p>
+            <a:pPr lvl="1"/>
+            <a:r>
+              <a:rPr lang="fr-FR" dirty="0" smtClean="0"/>
+              <a:t>11 tours de pompe</a:t>
+            </a:r>
+          </a:p>
+          <a:p>
+            <a:pPr lvl="1"/>
+            <a:r>
+              <a:rPr lang="fr-FR" dirty="0" smtClean="0"/>
+              <a:t>4,33 secondes</a:t>
+            </a:r>
+          </a:p>
+          <a:p>
+            <a:pPr lvl="1"/>
+            <a:endParaRPr lang="fr-FR" dirty="0" smtClean="0"/>
+          </a:p>
+        </p:txBody>
+      </p:sp>
+    </p:spTree>
+    <p:extLst>
+      <p:ext uri="{BB962C8B-B14F-4D97-AF65-F5344CB8AC3E}">
+        <p14:creationId xmlns:p14="http://schemas.microsoft.com/office/powerpoint/2010/main" val="223736866"/>
+      </p:ext>
+    </p:extLst>
+  </p:cSld>
+  <p:clrMapOvr>
+    <a:masterClrMapping/>
+  </p:clrMapOvr>
+</p:sld>
+</file>
+
+<file path=ppt/slides/slide3.xml><?xml version="1.0" encoding="utf-8"?>
+<p:sld xmlns:a="http://schemas.openxmlformats.org/drawingml/2006/main" xmlns:r="http://schemas.openxmlformats.org/officeDocument/2006/relationships" xmlns:p="http://schemas.openxmlformats.org/presentationml/2006/main">
+  <p:cSld>
+    <p:spTree>
+      <p:nvGrpSpPr>
+        <p:cNvPr id="1" name=""/>
+        <p:cNvGrpSpPr/>
+        <p:nvPr/>
+      </p:nvGrpSpPr>
+      <p:grpSpPr>
+        <a:xfrm>
+          <a:off x="0" y="0"/>
+          <a:ext cx="0" cy="0"/>
+          <a:chOff x="0" y="0"/>
+          <a:chExt cx="0" cy="0"/>
+        </a:xfrm>
+      </p:grpSpPr>
+      <p:sp>
+        <p:nvSpPr>
+          <p:cNvPr id="2" name="Titre 1"/>
+          <p:cNvSpPr>
+            <a:spLocks noGrp="1"/>
+          </p:cNvSpPr>
+          <p:nvPr>
+            <p:ph type="title"/>
+          </p:nvPr>
+        </p:nvSpPr>
+        <p:spPr/>
+        <p:txBody>
+          <a:bodyPr/>
+          <a:lstStyle/>
+          <a:p>
+            <a:r>
+              <a:rPr lang="fr-FR" dirty="0"/>
+              <a:t>Modéliser la transmission mécanique</a:t>
+            </a:r>
+          </a:p>
+        </p:txBody>
+      </p:sp>
+      <p:sp>
+        <p:nvSpPr>
+          <p:cNvPr id="3" name="Espace réservé du pied de page 2"/>
+          <p:cNvSpPr>
+            <a:spLocks noGrp="1"/>
+          </p:cNvSpPr>
+          <p:nvPr>
+            <p:ph type="ftr" sz="quarter" idx="11"/>
+          </p:nvPr>
+        </p:nvSpPr>
+        <p:spPr/>
+        <p:txBody>
+          <a:bodyPr/>
+          <a:lstStyle/>
+          <a:p>
+            <a:r>
+              <a:rPr lang="fr-FR" smtClean="0"/>
+              <a:t>Cisaille hydraulique - Équipe pédagogique PT</a:t>
+            </a:r>
+            <a:endParaRPr lang="fr-FR" dirty="0"/>
+          </a:p>
+        </p:txBody>
+      </p:sp>
+      <p:sp>
+        <p:nvSpPr>
+          <p:cNvPr id="4" name="Espace réservé du numéro de diapositive 3"/>
+          <p:cNvSpPr>
+            <a:spLocks noGrp="1"/>
+          </p:cNvSpPr>
+          <p:nvPr>
+            <p:ph type="sldNum" sz="quarter" idx="12"/>
+          </p:nvPr>
+        </p:nvSpPr>
+        <p:spPr/>
+        <p:txBody>
+          <a:bodyPr/>
+          <a:lstStyle/>
+          <a:p>
+            <a:fld id="{3F1D8263-54E8-442D-88B4-DA252C595E3D}" type="slidenum">
+              <a:rPr lang="fr-FR" smtClean="0"/>
+              <a:pPr/>
+              <a:t>3</a:t>
+            </a:fld>
+            <a:endParaRPr lang="fr-FR"/>
+          </a:p>
+        </p:txBody>
+      </p:sp>
+      <p:sp>
+        <p:nvSpPr>
+          <p:cNvPr id="5" name="Espace réservé du contenu 4"/>
+          <p:cNvSpPr>
+            <a:spLocks noGrp="1"/>
+          </p:cNvSpPr>
+          <p:nvPr>
+            <p:ph sz="quarter" idx="1"/>
+          </p:nvPr>
+        </p:nvSpPr>
+        <p:spPr/>
+        <p:txBody>
+          <a:bodyPr/>
+          <a:lstStyle/>
+          <a:p>
+            <a:endParaRPr lang="fr-FR"/>
+          </a:p>
+        </p:txBody>
+      </p:sp>
+    </p:spTree>
+    <p:extLst>
+      <p:ext uri="{BB962C8B-B14F-4D97-AF65-F5344CB8AC3E}">
+        <p14:creationId xmlns:p14="http://schemas.microsoft.com/office/powerpoint/2010/main" val="4070950546"/>
+      </p:ext>
+    </p:extLst>
+  </p:cSld>
+  <p:clrMapOvr>
+    <a:masterClrMapping/>
+  </p:clrMapOvr>
+</p:sld>
+</file>
+
+<file path=ppt/slides/slide4.xml><?xml version="1.0" encoding="utf-8"?>
+<p:sld xmlns:a="http://schemas.openxmlformats.org/drawingml/2006/main" xmlns:r="http://schemas.openxmlformats.org/officeDocument/2006/relationships" xmlns:p="http://schemas.openxmlformats.org/presentationml/2006/main">
+  <p:cSld>
+    <p:spTree>
+      <p:nvGrpSpPr>
+        <p:cNvPr id="1" name=""/>
+        <p:cNvGrpSpPr/>
+        <p:nvPr/>
+      </p:nvGrpSpPr>
+      <p:grpSpPr>
+        <a:xfrm>
+          <a:off x="0" y="0"/>
+          <a:ext cx="0" cy="0"/>
+          <a:chOff x="0" y="0"/>
+          <a:chExt cx="0" cy="0"/>
+        </a:xfrm>
+      </p:grpSpPr>
+      <p:sp>
+        <p:nvSpPr>
+          <p:cNvPr id="2" name="Titre 1"/>
+          <p:cNvSpPr>
+            <a:spLocks noGrp="1"/>
+          </p:cNvSpPr>
+          <p:nvPr>
+            <p:ph type="title"/>
+          </p:nvPr>
+        </p:nvSpPr>
+        <p:spPr/>
+        <p:txBody>
+          <a:bodyPr/>
+          <a:lstStyle/>
+          <a:p>
+            <a:r>
+              <a:rPr lang="fr-FR" dirty="0" smtClean="0"/>
+              <a:t>Modéliser la transmission mécanique</a:t>
+            </a:r>
+            <a:endParaRPr lang="fr-FR" dirty="0"/>
+          </a:p>
+        </p:txBody>
+      </p:sp>
+      <p:sp>
+        <p:nvSpPr>
+          <p:cNvPr id="3" name="Espace réservé du pied de page 2"/>
+          <p:cNvSpPr>
+            <a:spLocks noGrp="1"/>
+          </p:cNvSpPr>
+          <p:nvPr>
+            <p:ph type="ftr" sz="quarter" idx="11"/>
+          </p:nvPr>
+        </p:nvSpPr>
+        <p:spPr/>
+        <p:txBody>
+          <a:bodyPr/>
+          <a:lstStyle/>
+          <a:p>
+            <a:r>
+              <a:rPr lang="fr-FR" smtClean="0"/>
+              <a:t>Cisaille hydraulique - Équipe pédagogique PT</a:t>
+            </a:r>
+            <a:endParaRPr lang="fr-FR" dirty="0"/>
+          </a:p>
+        </p:txBody>
+      </p:sp>
+      <p:sp>
+        <p:nvSpPr>
+          <p:cNvPr id="4" name="Espace réservé du numéro de diapositive 3"/>
+          <p:cNvSpPr>
+            <a:spLocks noGrp="1"/>
+          </p:cNvSpPr>
+          <p:nvPr>
+            <p:ph type="sldNum" sz="quarter" idx="12"/>
+          </p:nvPr>
+        </p:nvSpPr>
+        <p:spPr/>
+        <p:txBody>
+          <a:bodyPr/>
+          <a:lstStyle/>
+          <a:p>
+            <a:fld id="{3F1D8263-54E8-442D-88B4-DA252C595E3D}" type="slidenum">
+              <a:rPr lang="fr-FR" smtClean="0"/>
+              <a:pPr/>
+              <a:t>4</a:t>
+            </a:fld>
+            <a:endParaRPr lang="fr-FR"/>
+          </a:p>
+        </p:txBody>
+      </p:sp>
       <mc:AlternateContent xmlns:mc="http://schemas.openxmlformats.org/markup-compatibility/2006">
         <mc:Choice xmlns:a14="http://schemas.microsoft.com/office/drawing/2010/main" Requires="a14">
           <p:sp>
@@ -7775,12 +8131,14 @@
             </p:nvSpPr>
             <p:spPr>
               <a:xfrm>
-                <a:off x="457200" y="1219200"/>
-                <a:ext cx="4978896" cy="4937760"/>
+                <a:off x="179512" y="1219200"/>
+                <a:ext cx="5256584" cy="4937760"/>
               </a:xfrm>
             </p:spPr>
             <p:txBody>
-              <a:bodyPr/>
+              <a:bodyPr>
+                <a:normAutofit fontScale="85000" lnSpcReduction="10000"/>
+              </a:bodyPr>
               <a:lstStyle/>
               <a:p>
                 <a:r>
@@ -7789,7 +8147,293 @@
                 </a:r>
               </a:p>
               <a:p>
-                <a14:m/>
+                <a14:m>
+                  <m:oMath xmlns:m="http://schemas.openxmlformats.org/officeDocument/2006/math">
+                    <m:acc>
+                      <m:accPr>
+                        <m:chr m:val="⃗"/>
+                        <m:ctrlPr>
+                          <a:rPr lang="fr-FR" i="1">
+                            <a:latin typeface="Cambria Math"/>
+                          </a:rPr>
+                        </m:ctrlPr>
+                      </m:accPr>
+                      <m:e>
+                        <m:r>
+                          <a:rPr lang="fr-FR" i="1">
+                            <a:latin typeface="Cambria Math"/>
+                          </a:rPr>
+                          <m:t>𝐴</m:t>
+                        </m:r>
+                        <m:r>
+                          <a:rPr lang="fr-FR" b="0" i="1" smtClean="0">
+                            <a:latin typeface="Cambria Math"/>
+                          </a:rPr>
+                          <m:t>𝐵</m:t>
+                        </m:r>
+                      </m:e>
+                    </m:acc>
+                    <m:r>
+                      <a:rPr lang="fr-FR" b="0" i="1" smtClean="0">
+                        <a:latin typeface="Cambria Math"/>
+                      </a:rPr>
+                      <m:t>+</m:t>
+                    </m:r>
+                    <m:acc>
+                      <m:accPr>
+                        <m:chr m:val="⃗"/>
+                        <m:ctrlPr>
+                          <a:rPr lang="fr-FR" i="1">
+                            <a:latin typeface="Cambria Math"/>
+                          </a:rPr>
+                        </m:ctrlPr>
+                      </m:accPr>
+                      <m:e>
+                        <m:r>
+                          <a:rPr lang="fr-FR" b="0" i="1" smtClean="0">
+                            <a:latin typeface="Cambria Math"/>
+                          </a:rPr>
+                          <m:t>𝐵</m:t>
+                        </m:r>
+                        <m:r>
+                          <a:rPr lang="fr-FR" i="1">
+                            <a:latin typeface="Cambria Math"/>
+                          </a:rPr>
+                          <m:t>𝐶</m:t>
+                        </m:r>
+                      </m:e>
+                    </m:acc>
+                    <m:r>
+                      <a:rPr lang="fr-FR" b="0" i="1" smtClean="0">
+                        <a:latin typeface="Cambria Math"/>
+                      </a:rPr>
+                      <m:t>+</m:t>
+                    </m:r>
+                    <m:acc>
+                      <m:accPr>
+                        <m:chr m:val="⃗"/>
+                        <m:ctrlPr>
+                          <a:rPr lang="fr-FR" i="1">
+                            <a:latin typeface="Cambria Math"/>
+                          </a:rPr>
+                        </m:ctrlPr>
+                      </m:accPr>
+                      <m:e>
+                        <m:r>
+                          <a:rPr lang="fr-FR" i="1">
+                            <a:latin typeface="Cambria Math"/>
+                          </a:rPr>
+                          <m:t>𝐶</m:t>
+                        </m:r>
+                        <m:r>
+                          <a:rPr lang="fr-FR" b="0" i="1" smtClean="0">
+                            <a:latin typeface="Cambria Math"/>
+                          </a:rPr>
+                          <m:t>𝐴</m:t>
+                        </m:r>
+                      </m:e>
+                    </m:acc>
+                    <m:r>
+                      <a:rPr lang="fr-FR" b="0" i="1" smtClean="0">
+                        <a:latin typeface="Cambria Math"/>
+                      </a:rPr>
+                      <m:t>=</m:t>
+                    </m:r>
+                    <m:acc>
+                      <m:accPr>
+                        <m:chr m:val="⃗"/>
+                        <m:ctrlPr>
+                          <a:rPr lang="fr-FR" b="0" i="1" smtClean="0">
+                            <a:latin typeface="Cambria Math"/>
+                          </a:rPr>
+                        </m:ctrlPr>
+                      </m:accPr>
+                      <m:e>
+                        <m:r>
+                          <a:rPr lang="fr-FR" b="0" i="1" smtClean="0">
+                            <a:latin typeface="Cambria Math"/>
+                          </a:rPr>
+                          <m:t>0</m:t>
+                        </m:r>
+                      </m:e>
+                    </m:acc>
+                    <m:r>
+                      <a:rPr lang="fr-FR" b="0" i="1" smtClean="0">
+                        <a:latin typeface="Cambria Math"/>
+                      </a:rPr>
+                      <m:t>⇔</m:t>
+                    </m:r>
+                    <m:r>
+                      <a:rPr lang="fr-FR" b="0" i="1" smtClean="0">
+                        <a:latin typeface="Cambria Math"/>
+                      </a:rPr>
+                      <m:t>h</m:t>
+                    </m:r>
+                    <m:acc>
+                      <m:accPr>
+                        <m:chr m:val="⃗"/>
+                        <m:ctrlPr>
+                          <a:rPr lang="fr-FR" b="0" i="1" smtClean="0">
+                            <a:latin typeface="Cambria Math"/>
+                          </a:rPr>
+                        </m:ctrlPr>
+                      </m:accPr>
+                      <m:e>
+                        <m:sSub>
+                          <m:sSubPr>
+                            <m:ctrlPr>
+                              <a:rPr lang="fr-FR" b="0" i="1" smtClean="0">
+                                <a:latin typeface="Cambria Math"/>
+                              </a:rPr>
+                            </m:ctrlPr>
+                          </m:sSubPr>
+                          <m:e>
+                            <m:r>
+                              <a:rPr lang="fr-FR" b="0" i="1" smtClean="0">
+                                <a:latin typeface="Cambria Math"/>
+                              </a:rPr>
+                              <m:t>𝑦</m:t>
+                            </m:r>
+                          </m:e>
+                          <m:sub>
+                            <m:r>
+                              <a:rPr lang="fr-FR" b="0" i="1" smtClean="0">
+                                <a:latin typeface="Cambria Math"/>
+                              </a:rPr>
+                              <m:t>0</m:t>
+                            </m:r>
+                          </m:sub>
+                        </m:sSub>
+                      </m:e>
+                    </m:acc>
+                    <m:r>
+                      <a:rPr lang="fr-FR" b="0" i="1" smtClean="0">
+                        <a:latin typeface="Cambria Math"/>
+                      </a:rPr>
+                      <m:t>+</m:t>
+                    </m:r>
+                    <m:r>
+                      <a:rPr lang="fr-FR" b="0" i="1" smtClean="0">
+                        <a:latin typeface="Cambria Math"/>
+                      </a:rPr>
+                      <m:t>𝑒</m:t>
+                    </m:r>
+                    <m:acc>
+                      <m:accPr>
+                        <m:chr m:val="⃗"/>
+                        <m:ctrlPr>
+                          <a:rPr lang="fr-FR" b="0" i="1" smtClean="0">
+                            <a:latin typeface="Cambria Math"/>
+                          </a:rPr>
+                        </m:ctrlPr>
+                      </m:accPr>
+                      <m:e>
+                        <m:sSub>
+                          <m:sSubPr>
+                            <m:ctrlPr>
+                              <a:rPr lang="fr-FR" b="0" i="1" smtClean="0">
+                                <a:latin typeface="Cambria Math"/>
+                              </a:rPr>
+                            </m:ctrlPr>
+                          </m:sSubPr>
+                          <m:e>
+                            <m:r>
+                              <a:rPr lang="fr-FR" b="0" i="1" smtClean="0">
+                                <a:latin typeface="Cambria Math"/>
+                              </a:rPr>
+                              <m:t>𝑥</m:t>
+                            </m:r>
+                          </m:e>
+                          <m:sub>
+                            <m:r>
+                              <a:rPr lang="fr-FR" b="0" i="1" smtClean="0">
+                                <a:latin typeface="Cambria Math"/>
+                              </a:rPr>
+                              <m:t>1</m:t>
+                            </m:r>
+                          </m:sub>
+                        </m:sSub>
+                      </m:e>
+                    </m:acc>
+                    <m:r>
+                      <a:rPr lang="fr-FR" b="0" i="1" smtClean="0">
+                        <a:latin typeface="Cambria Math"/>
+                      </a:rPr>
+                      <m:t>−</m:t>
+                    </m:r>
+                    <m:r>
+                      <a:rPr lang="fr-FR" b="0" i="1" smtClean="0">
+                        <a:latin typeface="Cambria Math"/>
+                      </a:rPr>
+                      <m:t>𝜆</m:t>
+                    </m:r>
+                    <m:acc>
+                      <m:accPr>
+                        <m:chr m:val="⃗"/>
+                        <m:ctrlPr>
+                          <a:rPr lang="fr-FR" b="0" i="1" smtClean="0">
+                            <a:latin typeface="Cambria Math"/>
+                          </a:rPr>
+                        </m:ctrlPr>
+                      </m:accPr>
+                      <m:e>
+                        <m:sSub>
+                          <m:sSubPr>
+                            <m:ctrlPr>
+                              <a:rPr lang="fr-FR" b="0" i="1" smtClean="0">
+                                <a:latin typeface="Cambria Math"/>
+                              </a:rPr>
+                            </m:ctrlPr>
+                          </m:sSubPr>
+                          <m:e>
+                            <m:r>
+                              <a:rPr lang="fr-FR" b="0" i="1" smtClean="0">
+                                <a:latin typeface="Cambria Math"/>
+                              </a:rPr>
+                              <m:t>𝑦</m:t>
+                            </m:r>
+                          </m:e>
+                          <m:sub>
+                            <m:r>
+                              <a:rPr lang="fr-FR" b="0" i="1" smtClean="0">
+                                <a:latin typeface="Cambria Math"/>
+                              </a:rPr>
+                              <m:t>3</m:t>
+                            </m:r>
+                          </m:sub>
+                        </m:sSub>
+                      </m:e>
+                    </m:acc>
+                    <m:r>
+                      <a:rPr lang="fr-FR" b="0" i="1" smtClean="0">
+                        <a:latin typeface="Cambria Math"/>
+                      </a:rPr>
+                      <m:t>=</m:t>
+                    </m:r>
+                    <m:acc>
+                      <m:accPr>
+                        <m:chr m:val="⃗"/>
+                        <m:ctrlPr>
+                          <a:rPr lang="fr-FR" i="1">
+                            <a:latin typeface="Cambria Math"/>
+                          </a:rPr>
+                        </m:ctrlPr>
+                      </m:accPr>
+                      <m:e>
+                        <m:r>
+                          <a:rPr lang="fr-FR" i="1">
+                            <a:latin typeface="Cambria Math"/>
+                          </a:rPr>
+                          <m:t>0</m:t>
+                        </m:r>
+                      </m:e>
+                    </m:acc>
+                  </m:oMath>
+                </a14:m>
+                <a:endParaRPr lang="fr-FR" dirty="0" smtClean="0"/>
+              </a:p>
+              <a:p>
+                <a:endParaRPr lang="fr-FR" dirty="0" smtClean="0"/>
               </a:p>
               <a:p>
                 <a:endParaRPr lang="fr-FR" dirty="0" smtClean="0"/>
@@ -7797,7 +8441,15 @@
               <a:p>
                 <a:r>
                   <a:rPr lang="fr-FR" dirty="0" smtClean="0"/>
-                  <a:t>On projette l’équation sur </a:t>
+                  <a:t>Méthode 1 : on </a:t>
+                </a:r>
+                <a:r>
+                  <a:rPr lang="fr-FR" dirty="0" smtClean="0"/>
+                  <a:t>projette l’équation </a:t>
+                </a:r>
+                <a:r>
+                  <a:rPr lang="fr-FR" dirty="0" smtClean="0"/>
+                  <a:t>sur </a:t>
                 </a:r>
                 <a14:m>
                   <m:oMath xmlns:m="http://schemas.openxmlformats.org/officeDocument/2006/math">
@@ -7814,22 +8466,22 @@
                         <m:sSub>
                           <m:sSubPr>
                             <m:ctrlPr>
-                              <a:rPr lang="fr-FR" i="1">
+                              <a:rPr lang="fr-FR" i="1" smtClean="0">
                                 <a:latin typeface="Cambria Math"/>
                               </a:rPr>
                             </m:ctrlPr>
                           </m:sSubPr>
                           <m:e>
                             <m:r>
-                              <a:rPr lang="fr-FR" i="1">
+                              <a:rPr lang="fr-FR" b="0" i="1" smtClean="0">
                                 <a:latin typeface="Cambria Math"/>
                               </a:rPr>
-                              <m:t>𝑦</m:t>
+                              <m:t>𝑥</m:t>
                             </m:r>
                           </m:e>
                           <m:sub>
                             <m:r>
-                              <a:rPr lang="fr-FR" i="1">
+                              <a:rPr lang="fr-FR" b="0" i="1" smtClean="0">
                                 <a:latin typeface="Cambria Math"/>
                               </a:rPr>
                               <m:t>3</m:t>
@@ -7843,13 +8495,14 @@
                 <a:endParaRPr lang="fr-FR" dirty="0" smtClean="0"/>
               </a:p>
               <a:p>
+                <a:pPr lvl="1"/>
                 <a14:m>
                   <m:oMath xmlns:m="http://schemas.openxmlformats.org/officeDocument/2006/math">
                     <m:r>
-                      <a:rPr lang="fr-FR" i="1">
+                      <a:rPr lang="fr-FR" b="0" i="1" smtClean="0">
                         <a:latin typeface="Cambria Math"/>
                       </a:rPr>
-                      <m:t>𝑒</m:t>
+                      <m:t>h</m:t>
                     </m:r>
                     <m:func>
                       <m:funcPr>
@@ -7871,6 +8524,71 @@
                         </m:r>
                       </m:fName>
                       <m:e>
+                        <m:sSub>
+                          <m:sSubPr>
+                            <m:ctrlPr>
+                              <a:rPr lang="fr-FR" b="0" i="1" smtClean="0">
+                                <a:latin typeface="Cambria Math"/>
+                              </a:rPr>
+                            </m:ctrlPr>
+                          </m:sSubPr>
+                          <m:e>
+                            <m:r>
+                              <a:rPr lang="fr-FR" b="0" i="1" smtClean="0">
+                                <a:latin typeface="Cambria Math"/>
+                              </a:rPr>
+                              <m:t>𝜃</m:t>
+                            </m:r>
+                          </m:e>
+                          <m:sub>
+                            <m:r>
+                              <a:rPr lang="fr-FR" b="0" i="1" smtClean="0">
+                                <a:latin typeface="Cambria Math"/>
+                              </a:rPr>
+                              <m:t>3</m:t>
+                            </m:r>
+                          </m:sub>
+                        </m:sSub>
+                      </m:e>
+                    </m:func>
+                    <m:r>
+                      <a:rPr lang="fr-FR" b="0" i="1" smtClean="0">
+                        <a:latin typeface="Cambria Math"/>
+                      </a:rPr>
+                      <m:t>𝑒</m:t>
+                    </m:r>
+                    <m:r>
+                      <a:rPr lang="fr-FR" i="1">
+                        <a:latin typeface="Cambria Math"/>
+                      </a:rPr>
+                      <m:t>+</m:t>
+                    </m:r>
+                    <m:r>
+                      <a:rPr lang="fr-FR" b="0" i="1" smtClean="0">
+                        <a:latin typeface="Cambria Math"/>
+                      </a:rPr>
+                      <m:t>𝑒</m:t>
+                    </m:r>
+                    <m:func>
+                      <m:funcPr>
+                        <m:ctrlPr>
+                          <a:rPr lang="fr-FR" b="0" i="1" smtClean="0">
+                            <a:latin typeface="Cambria Math"/>
+                          </a:rPr>
+                        </m:ctrlPr>
+                      </m:funcPr>
+                      <m:fName>
+                        <m:r>
+                          <m:rPr>
+                            <m:sty m:val="p"/>
+                          </m:rPr>
+                          <a:rPr lang="fr-FR" b="0" i="0" smtClean="0">
+                            <a:latin typeface="Cambria Math"/>
+                          </a:rPr>
+                          <m:t>cos</m:t>
+                        </m:r>
+                      </m:fName>
+                      <m:e>
                         <m:d>
                           <m:dPr>
                             <m:ctrlPr>
@@ -7883,14 +8601,14 @@
                             <m:sSub>
                               <m:sSubPr>
                                 <m:ctrlPr>
-                                  <a:rPr lang="fr-FR" b="0" i="1" smtClean="0">
+                                  <a:rPr lang="fr-FR" i="1">
                                     <a:latin typeface="Cambria Math"/>
                                   </a:rPr>
                                 </m:ctrlPr>
                               </m:sSubPr>
                               <m:e>
                                 <m:r>
-                                  <a:rPr lang="fr-FR" b="0" i="1" smtClean="0">
+                                  <a:rPr lang="fr-FR" i="1">
                                     <a:latin typeface="Cambria Math"/>
                                   </a:rPr>
                                   <m:t>𝜃</m:t>
@@ -7944,25 +8662,388 @@
                       <a:rPr lang="fr-FR" i="1">
                         <a:latin typeface="Cambria Math"/>
                       </a:rPr>
-                      <m:t>+</m:t>
+                      <m:t>=</m:t>
                     </m:r>
                     <m:r>
-                      <a:rPr lang="fr-FR" i="1">
+                      <a:rPr lang="fr-FR" b="0" i="1" smtClean="0">
                         <a:latin typeface="Cambria Math"/>
                       </a:rPr>
-                      <m:t>𝜇</m:t>
+                      <m:t>0</m:t>
+                    </m:r>
+                  </m:oMath>
+                </a14:m>
+                <a:endParaRPr lang="fr-FR" dirty="0" smtClean="0"/>
+              </a:p>
+              <a:p>
+                <a:r>
+                  <a:rPr lang="fr-FR" dirty="0" smtClean="0"/>
+                  <a:t>Méthode 2 : projection dans </a:t>
+                </a:r>
+                <a14:m>
+                  <m:oMath xmlns:m="http://schemas.openxmlformats.org/officeDocument/2006/math">
+                    <m:sSub>
+                      <m:sSubPr>
+                        <m:ctrlPr>
+                          <a:rPr lang="fr-FR" b="0" i="1" smtClean="0">
+                            <a:latin typeface="Cambria Math"/>
+                          </a:rPr>
+                        </m:ctrlPr>
+                      </m:sSubPr>
+                      <m:e>
+                        <m:r>
+                          <a:rPr lang="fr-FR" b="0" i="1" smtClean="0">
+                            <a:latin typeface="Cambria Math"/>
+                          </a:rPr>
+                          <m:t>𝑅</m:t>
+                        </m:r>
+                      </m:e>
+                      <m:sub>
+                        <m:r>
+                          <a:rPr lang="fr-FR" b="0" i="1" smtClean="0">
+                            <a:latin typeface="Cambria Math"/>
+                          </a:rPr>
+                          <m:t>0</m:t>
+                        </m:r>
+                      </m:sub>
+                    </m:sSub>
+                  </m:oMath>
+                </a14:m>
+                <a:r>
+                  <a:rPr lang="fr-FR" dirty="0" smtClean="0"/>
+                  <a:t>:</a:t>
+                </a:r>
+              </a:p>
+              <a:p>
+                <a:pPr lvl="1"/>
+                <a14:m>
+                  <m:oMath xmlns:m="http://schemas.openxmlformats.org/officeDocument/2006/math">
+                    <m:r>
+                      <a:rPr lang="fr-FR" b="0" i="1" smtClean="0">
+                        <a:latin typeface="Cambria Math"/>
+                      </a:rPr>
+                      <m:t>𝑒</m:t>
+                    </m:r>
+                    <m:func>
+                      <m:funcPr>
+                        <m:ctrlPr>
+                          <a:rPr lang="fr-FR" b="0" i="1" smtClean="0">
+                            <a:latin typeface="Cambria Math"/>
+                          </a:rPr>
+                        </m:ctrlPr>
+                      </m:funcPr>
+                      <m:fName>
+                        <m:r>
+                          <m:rPr>
+                            <m:sty m:val="p"/>
+                          </m:rPr>
+                          <a:rPr lang="fr-FR" b="0" i="0" smtClean="0">
+                            <a:latin typeface="Cambria Math"/>
+                          </a:rPr>
+                          <m:t>cos</m:t>
+                        </m:r>
+                      </m:fName>
+                      <m:e>
+                        <m:sSub>
+                          <m:sSubPr>
+                            <m:ctrlPr>
+                              <a:rPr lang="fr-FR" b="0" i="1" smtClean="0">
+                                <a:latin typeface="Cambria Math"/>
+                              </a:rPr>
+                            </m:ctrlPr>
+                          </m:sSubPr>
+                          <m:e>
+                            <m:r>
+                              <a:rPr lang="fr-FR" b="0" i="1" smtClean="0">
+                                <a:latin typeface="Cambria Math"/>
+                              </a:rPr>
+                              <m:t>𝜃</m:t>
+                            </m:r>
+                          </m:e>
+                          <m:sub>
+                            <m:r>
+                              <a:rPr lang="fr-FR" b="0" i="1" smtClean="0">
+                                <a:latin typeface="Cambria Math"/>
+                              </a:rPr>
+                              <m:t>1</m:t>
+                            </m:r>
+                          </m:sub>
+                        </m:sSub>
+                      </m:e>
+                    </m:func>
+                    <m:r>
+                      <a:rPr lang="fr-FR" b="0" i="1" smtClean="0">
+                        <a:latin typeface="Cambria Math"/>
+                      </a:rPr>
+                      <m:t>−</m:t>
                     </m:r>
                     <m:r>
-                      <a:rPr lang="fr-FR" i="1">
+                      <a:rPr lang="fr-FR" b="0" i="1" smtClean="0">
+                        <a:latin typeface="Cambria Math"/>
+                      </a:rPr>
+                      <m:t>𝜆</m:t>
+                    </m:r>
+                    <m:func>
+                      <m:funcPr>
+                        <m:ctrlPr>
+                          <a:rPr lang="fr-FR" b="0" i="1" smtClean="0">
+                            <a:latin typeface="Cambria Math"/>
+                          </a:rPr>
+                        </m:ctrlPr>
+                      </m:funcPr>
+                      <m:fName>
+                        <m:r>
+                          <m:rPr>
+                            <m:sty m:val="p"/>
+                          </m:rPr>
+                          <a:rPr lang="fr-FR" b="0" i="0" smtClean="0">
+                            <a:latin typeface="Cambria Math"/>
+                          </a:rPr>
+                          <m:t>sin</m:t>
+                        </m:r>
+                      </m:fName>
+                      <m:e>
+                        <m:sSub>
+                          <m:sSubPr>
+                            <m:ctrlPr>
+                              <a:rPr lang="fr-FR" b="0" i="1" smtClean="0">
+                                <a:latin typeface="Cambria Math"/>
+                              </a:rPr>
+                            </m:ctrlPr>
+                          </m:sSubPr>
+                          <m:e>
+                            <m:r>
+                              <a:rPr lang="fr-FR" b="0" i="1" smtClean="0">
+                                <a:latin typeface="Cambria Math"/>
+                              </a:rPr>
+                              <m:t>𝜃</m:t>
+                            </m:r>
+                          </m:e>
+                          <m:sub>
+                            <m:r>
+                              <a:rPr lang="fr-FR" b="0" i="1" smtClean="0">
+                                <a:latin typeface="Cambria Math"/>
+                              </a:rPr>
+                              <m:t>3</m:t>
+                            </m:r>
+                          </m:sub>
+                        </m:sSub>
+                      </m:e>
+                    </m:func>
+                    <m:r>
+                      <a:rPr lang="fr-FR" b="0" i="1" smtClean="0">
+                        <a:latin typeface="Cambria Math"/>
+                      </a:rPr>
+                      <m:t>=0⇔</m:t>
+                    </m:r>
+                    <m:r>
+                      <a:rPr lang="fr-FR" b="0" i="1" smtClean="0">
+                        <a:latin typeface="Cambria Math"/>
+                      </a:rPr>
+                      <m:t>𝜆</m:t>
+                    </m:r>
+                    <m:r>
+                      <a:rPr lang="fr-FR" b="0" i="1" smtClean="0">
+                        <a:latin typeface="Cambria Math"/>
+                      </a:rPr>
+                      <m:t>=</m:t>
+                    </m:r>
+                    <m:f>
+                      <m:fPr>
+                        <m:ctrlPr>
+                          <a:rPr lang="fr-FR" b="0" i="1" smtClean="0">
+                            <a:latin typeface="Cambria Math"/>
+                          </a:rPr>
+                        </m:ctrlPr>
+                      </m:fPr>
+                      <m:num>
+                        <m:r>
+                          <a:rPr lang="fr-FR" b="0" i="1" smtClean="0">
+                            <a:latin typeface="Cambria Math"/>
+                          </a:rPr>
+                          <m:t>𝑒</m:t>
+                        </m:r>
+                        <m:func>
+                          <m:funcPr>
+                            <m:ctrlPr>
+                              <a:rPr lang="fr-FR" b="0" i="1" smtClean="0">
+                                <a:latin typeface="Cambria Math"/>
+                              </a:rPr>
+                            </m:ctrlPr>
+                          </m:funcPr>
+                          <m:fName>
+                            <m:r>
+                              <m:rPr>
+                                <m:sty m:val="p"/>
+                              </m:rPr>
+                              <a:rPr lang="fr-FR" b="0" i="0" smtClean="0">
+                                <a:latin typeface="Cambria Math"/>
+                              </a:rPr>
+                              <m:t>cos</m:t>
+                            </m:r>
+                          </m:fName>
+                          <m:e>
+                            <m:sSub>
+                              <m:sSubPr>
+                                <m:ctrlPr>
+                                  <a:rPr lang="fr-FR" b="0" i="1" smtClean="0">
+                                    <a:latin typeface="Cambria Math"/>
+                                  </a:rPr>
+                                </m:ctrlPr>
+                              </m:sSubPr>
+                              <m:e>
+                                <m:r>
+                                  <a:rPr lang="fr-FR" b="0" i="1" smtClean="0">
+                                    <a:latin typeface="Cambria Math"/>
+                                  </a:rPr>
+                                  <m:t>𝜃</m:t>
+                                </m:r>
+                              </m:e>
+                              <m:sub>
+                                <m:r>
+                                  <a:rPr lang="fr-FR" b="0" i="1" smtClean="0">
+                                    <a:latin typeface="Cambria Math"/>
+                                  </a:rPr>
+                                  <m:t>1</m:t>
+                                </m:r>
+                              </m:sub>
+                            </m:sSub>
+                          </m:e>
+                        </m:func>
+                      </m:num>
+                      <m:den>
+                        <m:func>
+                          <m:funcPr>
+                            <m:ctrlPr>
+                              <a:rPr lang="fr-FR" b="0" i="1" smtClean="0">
+                                <a:latin typeface="Cambria Math"/>
+                              </a:rPr>
+                            </m:ctrlPr>
+                          </m:funcPr>
+                          <m:fName>
+                            <m:r>
+                              <m:rPr>
+                                <m:sty m:val="p"/>
+                              </m:rPr>
+                              <a:rPr lang="fr-FR" b="0" i="0" smtClean="0">
+                                <a:latin typeface="Cambria Math"/>
+                              </a:rPr>
+                              <m:t>sin</m:t>
+                            </m:r>
+                          </m:fName>
+                          <m:e>
+                            <m:sSub>
+                              <m:sSubPr>
+                                <m:ctrlPr>
+                                  <a:rPr lang="fr-FR" b="0" i="1" smtClean="0">
+                                    <a:latin typeface="Cambria Math"/>
+                                  </a:rPr>
+                                </m:ctrlPr>
+                              </m:sSubPr>
+                              <m:e>
+                                <m:r>
+                                  <a:rPr lang="fr-FR" b="0" i="1" smtClean="0">
+                                    <a:latin typeface="Cambria Math"/>
+                                  </a:rPr>
+                                  <m:t>𝜃</m:t>
+                                </m:r>
+                              </m:e>
+                              <m:sub>
+                                <m:r>
+                                  <a:rPr lang="fr-FR" b="0" i="1" smtClean="0">
+                                    <a:latin typeface="Cambria Math"/>
+                                  </a:rPr>
+                                  <m:t>3</m:t>
+                                </m:r>
+                              </m:sub>
+                            </m:sSub>
+                          </m:e>
+                        </m:func>
+                      </m:den>
+                    </m:f>
+                  </m:oMath>
+                </a14:m>
+                <a:endParaRPr lang="fr-FR" b="0" dirty="0" smtClean="0"/>
+              </a:p>
+              <a:p>
+                <a:pPr lvl="1"/>
+                <a14:m>
+                  <m:oMath xmlns:m="http://schemas.openxmlformats.org/officeDocument/2006/math">
+                    <m:r>
+                      <a:rPr lang="fr-FR" b="0" i="1" smtClean="0">
+                        <a:latin typeface="Cambria Math"/>
+                      </a:rPr>
+                      <m:t>h</m:t>
+                    </m:r>
+                    <m:r>
+                      <a:rPr lang="fr-FR" b="0" i="1" smtClean="0">
                         <a:latin typeface="Cambria Math"/>
                       </a:rPr>
                       <m:t>+</m:t>
                     </m:r>
                     <m:r>
-                      <a:rPr lang="fr-FR" i="1">
+                      <a:rPr lang="fr-FR" b="0" i="1" smtClean="0">
                         <a:latin typeface="Cambria Math"/>
                       </a:rPr>
-                      <m:t>h</m:t>
+                      <m:t>𝑒</m:t>
+                    </m:r>
+                    <m:func>
+                      <m:funcPr>
+                        <m:ctrlPr>
+                          <a:rPr lang="fr-FR" b="0" i="1" smtClean="0">
+                            <a:latin typeface="Cambria Math"/>
+                          </a:rPr>
+                        </m:ctrlPr>
+                      </m:funcPr>
+                      <m:fName>
+                        <m:r>
+                          <m:rPr>
+                            <m:sty m:val="p"/>
+                          </m:rPr>
+                          <a:rPr lang="fr-FR" b="0" i="0" smtClean="0">
+                            <a:latin typeface="Cambria Math"/>
+                          </a:rPr>
+                          <m:t>sin</m:t>
+                        </m:r>
+                      </m:fName>
+                      <m:e>
+                        <m:sSub>
+                          <m:sSubPr>
+                            <m:ctrlPr>
+                              <a:rPr lang="fr-FR" b="0" i="1" smtClean="0">
+                                <a:latin typeface="Cambria Math"/>
+                              </a:rPr>
+                            </m:ctrlPr>
+                          </m:sSubPr>
+                          <m:e>
+                            <m:r>
+                              <a:rPr lang="fr-FR" b="0" i="1" smtClean="0">
+                                <a:latin typeface="Cambria Math"/>
+                              </a:rPr>
+                              <m:t>𝜃</m:t>
+                            </m:r>
+                          </m:e>
+                          <m:sub>
+                            <m:r>
+                              <a:rPr lang="fr-FR" b="0" i="1" smtClean="0">
+                                <a:latin typeface="Cambria Math"/>
+                              </a:rPr>
+                              <m:t>1</m:t>
+                            </m:r>
+                          </m:sub>
+                        </m:sSub>
+                      </m:e>
+                    </m:func>
+                    <m:r>
+                      <a:rPr lang="fr-FR" b="0" i="1" smtClean="0">
+                        <a:latin typeface="Cambria Math"/>
+                      </a:rPr>
+                      <m:t>−</m:t>
+                    </m:r>
+                    <m:r>
+                      <a:rPr lang="fr-FR" b="0" i="1" smtClean="0">
+                        <a:latin typeface="Cambria Math"/>
+                      </a:rPr>
+                      <m:t>𝜆</m:t>
                     </m:r>
                     <m:func>
                       <m:funcPr>
@@ -8012,29 +9093,592 @@
                       </m:e>
                     </m:func>
                     <m:r>
+                      <a:rPr lang="fr-FR" b="0" i="1" smtClean="0">
+                        <a:latin typeface="Cambria Math"/>
+                      </a:rPr>
+                      <m:t>=0⇔</m:t>
+                    </m:r>
+                    <m:r>
+                      <a:rPr lang="fr-FR" b="0" i="1" smtClean="0">
+                        <a:latin typeface="Cambria Math"/>
+                      </a:rPr>
+                      <m:t>𝜆</m:t>
+                    </m:r>
+                    <m:r>
+                      <a:rPr lang="fr-FR" b="0" i="1" smtClean="0">
+                        <a:latin typeface="Cambria Math"/>
+                      </a:rPr>
+                      <m:t>=</m:t>
+                    </m:r>
+                    <m:f>
+                      <m:fPr>
+                        <m:ctrlPr>
+                          <a:rPr lang="fr-FR" b="0" i="1" smtClean="0">
+                            <a:latin typeface="Cambria Math"/>
+                          </a:rPr>
+                        </m:ctrlPr>
+                      </m:fPr>
+                      <m:num>
+                        <m:r>
+                          <a:rPr lang="fr-FR" i="1">
+                            <a:latin typeface="Cambria Math"/>
+                          </a:rPr>
+                          <m:t>h</m:t>
+                        </m:r>
+                        <m:r>
+                          <a:rPr lang="fr-FR" i="1">
+                            <a:latin typeface="Cambria Math"/>
+                          </a:rPr>
+                          <m:t>+</m:t>
+                        </m:r>
+                        <m:r>
+                          <a:rPr lang="fr-FR" i="1">
+                            <a:latin typeface="Cambria Math"/>
+                          </a:rPr>
+                          <m:t>𝑒</m:t>
+                        </m:r>
+                        <m:func>
+                          <m:funcPr>
+                            <m:ctrlPr>
+                              <a:rPr lang="fr-FR" i="1">
+                                <a:latin typeface="Cambria Math"/>
+                              </a:rPr>
+                            </m:ctrlPr>
+                          </m:funcPr>
+                          <m:fName>
+                            <m:r>
+                              <m:rPr>
+                                <m:sty m:val="p"/>
+                              </m:rPr>
+                              <a:rPr lang="fr-FR">
+                                <a:latin typeface="Cambria Math"/>
+                              </a:rPr>
+                              <m:t>sin</m:t>
+                            </m:r>
+                          </m:fName>
+                          <m:e>
+                            <m:sSub>
+                              <m:sSubPr>
+                                <m:ctrlPr>
+                                  <a:rPr lang="fr-FR" i="1">
+                                    <a:latin typeface="Cambria Math"/>
+                                  </a:rPr>
+                                </m:ctrlPr>
+                              </m:sSubPr>
+                              <m:e>
+                                <m:r>
+                                  <a:rPr lang="fr-FR" i="1">
+                                    <a:latin typeface="Cambria Math"/>
+                                  </a:rPr>
+                                  <m:t>𝜃</m:t>
+                                </m:r>
+                              </m:e>
+                              <m:sub>
+                                <m:r>
+                                  <a:rPr lang="fr-FR" i="1">
+                                    <a:latin typeface="Cambria Math"/>
+                                  </a:rPr>
+                                  <m:t>1</m:t>
+                                </m:r>
+                              </m:sub>
+                            </m:sSub>
+                          </m:e>
+                        </m:func>
+                      </m:num>
+                      <m:den>
+                        <m:func>
+                          <m:funcPr>
+                            <m:ctrlPr>
+                              <a:rPr lang="fr-FR" b="0" i="1" smtClean="0">
+                                <a:latin typeface="Cambria Math"/>
+                              </a:rPr>
+                            </m:ctrlPr>
+                          </m:funcPr>
+                          <m:fName>
+                            <m:r>
+                              <m:rPr>
+                                <m:sty m:val="p"/>
+                              </m:rPr>
+                              <a:rPr lang="fr-FR" b="0" i="0" smtClean="0">
+                                <a:latin typeface="Cambria Math"/>
+                              </a:rPr>
+                              <m:t>cos</m:t>
+                            </m:r>
+                          </m:fName>
+                          <m:e>
+                            <m:sSub>
+                              <m:sSubPr>
+                                <m:ctrlPr>
+                                  <a:rPr lang="fr-FR" b="0" i="1" smtClean="0">
+                                    <a:latin typeface="Cambria Math"/>
+                                  </a:rPr>
+                                </m:ctrlPr>
+                              </m:sSubPr>
+                              <m:e>
+                                <m:r>
+                                  <a:rPr lang="fr-FR" b="0" i="1" smtClean="0">
+                                    <a:latin typeface="Cambria Math"/>
+                                  </a:rPr>
+                                  <m:t>𝜃</m:t>
+                                </m:r>
+                              </m:e>
+                              <m:sub>
+                                <m:r>
+                                  <a:rPr lang="fr-FR" b="0" i="1" smtClean="0">
+                                    <a:latin typeface="Cambria Math"/>
+                                  </a:rPr>
+                                  <m:t>3</m:t>
+                                </m:r>
+                              </m:sub>
+                            </m:sSub>
+                          </m:e>
+                        </m:func>
+                      </m:den>
+                    </m:f>
+                  </m:oMath>
+                </a14:m>
+                <a:endParaRPr lang="fr-FR" dirty="0" smtClean="0"/>
+              </a:p>
+              <a:p>
+                <a:pPr lvl="1"/>
+                <a:r>
+                  <a:rPr lang="fr-FR" dirty="0" smtClean="0"/>
+                  <a:t>On a alors  :</a:t>
+                </a:r>
+              </a:p>
+              <a:p>
+                <a:pPr lvl="2"/>
+                <a14:m>
+                  <m:oMath xmlns:m="http://schemas.openxmlformats.org/officeDocument/2006/math">
+                    <m:r>
+                      <a:rPr lang="fr-FR" i="1">
+                        <a:latin typeface="Cambria Math"/>
+                      </a:rPr>
+                      <m:t>𝑒</m:t>
+                    </m:r>
+                    <m:func>
+                      <m:funcPr>
+                        <m:ctrlPr>
+                          <a:rPr lang="fr-FR" i="1">
+                            <a:latin typeface="Cambria Math"/>
+                          </a:rPr>
+                        </m:ctrlPr>
+                      </m:funcPr>
+                      <m:fName>
+                        <m:r>
+                          <m:rPr>
+                            <m:sty m:val="p"/>
+                          </m:rPr>
+                          <a:rPr lang="fr-FR">
+                            <a:latin typeface="Cambria Math"/>
+                          </a:rPr>
+                          <m:t>cos</m:t>
+                        </m:r>
+                      </m:fName>
+                      <m:e>
+                        <m:sSub>
+                          <m:sSubPr>
+                            <m:ctrlPr>
+                              <a:rPr lang="fr-FR" i="1">
+                                <a:latin typeface="Cambria Math"/>
+                              </a:rPr>
+                            </m:ctrlPr>
+                          </m:sSubPr>
+                          <m:e>
+                            <m:r>
+                              <a:rPr lang="fr-FR" i="1">
+                                <a:latin typeface="Cambria Math"/>
+                              </a:rPr>
+                              <m:t>𝜃</m:t>
+                            </m:r>
+                          </m:e>
+                          <m:sub>
+                            <m:r>
+                              <a:rPr lang="fr-FR" i="1">
+                                <a:latin typeface="Cambria Math"/>
+                              </a:rPr>
+                              <m:t>1</m:t>
+                            </m:r>
+                          </m:sub>
+                        </m:sSub>
+                      </m:e>
+                    </m:func>
+                    <m:func>
+                      <m:funcPr>
+                        <m:ctrlPr>
+                          <a:rPr lang="fr-FR" i="1">
+                            <a:latin typeface="Cambria Math"/>
+                          </a:rPr>
+                        </m:ctrlPr>
+                      </m:funcPr>
+                      <m:fName>
+                        <m:r>
+                          <m:rPr>
+                            <m:sty m:val="p"/>
+                          </m:rPr>
+                          <a:rPr lang="fr-FR">
+                            <a:latin typeface="Cambria Math"/>
+                          </a:rPr>
+                          <m:t>cos</m:t>
+                        </m:r>
+                      </m:fName>
+                      <m:e>
+                        <m:sSub>
+                          <m:sSubPr>
+                            <m:ctrlPr>
+                              <a:rPr lang="fr-FR" i="1">
+                                <a:latin typeface="Cambria Math"/>
+                              </a:rPr>
+                            </m:ctrlPr>
+                          </m:sSubPr>
+                          <m:e>
+                            <m:r>
+                              <a:rPr lang="fr-FR" i="1">
+                                <a:latin typeface="Cambria Math"/>
+                              </a:rPr>
+                              <m:t>𝜃</m:t>
+                            </m:r>
+                          </m:e>
+                          <m:sub>
+                            <m:r>
+                              <a:rPr lang="fr-FR" i="1">
+                                <a:latin typeface="Cambria Math"/>
+                              </a:rPr>
+                              <m:t>3</m:t>
+                            </m:r>
+                          </m:sub>
+                        </m:sSub>
+                      </m:e>
+                    </m:func>
+                    <m:r>
                       <a:rPr lang="fr-FR" i="1">
                         <a:latin typeface="Cambria Math"/>
                       </a:rPr>
                       <m:t>=</m:t>
                     </m:r>
-                    <m:acc>
-                      <m:accPr>
-                        <m:chr m:val="⃗"/>
+                    <m:d>
+                      <m:dPr>
                         <m:ctrlPr>
                           <a:rPr lang="fr-FR" i="1">
                             <a:latin typeface="Cambria Math"/>
                           </a:rPr>
                         </m:ctrlPr>
-                      </m:accPr>
+                      </m:dPr>
                       <m:e>
                         <m:r>
                           <a:rPr lang="fr-FR" i="1">
                             <a:latin typeface="Cambria Math"/>
                           </a:rPr>
-                          <m:t>0</m:t>
+                          <m:t>h</m:t>
                         </m:r>
+                        <m:r>
+                          <a:rPr lang="fr-FR" i="1">
+                            <a:latin typeface="Cambria Math"/>
+                          </a:rPr>
+                          <m:t>+</m:t>
+                        </m:r>
+                        <m:r>
+                          <a:rPr lang="fr-FR" i="1">
+                            <a:latin typeface="Cambria Math"/>
+                          </a:rPr>
+                          <m:t>𝑒</m:t>
+                        </m:r>
+                        <m:func>
+                          <m:funcPr>
+                            <m:ctrlPr>
+                              <a:rPr lang="fr-FR" i="1">
+                                <a:latin typeface="Cambria Math"/>
+                              </a:rPr>
+                            </m:ctrlPr>
+                          </m:funcPr>
+                          <m:fName>
+                            <m:r>
+                              <m:rPr>
+                                <m:sty m:val="p"/>
+                              </m:rPr>
+                              <a:rPr lang="fr-FR">
+                                <a:latin typeface="Cambria Math"/>
+                              </a:rPr>
+                              <m:t>sin</m:t>
+                            </m:r>
+                          </m:fName>
+                          <m:e>
+                            <m:sSub>
+                              <m:sSubPr>
+                                <m:ctrlPr>
+                                  <a:rPr lang="fr-FR" i="1">
+                                    <a:latin typeface="Cambria Math"/>
+                                  </a:rPr>
+                                </m:ctrlPr>
+                              </m:sSubPr>
+                              <m:e>
+                                <m:r>
+                                  <a:rPr lang="fr-FR" i="1">
+                                    <a:latin typeface="Cambria Math"/>
+                                  </a:rPr>
+                                  <m:t>𝜃</m:t>
+                                </m:r>
+                              </m:e>
+                              <m:sub>
+                                <m:r>
+                                  <a:rPr lang="fr-FR" i="1">
+                                    <a:latin typeface="Cambria Math"/>
+                                  </a:rPr>
+                                  <m:t>1</m:t>
+                                </m:r>
+                              </m:sub>
+                            </m:sSub>
+                          </m:e>
+                        </m:func>
                       </m:e>
-                    </m:acc>
+                    </m:d>
+                    <m:func>
+                      <m:funcPr>
+                        <m:ctrlPr>
+                          <a:rPr lang="fr-FR" i="1">
+                            <a:latin typeface="Cambria Math"/>
+                          </a:rPr>
+                        </m:ctrlPr>
+                      </m:funcPr>
+                      <m:fName>
+                        <m:r>
+                          <m:rPr>
+                            <m:sty m:val="p"/>
+                          </m:rPr>
+                          <a:rPr lang="fr-FR">
+                            <a:latin typeface="Cambria Math"/>
+                          </a:rPr>
+                          <m:t>sin</m:t>
+                        </m:r>
+                      </m:fName>
+                      <m:e>
+                        <m:sSub>
+                          <m:sSubPr>
+                            <m:ctrlPr>
+                              <a:rPr lang="fr-FR" i="1">
+                                <a:latin typeface="Cambria Math"/>
+                              </a:rPr>
+                            </m:ctrlPr>
+                          </m:sSubPr>
+                          <m:e>
+                            <m:r>
+                              <a:rPr lang="fr-FR" i="1">
+                                <a:latin typeface="Cambria Math"/>
+                              </a:rPr>
+                              <m:t>𝜃</m:t>
+                            </m:r>
+                          </m:e>
+                          <m:sub>
+                            <m:r>
+                              <a:rPr lang="fr-FR" i="1">
+                                <a:latin typeface="Cambria Math"/>
+                              </a:rPr>
+                              <m:t>3</m:t>
+                            </m:r>
+                          </m:sub>
+                        </m:sSub>
+                      </m:e>
+                    </m:func>
+                  </m:oMath>
+                </a14:m>
+                <a:endParaRPr lang="fr-FR" i="1" dirty="0" smtClean="0">
+                  <a:latin typeface="Cambria Math"/>
+                </a:endParaRPr>
+              </a:p>
+              <a:p>
+                <a:pPr lvl="2"/>
+                <a14:m>
+                  <m:oMath xmlns:m="http://schemas.openxmlformats.org/officeDocument/2006/math">
+                    <m:r>
+                      <a:rPr lang="fr-FR" b="0" i="1" smtClean="0">
+                        <a:latin typeface="Cambria Math"/>
+                      </a:rPr>
+                      <m:t>⇔</m:t>
+                    </m:r>
+                    <m:func>
+                      <m:funcPr>
+                        <m:ctrlPr>
+                          <a:rPr lang="fr-FR" b="0" i="1" smtClean="0">
+                            <a:latin typeface="Cambria Math"/>
+                          </a:rPr>
+                        </m:ctrlPr>
+                      </m:funcPr>
+                      <m:fName>
+                        <m:r>
+                          <m:rPr>
+                            <m:sty m:val="p"/>
+                          </m:rPr>
+                          <a:rPr lang="fr-FR" b="0" i="0" smtClean="0">
+                            <a:latin typeface="Cambria Math"/>
+                          </a:rPr>
+                          <m:t>tan</m:t>
+                        </m:r>
+                      </m:fName>
+                      <m:e>
+                        <m:sSub>
+                          <m:sSubPr>
+                            <m:ctrlPr>
+                              <a:rPr lang="fr-FR" b="0" i="1" smtClean="0">
+                                <a:latin typeface="Cambria Math"/>
+                              </a:rPr>
+                            </m:ctrlPr>
+                          </m:sSubPr>
+                          <m:e>
+                            <m:r>
+                              <a:rPr lang="fr-FR" b="0" i="1" smtClean="0">
+                                <a:latin typeface="Cambria Math"/>
+                              </a:rPr>
+                              <m:t>𝜃</m:t>
+                            </m:r>
+                          </m:e>
+                          <m:sub>
+                            <m:r>
+                              <a:rPr lang="fr-FR" b="0" i="1" smtClean="0">
+                                <a:latin typeface="Cambria Math"/>
+                              </a:rPr>
+                              <m:t>3</m:t>
+                            </m:r>
+                          </m:sub>
+                        </m:sSub>
+                      </m:e>
+                    </m:func>
+                    <m:r>
+                      <a:rPr lang="fr-FR" b="0" i="1" smtClean="0">
+                        <a:latin typeface="Cambria Math"/>
+                      </a:rPr>
+                      <m:t>=</m:t>
+                    </m:r>
+                    <m:f>
+                      <m:fPr>
+                        <m:ctrlPr>
+                          <a:rPr lang="fr-FR" b="0" i="0" smtClean="0">
+                            <a:latin typeface="Cambria Math"/>
+                          </a:rPr>
+                        </m:ctrlPr>
+                      </m:fPr>
+                      <m:num>
+                        <m:r>
+                          <a:rPr lang="fr-FR" i="1">
+                            <a:latin typeface="Cambria Math"/>
+                          </a:rPr>
+                          <m:t>𝑒</m:t>
+                        </m:r>
+                        <m:func>
+                          <m:funcPr>
+                            <m:ctrlPr>
+                              <a:rPr lang="fr-FR" i="1">
+                                <a:latin typeface="Cambria Math"/>
+                              </a:rPr>
+                            </m:ctrlPr>
+                          </m:funcPr>
+                          <m:fName>
+                            <m:r>
+                              <m:rPr>
+                                <m:sty m:val="p"/>
+                              </m:rPr>
+                              <a:rPr lang="fr-FR">
+                                <a:latin typeface="Cambria Math"/>
+                              </a:rPr>
+                              <m:t>cos</m:t>
+                            </m:r>
+                          </m:fName>
+                          <m:e>
+                            <m:sSub>
+                              <m:sSubPr>
+                                <m:ctrlPr>
+                                  <a:rPr lang="fr-FR" i="1">
+                                    <a:latin typeface="Cambria Math"/>
+                                  </a:rPr>
+                                </m:ctrlPr>
+                              </m:sSubPr>
+                              <m:e>
+                                <m:r>
+                                  <a:rPr lang="fr-FR" i="1">
+                                    <a:latin typeface="Cambria Math"/>
+                                  </a:rPr>
+                                  <m:t>𝜃</m:t>
+                                </m:r>
+                              </m:e>
+                              <m:sub>
+                                <m:r>
+                                  <a:rPr lang="fr-FR" i="1">
+                                    <a:latin typeface="Cambria Math"/>
+                                  </a:rPr>
+                                  <m:t>1</m:t>
+                                </m:r>
+                              </m:sub>
+                            </m:sSub>
+                          </m:e>
+                        </m:func>
+                      </m:num>
+                      <m:den>
+                        <m:r>
+                          <a:rPr lang="fr-FR" i="1">
+                            <a:latin typeface="Cambria Math"/>
+                          </a:rPr>
+                          <m:t>h</m:t>
+                        </m:r>
+                        <m:r>
+                          <a:rPr lang="fr-FR" i="1">
+                            <a:latin typeface="Cambria Math"/>
+                          </a:rPr>
+                          <m:t>+</m:t>
+                        </m:r>
+                        <m:r>
+                          <a:rPr lang="fr-FR" i="1">
+                            <a:latin typeface="Cambria Math"/>
+                          </a:rPr>
+                          <m:t>𝑒</m:t>
+                        </m:r>
+                        <m:func>
+                          <m:funcPr>
+                            <m:ctrlPr>
+                              <a:rPr lang="fr-FR" i="1">
+                                <a:latin typeface="Cambria Math"/>
+                              </a:rPr>
+                            </m:ctrlPr>
+                          </m:funcPr>
+                          <m:fName>
+                            <m:r>
+                              <m:rPr>
+                                <m:sty m:val="p"/>
+                              </m:rPr>
+                              <a:rPr lang="fr-FR">
+                                <a:latin typeface="Cambria Math"/>
+                              </a:rPr>
+                              <m:t>sin</m:t>
+                            </m:r>
+                          </m:fName>
+                          <m:e>
+                            <m:sSub>
+                              <m:sSubPr>
+                                <m:ctrlPr>
+                                  <a:rPr lang="fr-FR" i="1">
+                                    <a:latin typeface="Cambria Math"/>
+                                  </a:rPr>
+                                </m:ctrlPr>
+                              </m:sSubPr>
+                              <m:e>
+                                <m:r>
+                                  <a:rPr lang="fr-FR" i="1">
+                                    <a:latin typeface="Cambria Math"/>
+                                  </a:rPr>
+                                  <m:t>𝜃</m:t>
+                                </m:r>
+                              </m:e>
+                              <m:sub>
+                                <m:r>
+                                  <a:rPr lang="fr-FR" i="1">
+                                    <a:latin typeface="Cambria Math"/>
+                                  </a:rPr>
+                                  <m:t>1</m:t>
+                                </m:r>
+                              </m:sub>
+                            </m:sSub>
+                          </m:e>
+                        </m:func>
+                      </m:den>
+                    </m:f>
                   </m:oMath>
                 </a14:m>
                 <a:endParaRPr lang="fr-FR" dirty="0" smtClean="0"/>
@@ -8061,13 +9705,13 @@
             </p:nvSpPr>
             <p:spPr>
               <a:xfrm>
-                <a:off x="457200" y="1219200"/>
-                <a:ext cx="4978896" cy="4937760"/>
+                <a:off x="179512" y="1219200"/>
+                <a:ext cx="5256584" cy="4937760"/>
               </a:xfrm>
               <a:blipFill rotWithShape="1">
                 <a:blip r:embed="rId2"/>
                 <a:stretch>
-                  <a:fillRect l="-734" t="-988"/>
+                  <a:fillRect l="-348" t="-1235"/>
                 </a:stretch>
               </a:blipFill>
             </p:spPr>
@@ -8088,7 +9732,7 @@
       </mc:AlternateContent>
       <p:pic>
         <p:nvPicPr>
-          <p:cNvPr id="1031" name="Picture 7"/>
+          <p:cNvPr id="1026" name="Picture 2"/>
           <p:cNvPicPr>
             <a:picLocks noChangeAspect="1" noChangeArrowheads="1"/>
           </p:cNvPicPr>
@@ -8109,72 +9753,8 @@
         </p:blipFill>
         <p:spPr bwMode="auto">
           <a:xfrm>
-            <a:off x="6369147" y="3933056"/>
-            <a:ext cx="2514766" cy="1639342"/>
-          </a:xfrm>
-          <a:prstGeom prst="rect">
-            <a:avLst/>
-          </a:prstGeom>
-          <a:noFill/>
-          <a:ln>
-            <a:noFill/>
-          </a:ln>
-          <a:effectLst/>
-          <a:extLst>
-            <a:ext uri="{909E8E84-426E-40DD-AFC4-6F175D3DCCD1}">
-              <a14:hiddenFill xmlns:a14="http://schemas.microsoft.com/office/drawing/2010/main">
-                <a:solidFill>
-                  <a:schemeClr val="accent1"/>
-                </a:solidFill>
-              </a14:hiddenFill>
-            </a:ext>
-            <a:ext uri="{91240B29-F687-4F45-9708-019B960494DF}">
-              <a14:hiddenLine xmlns:a14="http://schemas.microsoft.com/office/drawing/2010/main" w="9525">
-                <a:solidFill>
-                  <a:schemeClr val="tx1"/>
-                </a:solidFill>
-                <a:miter lim="800000"/>
-                <a:headEnd/>
-                <a:tailEnd/>
-              </a14:hiddenLine>
-            </a:ext>
-            <a:ext uri="{AF507438-7753-43E0-B8FC-AC1667EBCBE1}">
-              <a14:hiddenEffects xmlns:a14="http://schemas.microsoft.com/office/drawing/2010/main">
-                <a:effectLst>
-                  <a:outerShdw dist="35921" dir="2700000" algn="ctr" rotWithShape="0">
-                    <a:schemeClr val="bg2"/>
-                  </a:outerShdw>
-                </a:effectLst>
-              </a14:hiddenEffects>
-            </a:ext>
-          </a:extLst>
-        </p:spPr>
-      </p:pic>
-      <p:pic>
-        <p:nvPicPr>
-          <p:cNvPr id="1032" name="Picture 8"/>
-          <p:cNvPicPr>
-            <a:picLocks noChangeAspect="1" noChangeArrowheads="1"/>
-          </p:cNvPicPr>
-          <p:nvPr/>
-        </p:nvPicPr>
-        <p:blipFill>
-          <a:blip r:embed="rId4">
-            <a:extLst>
-              <a:ext uri="{28A0092B-C50C-407E-A947-70E740481C1C}">
-                <a14:useLocalDpi xmlns:a14="http://schemas.microsoft.com/office/drawing/2010/main" val="0"/>
-              </a:ext>
-            </a:extLst>
-          </a:blip>
-          <a:srcRect/>
-          <a:stretch>
-            <a:fillRect/>
-          </a:stretch>
-        </p:blipFill>
-        <p:spPr bwMode="auto">
-          <a:xfrm>
-            <a:off x="6156176" y="1763713"/>
-            <a:ext cx="1822450" cy="1536700"/>
+            <a:off x="5004048" y="2708920"/>
+            <a:ext cx="3829050" cy="2676525"/>
           </a:xfrm>
           <a:prstGeom prst="rect">
             <a:avLst/>
@@ -8234,7 +9814,7 @@
 </p:sld>
 </file>
 
-<file path=ppt/slides/slide3.xml><?xml version="1.0" encoding="utf-8"?>
+<file path=ppt/slides/slide5.xml><?xml version="1.0" encoding="utf-8"?>
 <p:sld xmlns:a="http://schemas.openxmlformats.org/drawingml/2006/main" xmlns:r="http://schemas.openxmlformats.org/officeDocument/2006/relationships" xmlns:p="http://schemas.openxmlformats.org/presentationml/2006/main">
   <p:cSld>
     <p:spTree>
@@ -8268,7 +9848,7 @@
           <a:p>
             <a:r>
               <a:rPr lang="fr-FR" dirty="0" smtClean="0"/>
-              <a:t>Analyse PPM</a:t>
+              <a:t>Débit instantané</a:t>
             </a:r>
             <a:endParaRPr lang="fr-FR" dirty="0"/>
           </a:p>
@@ -8315,7 +9895,2060 @@
             <a:fld id="{3F1D8263-54E8-442D-88B4-DA252C595E3D}" type="slidenum">
               <a:rPr lang="fr-FR" smtClean="0"/>
               <a:pPr/>
-              <a:t>3</a:t>
+              <a:t>5</a:t>
+            </a:fld>
+            <a:endParaRPr lang="fr-FR"/>
+          </a:p>
+        </p:txBody>
+      </p:sp>
+      <mc:AlternateContent xmlns:mc="http://schemas.openxmlformats.org/markup-compatibility/2006">
+        <mc:Choice xmlns:a14="http://schemas.microsoft.com/office/drawing/2010/main" Requires="a14">
+          <p:sp>
+            <p:nvSpPr>
+              <p:cNvPr id="5" name="Espace réservé du contenu 4"/>
+              <p:cNvSpPr>
+                <a:spLocks noGrp="1"/>
+              </p:cNvSpPr>
+              <p:nvPr>
+                <p:ph sz="quarter" idx="1"/>
+              </p:nvPr>
+            </p:nvSpPr>
+            <p:spPr>
+              <a:xfrm>
+                <a:off x="457200" y="1219200"/>
+                <a:ext cx="6347048" cy="4937760"/>
+              </a:xfrm>
+            </p:spPr>
+            <p:txBody>
+              <a:bodyPr>
+                <a:normAutofit fontScale="85000" lnSpcReduction="20000"/>
+              </a:bodyPr>
+              <a:lstStyle/>
+              <a:p>
+                <a:r>
+                  <a:rPr lang="fr-FR" dirty="0" smtClean="0"/>
+                  <a:t>On a :</a:t>
+                </a:r>
+              </a:p>
+              <a:p>
+                <a:pPr lvl="1"/>
+                <a14:m>
+                  <m:oMath xmlns:m="http://schemas.openxmlformats.org/officeDocument/2006/math">
+                    <m:acc>
+                      <m:accPr>
+                        <m:chr m:val="⃗"/>
+                        <m:ctrlPr>
+                          <a:rPr lang="fr-FR" i="1" smtClean="0">
+                            <a:latin typeface="Cambria Math"/>
+                          </a:rPr>
+                        </m:ctrlPr>
+                      </m:accPr>
+                      <m:e>
+                        <m:r>
+                          <a:rPr lang="fr-FR" b="0" i="1" smtClean="0">
+                            <a:latin typeface="Cambria Math"/>
+                          </a:rPr>
+                          <m:t>𝐴𝐸</m:t>
+                        </m:r>
+                      </m:e>
+                    </m:acc>
+                    <m:r>
+                      <a:rPr lang="fr-FR" b="0" i="1" smtClean="0">
+                        <a:latin typeface="Cambria Math"/>
+                      </a:rPr>
+                      <m:t>+</m:t>
+                    </m:r>
+                    <m:acc>
+                      <m:accPr>
+                        <m:chr m:val="⃗"/>
+                        <m:ctrlPr>
+                          <a:rPr lang="fr-FR" i="1">
+                            <a:latin typeface="Cambria Math"/>
+                          </a:rPr>
+                        </m:ctrlPr>
+                      </m:accPr>
+                      <m:e>
+                        <m:r>
+                          <a:rPr lang="fr-FR" i="1">
+                            <a:latin typeface="Cambria Math"/>
+                          </a:rPr>
+                          <m:t>𝐸</m:t>
+                        </m:r>
+                        <m:r>
+                          <a:rPr lang="fr-FR" b="0" i="1" smtClean="0">
+                            <a:latin typeface="Cambria Math"/>
+                          </a:rPr>
+                          <m:t>𝐷</m:t>
+                        </m:r>
+                      </m:e>
+                    </m:acc>
+                  </m:oMath>
+                </a14:m>
+                <a:r>
+                  <a:rPr lang="fr-FR" dirty="0" smtClean="0"/>
+                  <a:t>+</a:t>
+                </a:r>
+                <a:r>
+                  <a:rPr lang="fr-FR" dirty="0"/>
+                  <a:t> </a:t>
+                </a:r>
+                <a14:m>
+                  <m:oMath xmlns:m="http://schemas.openxmlformats.org/officeDocument/2006/math">
+                    <m:acc>
+                      <m:accPr>
+                        <m:chr m:val="⃗"/>
+                        <m:ctrlPr>
+                          <a:rPr lang="fr-FR" i="1">
+                            <a:latin typeface="Cambria Math"/>
+                          </a:rPr>
+                        </m:ctrlPr>
+                      </m:accPr>
+                      <m:e>
+                        <m:r>
+                          <a:rPr lang="fr-FR" b="0" i="1" smtClean="0">
+                            <a:latin typeface="Cambria Math"/>
+                          </a:rPr>
+                          <m:t>𝐷</m:t>
+                        </m:r>
+                        <m:r>
+                          <a:rPr lang="fr-FR" b="0" i="1" smtClean="0">
+                            <a:latin typeface="Cambria Math"/>
+                          </a:rPr>
+                          <m:t>𝐴</m:t>
+                        </m:r>
+                      </m:e>
+                    </m:acc>
+                  </m:oMath>
+                </a14:m>
+                <a:r>
+                  <a:rPr lang="fr-FR" dirty="0" smtClean="0"/>
+                  <a:t>=</a:t>
+                </a:r>
+                <a:r>
+                  <a:rPr lang="fr-FR" dirty="0"/>
+                  <a:t> </a:t>
+                </a:r>
+                <a14:m>
+                  <m:oMath xmlns:m="http://schemas.openxmlformats.org/officeDocument/2006/math">
+                    <m:acc>
+                      <m:accPr>
+                        <m:chr m:val="⃗"/>
+                        <m:ctrlPr>
+                          <a:rPr lang="fr-FR" i="1">
+                            <a:latin typeface="Cambria Math"/>
+                          </a:rPr>
+                        </m:ctrlPr>
+                      </m:accPr>
+                      <m:e>
+                        <m:r>
+                          <a:rPr lang="fr-FR" b="0" i="1" smtClean="0">
+                            <a:latin typeface="Cambria Math"/>
+                          </a:rPr>
+                          <m:t>0</m:t>
+                        </m:r>
+                      </m:e>
+                    </m:acc>
+                  </m:oMath>
+                </a14:m>
+                <a:endParaRPr lang="fr-FR" dirty="0" smtClean="0"/>
+              </a:p>
+              <a:p>
+                <a:pPr lvl="1"/>
+                <a14:m>
+                  <m:oMath xmlns:m="http://schemas.openxmlformats.org/officeDocument/2006/math">
+                    <m:r>
+                      <a:rPr lang="fr-FR" b="0" i="1" smtClean="0">
+                        <a:latin typeface="Cambria Math"/>
+                      </a:rPr>
+                      <m:t>𝑎</m:t>
+                    </m:r>
+                    <m:acc>
+                      <m:accPr>
+                        <m:chr m:val="⃗"/>
+                        <m:ctrlPr>
+                          <a:rPr lang="fr-FR" b="0" i="1" smtClean="0">
+                            <a:latin typeface="Cambria Math"/>
+                          </a:rPr>
+                        </m:ctrlPr>
+                      </m:accPr>
+                      <m:e>
+                        <m:sSub>
+                          <m:sSubPr>
+                            <m:ctrlPr>
+                              <a:rPr lang="fr-FR" b="0" i="1" smtClean="0">
+                                <a:latin typeface="Cambria Math"/>
+                              </a:rPr>
+                            </m:ctrlPr>
+                          </m:sSubPr>
+                          <m:e>
+                            <m:r>
+                              <a:rPr lang="fr-FR" b="0" i="1" smtClean="0">
+                                <a:latin typeface="Cambria Math"/>
+                              </a:rPr>
+                              <m:t>𝑥</m:t>
+                            </m:r>
+                          </m:e>
+                          <m:sub>
+                            <m:r>
+                              <a:rPr lang="fr-FR" b="0" i="1" smtClean="0">
+                                <a:latin typeface="Cambria Math"/>
+                              </a:rPr>
+                              <m:t>0</m:t>
+                            </m:r>
+                          </m:sub>
+                        </m:sSub>
+                      </m:e>
+                    </m:acc>
+                    <m:r>
+                      <a:rPr lang="fr-FR" b="0" i="1" smtClean="0">
+                        <a:latin typeface="Cambria Math"/>
+                      </a:rPr>
+                      <m:t>+</m:t>
+                    </m:r>
+                    <m:r>
+                      <a:rPr lang="fr-FR" b="0" i="1" smtClean="0">
+                        <a:latin typeface="Cambria Math"/>
+                      </a:rPr>
+                      <m:t>𝜆</m:t>
+                    </m:r>
+                    <m:acc>
+                      <m:accPr>
+                        <m:chr m:val="⃗"/>
+                        <m:ctrlPr>
+                          <a:rPr lang="fr-FR" b="0" i="1" smtClean="0">
+                            <a:latin typeface="Cambria Math"/>
+                          </a:rPr>
+                        </m:ctrlPr>
+                      </m:accPr>
+                      <m:e>
+                        <m:r>
+                          <a:rPr lang="fr-FR" b="0" i="1" smtClean="0">
+                            <a:latin typeface="Cambria Math"/>
+                          </a:rPr>
+                          <m:t>𝑢</m:t>
+                        </m:r>
+                      </m:e>
+                    </m:acc>
+                    <m:r>
+                      <a:rPr lang="fr-FR" b="0" i="1" smtClean="0">
+                        <a:latin typeface="Cambria Math"/>
+                      </a:rPr>
+                      <m:t>−</m:t>
+                    </m:r>
+                    <m:r>
+                      <a:rPr lang="fr-FR" b="0" i="1" smtClean="0">
+                        <a:latin typeface="Cambria Math"/>
+                      </a:rPr>
+                      <m:t>𝜌</m:t>
+                    </m:r>
+                    <m:acc>
+                      <m:accPr>
+                        <m:chr m:val="⃗"/>
+                        <m:ctrlPr>
+                          <a:rPr lang="fr-FR" b="0" i="1" smtClean="0">
+                            <a:latin typeface="Cambria Math"/>
+                          </a:rPr>
+                        </m:ctrlPr>
+                      </m:accPr>
+                      <m:e>
+                        <m:sSub>
+                          <m:sSubPr>
+                            <m:ctrlPr>
+                              <a:rPr lang="fr-FR" b="0" i="1" smtClean="0">
+                                <a:latin typeface="Cambria Math"/>
+                              </a:rPr>
+                            </m:ctrlPr>
+                          </m:sSubPr>
+                          <m:e>
+                            <m:r>
+                              <a:rPr lang="fr-FR" b="0" i="1" smtClean="0">
+                                <a:latin typeface="Cambria Math"/>
+                              </a:rPr>
+                              <m:t>𝑥</m:t>
+                            </m:r>
+                          </m:e>
+                          <m:sub>
+                            <m:r>
+                              <a:rPr lang="fr-FR" b="0" i="1" smtClean="0">
+                                <a:latin typeface="Cambria Math"/>
+                              </a:rPr>
+                              <m:t>3</m:t>
+                            </m:r>
+                          </m:sub>
+                        </m:sSub>
+                      </m:e>
+                    </m:acc>
+                    <m:r>
+                      <m:rPr>
+                        <m:nor/>
+                      </m:rPr>
+                      <a:rPr lang="fr-FR" dirty="0"/>
+                      <m:t>= </m:t>
+                    </m:r>
+                    <m:acc>
+                      <m:accPr>
+                        <m:chr m:val="⃗"/>
+                        <m:ctrlPr>
+                          <a:rPr lang="fr-FR" i="1">
+                            <a:latin typeface="Cambria Math"/>
+                          </a:rPr>
+                        </m:ctrlPr>
+                      </m:accPr>
+                      <m:e>
+                        <m:r>
+                          <a:rPr lang="fr-FR" i="1">
+                            <a:latin typeface="Cambria Math"/>
+                          </a:rPr>
+                          <m:t>0</m:t>
+                        </m:r>
+                      </m:e>
+                    </m:acc>
+                  </m:oMath>
+                </a14:m>
+                <a:endParaRPr lang="fr-FR" dirty="0" smtClean="0"/>
+              </a:p>
+              <a:p>
+                <a:r>
+                  <a:rPr lang="fr-FR" dirty="0" smtClean="0"/>
+                  <a:t>En conséquences : </a:t>
+                </a:r>
+              </a:p>
+              <a:p>
+                <a:pPr lvl="1"/>
+                <a:r>
+                  <a:rPr lang="fr-FR" dirty="0" smtClean="0"/>
+                  <a:t>Projection sur </a:t>
+                </a:r>
+                <a14:m>
+                  <m:oMath xmlns:m="http://schemas.openxmlformats.org/officeDocument/2006/math">
+                    <m:acc>
+                      <m:accPr>
+                        <m:chr m:val="⃗"/>
+                        <m:ctrlPr>
+                          <a:rPr lang="fr-FR" i="1">
+                            <a:latin typeface="Cambria Math"/>
+                          </a:rPr>
+                        </m:ctrlPr>
+                      </m:accPr>
+                      <m:e>
+                        <m:sSub>
+                          <m:sSubPr>
+                            <m:ctrlPr>
+                              <a:rPr lang="fr-FR" i="1">
+                                <a:latin typeface="Cambria Math"/>
+                              </a:rPr>
+                            </m:ctrlPr>
+                          </m:sSubPr>
+                          <m:e>
+                            <m:r>
+                              <a:rPr lang="fr-FR" i="1">
+                                <a:latin typeface="Cambria Math"/>
+                              </a:rPr>
+                              <m:t>𝑥</m:t>
+                            </m:r>
+                          </m:e>
+                          <m:sub>
+                            <m:r>
+                              <a:rPr lang="fr-FR" i="1">
+                                <a:latin typeface="Cambria Math"/>
+                              </a:rPr>
+                              <m:t>0</m:t>
+                            </m:r>
+                          </m:sub>
+                        </m:sSub>
+                      </m:e>
+                    </m:acc>
+                  </m:oMath>
+                </a14:m>
+                <a:r>
+                  <a:rPr lang="fr-FR" dirty="0" smtClean="0"/>
+                  <a:t> :</a:t>
+                </a:r>
+                <a14:m>
+                  <m:oMath xmlns:m="http://schemas.openxmlformats.org/officeDocument/2006/math">
+                    <m:r>
+                      <a:rPr lang="fr-FR" i="1">
+                        <a:latin typeface="Cambria Math"/>
+                      </a:rPr>
+                      <m:t>𝑎</m:t>
+                    </m:r>
+                    <m:r>
+                      <a:rPr lang="fr-FR" b="0" i="1" smtClean="0">
+                        <a:latin typeface="Cambria Math"/>
+                      </a:rPr>
+                      <m:t>−</m:t>
+                    </m:r>
+                    <m:r>
+                      <a:rPr lang="fr-FR" i="1">
+                        <a:latin typeface="Cambria Math"/>
+                      </a:rPr>
+                      <m:t>𝜆</m:t>
+                    </m:r>
+                    <m:func>
+                      <m:funcPr>
+                        <m:ctrlPr>
+                          <a:rPr lang="fr-FR" b="0" i="1" smtClean="0">
+                            <a:latin typeface="Cambria Math"/>
+                          </a:rPr>
+                        </m:ctrlPr>
+                      </m:funcPr>
+                      <m:fName>
+                        <m:r>
+                          <m:rPr>
+                            <m:sty m:val="p"/>
+                          </m:rPr>
+                          <a:rPr lang="fr-FR" b="0" i="0" smtClean="0">
+                            <a:latin typeface="Cambria Math"/>
+                          </a:rPr>
+                          <m:t>sin</m:t>
+                        </m:r>
+                      </m:fName>
+                      <m:e>
+                        <m:r>
+                          <a:rPr lang="fr-FR" b="0" i="1" smtClean="0">
+                            <a:latin typeface="Cambria Math"/>
+                          </a:rPr>
+                          <m:t>𝛼</m:t>
+                        </m:r>
+                      </m:e>
+                    </m:func>
+                    <m:r>
+                      <a:rPr lang="fr-FR" i="1">
+                        <a:latin typeface="Cambria Math"/>
+                      </a:rPr>
+                      <m:t>−</m:t>
+                    </m:r>
+                    <m:r>
+                      <a:rPr lang="fr-FR" i="1">
+                        <a:latin typeface="Cambria Math"/>
+                      </a:rPr>
+                      <m:t>𝜌</m:t>
+                    </m:r>
+                    <m:func>
+                      <m:funcPr>
+                        <m:ctrlPr>
+                          <a:rPr lang="fr-FR" b="0" i="1" smtClean="0">
+                            <a:latin typeface="Cambria Math"/>
+                          </a:rPr>
+                        </m:ctrlPr>
+                      </m:funcPr>
+                      <m:fName>
+                        <m:r>
+                          <m:rPr>
+                            <m:sty m:val="p"/>
+                          </m:rPr>
+                          <a:rPr lang="fr-FR" b="0" i="0" smtClean="0">
+                            <a:latin typeface="Cambria Math"/>
+                          </a:rPr>
+                          <m:t>cos</m:t>
+                        </m:r>
+                      </m:fName>
+                      <m:e>
+                        <m:sSub>
+                          <m:sSubPr>
+                            <m:ctrlPr>
+                              <a:rPr lang="fr-FR" b="0" i="1" smtClean="0">
+                                <a:latin typeface="Cambria Math"/>
+                              </a:rPr>
+                            </m:ctrlPr>
+                          </m:sSubPr>
+                          <m:e>
+                            <m:r>
+                              <a:rPr lang="fr-FR" b="0" i="1" smtClean="0">
+                                <a:latin typeface="Cambria Math"/>
+                              </a:rPr>
+                              <m:t>𝜃</m:t>
+                            </m:r>
+                          </m:e>
+                          <m:sub>
+                            <m:r>
+                              <a:rPr lang="fr-FR" b="0" i="1" smtClean="0">
+                                <a:latin typeface="Cambria Math"/>
+                              </a:rPr>
+                              <m:t>3</m:t>
+                            </m:r>
+                          </m:sub>
+                        </m:sSub>
+                      </m:e>
+                    </m:func>
+                    <m:r>
+                      <m:rPr>
+                        <m:nor/>
+                      </m:rPr>
+                      <a:rPr lang="fr-FR" b="0" i="0" smtClean="0">
+                        <a:latin typeface="Cambria Math"/>
+                      </a:rPr>
+                      <m:t>=0</m:t>
+                    </m:r>
+                    <m:r>
+                      <a:rPr lang="fr-FR" b="0" i="1" smtClean="0">
+                        <a:latin typeface="Cambria Math"/>
+                      </a:rPr>
+                      <m:t>⇔</m:t>
+                    </m:r>
+                    <m:r>
+                      <a:rPr lang="fr-FR" i="1">
+                        <a:latin typeface="Cambria Math"/>
+                      </a:rPr>
+                      <m:t>𝜌</m:t>
+                    </m:r>
+                    <m:func>
+                      <m:funcPr>
+                        <m:ctrlPr>
+                          <a:rPr lang="fr-FR" i="1">
+                            <a:latin typeface="Cambria Math"/>
+                          </a:rPr>
+                        </m:ctrlPr>
+                      </m:funcPr>
+                      <m:fName>
+                        <m:r>
+                          <m:rPr>
+                            <m:sty m:val="p"/>
+                          </m:rPr>
+                          <a:rPr lang="fr-FR">
+                            <a:latin typeface="Cambria Math"/>
+                          </a:rPr>
+                          <m:t>cos</m:t>
+                        </m:r>
+                      </m:fName>
+                      <m:e>
+                        <m:sSub>
+                          <m:sSubPr>
+                            <m:ctrlPr>
+                              <a:rPr lang="fr-FR" i="1">
+                                <a:latin typeface="Cambria Math"/>
+                              </a:rPr>
+                            </m:ctrlPr>
+                          </m:sSubPr>
+                          <m:e>
+                            <m:r>
+                              <a:rPr lang="fr-FR" i="1">
+                                <a:latin typeface="Cambria Math"/>
+                              </a:rPr>
+                              <m:t>𝜃</m:t>
+                            </m:r>
+                          </m:e>
+                          <m:sub>
+                            <m:r>
+                              <a:rPr lang="fr-FR" i="1">
+                                <a:latin typeface="Cambria Math"/>
+                              </a:rPr>
+                              <m:t>3</m:t>
+                            </m:r>
+                          </m:sub>
+                        </m:sSub>
+                      </m:e>
+                    </m:func>
+                    <m:r>
+                      <a:rPr lang="fr-FR" b="0" i="1" smtClean="0">
+                        <a:latin typeface="Cambria Math"/>
+                      </a:rPr>
+                      <m:t>=</m:t>
+                    </m:r>
+                    <m:r>
+                      <a:rPr lang="fr-FR" i="1">
+                        <a:latin typeface="Cambria Math"/>
+                      </a:rPr>
+                      <m:t>𝑎</m:t>
+                    </m:r>
+                    <m:r>
+                      <a:rPr lang="fr-FR" i="1">
+                        <a:latin typeface="Cambria Math"/>
+                      </a:rPr>
+                      <m:t>−</m:t>
+                    </m:r>
+                    <m:r>
+                      <a:rPr lang="fr-FR" i="1">
+                        <a:latin typeface="Cambria Math"/>
+                      </a:rPr>
+                      <m:t>𝜆</m:t>
+                    </m:r>
+                    <m:func>
+                      <m:funcPr>
+                        <m:ctrlPr>
+                          <a:rPr lang="fr-FR" i="1">
+                            <a:latin typeface="Cambria Math"/>
+                          </a:rPr>
+                        </m:ctrlPr>
+                      </m:funcPr>
+                      <m:fName>
+                        <m:r>
+                          <m:rPr>
+                            <m:sty m:val="p"/>
+                          </m:rPr>
+                          <a:rPr lang="fr-FR">
+                            <a:latin typeface="Cambria Math"/>
+                          </a:rPr>
+                          <m:t>sin</m:t>
+                        </m:r>
+                      </m:fName>
+                      <m:e>
+                        <m:r>
+                          <a:rPr lang="fr-FR" i="1">
+                            <a:latin typeface="Cambria Math"/>
+                          </a:rPr>
+                          <m:t>𝛼</m:t>
+                        </m:r>
+                      </m:e>
+                    </m:func>
+                  </m:oMath>
+                </a14:m>
+                <a:endParaRPr lang="fr-FR" dirty="0" smtClean="0"/>
+              </a:p>
+              <a:p>
+                <a:pPr lvl="1"/>
+                <a:r>
+                  <a:rPr lang="fr-FR" dirty="0"/>
+                  <a:t>Projection sur </a:t>
+                </a:r>
+                <a14:m>
+                  <m:oMath xmlns:m="http://schemas.openxmlformats.org/officeDocument/2006/math">
+                    <m:acc>
+                      <m:accPr>
+                        <m:chr m:val="⃗"/>
+                        <m:ctrlPr>
+                          <a:rPr lang="fr-FR" i="1">
+                            <a:latin typeface="Cambria Math"/>
+                          </a:rPr>
+                        </m:ctrlPr>
+                      </m:accPr>
+                      <m:e>
+                        <m:sSub>
+                          <m:sSubPr>
+                            <m:ctrlPr>
+                              <a:rPr lang="fr-FR" i="1">
+                                <a:latin typeface="Cambria Math"/>
+                              </a:rPr>
+                            </m:ctrlPr>
+                          </m:sSubPr>
+                          <m:e>
+                            <m:r>
+                              <a:rPr lang="fr-FR" b="0" i="1" smtClean="0">
+                                <a:latin typeface="Cambria Math"/>
+                              </a:rPr>
+                              <m:t>𝑦</m:t>
+                            </m:r>
+                          </m:e>
+                          <m:sub>
+                            <m:r>
+                              <a:rPr lang="fr-FR" i="1">
+                                <a:latin typeface="Cambria Math"/>
+                              </a:rPr>
+                              <m:t>0</m:t>
+                            </m:r>
+                          </m:sub>
+                        </m:sSub>
+                      </m:e>
+                    </m:acc>
+                  </m:oMath>
+                </a14:m>
+                <a:r>
+                  <a:rPr lang="fr-FR" dirty="0"/>
+                  <a:t> : </a:t>
+                </a:r>
+                <a14:m>
+                  <m:oMath xmlns:m="http://schemas.openxmlformats.org/officeDocument/2006/math">
+                    <m:r>
+                      <a:rPr lang="fr-FR" i="1">
+                        <a:latin typeface="Cambria Math"/>
+                      </a:rPr>
+                      <m:t>𝜌</m:t>
+                    </m:r>
+                    <m:func>
+                      <m:funcPr>
+                        <m:ctrlPr>
+                          <a:rPr lang="fr-FR" i="1">
+                            <a:latin typeface="Cambria Math"/>
+                          </a:rPr>
+                        </m:ctrlPr>
+                      </m:funcPr>
+                      <m:fName>
+                        <m:r>
+                          <m:rPr>
+                            <m:sty m:val="p"/>
+                          </m:rPr>
+                          <a:rPr lang="fr-FR" b="0" i="0" smtClean="0">
+                            <a:latin typeface="Cambria Math"/>
+                          </a:rPr>
+                          <m:t>sin</m:t>
+                        </m:r>
+                      </m:fName>
+                      <m:e>
+                        <m:sSub>
+                          <m:sSubPr>
+                            <m:ctrlPr>
+                              <a:rPr lang="fr-FR" i="1">
+                                <a:latin typeface="Cambria Math"/>
+                              </a:rPr>
+                            </m:ctrlPr>
+                          </m:sSubPr>
+                          <m:e>
+                            <m:r>
+                              <a:rPr lang="fr-FR" i="1">
+                                <a:latin typeface="Cambria Math"/>
+                              </a:rPr>
+                              <m:t>𝜃</m:t>
+                            </m:r>
+                          </m:e>
+                          <m:sub>
+                            <m:r>
+                              <a:rPr lang="fr-FR" i="1">
+                                <a:latin typeface="Cambria Math"/>
+                              </a:rPr>
+                              <m:t>3</m:t>
+                            </m:r>
+                          </m:sub>
+                        </m:sSub>
+                      </m:e>
+                    </m:func>
+                    <m:r>
+                      <m:rPr>
+                        <m:nor/>
+                      </m:rPr>
+                      <a:rPr lang="fr-FR" b="0" i="0" smtClean="0">
+                        <a:latin typeface="Cambria Math"/>
+                      </a:rPr>
+                      <m:t>=</m:t>
+                    </m:r>
+                    <m:r>
+                      <a:rPr lang="fr-FR" i="1">
+                        <a:latin typeface="Cambria Math"/>
+                      </a:rPr>
+                      <m:t>𝜆</m:t>
+                    </m:r>
+                    <m:func>
+                      <m:funcPr>
+                        <m:ctrlPr>
+                          <a:rPr lang="fr-FR" i="1">
+                            <a:latin typeface="Cambria Math"/>
+                          </a:rPr>
+                        </m:ctrlPr>
+                      </m:funcPr>
+                      <m:fName>
+                        <m:r>
+                          <m:rPr>
+                            <m:sty m:val="p"/>
+                          </m:rPr>
+                          <a:rPr lang="fr-FR">
+                            <a:latin typeface="Cambria Math"/>
+                          </a:rPr>
+                          <m:t>cos</m:t>
+                        </m:r>
+                      </m:fName>
+                      <m:e>
+                        <m:r>
+                          <a:rPr lang="fr-FR" i="1">
+                            <a:latin typeface="Cambria Math"/>
+                          </a:rPr>
+                          <m:t>𝛼</m:t>
+                        </m:r>
+                      </m:e>
+                    </m:func>
+                  </m:oMath>
+                </a14:m>
+                <a:endParaRPr lang="fr-FR" dirty="0" smtClean="0"/>
+              </a:p>
+              <a:p>
+                <a:pPr lvl="1"/>
+                <a:r>
+                  <a:rPr lang="fr-FR" b="0" dirty="0" smtClean="0"/>
+                  <a:t>D’où : </a:t>
+                </a:r>
+              </a:p>
+              <a:p>
+                <a:pPr lvl="2"/>
+                <a14:m>
+                  <m:oMath xmlns:m="http://schemas.openxmlformats.org/officeDocument/2006/math">
+                    <m:func>
+                      <m:funcPr>
+                        <m:ctrlPr>
+                          <a:rPr lang="fr-FR" b="0" i="1" smtClean="0">
+                            <a:latin typeface="Cambria Math"/>
+                          </a:rPr>
+                        </m:ctrlPr>
+                      </m:funcPr>
+                      <m:fName>
+                        <m:r>
+                          <m:rPr>
+                            <m:sty m:val="p"/>
+                          </m:rPr>
+                          <a:rPr lang="fr-FR" b="0" i="0" smtClean="0">
+                            <a:latin typeface="Cambria Math"/>
+                          </a:rPr>
+                          <m:t>tan</m:t>
+                        </m:r>
+                      </m:fName>
+                      <m:e>
+                        <m:sSub>
+                          <m:sSubPr>
+                            <m:ctrlPr>
+                              <a:rPr lang="fr-FR" b="0" i="1" smtClean="0">
+                                <a:latin typeface="Cambria Math"/>
+                              </a:rPr>
+                            </m:ctrlPr>
+                          </m:sSubPr>
+                          <m:e>
+                            <m:r>
+                              <a:rPr lang="fr-FR" b="0" i="1" smtClean="0">
+                                <a:latin typeface="Cambria Math"/>
+                              </a:rPr>
+                              <m:t>𝜃</m:t>
+                            </m:r>
+                          </m:e>
+                          <m:sub>
+                            <m:r>
+                              <a:rPr lang="fr-FR" b="0" i="1" smtClean="0">
+                                <a:latin typeface="Cambria Math"/>
+                              </a:rPr>
+                              <m:t>3</m:t>
+                            </m:r>
+                          </m:sub>
+                        </m:sSub>
+                      </m:e>
+                    </m:func>
+                    <m:r>
+                      <a:rPr lang="fr-FR" b="0" i="1" smtClean="0">
+                        <a:latin typeface="Cambria Math"/>
+                      </a:rPr>
+                      <m:t>=</m:t>
+                    </m:r>
+                    <m:f>
+                      <m:fPr>
+                        <m:ctrlPr>
+                          <a:rPr lang="fr-FR" b="0" i="1" smtClean="0">
+                            <a:latin typeface="Cambria Math"/>
+                          </a:rPr>
+                        </m:ctrlPr>
+                      </m:fPr>
+                      <m:num>
+                        <m:r>
+                          <a:rPr lang="fr-FR" i="1">
+                            <a:latin typeface="Cambria Math"/>
+                          </a:rPr>
+                          <m:t>𝜆</m:t>
+                        </m:r>
+                        <m:func>
+                          <m:funcPr>
+                            <m:ctrlPr>
+                              <a:rPr lang="fr-FR" i="1">
+                                <a:latin typeface="Cambria Math"/>
+                              </a:rPr>
+                            </m:ctrlPr>
+                          </m:funcPr>
+                          <m:fName>
+                            <m:r>
+                              <m:rPr>
+                                <m:sty m:val="p"/>
+                              </m:rPr>
+                              <a:rPr lang="fr-FR">
+                                <a:latin typeface="Cambria Math"/>
+                              </a:rPr>
+                              <m:t>cos</m:t>
+                            </m:r>
+                          </m:fName>
+                          <m:e>
+                            <m:r>
+                              <a:rPr lang="fr-FR" i="1">
+                                <a:latin typeface="Cambria Math"/>
+                              </a:rPr>
+                              <m:t>𝛼</m:t>
+                            </m:r>
+                          </m:e>
+                        </m:func>
+                      </m:num>
+                      <m:den>
+                        <m:r>
+                          <a:rPr lang="fr-FR" i="1">
+                            <a:latin typeface="Cambria Math"/>
+                          </a:rPr>
+                          <m:t>𝑎</m:t>
+                        </m:r>
+                        <m:r>
+                          <a:rPr lang="fr-FR" i="1">
+                            <a:latin typeface="Cambria Math"/>
+                          </a:rPr>
+                          <m:t>−</m:t>
+                        </m:r>
+                        <m:r>
+                          <a:rPr lang="fr-FR" i="1">
+                            <a:latin typeface="Cambria Math"/>
+                          </a:rPr>
+                          <m:t>𝜆</m:t>
+                        </m:r>
+                        <m:func>
+                          <m:funcPr>
+                            <m:ctrlPr>
+                              <a:rPr lang="fr-FR" i="1">
+                                <a:latin typeface="Cambria Math"/>
+                              </a:rPr>
+                            </m:ctrlPr>
+                          </m:funcPr>
+                          <m:fName>
+                            <m:r>
+                              <m:rPr>
+                                <m:sty m:val="p"/>
+                              </m:rPr>
+                              <a:rPr lang="fr-FR">
+                                <a:latin typeface="Cambria Math"/>
+                              </a:rPr>
+                              <m:t>sin</m:t>
+                            </m:r>
+                          </m:fName>
+                          <m:e>
+                            <m:r>
+                              <a:rPr lang="fr-FR" i="1">
+                                <a:latin typeface="Cambria Math"/>
+                              </a:rPr>
+                              <m:t>𝛼</m:t>
+                            </m:r>
+                          </m:e>
+                        </m:func>
+                      </m:den>
+                    </m:f>
+                  </m:oMath>
+                </a14:m>
+                <a:endParaRPr lang="fr-FR" b="0" i="1" dirty="0" smtClean="0">
+                  <a:latin typeface="Cambria Math"/>
+                </a:endParaRPr>
+              </a:p>
+              <a:p>
+                <a:pPr lvl="2"/>
+                <a14:m>
+                  <m:oMath xmlns:m="http://schemas.openxmlformats.org/officeDocument/2006/math">
+                    <m:r>
+                      <a:rPr lang="fr-FR" b="0" i="1" smtClean="0">
+                        <a:latin typeface="Cambria Math"/>
+                      </a:rPr>
+                      <m:t>⇔</m:t>
+                    </m:r>
+                    <m:d>
+                      <m:dPr>
+                        <m:ctrlPr>
+                          <a:rPr lang="fr-FR" b="0" i="1" smtClean="0">
+                            <a:latin typeface="Cambria Math"/>
+                          </a:rPr>
+                        </m:ctrlPr>
+                      </m:dPr>
+                      <m:e>
+                        <m:r>
+                          <a:rPr lang="fr-FR" i="1">
+                            <a:latin typeface="Cambria Math"/>
+                          </a:rPr>
+                          <m:t>𝑎</m:t>
+                        </m:r>
+                        <m:func>
+                          <m:funcPr>
+                            <m:ctrlPr>
+                              <a:rPr lang="fr-FR" i="1">
+                                <a:latin typeface="Cambria Math"/>
+                              </a:rPr>
+                            </m:ctrlPr>
+                          </m:funcPr>
+                          <m:fName>
+                            <m:r>
+                              <m:rPr>
+                                <m:sty m:val="p"/>
+                              </m:rPr>
+                              <a:rPr lang="fr-FR">
+                                <a:latin typeface="Cambria Math"/>
+                              </a:rPr>
+                              <m:t>tan</m:t>
+                            </m:r>
+                          </m:fName>
+                          <m:e>
+                            <m:sSub>
+                              <m:sSubPr>
+                                <m:ctrlPr>
+                                  <a:rPr lang="fr-FR" i="1">
+                                    <a:latin typeface="Cambria Math"/>
+                                  </a:rPr>
+                                </m:ctrlPr>
+                              </m:sSubPr>
+                              <m:e>
+                                <m:r>
+                                  <a:rPr lang="fr-FR" i="1">
+                                    <a:latin typeface="Cambria Math"/>
+                                  </a:rPr>
+                                  <m:t>𝜃</m:t>
+                                </m:r>
+                              </m:e>
+                              <m:sub>
+                                <m:r>
+                                  <a:rPr lang="fr-FR" i="1">
+                                    <a:latin typeface="Cambria Math"/>
+                                  </a:rPr>
+                                  <m:t>3</m:t>
+                                </m:r>
+                              </m:sub>
+                            </m:sSub>
+                          </m:e>
+                        </m:func>
+                        <m:r>
+                          <a:rPr lang="fr-FR" i="1">
+                            <a:latin typeface="Cambria Math"/>
+                          </a:rPr>
+                          <m:t>−</m:t>
+                        </m:r>
+                        <m:r>
+                          <a:rPr lang="fr-FR" i="1">
+                            <a:latin typeface="Cambria Math"/>
+                          </a:rPr>
+                          <m:t>𝜆</m:t>
+                        </m:r>
+                        <m:func>
+                          <m:funcPr>
+                            <m:ctrlPr>
+                              <a:rPr lang="fr-FR" i="1">
+                                <a:latin typeface="Cambria Math"/>
+                              </a:rPr>
+                            </m:ctrlPr>
+                          </m:funcPr>
+                          <m:fName>
+                            <m:r>
+                              <m:rPr>
+                                <m:sty m:val="p"/>
+                              </m:rPr>
+                              <a:rPr lang="fr-FR">
+                                <a:latin typeface="Cambria Math"/>
+                              </a:rPr>
+                              <m:t>sin</m:t>
+                            </m:r>
+                          </m:fName>
+                          <m:e>
+                            <m:r>
+                              <a:rPr lang="fr-FR" i="1">
+                                <a:latin typeface="Cambria Math"/>
+                              </a:rPr>
+                              <m:t>𝛼</m:t>
+                            </m:r>
+                          </m:e>
+                        </m:func>
+                        <m:func>
+                          <m:funcPr>
+                            <m:ctrlPr>
+                              <a:rPr lang="fr-FR" i="1">
+                                <a:latin typeface="Cambria Math"/>
+                              </a:rPr>
+                            </m:ctrlPr>
+                          </m:funcPr>
+                          <m:fName>
+                            <m:r>
+                              <m:rPr>
+                                <m:sty m:val="p"/>
+                              </m:rPr>
+                              <a:rPr lang="fr-FR">
+                                <a:latin typeface="Cambria Math"/>
+                              </a:rPr>
+                              <m:t>tan</m:t>
+                            </m:r>
+                          </m:fName>
+                          <m:e>
+                            <m:sSub>
+                              <m:sSubPr>
+                                <m:ctrlPr>
+                                  <a:rPr lang="fr-FR" i="1">
+                                    <a:latin typeface="Cambria Math"/>
+                                  </a:rPr>
+                                </m:ctrlPr>
+                              </m:sSubPr>
+                              <m:e>
+                                <m:r>
+                                  <a:rPr lang="fr-FR" i="1">
+                                    <a:latin typeface="Cambria Math"/>
+                                  </a:rPr>
+                                  <m:t>𝜃</m:t>
+                                </m:r>
+                              </m:e>
+                              <m:sub>
+                                <m:r>
+                                  <a:rPr lang="fr-FR" i="1">
+                                    <a:latin typeface="Cambria Math"/>
+                                  </a:rPr>
+                                  <m:t>3</m:t>
+                                </m:r>
+                              </m:sub>
+                            </m:sSub>
+                          </m:e>
+                        </m:func>
+                      </m:e>
+                    </m:d>
+                    <m:r>
+                      <a:rPr lang="fr-FR" i="1">
+                        <a:latin typeface="Cambria Math"/>
+                      </a:rPr>
+                      <m:t>=</m:t>
+                    </m:r>
+                    <m:r>
+                      <a:rPr lang="fr-FR" i="1">
+                        <a:latin typeface="Cambria Math"/>
+                      </a:rPr>
+                      <m:t>𝜆</m:t>
+                    </m:r>
+                    <m:func>
+                      <m:funcPr>
+                        <m:ctrlPr>
+                          <a:rPr lang="fr-FR" i="1">
+                            <a:latin typeface="Cambria Math"/>
+                          </a:rPr>
+                        </m:ctrlPr>
+                      </m:funcPr>
+                      <m:fName>
+                        <m:r>
+                          <m:rPr>
+                            <m:sty m:val="p"/>
+                          </m:rPr>
+                          <a:rPr lang="fr-FR">
+                            <a:latin typeface="Cambria Math"/>
+                          </a:rPr>
+                          <m:t>cos</m:t>
+                        </m:r>
+                      </m:fName>
+                      <m:e>
+                        <m:r>
+                          <a:rPr lang="fr-FR" i="1">
+                            <a:latin typeface="Cambria Math"/>
+                          </a:rPr>
+                          <m:t>𝛼</m:t>
+                        </m:r>
+                      </m:e>
+                    </m:func>
+                  </m:oMath>
+                </a14:m>
+                <a:endParaRPr lang="fr-FR" i="1" dirty="0" smtClean="0">
+                  <a:latin typeface="Cambria Math"/>
+                </a:endParaRPr>
+              </a:p>
+              <a:p>
+                <a:pPr lvl="2"/>
+                <a14:m>
+                  <m:oMath xmlns:m="http://schemas.openxmlformats.org/officeDocument/2006/math">
+                    <m:r>
+                      <a:rPr lang="fr-FR" b="0" i="1" smtClean="0">
+                        <a:latin typeface="Cambria Math"/>
+                      </a:rPr>
+                      <m:t>⇔</m:t>
+                    </m:r>
+                    <m:r>
+                      <a:rPr lang="fr-FR" b="0" i="1" smtClean="0">
+                        <a:latin typeface="Cambria Math"/>
+                      </a:rPr>
+                      <m:t>𝜆</m:t>
+                    </m:r>
+                    <m:r>
+                      <a:rPr lang="fr-FR" b="0" i="1" smtClean="0">
+                        <a:latin typeface="Cambria Math"/>
+                      </a:rPr>
+                      <m:t>= </m:t>
+                    </m:r>
+                    <m:f>
+                      <m:fPr>
+                        <m:ctrlPr>
+                          <a:rPr lang="fr-FR" b="0" i="1" smtClean="0">
+                            <a:latin typeface="Cambria Math"/>
+                          </a:rPr>
+                        </m:ctrlPr>
+                      </m:fPr>
+                      <m:num>
+                        <m:r>
+                          <a:rPr lang="fr-FR" i="1">
+                            <a:latin typeface="Cambria Math"/>
+                          </a:rPr>
+                          <m:t>𝑎</m:t>
+                        </m:r>
+                        <m:func>
+                          <m:funcPr>
+                            <m:ctrlPr>
+                              <a:rPr lang="fr-FR" i="1">
+                                <a:latin typeface="Cambria Math"/>
+                              </a:rPr>
+                            </m:ctrlPr>
+                          </m:funcPr>
+                          <m:fName>
+                            <m:r>
+                              <m:rPr>
+                                <m:sty m:val="p"/>
+                              </m:rPr>
+                              <a:rPr lang="fr-FR">
+                                <a:latin typeface="Cambria Math"/>
+                              </a:rPr>
+                              <m:t>tan</m:t>
+                            </m:r>
+                          </m:fName>
+                          <m:e>
+                            <m:sSub>
+                              <m:sSubPr>
+                                <m:ctrlPr>
+                                  <a:rPr lang="fr-FR" i="1">
+                                    <a:latin typeface="Cambria Math"/>
+                                  </a:rPr>
+                                </m:ctrlPr>
+                              </m:sSubPr>
+                              <m:e>
+                                <m:r>
+                                  <a:rPr lang="fr-FR" i="1">
+                                    <a:latin typeface="Cambria Math"/>
+                                  </a:rPr>
+                                  <m:t>𝜃</m:t>
+                                </m:r>
+                              </m:e>
+                              <m:sub>
+                                <m:r>
+                                  <a:rPr lang="fr-FR" i="1">
+                                    <a:latin typeface="Cambria Math"/>
+                                  </a:rPr>
+                                  <m:t>3</m:t>
+                                </m:r>
+                              </m:sub>
+                            </m:sSub>
+                          </m:e>
+                        </m:func>
+                      </m:num>
+                      <m:den>
+                        <m:func>
+                          <m:funcPr>
+                            <m:ctrlPr>
+                              <a:rPr lang="fr-FR" i="1">
+                                <a:latin typeface="Cambria Math"/>
+                              </a:rPr>
+                            </m:ctrlPr>
+                          </m:funcPr>
+                          <m:fName>
+                            <m:r>
+                              <m:rPr>
+                                <m:sty m:val="p"/>
+                              </m:rPr>
+                              <a:rPr lang="fr-FR">
+                                <a:latin typeface="Cambria Math"/>
+                              </a:rPr>
+                              <m:t>cos</m:t>
+                            </m:r>
+                          </m:fName>
+                          <m:e>
+                            <m:r>
+                              <a:rPr lang="fr-FR" i="1">
+                                <a:latin typeface="Cambria Math"/>
+                              </a:rPr>
+                              <m:t>𝛼</m:t>
+                            </m:r>
+                          </m:e>
+                        </m:func>
+                        <m:r>
+                          <a:rPr lang="fr-FR" i="1">
+                            <a:latin typeface="Cambria Math"/>
+                          </a:rPr>
+                          <m:t>+</m:t>
+                        </m:r>
+                        <m:func>
+                          <m:funcPr>
+                            <m:ctrlPr>
+                              <a:rPr lang="fr-FR" i="1">
+                                <a:latin typeface="Cambria Math"/>
+                              </a:rPr>
+                            </m:ctrlPr>
+                          </m:funcPr>
+                          <m:fName>
+                            <m:r>
+                              <m:rPr>
+                                <m:sty m:val="p"/>
+                              </m:rPr>
+                              <a:rPr lang="fr-FR">
+                                <a:latin typeface="Cambria Math"/>
+                              </a:rPr>
+                              <m:t>sin</m:t>
+                            </m:r>
+                          </m:fName>
+                          <m:e>
+                            <m:r>
+                              <a:rPr lang="fr-FR" i="1">
+                                <a:latin typeface="Cambria Math"/>
+                              </a:rPr>
+                              <m:t>𝛼</m:t>
+                            </m:r>
+                          </m:e>
+                        </m:func>
+                        <m:func>
+                          <m:funcPr>
+                            <m:ctrlPr>
+                              <a:rPr lang="fr-FR" i="1">
+                                <a:latin typeface="Cambria Math"/>
+                              </a:rPr>
+                            </m:ctrlPr>
+                          </m:funcPr>
+                          <m:fName>
+                            <m:r>
+                              <m:rPr>
+                                <m:sty m:val="p"/>
+                              </m:rPr>
+                              <a:rPr lang="fr-FR">
+                                <a:latin typeface="Cambria Math"/>
+                              </a:rPr>
+                              <m:t>tan</m:t>
+                            </m:r>
+                          </m:fName>
+                          <m:e>
+                            <m:sSub>
+                              <m:sSubPr>
+                                <m:ctrlPr>
+                                  <a:rPr lang="fr-FR" i="1">
+                                    <a:latin typeface="Cambria Math"/>
+                                  </a:rPr>
+                                </m:ctrlPr>
+                              </m:sSubPr>
+                              <m:e>
+                                <m:r>
+                                  <a:rPr lang="fr-FR" i="1">
+                                    <a:latin typeface="Cambria Math"/>
+                                  </a:rPr>
+                                  <m:t>𝜃</m:t>
+                                </m:r>
+                              </m:e>
+                              <m:sub>
+                                <m:r>
+                                  <a:rPr lang="fr-FR" i="1">
+                                    <a:latin typeface="Cambria Math"/>
+                                  </a:rPr>
+                                  <m:t>3</m:t>
+                                </m:r>
+                              </m:sub>
+                            </m:sSub>
+                          </m:e>
+                        </m:func>
+                      </m:den>
+                    </m:f>
+                  </m:oMath>
+                </a14:m>
+                <a:endParaRPr lang="fr-FR" dirty="0" smtClean="0"/>
+              </a:p>
+              <a:p>
+                <a:r>
+                  <a:rPr lang="fr-FR" dirty="0" smtClean="0"/>
+                  <a:t>Débit instantané : </a:t>
+                </a:r>
+              </a:p>
+              <a:p>
+                <a:pPr lvl="1"/>
+                <a14:m>
+                  <m:oMath xmlns:m="http://schemas.openxmlformats.org/officeDocument/2006/math">
+                    <m:r>
+                      <a:rPr lang="fr-FR" i="1" smtClean="0">
+                        <a:latin typeface="Cambria Math"/>
+                      </a:rPr>
+                      <m:t>𝑞</m:t>
+                    </m:r>
+                    <m:d>
+                      <m:dPr>
+                        <m:ctrlPr>
+                          <a:rPr lang="fr-FR" b="0" i="1" smtClean="0">
+                            <a:latin typeface="Cambria Math"/>
+                          </a:rPr>
+                        </m:ctrlPr>
+                      </m:dPr>
+                      <m:e>
+                        <m:r>
+                          <a:rPr lang="fr-FR" b="0" i="1" smtClean="0">
+                            <a:latin typeface="Cambria Math"/>
+                          </a:rPr>
+                          <m:t>𝑡</m:t>
+                        </m:r>
+                      </m:e>
+                    </m:d>
+                    <m:r>
+                      <a:rPr lang="fr-FR" b="0" i="1" smtClean="0">
+                        <a:latin typeface="Cambria Math"/>
+                      </a:rPr>
+                      <m:t>=</m:t>
+                    </m:r>
+                    <m:acc>
+                      <m:accPr>
+                        <m:chr m:val="̇"/>
+                        <m:ctrlPr>
+                          <a:rPr lang="fr-FR" b="0" i="1" smtClean="0">
+                            <a:latin typeface="Cambria Math"/>
+                          </a:rPr>
+                        </m:ctrlPr>
+                      </m:accPr>
+                      <m:e>
+                        <m:r>
+                          <a:rPr lang="fr-FR" b="0" i="1" smtClean="0">
+                            <a:latin typeface="Cambria Math"/>
+                          </a:rPr>
+                          <m:t>𝜆</m:t>
+                        </m:r>
+                      </m:e>
+                    </m:acc>
+                    <m:r>
+                      <a:rPr lang="fr-FR" b="0" i="1" smtClean="0">
+                        <a:latin typeface="Cambria Math"/>
+                      </a:rPr>
+                      <m:t>𝑆</m:t>
+                    </m:r>
+                  </m:oMath>
+                </a14:m>
+                <a:endParaRPr lang="fr-FR" dirty="0" smtClean="0"/>
+              </a:p>
+              <a:p>
+                <a:r>
+                  <a:rPr lang="fr-FR" dirty="0" smtClean="0"/>
+                  <a:t>Débit moyen ;</a:t>
+                </a:r>
+              </a:p>
+              <a:p>
+                <a:pPr lvl="1"/>
+                <a:r>
+                  <a:rPr lang="fr-FR" dirty="0" smtClean="0"/>
+                  <a:t>5400 mm</a:t>
+                </a:r>
+                <a:r>
+                  <a:rPr lang="fr-FR" baseline="30000" dirty="0" smtClean="0"/>
+                  <a:t>3</a:t>
+                </a:r>
+                <a:r>
+                  <a:rPr lang="fr-FR" dirty="0" smtClean="0"/>
+                  <a:t>/s</a:t>
+                </a:r>
+                <a:endParaRPr lang="fr-FR" dirty="0"/>
+              </a:p>
+              <a:p>
+                <a:pPr lvl="1"/>
+                <a:endParaRPr lang="fr-FR" dirty="0"/>
+              </a:p>
+            </p:txBody>
+          </p:sp>
+        </mc:Choice>
+        <mc:Fallback>
+          <p:sp>
+            <p:nvSpPr>
+              <p:cNvPr id="5" name="Espace réservé du contenu 4"/>
+              <p:cNvSpPr>
+                <a:spLocks noGrp="1" noRot="1" noChangeAspect="1" noMove="1" noResize="1" noEditPoints="1" noAdjustHandles="1" noChangeArrowheads="1" noChangeShapeType="1" noTextEdit="1"/>
+              </p:cNvSpPr>
+              <p:nvPr>
+                <p:ph sz="quarter" idx="1"/>
+              </p:nvPr>
+            </p:nvSpPr>
+            <p:spPr>
+              <a:xfrm>
+                <a:off x="457200" y="1219200"/>
+                <a:ext cx="6347048" cy="4937760"/>
+              </a:xfrm>
+              <a:blipFill rotWithShape="1">
+                <a:blip r:embed="rId2"/>
+                <a:stretch>
+                  <a:fillRect l="-288" t="-1852"/>
+                </a:stretch>
+              </a:blipFill>
+            </p:spPr>
+            <p:txBody>
+              <a:bodyPr/>
+              <a:lstStyle/>
+              <a:p>
+                <a:r>
+                  <a:rPr lang="fr-FR">
+                    <a:noFill/>
+                  </a:rPr>
+                  <a:t> </a:t>
+                </a:r>
+              </a:p>
+            </p:txBody>
+          </p:sp>
+        </mc:Fallback>
+      </mc:AlternateContent>
+      <p:pic>
+        <p:nvPicPr>
+          <p:cNvPr id="2052" name="Picture 4"/>
+          <p:cNvPicPr>
+            <a:picLocks noChangeAspect="1" noChangeArrowheads="1"/>
+          </p:cNvPicPr>
+          <p:nvPr/>
+        </p:nvPicPr>
+        <p:blipFill>
+          <a:blip r:embed="rId3">
+            <a:extLst>
+              <a:ext uri="{28A0092B-C50C-407E-A947-70E740481C1C}">
+                <a14:useLocalDpi xmlns:a14="http://schemas.microsoft.com/office/drawing/2010/main" val="0"/>
+              </a:ext>
+            </a:extLst>
+          </a:blip>
+          <a:srcRect/>
+          <a:stretch>
+            <a:fillRect/>
+          </a:stretch>
+        </p:blipFill>
+        <p:spPr bwMode="auto">
+          <a:xfrm>
+            <a:off x="5724128" y="0"/>
+            <a:ext cx="2215377" cy="3533653"/>
+          </a:xfrm>
+          <a:prstGeom prst="rect">
+            <a:avLst/>
+          </a:prstGeom>
+          <a:noFill/>
+          <a:ln>
+            <a:noFill/>
+          </a:ln>
+          <a:effectLst/>
+          <a:extLst>
+            <a:ext uri="{909E8E84-426E-40DD-AFC4-6F175D3DCCD1}">
+              <a14:hiddenFill xmlns:a14="http://schemas.microsoft.com/office/drawing/2010/main">
+                <a:solidFill>
+                  <a:schemeClr val="accent1"/>
+                </a:solidFill>
+              </a14:hiddenFill>
+            </a:ext>
+            <a:ext uri="{91240B29-F687-4F45-9708-019B960494DF}">
+              <a14:hiddenLine xmlns:a14="http://schemas.microsoft.com/office/drawing/2010/main" w="9525">
+                <a:solidFill>
+                  <a:schemeClr val="tx1"/>
+                </a:solidFill>
+                <a:miter lim="800000"/>
+                <a:headEnd/>
+                <a:tailEnd/>
+              </a14:hiddenLine>
+            </a:ext>
+            <a:ext uri="{AF507438-7753-43E0-B8FC-AC1667EBCBE1}">
+              <a14:hiddenEffects xmlns:a14="http://schemas.microsoft.com/office/drawing/2010/main">
+                <a:effectLst>
+                  <a:outerShdw dist="35921" dir="2700000" algn="ctr" rotWithShape="0">
+                    <a:schemeClr val="bg2"/>
+                  </a:outerShdw>
+                </a:effectLst>
+              </a14:hiddenEffects>
+            </a:ext>
+          </a:extLst>
+        </p:spPr>
+      </p:pic>
+      <p:pic>
+        <p:nvPicPr>
+          <p:cNvPr id="2053" name="Picture 5"/>
+          <p:cNvPicPr>
+            <a:picLocks noChangeAspect="1" noChangeArrowheads="1"/>
+          </p:cNvPicPr>
+          <p:nvPr/>
+        </p:nvPicPr>
+        <p:blipFill>
+          <a:blip r:embed="rId4">
+            <a:extLst>
+              <a:ext uri="{28A0092B-C50C-407E-A947-70E740481C1C}">
+                <a14:useLocalDpi xmlns:a14="http://schemas.microsoft.com/office/drawing/2010/main" val="0"/>
+              </a:ext>
+            </a:extLst>
+          </a:blip>
+          <a:srcRect/>
+          <a:stretch>
+            <a:fillRect/>
+          </a:stretch>
+        </p:blipFill>
+        <p:spPr bwMode="auto">
+          <a:xfrm>
+            <a:off x="5083327" y="3717030"/>
+            <a:ext cx="4060673" cy="2440903"/>
+          </a:xfrm>
+          <a:prstGeom prst="rect">
+            <a:avLst/>
+          </a:prstGeom>
+          <a:noFill/>
+          <a:ln>
+            <a:noFill/>
+          </a:ln>
+          <a:effectLst/>
+          <a:extLst>
+            <a:ext uri="{909E8E84-426E-40DD-AFC4-6F175D3DCCD1}">
+              <a14:hiddenFill xmlns:a14="http://schemas.microsoft.com/office/drawing/2010/main">
+                <a:solidFill>
+                  <a:schemeClr val="accent1"/>
+                </a:solidFill>
+              </a14:hiddenFill>
+            </a:ext>
+            <a:ext uri="{91240B29-F687-4F45-9708-019B960494DF}">
+              <a14:hiddenLine xmlns:a14="http://schemas.microsoft.com/office/drawing/2010/main" w="9525">
+                <a:solidFill>
+                  <a:schemeClr val="tx1"/>
+                </a:solidFill>
+                <a:miter lim="800000"/>
+                <a:headEnd/>
+                <a:tailEnd/>
+              </a14:hiddenLine>
+            </a:ext>
+            <a:ext uri="{AF507438-7753-43E0-B8FC-AC1667EBCBE1}">
+              <a14:hiddenEffects xmlns:a14="http://schemas.microsoft.com/office/drawing/2010/main">
+                <a:effectLst>
+                  <a:outerShdw dist="35921" dir="2700000" algn="ctr" rotWithShape="0">
+                    <a:schemeClr val="bg2"/>
+                  </a:outerShdw>
+                </a:effectLst>
+              </a14:hiddenEffects>
+            </a:ext>
+          </a:extLst>
+        </p:spPr>
+      </p:pic>
+    </p:spTree>
+    <p:extLst>
+      <p:ext uri="{BB962C8B-B14F-4D97-AF65-F5344CB8AC3E}">
+        <p14:creationId xmlns:p14="http://schemas.microsoft.com/office/powerpoint/2010/main" val="74475823"/>
+      </p:ext>
+    </p:extLst>
+  </p:cSld>
+  <p:clrMapOvr>
+    <a:masterClrMapping/>
+  </p:clrMapOvr>
+</p:sld>
+</file>
+
+<file path=ppt/slides/slide6.xml><?xml version="1.0" encoding="utf-8"?>
+<p:sld xmlns:a="http://schemas.openxmlformats.org/drawingml/2006/main" xmlns:r="http://schemas.openxmlformats.org/officeDocument/2006/relationships" xmlns:p="http://schemas.openxmlformats.org/presentationml/2006/main">
+  <p:cSld>
+    <p:spTree>
+      <p:nvGrpSpPr>
+        <p:cNvPr id="1" name=""/>
+        <p:cNvGrpSpPr/>
+        <p:nvPr/>
+      </p:nvGrpSpPr>
+      <p:grpSpPr>
+        <a:xfrm>
+          <a:off x="0" y="0"/>
+          <a:ext cx="0" cy="0"/>
+          <a:chOff x="0" y="0"/>
+          <a:chExt cx="0" cy="0"/>
+        </a:xfrm>
+      </p:grpSpPr>
+      <p:sp>
+        <p:nvSpPr>
+          <p:cNvPr id="2" name="Titre 1"/>
+          <p:cNvSpPr>
+            <a:spLocks noGrp="1"/>
+          </p:cNvSpPr>
+          <p:nvPr>
+            <p:ph type="title"/>
+          </p:nvPr>
+        </p:nvSpPr>
+        <p:spPr/>
+        <p:txBody>
+          <a:bodyPr/>
+          <a:lstStyle/>
+          <a:p>
+            <a:r>
+              <a:rPr lang="fr-FR" dirty="0" smtClean="0"/>
+              <a:t>Puissance nécessaire</a:t>
+            </a:r>
+            <a:endParaRPr lang="fr-FR" dirty="0"/>
+          </a:p>
+        </p:txBody>
+      </p:sp>
+      <p:sp>
+        <p:nvSpPr>
+          <p:cNvPr id="3" name="Espace réservé du pied de page 2"/>
+          <p:cNvSpPr>
+            <a:spLocks noGrp="1"/>
+          </p:cNvSpPr>
+          <p:nvPr>
+            <p:ph type="ftr" sz="quarter" idx="11"/>
+          </p:nvPr>
+        </p:nvSpPr>
+        <p:spPr/>
+        <p:txBody>
+          <a:bodyPr/>
+          <a:lstStyle/>
+          <a:p>
+            <a:r>
+              <a:rPr lang="fr-FR" smtClean="0"/>
+              <a:t>Cisaille hydraulique - Équipe pédagogique PT</a:t>
+            </a:r>
+            <a:endParaRPr lang="fr-FR" dirty="0"/>
+          </a:p>
+        </p:txBody>
+      </p:sp>
+      <p:sp>
+        <p:nvSpPr>
+          <p:cNvPr id="4" name="Espace réservé du numéro de diapositive 3"/>
+          <p:cNvSpPr>
+            <a:spLocks noGrp="1"/>
+          </p:cNvSpPr>
+          <p:nvPr>
+            <p:ph type="sldNum" sz="quarter" idx="12"/>
+          </p:nvPr>
+        </p:nvSpPr>
+        <p:spPr/>
+        <p:txBody>
+          <a:bodyPr/>
+          <a:lstStyle/>
+          <a:p>
+            <a:fld id="{3F1D8263-54E8-442D-88B4-DA252C595E3D}" type="slidenum">
+              <a:rPr lang="fr-FR" smtClean="0"/>
+              <a:pPr/>
+              <a:t>6</a:t>
+            </a:fld>
+            <a:endParaRPr lang="fr-FR"/>
+          </a:p>
+        </p:txBody>
+      </p:sp>
+      <mc:AlternateContent xmlns:mc="http://schemas.openxmlformats.org/markup-compatibility/2006">
+        <mc:Choice xmlns:a14="http://schemas.microsoft.com/office/drawing/2010/main" Requires="a14">
+          <p:sp>
+            <p:nvSpPr>
+              <p:cNvPr id="5" name="Espace réservé du contenu 4"/>
+              <p:cNvSpPr>
+                <a:spLocks noGrp="1"/>
+              </p:cNvSpPr>
+              <p:nvPr>
+                <p:ph sz="quarter" idx="1"/>
+              </p:nvPr>
+            </p:nvSpPr>
+            <p:spPr/>
+            <p:txBody>
+              <a:bodyPr/>
+              <a:lstStyle/>
+              <a:p>
+                <a:r>
+                  <a:rPr lang="fr-FR" dirty="0" smtClean="0"/>
+                  <a:t>Estimation de la puissance nécessaire à découper une barre </a:t>
+                </a:r>
+              </a:p>
+              <a:p>
+                <a:pPr lvl="1"/>
+                <a:r>
+                  <a:rPr lang="fr-FR" dirty="0" smtClean="0"/>
+                  <a:t>Temps de découpe : 5s, course : 16 mm </a:t>
+                </a:r>
+                <a:r>
+                  <a:rPr lang="fr-FR" dirty="0" smtClean="0">
+                    <a:sym typeface="Wingdings 3"/>
+                  </a:rPr>
+                  <a:t> </a:t>
+                </a:r>
+                <a14:m>
+                  <m:oMath xmlns:m="http://schemas.openxmlformats.org/officeDocument/2006/math">
+                    <m:r>
+                      <a:rPr lang="fr-FR" b="0" i="1" smtClean="0">
+                        <a:latin typeface="Cambria Math"/>
+                        <a:sym typeface="Wingdings 3"/>
+                      </a:rPr>
+                      <m:t>𝑉</m:t>
+                    </m:r>
+                    <m:r>
+                      <a:rPr lang="fr-FR" b="0" i="1" smtClean="0">
+                        <a:latin typeface="Cambria Math"/>
+                        <a:sym typeface="Wingdings 3"/>
+                      </a:rPr>
+                      <m:t>=0,032 </m:t>
+                    </m:r>
+                    <m:r>
+                      <a:rPr lang="fr-FR" b="0" i="1" smtClean="0">
+                        <a:latin typeface="Cambria Math"/>
+                        <a:sym typeface="Wingdings 3"/>
+                      </a:rPr>
+                      <m:t>𝑚</m:t>
+                    </m:r>
+                    <m:sSup>
+                      <m:sSupPr>
+                        <m:ctrlPr>
+                          <a:rPr lang="fr-FR" b="0" i="1" smtClean="0">
+                            <a:latin typeface="Cambria Math"/>
+                            <a:sym typeface="Wingdings 3"/>
+                          </a:rPr>
+                        </m:ctrlPr>
+                      </m:sSupPr>
+                      <m:e>
+                        <m:r>
+                          <a:rPr lang="fr-FR" b="0" i="1" smtClean="0">
+                            <a:latin typeface="Cambria Math"/>
+                            <a:sym typeface="Wingdings 3"/>
+                          </a:rPr>
+                          <m:t>𝑠</m:t>
+                        </m:r>
+                      </m:e>
+                      <m:sup>
+                        <m:r>
+                          <a:rPr lang="fr-FR" b="0" i="1" smtClean="0">
+                            <a:latin typeface="Cambria Math"/>
+                            <a:sym typeface="Wingdings 3"/>
+                          </a:rPr>
+                          <m:t>−1</m:t>
+                        </m:r>
+                      </m:sup>
+                    </m:sSup>
+                  </m:oMath>
+                </a14:m>
+                <a:endParaRPr lang="fr-FR" dirty="0" smtClean="0"/>
+              </a:p>
+              <a:p>
+                <a:pPr lvl="1"/>
+                <a:r>
+                  <a:rPr lang="fr-FR" dirty="0" smtClean="0"/>
+                  <a:t>Effort : résistance à la rupture du matériau :  400 </a:t>
+                </a:r>
+                <a:r>
+                  <a:rPr lang="fr-FR" dirty="0" err="1" smtClean="0"/>
+                  <a:t>MPa</a:t>
+                </a:r>
+                <a:r>
+                  <a:rPr lang="fr-FR" dirty="0" smtClean="0"/>
+                  <a:t>, dimensions de la zone de coupe : 16mm x 2mm </a:t>
+                </a:r>
+                <a:r>
+                  <a:rPr lang="fr-FR" dirty="0" smtClean="0">
+                    <a:sym typeface="Wingdings 3"/>
+                  </a:rPr>
+                  <a:t> </a:t>
+                </a:r>
+                <a14:m>
+                  <m:oMath xmlns:m="http://schemas.openxmlformats.org/officeDocument/2006/math">
+                    <m:r>
+                      <a:rPr lang="fr-FR" b="0" i="1" smtClean="0">
+                        <a:latin typeface="Cambria Math"/>
+                        <a:sym typeface="Wingdings 3"/>
+                      </a:rPr>
+                      <m:t>𝐹</m:t>
+                    </m:r>
+                    <m:r>
+                      <a:rPr lang="fr-FR" b="0" i="1" smtClean="0">
+                        <a:latin typeface="Cambria Math"/>
+                        <a:sym typeface="Wingdings 3"/>
+                      </a:rPr>
+                      <m:t>=400⋅32 </m:t>
+                    </m:r>
+                    <m:r>
+                      <m:rPr>
+                        <m:sty m:val="p"/>
+                      </m:rPr>
+                      <a:rPr lang="fr-FR" b="0" i="0" smtClean="0">
+                        <a:latin typeface="Cambria Math"/>
+                        <a:sym typeface="Wingdings 3"/>
+                      </a:rPr>
+                      <m:t>Nm</m:t>
+                    </m:r>
+                    <m:sSup>
+                      <m:sSupPr>
+                        <m:ctrlPr>
+                          <a:rPr lang="fr-FR" b="0" smtClean="0">
+                            <a:latin typeface="Cambria Math"/>
+                            <a:sym typeface="Wingdings 3"/>
+                          </a:rPr>
+                        </m:ctrlPr>
+                      </m:sSupPr>
+                      <m:e>
+                        <m:r>
+                          <m:rPr>
+                            <m:sty m:val="p"/>
+                          </m:rPr>
+                          <a:rPr lang="fr-FR" b="0" i="0" smtClean="0">
+                            <a:latin typeface="Cambria Math"/>
+                            <a:sym typeface="Wingdings 3"/>
+                          </a:rPr>
+                          <m:t>m</m:t>
+                        </m:r>
+                      </m:e>
+                      <m:sup>
+                        <m:r>
+                          <a:rPr lang="fr-FR" b="0" i="0" smtClean="0">
+                            <a:latin typeface="Cambria Math"/>
+                            <a:sym typeface="Wingdings 3"/>
+                          </a:rPr>
+                          <m:t>−2</m:t>
+                        </m:r>
+                      </m:sup>
+                    </m:sSup>
+                    <m:r>
+                      <a:rPr lang="fr-FR" b="0" i="0" smtClean="0">
+                        <a:latin typeface="Cambria Math"/>
+                        <a:sym typeface="Wingdings 3"/>
+                      </a:rPr>
+                      <m:t>=12 800 </m:t>
+                    </m:r>
+                    <m:r>
+                      <m:rPr>
+                        <m:sty m:val="p"/>
+                      </m:rPr>
+                      <a:rPr lang="fr-FR" b="0" i="0" smtClean="0">
+                        <a:latin typeface="Cambria Math"/>
+                        <a:sym typeface="Wingdings 3"/>
+                      </a:rPr>
+                      <m:t>N</m:t>
+                    </m:r>
+                  </m:oMath>
+                </a14:m>
+                <a:endParaRPr lang="fr-FR" b="0" dirty="0" smtClean="0">
+                  <a:sym typeface="Wingdings 3"/>
+                </a:endParaRPr>
+              </a:p>
+              <a:p>
+                <a:pPr lvl="1"/>
+                <a:r>
+                  <a:rPr lang="fr-FR" dirty="0" smtClean="0"/>
+                  <a:t>Puissance nécessaire : </a:t>
+                </a:r>
+                <a14:m>
+                  <m:oMath xmlns:m="http://schemas.openxmlformats.org/officeDocument/2006/math">
+                    <m:r>
+                      <a:rPr lang="fr-FR" i="1" smtClean="0">
+                        <a:latin typeface="Cambria Math"/>
+                        <a:ea typeface="Cambria Math"/>
+                      </a:rPr>
+                      <m:t>𝒫</m:t>
+                    </m:r>
+                    <m:r>
+                      <a:rPr lang="fr-FR" b="0" i="1" smtClean="0">
+                        <a:latin typeface="Cambria Math"/>
+                        <a:ea typeface="Cambria Math"/>
+                      </a:rPr>
+                      <m:t>≃410 </m:t>
+                    </m:r>
+                    <m:r>
+                      <a:rPr lang="fr-FR" b="0" i="1" smtClean="0">
+                        <a:latin typeface="Cambria Math"/>
+                        <a:ea typeface="Cambria Math"/>
+                      </a:rPr>
+                      <m:t>𝑊</m:t>
+                    </m:r>
+                  </m:oMath>
+                </a14:m>
+                <a:endParaRPr lang="fr-FR" b="0" dirty="0" smtClean="0">
+                  <a:ea typeface="Cambria Math"/>
+                </a:endParaRPr>
+              </a:p>
+              <a:p>
+                <a:pPr lvl="1"/>
+                <a:endParaRPr lang="fr-FR" dirty="0" smtClean="0"/>
+              </a:p>
+              <a:p>
+                <a:pPr lvl="1"/>
+                <a:endParaRPr lang="fr-FR" dirty="0" smtClean="0"/>
+              </a:p>
+              <a:p>
+                <a:pPr lvl="1"/>
+                <a:endParaRPr lang="fr-FR" dirty="0"/>
+              </a:p>
+            </p:txBody>
+          </p:sp>
+        </mc:Choice>
+        <mc:Fallback>
+          <p:sp>
+            <p:nvSpPr>
+              <p:cNvPr id="5" name="Espace réservé du contenu 4"/>
+              <p:cNvSpPr>
+                <a:spLocks noGrp="1" noRot="1" noChangeAspect="1" noMove="1" noResize="1" noEditPoints="1" noAdjustHandles="1" noChangeArrowheads="1" noChangeShapeType="1" noTextEdit="1"/>
+              </p:cNvSpPr>
+              <p:nvPr>
+                <p:ph sz="quarter" idx="1"/>
+              </p:nvPr>
+            </p:nvSpPr>
+            <p:spPr>
+              <a:blipFill rotWithShape="1">
+                <a:blip r:embed="rId2"/>
+                <a:stretch>
+                  <a:fillRect l="-444" t="-988"/>
+                </a:stretch>
+              </a:blipFill>
+            </p:spPr>
+            <p:txBody>
+              <a:bodyPr/>
+              <a:lstStyle/>
+              <a:p>
+                <a:r>
+                  <a:rPr lang="fr-FR">
+                    <a:noFill/>
+                  </a:rPr>
+                  <a:t> </a:t>
+                </a:r>
+              </a:p>
+            </p:txBody>
+          </p:sp>
+        </mc:Fallback>
+      </mc:AlternateContent>
+    </p:spTree>
+    <p:extLst>
+      <p:ext uri="{BB962C8B-B14F-4D97-AF65-F5344CB8AC3E}">
+        <p14:creationId xmlns:p14="http://schemas.microsoft.com/office/powerpoint/2010/main" val="1472264868"/>
+      </p:ext>
+    </p:extLst>
+  </p:cSld>
+  <p:clrMapOvr>
+    <a:masterClrMapping/>
+  </p:clrMapOvr>
+</p:sld>
+</file>
+
+<file path=ppt/slides/slide7.xml><?xml version="1.0" encoding="utf-8"?>
+<p:sld xmlns:a="http://schemas.openxmlformats.org/drawingml/2006/main" xmlns:r="http://schemas.openxmlformats.org/officeDocument/2006/relationships" xmlns:p="http://schemas.openxmlformats.org/presentationml/2006/main">
+  <p:cSld>
+    <p:spTree>
+      <p:nvGrpSpPr>
+        <p:cNvPr id="1" name=""/>
+        <p:cNvGrpSpPr/>
+        <p:nvPr/>
+      </p:nvGrpSpPr>
+      <p:grpSpPr>
+        <a:xfrm>
+          <a:off x="0" y="0"/>
+          <a:ext cx="0" cy="0"/>
+          <a:chOff x="0" y="0"/>
+          <a:chExt cx="0" cy="0"/>
+        </a:xfrm>
+      </p:grpSpPr>
+      <p:sp>
+        <p:nvSpPr>
+          <p:cNvPr id="2" name="Titre 1"/>
+          <p:cNvSpPr>
+            <a:spLocks noGrp="1"/>
+          </p:cNvSpPr>
+          <p:nvPr>
+            <p:ph type="title"/>
+          </p:nvPr>
+        </p:nvSpPr>
+        <p:spPr/>
+        <p:txBody>
+          <a:bodyPr/>
+          <a:lstStyle/>
+          <a:p>
+            <a:r>
+              <a:rPr lang="fr-FR" dirty="0" smtClean="0"/>
+              <a:t>Analyse PPM</a:t>
+            </a:r>
+            <a:endParaRPr lang="fr-FR" dirty="0"/>
+          </a:p>
+        </p:txBody>
+      </p:sp>
+      <p:sp>
+        <p:nvSpPr>
+          <p:cNvPr id="3" name="Espace réservé du pied de page 2"/>
+          <p:cNvSpPr>
+            <a:spLocks noGrp="1"/>
+          </p:cNvSpPr>
+          <p:nvPr>
+            <p:ph type="ftr" sz="quarter" idx="11"/>
+          </p:nvPr>
+        </p:nvSpPr>
+        <p:spPr/>
+        <p:txBody>
+          <a:bodyPr/>
+          <a:lstStyle/>
+          <a:p>
+            <a:r>
+              <a:rPr lang="fr-FR" smtClean="0"/>
+              <a:t>Cisaille hydraulique - Équipe pédagogique PT</a:t>
+            </a:r>
+            <a:endParaRPr lang="fr-FR" dirty="0"/>
+          </a:p>
+        </p:txBody>
+      </p:sp>
+      <p:sp>
+        <p:nvSpPr>
+          <p:cNvPr id="4" name="Espace réservé du numéro de diapositive 3"/>
+          <p:cNvSpPr>
+            <a:spLocks noGrp="1"/>
+          </p:cNvSpPr>
+          <p:nvPr>
+            <p:ph type="sldNum" sz="quarter" idx="12"/>
+          </p:nvPr>
+        </p:nvSpPr>
+        <p:spPr/>
+        <p:txBody>
+          <a:bodyPr/>
+          <a:lstStyle/>
+          <a:p>
+            <a:fld id="{3F1D8263-54E8-442D-88B4-DA252C595E3D}" type="slidenum">
+              <a:rPr lang="fr-FR" smtClean="0"/>
+              <a:pPr/>
+              <a:t>7</a:t>
             </a:fld>
             <a:endParaRPr lang="fr-FR"/>
           </a:p>

--- a/Interrogation_SII/03_Cisaille hydraulique/ServoMoteur_CommandeVanne_Corrige.pptx
+++ b/Interrogation_SII/03_Cisaille hydraulique/ServoMoteur_CommandeVanne_Corrige.pptx
@@ -5,16 +5,23 @@
     <p:sldMasterId id="2147483684" r:id="rId1"/>
   </p:sldMasterIdLst>
   <p:notesMasterIdLst>
-    <p:notesMasterId r:id="rId9"/>
+    <p:notesMasterId r:id="rId16"/>
   </p:notesMasterIdLst>
   <p:sldIdLst>
     <p:sldId id="256" r:id="rId2"/>
-    <p:sldId id="283" r:id="rId3"/>
-    <p:sldId id="285" r:id="rId4"/>
-    <p:sldId id="275" r:id="rId5"/>
-    <p:sldId id="284" r:id="rId6"/>
-    <p:sldId id="286" r:id="rId7"/>
-    <p:sldId id="282" r:id="rId8"/>
+    <p:sldId id="287" r:id="rId3"/>
+    <p:sldId id="288" r:id="rId4"/>
+    <p:sldId id="289" r:id="rId5"/>
+    <p:sldId id="290" r:id="rId6"/>
+    <p:sldId id="291" r:id="rId7"/>
+    <p:sldId id="293" r:id="rId8"/>
+    <p:sldId id="292" r:id="rId9"/>
+    <p:sldId id="283" r:id="rId10"/>
+    <p:sldId id="294" r:id="rId11"/>
+    <p:sldId id="275" r:id="rId12"/>
+    <p:sldId id="284" r:id="rId13"/>
+    <p:sldId id="286" r:id="rId14"/>
+    <p:sldId id="282" r:id="rId15"/>
   </p:sldIdLst>
   <p:sldSz cx="9144000" cy="6858000" type="screen4x3"/>
   <p:notesSz cx="6858000" cy="9144000"/>
@@ -119,8 +126,15 @@
         <p14:section name="Section par défaut" id="{C9B3DD92-045B-4322-9572-161E3425DD55}">
           <p14:sldIdLst>
             <p14:sldId id="256"/>
+            <p14:sldId id="287"/>
+            <p14:sldId id="288"/>
+            <p14:sldId id="289"/>
+            <p14:sldId id="290"/>
+            <p14:sldId id="291"/>
+            <p14:sldId id="293"/>
+            <p14:sldId id="292"/>
             <p14:sldId id="283"/>
-            <p14:sldId id="285"/>
+            <p14:sldId id="294"/>
             <p14:sldId id="275"/>
             <p14:sldId id="284"/>
             <p14:sldId id="286"/>
@@ -7682,7 +7696,7 @@
 </p:sld>
 </file>
 
-<file path=ppt/slides/slide2.xml><?xml version="1.0" encoding="utf-8"?>
+<file path=ppt/slides/slide10.xml><?xml version="1.0" encoding="utf-8"?>
 <p:sld xmlns:a="http://schemas.openxmlformats.org/drawingml/2006/main" xmlns:r="http://schemas.openxmlformats.org/officeDocument/2006/relationships" xmlns:p="http://schemas.openxmlformats.org/presentationml/2006/main">
   <p:cSld>
     <p:spTree>
@@ -7715,10 +7729,16 @@
           <a:lstStyle/>
           <a:p>
             <a:r>
-              <a:rPr lang="fr-FR" dirty="0" smtClean="0"/>
-              <a:t>Temps de coupe d’une barre</a:t>
-            </a:r>
-            <a:endParaRPr lang="fr-FR" dirty="0"/>
+              <a:rPr lang="fr-FR" dirty="0"/>
+              <a:t>Vérification des performances</a:t>
+            </a:r>
+            <a:br>
+              <a:rPr lang="fr-FR" dirty="0"/>
+            </a:br>
+            <a:r>
+              <a:rPr lang="fr-FR" dirty="0"/>
+              <a:t>Calcul du débit instantané</a:t>
+            </a:r>
           </a:p>
         </p:txBody>
       </p:sp>
@@ -7763,146 +7783,371 @@
             <a:fld id="{3F1D8263-54E8-442D-88B4-DA252C595E3D}" type="slidenum">
               <a:rPr lang="fr-FR" smtClean="0"/>
               <a:pPr/>
-              <a:t>2</a:t>
+              <a:t>10</a:t>
             </a:fld>
             <a:endParaRPr lang="fr-FR"/>
           </a:p>
         </p:txBody>
       </p:sp>
-      <p:sp>
-        <p:nvSpPr>
-          <p:cNvPr id="5" name="Espace réservé du contenu 4"/>
-          <p:cNvSpPr>
-            <a:spLocks noGrp="1"/>
-          </p:cNvSpPr>
-          <p:nvPr>
-            <p:ph sz="quarter" idx="1"/>
-          </p:nvPr>
-        </p:nvSpPr>
-        <p:spPr/>
-        <p:txBody>
-          <a:bodyPr>
-            <a:normAutofit fontScale="92500" lnSpcReduction="20000"/>
-          </a:bodyPr>
-          <a:lstStyle/>
-          <a:p>
-            <a:r>
-              <a:rPr lang="fr-FR" dirty="0" smtClean="0"/>
-              <a:t>En mesurant sur le plan, le rapport de réduction du train d’engrenage est de 0,15.  L’axe à excentrique tourne donc à la fréquence de rotation de 150 tour/min ou 2,5 tours/s.</a:t>
-            </a:r>
-          </a:p>
-          <a:p>
-            <a:r>
-              <a:rPr lang="fr-FR" dirty="0" smtClean="0"/>
-              <a:t>Un tour de pompe dure donc environ 0,4 s. </a:t>
-            </a:r>
-          </a:p>
-          <a:p>
-            <a:pPr lvl="1"/>
-            <a:r>
-              <a:rPr lang="fr-FR" dirty="0" smtClean="0"/>
-              <a:t>Course du piston : 8 mm</a:t>
-            </a:r>
-          </a:p>
-          <a:p>
-            <a:pPr lvl="1"/>
-            <a:r>
-              <a:rPr lang="fr-FR" dirty="0" smtClean="0"/>
-              <a:t>Diamètre du piston : 16,4 mm</a:t>
-            </a:r>
-          </a:p>
-          <a:p>
-            <a:pPr lvl="1"/>
-            <a:r>
-              <a:rPr lang="fr-FR" dirty="0" smtClean="0"/>
-              <a:t>Volume cylindre : 1 690 mm</a:t>
-            </a:r>
-            <a:r>
-              <a:rPr lang="fr-FR" baseline="30000" dirty="0" smtClean="0"/>
-              <a:t>3</a:t>
-            </a:r>
-          </a:p>
-          <a:p>
-            <a:pPr lvl="1"/>
-            <a:r>
-              <a:rPr lang="fr-FR" dirty="0" smtClean="0"/>
-              <a:t>Cylindrée : 3380 mm</a:t>
-            </a:r>
-            <a:r>
-              <a:rPr lang="fr-FR" baseline="30000" dirty="0" smtClean="0"/>
-              <a:t>3</a:t>
-            </a:r>
-            <a:r>
-              <a:rPr lang="fr-FR" dirty="0" smtClean="0"/>
-              <a:t> pour un tour de pompe.</a:t>
-            </a:r>
-          </a:p>
-          <a:p>
-            <a:r>
-              <a:rPr lang="fr-FR" dirty="0" smtClean="0"/>
-              <a:t>Piston : </a:t>
-            </a:r>
-          </a:p>
-          <a:p>
-            <a:pPr lvl="1"/>
-            <a:r>
-              <a:rPr lang="fr-FR" dirty="0" smtClean="0"/>
-              <a:t>Course : 16 mm</a:t>
-            </a:r>
-          </a:p>
-          <a:p>
-            <a:pPr lvl="1"/>
-            <a:r>
-              <a:rPr lang="fr-FR" dirty="0" smtClean="0"/>
-              <a:t>Diamètre : 54 mm</a:t>
-            </a:r>
-          </a:p>
-          <a:p>
-            <a:pPr lvl="1"/>
-            <a:r>
-              <a:rPr lang="fr-FR" dirty="0" smtClean="0"/>
-              <a:t>Volume : 36 644</a:t>
-            </a:r>
-            <a:r>
-              <a:rPr lang="fr-FR" dirty="0"/>
-              <a:t> mm</a:t>
-            </a:r>
-            <a:r>
-              <a:rPr lang="fr-FR" baseline="30000" dirty="0"/>
-              <a:t>3</a:t>
-            </a:r>
-            <a:endParaRPr lang="fr-FR" dirty="0" smtClean="0"/>
-          </a:p>
-          <a:p>
-            <a:r>
-              <a:rPr lang="fr-FR" dirty="0" smtClean="0"/>
-              <a:t>Temps pour couper la barre : </a:t>
-            </a:r>
-          </a:p>
-          <a:p>
-            <a:pPr lvl="1"/>
-            <a:r>
-              <a:rPr lang="fr-FR" dirty="0" smtClean="0"/>
-              <a:t>11 tours de pompe</a:t>
-            </a:r>
-          </a:p>
-          <a:p>
-            <a:pPr lvl="1"/>
-            <a:r>
-              <a:rPr lang="fr-FR" dirty="0" smtClean="0"/>
-              <a:t>4,33 secondes</a:t>
-            </a:r>
-          </a:p>
-          <a:p>
-            <a:pPr lvl="1"/>
-            <a:endParaRPr lang="fr-FR" dirty="0" smtClean="0"/>
-          </a:p>
-        </p:txBody>
-      </p:sp>
+      <mc:AlternateContent xmlns:mc="http://schemas.openxmlformats.org/markup-compatibility/2006">
+        <mc:Choice xmlns:a14="http://schemas.microsoft.com/office/drawing/2010/main" Requires="a14">
+          <p:sp>
+            <p:nvSpPr>
+              <p:cNvPr id="5" name="Espace réservé du contenu 4"/>
+              <p:cNvSpPr>
+                <a:spLocks noGrp="1"/>
+              </p:cNvSpPr>
+              <p:nvPr>
+                <p:ph sz="quarter" idx="1"/>
+              </p:nvPr>
+            </p:nvSpPr>
+            <p:spPr>
+              <a:xfrm>
+                <a:off x="457200" y="1219200"/>
+                <a:ext cx="6563072" cy="4937760"/>
+              </a:xfrm>
+            </p:spPr>
+            <p:txBody>
+              <a:bodyPr>
+                <a:normAutofit/>
+              </a:bodyPr>
+              <a:lstStyle/>
+              <a:p>
+                <a:r>
+                  <a:rPr lang="fr-FR" dirty="0" smtClean="0"/>
+                  <a:t>Objectif :  le débit instantané s’exprime par </a:t>
+                </a:r>
+                <a14:m>
+                  <m:oMath xmlns:m="http://schemas.openxmlformats.org/officeDocument/2006/math">
+                    <m:r>
+                      <a:rPr lang="fr-FR" i="1">
+                        <a:latin typeface="Cambria Math"/>
+                      </a:rPr>
+                      <m:t>𝑞</m:t>
+                    </m:r>
+                    <m:d>
+                      <m:dPr>
+                        <m:ctrlPr>
+                          <a:rPr lang="fr-FR" i="1">
+                            <a:latin typeface="Cambria Math"/>
+                          </a:rPr>
+                        </m:ctrlPr>
+                      </m:dPr>
+                      <m:e>
+                        <m:r>
+                          <a:rPr lang="fr-FR" i="1">
+                            <a:latin typeface="Cambria Math"/>
+                          </a:rPr>
+                          <m:t>𝑡</m:t>
+                        </m:r>
+                      </m:e>
+                    </m:d>
+                    <m:r>
+                      <a:rPr lang="fr-FR" i="1">
+                        <a:latin typeface="Cambria Math"/>
+                      </a:rPr>
+                      <m:t>=</m:t>
+                    </m:r>
+                    <m:acc>
+                      <m:accPr>
+                        <m:chr m:val="̇"/>
+                        <m:ctrlPr>
+                          <a:rPr lang="fr-FR" i="1">
+                            <a:latin typeface="Cambria Math"/>
+                          </a:rPr>
+                        </m:ctrlPr>
+                      </m:accPr>
+                      <m:e>
+                        <m:r>
+                          <a:rPr lang="fr-FR" i="1">
+                            <a:latin typeface="Cambria Math"/>
+                          </a:rPr>
+                          <m:t>𝜆</m:t>
+                        </m:r>
+                      </m:e>
+                    </m:acc>
+                    <m:r>
+                      <a:rPr lang="fr-FR" i="1">
+                        <a:latin typeface="Cambria Math"/>
+                      </a:rPr>
+                      <m:t>𝑆</m:t>
+                    </m:r>
+                  </m:oMath>
+                </a14:m>
+                <a:r>
+                  <a:rPr lang="fr-FR" dirty="0" smtClean="0"/>
+                  <a:t> avec </a:t>
+                </a:r>
+                <a:r>
+                  <a:rPr lang="fr-FR" i="1" dirty="0" smtClean="0"/>
+                  <a:t>S </a:t>
+                </a:r>
+                <a:r>
+                  <a:rPr lang="fr-FR" dirty="0" smtClean="0"/>
+                  <a:t>section du piston et </a:t>
+                </a:r>
+                <a14:m>
+                  <m:oMath xmlns:m="http://schemas.openxmlformats.org/officeDocument/2006/math">
+                    <m:acc>
+                      <m:accPr>
+                        <m:chr m:val="̇"/>
+                        <m:ctrlPr>
+                          <a:rPr lang="fr-FR" i="1">
+                            <a:latin typeface="Cambria Math"/>
+                          </a:rPr>
+                        </m:ctrlPr>
+                      </m:accPr>
+                      <m:e>
+                        <m:r>
+                          <a:rPr lang="fr-FR" i="1">
+                            <a:latin typeface="Cambria Math"/>
+                          </a:rPr>
+                          <m:t>𝜆</m:t>
+                        </m:r>
+                      </m:e>
+                    </m:acc>
+                  </m:oMath>
+                </a14:m>
+                <a:r>
+                  <a:rPr lang="fr-FR" dirty="0" smtClean="0"/>
+                  <a:t> vitesse de translation du piston.</a:t>
+                </a:r>
+              </a:p>
+              <a:p>
+                <a:r>
+                  <a:rPr lang="fr-FR" dirty="0" smtClean="0"/>
+                  <a:t>Stratégie :</a:t>
+                </a:r>
+              </a:p>
+              <a:p>
+                <a:pPr lvl="1"/>
+                <a:r>
+                  <a:rPr lang="fr-FR" dirty="0" smtClean="0"/>
+                  <a:t>Étude de la transformation de mouvement due au réducteur (modélisation + établissement de la loi E/S d’un réducteur)</a:t>
+                </a:r>
+              </a:p>
+              <a:p>
+                <a:pPr lvl="1"/>
+                <a:r>
+                  <a:rPr lang="fr-FR" dirty="0" smtClean="0"/>
+                  <a:t>Étude de la transformation de mouvement due à l’excentrique </a:t>
+                </a:r>
+                <a:r>
+                  <a:rPr lang="fr-FR" dirty="0"/>
+                  <a:t> (modélisation + </a:t>
+                </a:r>
+                <a:r>
+                  <a:rPr lang="fr-FR" dirty="0" smtClean="0"/>
+                  <a:t>résolution de </a:t>
+                </a:r>
+                <a:r>
+                  <a:rPr lang="fr-FR" dirty="0"/>
+                  <a:t>la loi E/S </a:t>
+                </a:r>
+                <a:r>
+                  <a:rPr lang="fr-FR" dirty="0" smtClean="0"/>
+                  <a:t>par fermeture géométrique)</a:t>
+                </a:r>
+              </a:p>
+              <a:p>
+                <a:pPr lvl="1"/>
+                <a:r>
+                  <a:rPr lang="fr-FR" dirty="0" smtClean="0"/>
+                  <a:t>Étude de la transformation de mouvement due au système de bascule </a:t>
+                </a:r>
+                <a:r>
+                  <a:rPr lang="fr-FR" dirty="0"/>
+                  <a:t>(modélisation + résolution de la loi E/S par fermeture géométrique)</a:t>
+                </a:r>
+              </a:p>
+              <a:p>
+                <a:pPr marL="548640" lvl="2">
+                  <a:spcBef>
+                    <a:spcPts val="600"/>
+                  </a:spcBef>
+                  <a:buClr>
+                    <a:schemeClr val="accent1"/>
+                  </a:buClr>
+                </a:pPr>
+                <a:r>
+                  <a:rPr lang="fr-FR" dirty="0" smtClean="0"/>
+                  <a:t>Établissement du débit instantané</a:t>
+                </a:r>
+                <a:endParaRPr lang="fr-FR" dirty="0"/>
+              </a:p>
+            </p:txBody>
+          </p:sp>
+        </mc:Choice>
+        <mc:Fallback>
+          <p:sp>
+            <p:nvSpPr>
+              <p:cNvPr id="5" name="Espace réservé du contenu 4"/>
+              <p:cNvSpPr>
+                <a:spLocks noGrp="1" noRot="1" noChangeAspect="1" noMove="1" noResize="1" noEditPoints="1" noAdjustHandles="1" noChangeArrowheads="1" noChangeShapeType="1" noTextEdit="1"/>
+              </p:cNvSpPr>
+              <p:nvPr>
+                <p:ph sz="quarter" idx="1"/>
+              </p:nvPr>
+            </p:nvSpPr>
+            <p:spPr>
+              <a:xfrm>
+                <a:off x="457200" y="1219200"/>
+                <a:ext cx="6563072" cy="4937760"/>
+              </a:xfrm>
+              <a:blipFill rotWithShape="1">
+                <a:blip r:embed="rId2"/>
+                <a:stretch>
+                  <a:fillRect l="-557" t="-988" b="-1975"/>
+                </a:stretch>
+              </a:blipFill>
+            </p:spPr>
+            <p:txBody>
+              <a:bodyPr/>
+              <a:lstStyle/>
+              <a:p>
+                <a:r>
+                  <a:rPr lang="fr-FR">
+                    <a:noFill/>
+                  </a:rPr>
+                  <a:t> </a:t>
+                </a:r>
+              </a:p>
+            </p:txBody>
+          </p:sp>
+        </mc:Fallback>
+      </mc:AlternateContent>
+      <p:pic>
+        <p:nvPicPr>
+          <p:cNvPr id="6" name="Picture 2"/>
+          <p:cNvPicPr>
+            <a:picLocks noChangeAspect="1" noChangeArrowheads="1"/>
+          </p:cNvPicPr>
+          <p:nvPr/>
+        </p:nvPicPr>
+        <p:blipFill>
+          <a:blip r:embed="rId3" cstate="print">
+            <a:extLst>
+              <a:ext uri="{28A0092B-C50C-407E-A947-70E740481C1C}">
+                <a14:useLocalDpi xmlns:a14="http://schemas.microsoft.com/office/drawing/2010/main" val="0"/>
+              </a:ext>
+            </a:extLst>
+          </a:blip>
+          <a:srcRect/>
+          <a:stretch>
+            <a:fillRect/>
+          </a:stretch>
+        </p:blipFill>
+        <p:spPr bwMode="auto">
+          <a:xfrm>
+            <a:off x="6876256" y="4725144"/>
+            <a:ext cx="2075606" cy="1450858"/>
+          </a:xfrm>
+          <a:prstGeom prst="rect">
+            <a:avLst/>
+          </a:prstGeom>
+          <a:noFill/>
+          <a:ln>
+            <a:noFill/>
+          </a:ln>
+          <a:effectLst/>
+          <a:extLst>
+            <a:ext uri="{909E8E84-426E-40DD-AFC4-6F175D3DCCD1}">
+              <a14:hiddenFill xmlns:a14="http://schemas.microsoft.com/office/drawing/2010/main">
+                <a:solidFill>
+                  <a:schemeClr val="accent1"/>
+                </a:solidFill>
+              </a14:hiddenFill>
+            </a:ext>
+            <a:ext uri="{91240B29-F687-4F45-9708-019B960494DF}">
+              <a14:hiddenLine xmlns:a14="http://schemas.microsoft.com/office/drawing/2010/main" w="9525">
+                <a:solidFill>
+                  <a:schemeClr val="tx1"/>
+                </a:solidFill>
+                <a:miter lim="800000"/>
+                <a:headEnd/>
+                <a:tailEnd/>
+              </a14:hiddenLine>
+            </a:ext>
+            <a:ext uri="{AF507438-7753-43E0-B8FC-AC1667EBCBE1}">
+              <a14:hiddenEffects xmlns:a14="http://schemas.microsoft.com/office/drawing/2010/main">
+                <a:effectLst>
+                  <a:outerShdw dist="35921" dir="2700000" algn="ctr" rotWithShape="0">
+                    <a:schemeClr val="bg2"/>
+                  </a:outerShdw>
+                </a:effectLst>
+              </a14:hiddenEffects>
+            </a:ext>
+          </a:extLst>
+        </p:spPr>
+      </p:pic>
+      <p:pic>
+        <p:nvPicPr>
+          <p:cNvPr id="7" name="Picture 4"/>
+          <p:cNvPicPr>
+            <a:picLocks noChangeAspect="1" noChangeArrowheads="1"/>
+          </p:cNvPicPr>
+          <p:nvPr/>
+        </p:nvPicPr>
+        <p:blipFill>
+          <a:blip r:embed="rId4">
+            <a:extLst>
+              <a:ext uri="{28A0092B-C50C-407E-A947-70E740481C1C}">
+                <a14:useLocalDpi xmlns:a14="http://schemas.microsoft.com/office/drawing/2010/main" val="0"/>
+              </a:ext>
+            </a:extLst>
+          </a:blip>
+          <a:srcRect/>
+          <a:stretch>
+            <a:fillRect/>
+          </a:stretch>
+        </p:blipFill>
+        <p:spPr bwMode="auto">
+          <a:xfrm>
+            <a:off x="6444208" y="1268761"/>
+            <a:ext cx="1986356" cy="3168352"/>
+          </a:xfrm>
+          <a:prstGeom prst="rect">
+            <a:avLst/>
+          </a:prstGeom>
+          <a:noFill/>
+          <a:ln>
+            <a:noFill/>
+          </a:ln>
+          <a:effectLst/>
+          <a:extLst>
+            <a:ext uri="{909E8E84-426E-40DD-AFC4-6F175D3DCCD1}">
+              <a14:hiddenFill xmlns:a14="http://schemas.microsoft.com/office/drawing/2010/main">
+                <a:solidFill>
+                  <a:schemeClr val="accent1"/>
+                </a:solidFill>
+              </a14:hiddenFill>
+            </a:ext>
+            <a:ext uri="{91240B29-F687-4F45-9708-019B960494DF}">
+              <a14:hiddenLine xmlns:a14="http://schemas.microsoft.com/office/drawing/2010/main" w="9525">
+                <a:solidFill>
+                  <a:schemeClr val="tx1"/>
+                </a:solidFill>
+                <a:miter lim="800000"/>
+                <a:headEnd/>
+                <a:tailEnd/>
+              </a14:hiddenLine>
+            </a:ext>
+            <a:ext uri="{AF507438-7753-43E0-B8FC-AC1667EBCBE1}">
+              <a14:hiddenEffects xmlns:a14="http://schemas.microsoft.com/office/drawing/2010/main">
+                <a:effectLst>
+                  <a:outerShdw dist="35921" dir="2700000" algn="ctr" rotWithShape="0">
+                    <a:schemeClr val="bg2"/>
+                  </a:outerShdw>
+                </a:effectLst>
+              </a14:hiddenEffects>
+            </a:ext>
+          </a:extLst>
+        </p:spPr>
+      </p:pic>
     </p:spTree>
     <p:extLst>
       <p:ext uri="{BB962C8B-B14F-4D97-AF65-F5344CB8AC3E}">
-        <p14:creationId xmlns:p14="http://schemas.microsoft.com/office/powerpoint/2010/main" val="223736866"/>
+        <p14:creationId xmlns:p14="http://schemas.microsoft.com/office/powerpoint/2010/main" val="1829264023"/>
       </p:ext>
     </p:extLst>
   </p:cSld>
@@ -7912,7 +8157,7 @@
 </p:sld>
 </file>
 
-<file path=ppt/slides/slide3.xml><?xml version="1.0" encoding="utf-8"?>
+<file path=ppt/slides/slide11.xml><?xml version="1.0" encoding="utf-8"?>
 <p:sld xmlns:a="http://schemas.openxmlformats.org/drawingml/2006/main" xmlns:r="http://schemas.openxmlformats.org/officeDocument/2006/relationships" xmlns:p="http://schemas.openxmlformats.org/presentationml/2006/main">
   <p:cSld>
     <p:spTree>
@@ -7941,13 +8186,23 @@
         </p:nvSpPr>
         <p:spPr/>
         <p:txBody>
-          <a:bodyPr/>
+          <a:bodyPr>
+            <a:normAutofit/>
+          </a:bodyPr>
           <a:lstStyle/>
           <a:p>
             <a:r>
               <a:rPr lang="fr-FR" dirty="0"/>
-              <a:t>Modéliser la transmission mécanique</a:t>
-            </a:r>
+              <a:t>Vérification des performances</a:t>
+            </a:r>
+            <a:br>
+              <a:rPr lang="fr-FR" dirty="0"/>
+            </a:br>
+            <a:r>
+              <a:rPr lang="fr-FR" dirty="0" smtClean="0"/>
+              <a:t>Calcul du débit instantané</a:t>
+            </a:r>
+            <a:endParaRPr lang="fr-FR" dirty="0"/>
           </a:p>
         </p:txBody>
       </p:sp>
@@ -7992,133 +8247,14 @@
             <a:fld id="{3F1D8263-54E8-442D-88B4-DA252C595E3D}" type="slidenum">
               <a:rPr lang="fr-FR" smtClean="0"/>
               <a:pPr/>
-              <a:t>3</a:t>
+              <a:t>11</a:t>
             </a:fld>
             <a:endParaRPr lang="fr-FR"/>
           </a:p>
         </p:txBody>
       </p:sp>
-      <p:sp>
-        <p:nvSpPr>
-          <p:cNvPr id="5" name="Espace réservé du contenu 4"/>
-          <p:cNvSpPr>
-            <a:spLocks noGrp="1"/>
-          </p:cNvSpPr>
-          <p:nvPr>
-            <p:ph sz="quarter" idx="1"/>
-          </p:nvPr>
-        </p:nvSpPr>
-        <p:spPr/>
-        <p:txBody>
-          <a:bodyPr/>
-          <a:lstStyle/>
-          <a:p>
-            <a:endParaRPr lang="fr-FR"/>
-          </a:p>
-        </p:txBody>
-      </p:sp>
-    </p:spTree>
-    <p:extLst>
-      <p:ext uri="{BB962C8B-B14F-4D97-AF65-F5344CB8AC3E}">
-        <p14:creationId xmlns:p14="http://schemas.microsoft.com/office/powerpoint/2010/main" val="4070950546"/>
-      </p:ext>
-    </p:extLst>
-  </p:cSld>
-  <p:clrMapOvr>
-    <a:masterClrMapping/>
-  </p:clrMapOvr>
-</p:sld>
-</file>
-
-<file path=ppt/slides/slide4.xml><?xml version="1.0" encoding="utf-8"?>
-<p:sld xmlns:a="http://schemas.openxmlformats.org/drawingml/2006/main" xmlns:r="http://schemas.openxmlformats.org/officeDocument/2006/relationships" xmlns:p="http://schemas.openxmlformats.org/presentationml/2006/main">
-  <p:cSld>
-    <p:spTree>
-      <p:nvGrpSpPr>
-        <p:cNvPr id="1" name=""/>
-        <p:cNvGrpSpPr/>
-        <p:nvPr/>
-      </p:nvGrpSpPr>
-      <p:grpSpPr>
-        <a:xfrm>
-          <a:off x="0" y="0"/>
-          <a:ext cx="0" cy="0"/>
-          <a:chOff x="0" y="0"/>
-          <a:chExt cx="0" cy="0"/>
-        </a:xfrm>
-      </p:grpSpPr>
-      <p:sp>
-        <p:nvSpPr>
-          <p:cNvPr id="2" name="Titre 1"/>
-          <p:cNvSpPr>
-            <a:spLocks noGrp="1"/>
-          </p:cNvSpPr>
-          <p:nvPr>
-            <p:ph type="title"/>
-          </p:nvPr>
-        </p:nvSpPr>
-        <p:spPr/>
-        <p:txBody>
-          <a:bodyPr/>
-          <a:lstStyle/>
-          <a:p>
-            <a:r>
-              <a:rPr lang="fr-FR" dirty="0" smtClean="0"/>
-              <a:t>Modéliser la transmission mécanique</a:t>
-            </a:r>
-            <a:endParaRPr lang="fr-FR" dirty="0"/>
-          </a:p>
-        </p:txBody>
-      </p:sp>
-      <p:sp>
-        <p:nvSpPr>
-          <p:cNvPr id="3" name="Espace réservé du pied de page 2"/>
-          <p:cNvSpPr>
-            <a:spLocks noGrp="1"/>
-          </p:cNvSpPr>
-          <p:nvPr>
-            <p:ph type="ftr" sz="quarter" idx="11"/>
-          </p:nvPr>
-        </p:nvSpPr>
-        <p:spPr/>
-        <p:txBody>
-          <a:bodyPr/>
-          <a:lstStyle/>
-          <a:p>
-            <a:r>
-              <a:rPr lang="fr-FR" smtClean="0"/>
-              <a:t>Cisaille hydraulique - Équipe pédagogique PT</a:t>
-            </a:r>
-            <a:endParaRPr lang="fr-FR" dirty="0"/>
-          </a:p>
-        </p:txBody>
-      </p:sp>
-      <p:sp>
-        <p:nvSpPr>
-          <p:cNvPr id="4" name="Espace réservé du numéro de diapositive 3"/>
-          <p:cNvSpPr>
-            <a:spLocks noGrp="1"/>
-          </p:cNvSpPr>
-          <p:nvPr>
-            <p:ph type="sldNum" sz="quarter" idx="12"/>
-          </p:nvPr>
-        </p:nvSpPr>
-        <p:spPr/>
-        <p:txBody>
-          <a:bodyPr/>
-          <a:lstStyle/>
-          <a:p>
-            <a:fld id="{3F1D8263-54E8-442D-88B4-DA252C595E3D}" type="slidenum">
-              <a:rPr lang="fr-FR" smtClean="0"/>
-              <a:pPr/>
-              <a:t>4</a:t>
-            </a:fld>
-            <a:endParaRPr lang="fr-FR"/>
-          </a:p>
-        </p:txBody>
-      </p:sp>
-      <mc:AlternateContent xmlns:mc="http://schemas.openxmlformats.org/markup-compatibility/2006">
-        <mc:Choice xmlns:a14="http://schemas.microsoft.com/office/drawing/2010/main" Requires="a14">
+      <mc:AlternateContent xmlns:mc="http://schemas.openxmlformats.org/markup-compatibility/2006" xmlns:a14="http://schemas.microsoft.com/office/drawing/2010/main">
+        <mc:Choice Requires="a14">
           <p:sp>
             <p:nvSpPr>
               <p:cNvPr id="7" name="Espace réservé du contenu 6"/>
@@ -8441,15 +8577,7 @@
               <a:p>
                 <a:r>
                   <a:rPr lang="fr-FR" dirty="0" smtClean="0"/>
-                  <a:t>Méthode 1 : on </a:t>
-                </a:r>
-                <a:r>
-                  <a:rPr lang="fr-FR" dirty="0" smtClean="0"/>
-                  <a:t>projette l’équation </a:t>
-                </a:r>
-                <a:r>
-                  <a:rPr lang="fr-FR" dirty="0" smtClean="0"/>
-                  <a:t>sur </a:t>
+                  <a:t>Méthode 1 : on projette l’équation sur </a:t>
                 </a:r>
                 <a14:m>
                   <m:oMath xmlns:m="http://schemas.openxmlformats.org/officeDocument/2006/math">
@@ -9551,7 +9679,7 @@
                     <m:f>
                       <m:fPr>
                         <m:ctrlPr>
-                          <a:rPr lang="fr-FR" b="0" i="0" smtClean="0">
+                          <a:rPr lang="fr-FR" b="0" i="1" smtClean="0">
                             <a:latin typeface="Cambria Math"/>
                           </a:rPr>
                         </m:ctrlPr>
@@ -9692,7 +9820,7 @@
             </p:txBody>
           </p:sp>
         </mc:Choice>
-        <mc:Fallback>
+        <mc:Fallback xmlns="">
           <p:sp>
             <p:nvSpPr>
               <p:cNvPr id="7" name="Espace réservé du contenu 6"/>
@@ -9814,7 +9942,7 @@
 </p:sld>
 </file>
 
-<file path=ppt/slides/slide5.xml><?xml version="1.0" encoding="utf-8"?>
+<file path=ppt/slides/slide12.xml><?xml version="1.0" encoding="utf-8"?>
 <p:sld xmlns:a="http://schemas.openxmlformats.org/drawingml/2006/main" xmlns:r="http://schemas.openxmlformats.org/officeDocument/2006/relationships" xmlns:p="http://schemas.openxmlformats.org/presentationml/2006/main">
   <p:cSld>
     <p:spTree>
@@ -9847,8 +9975,15 @@
           <a:lstStyle/>
           <a:p>
             <a:r>
-              <a:rPr lang="fr-FR" dirty="0" smtClean="0"/>
-              <a:t>Débit instantané</a:t>
+              <a:rPr lang="fr-FR" dirty="0"/>
+              <a:t>Vérification des performances</a:t>
+            </a:r>
+            <a:br>
+              <a:rPr lang="fr-FR" dirty="0"/>
+            </a:br>
+            <a:r>
+              <a:rPr lang="fr-FR" dirty="0"/>
+              <a:t>Calcul du débit instantané</a:t>
             </a:r>
             <a:endParaRPr lang="fr-FR" dirty="0"/>
           </a:p>
@@ -9895,14 +10030,14 @@
             <a:fld id="{3F1D8263-54E8-442D-88B4-DA252C595E3D}" type="slidenum">
               <a:rPr lang="fr-FR" smtClean="0"/>
               <a:pPr/>
-              <a:t>5</a:t>
+              <a:t>12</a:t>
             </a:fld>
             <a:endParaRPr lang="fr-FR"/>
           </a:p>
         </p:txBody>
       </p:sp>
-      <mc:AlternateContent xmlns:mc="http://schemas.openxmlformats.org/markup-compatibility/2006">
-        <mc:Choice xmlns:a14="http://schemas.microsoft.com/office/drawing/2010/main" Requires="a14">
+      <mc:AlternateContent xmlns:mc="http://schemas.openxmlformats.org/markup-compatibility/2006" xmlns:a14="http://schemas.microsoft.com/office/drawing/2010/main">
+        <mc:Choice Requires="a14">
           <p:sp>
             <p:nvSpPr>
               <p:cNvPr id="5" name="Espace réservé du contenu 4"/>
@@ -10008,13 +10143,7 @@
                           <a:rPr lang="fr-FR" b="0" i="1" smtClean="0">
                             <a:latin typeface="Cambria Math"/>
                           </a:rPr>
-                          <m:t>𝐷</m:t>
-                        </m:r>
-                        <m:r>
-                          <a:rPr lang="fr-FR" b="0" i="1" smtClean="0">
-                            <a:latin typeface="Cambria Math"/>
-                          </a:rPr>
-                          <m:t>𝐴</m:t>
+                          <m:t>𝐷𝐴</m:t>
                         </m:r>
                       </m:e>
                     </m:acc>
@@ -11315,7 +11444,7 @@
             </p:txBody>
           </p:sp>
         </mc:Choice>
-        <mc:Fallback>
+        <mc:Fallback xmlns="">
           <p:sp>
             <p:nvSpPr>
               <p:cNvPr id="5" name="Espace réservé du contenu 4"/>
@@ -11494,7 +11623,7 @@
 </p:sld>
 </file>
 
-<file path=ppt/slides/slide6.xml><?xml version="1.0" encoding="utf-8"?>
+<file path=ppt/slides/slide13.xml><?xml version="1.0" encoding="utf-8"?>
 <p:sld xmlns:a="http://schemas.openxmlformats.org/drawingml/2006/main" xmlns:r="http://schemas.openxmlformats.org/officeDocument/2006/relationships" xmlns:p="http://schemas.openxmlformats.org/presentationml/2006/main">
   <p:cSld>
     <p:spTree>
@@ -11523,12 +11652,21 @@
         </p:nvSpPr>
         <p:spPr/>
         <p:txBody>
-          <a:bodyPr/>
+          <a:bodyPr>
+            <a:normAutofit fontScale="90000"/>
+          </a:bodyPr>
           <a:lstStyle/>
           <a:p>
             <a:r>
+              <a:rPr lang="fr-FR" dirty="0"/>
+              <a:t>Vérification des performances</a:t>
+            </a:r>
+            <a:br>
+              <a:rPr lang="fr-FR" dirty="0"/>
+            </a:br>
+            <a:r>
               <a:rPr lang="fr-FR" dirty="0" smtClean="0"/>
-              <a:t>Puissance nécessaire</a:t>
+              <a:t>Estimation de la pression maximale et de la puissance</a:t>
             </a:r>
             <a:endParaRPr lang="fr-FR" dirty="0"/>
           </a:p>
@@ -11575,14 +11713,14 @@
             <a:fld id="{3F1D8263-54E8-442D-88B4-DA252C595E3D}" type="slidenum">
               <a:rPr lang="fr-FR" smtClean="0"/>
               <a:pPr/>
-              <a:t>6</a:t>
+              <a:t>13</a:t>
             </a:fld>
             <a:endParaRPr lang="fr-FR"/>
           </a:p>
         </p:txBody>
       </p:sp>
-      <mc:AlternateContent xmlns:mc="http://schemas.openxmlformats.org/markup-compatibility/2006">
-        <mc:Choice xmlns:a14="http://schemas.microsoft.com/office/drawing/2010/main" Requires="a14">
+      <mc:AlternateContent xmlns:mc="http://schemas.openxmlformats.org/markup-compatibility/2006" xmlns:a14="http://schemas.microsoft.com/office/drawing/2010/main">
+        <mc:Choice Requires="a14">
           <p:sp>
             <p:nvSpPr>
               <p:cNvPr id="5" name="Espace réservé du contenu 4"/>
@@ -11719,7 +11857,7 @@
                     <m:sSup>
                       <m:sSupPr>
                         <m:ctrlPr>
-                          <a:rPr lang="fr-FR" b="0" smtClean="0">
+                          <a:rPr lang="fr-FR" b="0" i="1" smtClean="0">
                             <a:latin typeface="Cambria Math"/>
                             <a:sym typeface="Wingdings 3"/>
                           </a:rPr>
@@ -11820,7 +11958,7 @@
             </p:txBody>
           </p:sp>
         </mc:Choice>
-        <mc:Fallback>
+        <mc:Fallback xmlns="">
           <p:sp>
             <p:nvSpPr>
               <p:cNvPr id="5" name="Espace réservé du contenu 4"/>
@@ -11867,7 +12005,7 @@
 </p:sld>
 </file>
 
-<file path=ppt/slides/slide7.xml><?xml version="1.0" encoding="utf-8"?>
+<file path=ppt/slides/slide14.xml><?xml version="1.0" encoding="utf-8"?>
 <p:sld xmlns:a="http://schemas.openxmlformats.org/drawingml/2006/main" xmlns:r="http://schemas.openxmlformats.org/officeDocument/2006/relationships" xmlns:p="http://schemas.openxmlformats.org/presentationml/2006/main">
   <p:cSld>
     <p:spTree>
@@ -11948,7 +12086,7 @@
             <a:fld id="{3F1D8263-54E8-442D-88B4-DA252C595E3D}" type="slidenum">
               <a:rPr lang="fr-FR" smtClean="0"/>
               <a:pPr/>
-              <a:t>7</a:t>
+              <a:t>14</a:t>
             </a:fld>
             <a:endParaRPr lang="fr-FR"/>
           </a:p>
@@ -12877,6 +13015,3452 @@
       </p:par>
     </p:tnLst>
   </p:timing>
+</p:sld>
+</file>
+
+<file path=ppt/slides/slide2.xml><?xml version="1.0" encoding="utf-8"?>
+<p:sld xmlns:a="http://schemas.openxmlformats.org/drawingml/2006/main" xmlns:r="http://schemas.openxmlformats.org/officeDocument/2006/relationships" xmlns:p="http://schemas.openxmlformats.org/presentationml/2006/main">
+  <p:cSld>
+    <p:spTree>
+      <p:nvGrpSpPr>
+        <p:cNvPr id="1" name=""/>
+        <p:cNvGrpSpPr/>
+        <p:nvPr/>
+      </p:nvGrpSpPr>
+      <p:grpSpPr>
+        <a:xfrm>
+          <a:off x="0" y="0"/>
+          <a:ext cx="0" cy="0"/>
+          <a:chOff x="0" y="0"/>
+          <a:chExt cx="0" cy="0"/>
+        </a:xfrm>
+      </p:grpSpPr>
+      <p:sp>
+        <p:nvSpPr>
+          <p:cNvPr id="2" name="Titre 1"/>
+          <p:cNvSpPr>
+            <a:spLocks noGrp="1"/>
+          </p:cNvSpPr>
+          <p:nvPr>
+            <p:ph type="title"/>
+          </p:nvPr>
+        </p:nvSpPr>
+        <p:spPr/>
+        <p:txBody>
+          <a:bodyPr/>
+          <a:lstStyle/>
+          <a:p>
+            <a:r>
+              <a:rPr lang="fr-FR" dirty="0" smtClean="0"/>
+              <a:t>Analyser le fonctionnement général</a:t>
+            </a:r>
+            <a:endParaRPr lang="fr-FR" dirty="0"/>
+          </a:p>
+        </p:txBody>
+      </p:sp>
+      <p:sp>
+        <p:nvSpPr>
+          <p:cNvPr id="3" name="Espace réservé du pied de page 2"/>
+          <p:cNvSpPr>
+            <a:spLocks noGrp="1"/>
+          </p:cNvSpPr>
+          <p:nvPr>
+            <p:ph type="ftr" sz="quarter" idx="11"/>
+          </p:nvPr>
+        </p:nvSpPr>
+        <p:spPr/>
+        <p:txBody>
+          <a:bodyPr/>
+          <a:lstStyle/>
+          <a:p>
+            <a:r>
+              <a:rPr lang="fr-FR" smtClean="0"/>
+              <a:t>Cisaille hydraulique - Équipe pédagogique PT</a:t>
+            </a:r>
+            <a:endParaRPr lang="fr-FR" dirty="0"/>
+          </a:p>
+        </p:txBody>
+      </p:sp>
+      <p:sp>
+        <p:nvSpPr>
+          <p:cNvPr id="4" name="Espace réservé du numéro de diapositive 3"/>
+          <p:cNvSpPr>
+            <a:spLocks noGrp="1"/>
+          </p:cNvSpPr>
+          <p:nvPr>
+            <p:ph type="sldNum" sz="quarter" idx="12"/>
+          </p:nvPr>
+        </p:nvSpPr>
+        <p:spPr/>
+        <p:txBody>
+          <a:bodyPr/>
+          <a:lstStyle/>
+          <a:p>
+            <a:fld id="{3F1D8263-54E8-442D-88B4-DA252C595E3D}" type="slidenum">
+              <a:rPr lang="fr-FR" smtClean="0"/>
+              <a:pPr/>
+              <a:t>2</a:t>
+            </a:fld>
+            <a:endParaRPr lang="fr-FR"/>
+          </a:p>
+        </p:txBody>
+      </p:sp>
+      <p:pic>
+        <p:nvPicPr>
+          <p:cNvPr id="1026" name="Picture 2"/>
+          <p:cNvPicPr>
+            <a:picLocks noGrp="1" noChangeAspect="1" noChangeArrowheads="1"/>
+          </p:cNvPicPr>
+          <p:nvPr>
+            <p:ph sz="quarter" idx="1"/>
+          </p:nvPr>
+        </p:nvPicPr>
+        <p:blipFill>
+          <a:blip r:embed="rId2">
+            <a:extLst>
+              <a:ext uri="{28A0092B-C50C-407E-A947-70E740481C1C}">
+                <a14:useLocalDpi xmlns:a14="http://schemas.microsoft.com/office/drawing/2010/main" val="0"/>
+              </a:ext>
+            </a:extLst>
+          </a:blip>
+          <a:srcRect/>
+          <a:stretch>
+            <a:fillRect/>
+          </a:stretch>
+        </p:blipFill>
+        <p:spPr bwMode="auto">
+          <a:xfrm>
+            <a:off x="1080536" y="1219200"/>
+            <a:ext cx="6982927" cy="4937125"/>
+          </a:xfrm>
+          <a:prstGeom prst="rect">
+            <a:avLst/>
+          </a:prstGeom>
+          <a:noFill/>
+          <a:ln>
+            <a:noFill/>
+          </a:ln>
+          <a:effectLst/>
+          <a:extLst>
+            <a:ext uri="{909E8E84-426E-40DD-AFC4-6F175D3DCCD1}">
+              <a14:hiddenFill xmlns:a14="http://schemas.microsoft.com/office/drawing/2010/main">
+                <a:solidFill>
+                  <a:schemeClr val="accent1"/>
+                </a:solidFill>
+              </a14:hiddenFill>
+            </a:ext>
+            <a:ext uri="{91240B29-F687-4F45-9708-019B960494DF}">
+              <a14:hiddenLine xmlns:a14="http://schemas.microsoft.com/office/drawing/2010/main" w="9525">
+                <a:solidFill>
+                  <a:schemeClr val="tx1"/>
+                </a:solidFill>
+                <a:miter lim="800000"/>
+                <a:headEnd/>
+                <a:tailEnd/>
+              </a14:hiddenLine>
+            </a:ext>
+            <a:ext uri="{AF507438-7753-43E0-B8FC-AC1667EBCBE1}">
+              <a14:hiddenEffects xmlns:a14="http://schemas.microsoft.com/office/drawing/2010/main">
+                <a:effectLst>
+                  <a:outerShdw dist="35921" dir="2700000" algn="ctr" rotWithShape="0">
+                    <a:schemeClr val="bg2"/>
+                  </a:outerShdw>
+                </a:effectLst>
+              </a14:hiddenEffects>
+            </a:ext>
+          </a:extLst>
+        </p:spPr>
+      </p:pic>
+    </p:spTree>
+    <p:extLst>
+      <p:ext uri="{BB962C8B-B14F-4D97-AF65-F5344CB8AC3E}">
+        <p14:creationId xmlns:p14="http://schemas.microsoft.com/office/powerpoint/2010/main" val="2280205047"/>
+      </p:ext>
+    </p:extLst>
+  </p:cSld>
+  <p:clrMapOvr>
+    <a:masterClrMapping/>
+  </p:clrMapOvr>
+</p:sld>
+</file>
+
+<file path=ppt/slides/slide3.xml><?xml version="1.0" encoding="utf-8"?>
+<p:sld xmlns:a="http://schemas.openxmlformats.org/drawingml/2006/main" xmlns:r="http://schemas.openxmlformats.org/officeDocument/2006/relationships" xmlns:p="http://schemas.openxmlformats.org/presentationml/2006/main">
+  <p:cSld>
+    <p:spTree>
+      <p:nvGrpSpPr>
+        <p:cNvPr id="1" name=""/>
+        <p:cNvGrpSpPr/>
+        <p:nvPr/>
+      </p:nvGrpSpPr>
+      <p:grpSpPr>
+        <a:xfrm>
+          <a:off x="0" y="0"/>
+          <a:ext cx="0" cy="0"/>
+          <a:chOff x="0" y="0"/>
+          <a:chExt cx="0" cy="0"/>
+        </a:xfrm>
+      </p:grpSpPr>
+      <p:sp>
+        <p:nvSpPr>
+          <p:cNvPr id="2" name="Titre 1"/>
+          <p:cNvSpPr>
+            <a:spLocks noGrp="1"/>
+          </p:cNvSpPr>
+          <p:nvPr>
+            <p:ph type="title"/>
+          </p:nvPr>
+        </p:nvSpPr>
+        <p:spPr/>
+        <p:txBody>
+          <a:bodyPr/>
+          <a:lstStyle/>
+          <a:p>
+            <a:r>
+              <a:rPr lang="fr-FR" dirty="0" smtClean="0"/>
+              <a:t>Analyser le fonctionnement général</a:t>
+            </a:r>
+            <a:endParaRPr lang="fr-FR" dirty="0"/>
+          </a:p>
+        </p:txBody>
+      </p:sp>
+      <p:sp>
+        <p:nvSpPr>
+          <p:cNvPr id="3" name="Espace réservé du pied de page 2"/>
+          <p:cNvSpPr>
+            <a:spLocks noGrp="1"/>
+          </p:cNvSpPr>
+          <p:nvPr>
+            <p:ph type="ftr" sz="quarter" idx="11"/>
+          </p:nvPr>
+        </p:nvSpPr>
+        <p:spPr/>
+        <p:txBody>
+          <a:bodyPr/>
+          <a:lstStyle/>
+          <a:p>
+            <a:r>
+              <a:rPr lang="fr-FR" smtClean="0"/>
+              <a:t>Cisaille hydraulique - Équipe pédagogique PT</a:t>
+            </a:r>
+            <a:endParaRPr lang="fr-FR" dirty="0"/>
+          </a:p>
+        </p:txBody>
+      </p:sp>
+      <p:sp>
+        <p:nvSpPr>
+          <p:cNvPr id="4" name="Espace réservé du numéro de diapositive 3"/>
+          <p:cNvSpPr>
+            <a:spLocks noGrp="1"/>
+          </p:cNvSpPr>
+          <p:nvPr>
+            <p:ph type="sldNum" sz="quarter" idx="12"/>
+          </p:nvPr>
+        </p:nvSpPr>
+        <p:spPr/>
+        <p:txBody>
+          <a:bodyPr/>
+          <a:lstStyle/>
+          <a:p>
+            <a:fld id="{3F1D8263-54E8-442D-88B4-DA252C595E3D}" type="slidenum">
+              <a:rPr lang="fr-FR" smtClean="0"/>
+              <a:pPr/>
+              <a:t>3</a:t>
+            </a:fld>
+            <a:endParaRPr lang="fr-FR"/>
+          </a:p>
+        </p:txBody>
+      </p:sp>
+      <p:pic>
+        <p:nvPicPr>
+          <p:cNvPr id="1026" name="Picture 2"/>
+          <p:cNvPicPr>
+            <a:picLocks noGrp="1" noChangeAspect="1" noChangeArrowheads="1"/>
+          </p:cNvPicPr>
+          <p:nvPr>
+            <p:ph sz="quarter" idx="1"/>
+          </p:nvPr>
+        </p:nvPicPr>
+        <p:blipFill rotWithShape="1">
+          <a:blip r:embed="rId2">
+            <a:extLst>
+              <a:ext uri="{28A0092B-C50C-407E-A947-70E740481C1C}">
+                <a14:useLocalDpi xmlns:a14="http://schemas.microsoft.com/office/drawing/2010/main" val="0"/>
+              </a:ext>
+            </a:extLst>
+          </a:blip>
+          <a:srcRect l="5557" t="9822" r="7938" b="26477"/>
+          <a:stretch/>
+        </p:blipFill>
+        <p:spPr bwMode="auto">
+          <a:xfrm>
+            <a:off x="2915816" y="1306488"/>
+            <a:ext cx="6040583" cy="3144982"/>
+          </a:xfrm>
+          <a:prstGeom prst="rect">
+            <a:avLst/>
+          </a:prstGeom>
+          <a:noFill/>
+          <a:ln>
+            <a:noFill/>
+          </a:ln>
+          <a:effectLst/>
+          <a:extLst>
+            <a:ext uri="{909E8E84-426E-40DD-AFC4-6F175D3DCCD1}">
+              <a14:hiddenFill xmlns:a14="http://schemas.microsoft.com/office/drawing/2010/main">
+                <a:solidFill>
+                  <a:schemeClr val="accent1"/>
+                </a:solidFill>
+              </a14:hiddenFill>
+            </a:ext>
+            <a:ext uri="{91240B29-F687-4F45-9708-019B960494DF}">
+              <a14:hiddenLine xmlns:a14="http://schemas.microsoft.com/office/drawing/2010/main" w="9525">
+                <a:solidFill>
+                  <a:schemeClr val="tx1"/>
+                </a:solidFill>
+                <a:miter lim="800000"/>
+                <a:headEnd/>
+                <a:tailEnd/>
+              </a14:hiddenLine>
+            </a:ext>
+            <a:ext uri="{AF507438-7753-43E0-B8FC-AC1667EBCBE1}">
+              <a14:hiddenEffects xmlns:a14="http://schemas.microsoft.com/office/drawing/2010/main">
+                <a:effectLst>
+                  <a:outerShdw dist="35921" dir="2700000" algn="ctr" rotWithShape="0">
+                    <a:schemeClr val="bg2"/>
+                  </a:outerShdw>
+                </a:effectLst>
+              </a14:hiddenEffects>
+            </a:ext>
+          </a:extLst>
+        </p:spPr>
+      </p:pic>
+      <p:pic>
+        <p:nvPicPr>
+          <p:cNvPr id="7" name="Image 6" descr="C:\Users\Xavier\AppData\Local\Microsoft\Windows\INetCache\Content.Word\Cas d'utilisation.png"/>
+          <p:cNvPicPr/>
+          <p:nvPr/>
+        </p:nvPicPr>
+        <p:blipFill>
+          <a:blip r:embed="rId3" cstate="print">
+            <a:extLst>
+              <a:ext uri="{28A0092B-C50C-407E-A947-70E740481C1C}">
+                <a14:useLocalDpi xmlns:a14="http://schemas.microsoft.com/office/drawing/2010/main" val="0"/>
+              </a:ext>
+            </a:extLst>
+          </a:blip>
+          <a:srcRect/>
+          <a:stretch>
+            <a:fillRect/>
+          </a:stretch>
+        </p:blipFill>
+        <p:spPr bwMode="auto">
+          <a:xfrm>
+            <a:off x="323528" y="2204864"/>
+            <a:ext cx="2449830" cy="1074420"/>
+          </a:xfrm>
+          <a:prstGeom prst="rect">
+            <a:avLst/>
+          </a:prstGeom>
+          <a:noFill/>
+          <a:ln>
+            <a:noFill/>
+          </a:ln>
+        </p:spPr>
+      </p:pic>
+      <p:sp>
+        <p:nvSpPr>
+          <p:cNvPr id="6" name="Rectangle 5"/>
+          <p:cNvSpPr/>
+          <p:nvPr/>
+        </p:nvSpPr>
+        <p:spPr>
+          <a:xfrm>
+            <a:off x="5292080" y="2742074"/>
+            <a:ext cx="576064" cy="1407006"/>
+          </a:xfrm>
+          <a:prstGeom prst="rect">
+            <a:avLst/>
+          </a:prstGeom>
+          <a:noFill/>
+          <a:ln w="38100">
+            <a:solidFill>
+              <a:srgbClr val="00B0F0"/>
+            </a:solidFill>
+            <a:prstDash val="sysDash"/>
+          </a:ln>
+        </p:spPr>
+        <p:style>
+          <a:lnRef idx="2">
+            <a:schemeClr val="accent1">
+              <a:shade val="50000"/>
+            </a:schemeClr>
+          </a:lnRef>
+          <a:fillRef idx="1">
+            <a:schemeClr val="accent1"/>
+          </a:fillRef>
+          <a:effectRef idx="0">
+            <a:schemeClr val="accent1"/>
+          </a:effectRef>
+          <a:fontRef idx="minor">
+            <a:schemeClr val="lt1"/>
+          </a:fontRef>
+        </p:style>
+        <p:txBody>
+          <a:bodyPr rtlCol="0" anchor="ctr"/>
+          <a:lstStyle/>
+          <a:p>
+            <a:pPr algn="ctr"/>
+            <a:endParaRPr lang="fr-FR">
+              <a:solidFill>
+                <a:srgbClr val="7030A0"/>
+              </a:solidFill>
+            </a:endParaRPr>
+          </a:p>
+        </p:txBody>
+      </p:sp>
+      <p:sp>
+        <p:nvSpPr>
+          <p:cNvPr id="9" name="Rectangle 8"/>
+          <p:cNvSpPr/>
+          <p:nvPr/>
+        </p:nvSpPr>
+        <p:spPr>
+          <a:xfrm>
+            <a:off x="5940152" y="2420888"/>
+            <a:ext cx="648072" cy="1728192"/>
+          </a:xfrm>
+          <a:prstGeom prst="rect">
+            <a:avLst/>
+          </a:prstGeom>
+          <a:noFill/>
+          <a:ln w="38100">
+            <a:solidFill>
+              <a:srgbClr val="FF0000"/>
+            </a:solidFill>
+            <a:prstDash val="sysDash"/>
+          </a:ln>
+        </p:spPr>
+        <p:style>
+          <a:lnRef idx="2">
+            <a:schemeClr val="accent1">
+              <a:shade val="50000"/>
+            </a:schemeClr>
+          </a:lnRef>
+          <a:fillRef idx="1">
+            <a:schemeClr val="accent1"/>
+          </a:fillRef>
+          <a:effectRef idx="0">
+            <a:schemeClr val="accent1"/>
+          </a:effectRef>
+          <a:fontRef idx="minor">
+            <a:schemeClr val="lt1"/>
+          </a:fontRef>
+        </p:style>
+        <p:txBody>
+          <a:bodyPr rtlCol="0" anchor="ctr"/>
+          <a:lstStyle/>
+          <a:p>
+            <a:pPr algn="ctr"/>
+            <a:endParaRPr lang="fr-FR"/>
+          </a:p>
+        </p:txBody>
+      </p:sp>
+      <p:sp>
+        <p:nvSpPr>
+          <p:cNvPr id="10" name="Rectangle 9"/>
+          <p:cNvSpPr/>
+          <p:nvPr/>
+        </p:nvSpPr>
+        <p:spPr>
+          <a:xfrm>
+            <a:off x="4572000" y="2204864"/>
+            <a:ext cx="648072" cy="864096"/>
+          </a:xfrm>
+          <a:prstGeom prst="rect">
+            <a:avLst/>
+          </a:prstGeom>
+          <a:noFill/>
+          <a:ln w="38100">
+            <a:solidFill>
+              <a:srgbClr val="7030A0"/>
+            </a:solidFill>
+            <a:prstDash val="sysDash"/>
+          </a:ln>
+        </p:spPr>
+        <p:style>
+          <a:lnRef idx="2">
+            <a:schemeClr val="accent1">
+              <a:shade val="50000"/>
+            </a:schemeClr>
+          </a:lnRef>
+          <a:fillRef idx="1">
+            <a:schemeClr val="accent1"/>
+          </a:fillRef>
+          <a:effectRef idx="0">
+            <a:schemeClr val="accent1"/>
+          </a:effectRef>
+          <a:fontRef idx="minor">
+            <a:schemeClr val="lt1"/>
+          </a:fontRef>
+        </p:style>
+        <p:txBody>
+          <a:bodyPr rtlCol="0" anchor="ctr"/>
+          <a:lstStyle/>
+          <a:p>
+            <a:pPr algn="ctr"/>
+            <a:endParaRPr lang="fr-FR">
+              <a:solidFill>
+                <a:srgbClr val="7030A0"/>
+              </a:solidFill>
+            </a:endParaRPr>
+          </a:p>
+        </p:txBody>
+      </p:sp>
+      <p:sp>
+        <p:nvSpPr>
+          <p:cNvPr id="11" name="Rectangle 10"/>
+          <p:cNvSpPr/>
+          <p:nvPr/>
+        </p:nvSpPr>
+        <p:spPr>
+          <a:xfrm>
+            <a:off x="3275856" y="3296419"/>
+            <a:ext cx="1728192" cy="864096"/>
+          </a:xfrm>
+          <a:prstGeom prst="rect">
+            <a:avLst/>
+          </a:prstGeom>
+          <a:noFill/>
+          <a:ln w="38100">
+            <a:solidFill>
+              <a:srgbClr val="FFC000"/>
+            </a:solidFill>
+            <a:prstDash val="sysDash"/>
+          </a:ln>
+        </p:spPr>
+        <p:style>
+          <a:lnRef idx="2">
+            <a:schemeClr val="accent1">
+              <a:shade val="50000"/>
+            </a:schemeClr>
+          </a:lnRef>
+          <a:fillRef idx="1">
+            <a:schemeClr val="accent1"/>
+          </a:fillRef>
+          <a:effectRef idx="0">
+            <a:schemeClr val="accent1"/>
+          </a:effectRef>
+          <a:fontRef idx="minor">
+            <a:schemeClr val="lt1"/>
+          </a:fontRef>
+        </p:style>
+        <p:txBody>
+          <a:bodyPr rtlCol="0" anchor="ctr"/>
+          <a:lstStyle/>
+          <a:p>
+            <a:pPr algn="ctr"/>
+            <a:endParaRPr lang="fr-FR">
+              <a:solidFill>
+                <a:srgbClr val="7030A0"/>
+              </a:solidFill>
+            </a:endParaRPr>
+          </a:p>
+        </p:txBody>
+      </p:sp>
+      <p:sp>
+        <p:nvSpPr>
+          <p:cNvPr id="8" name="ZoneTexte 7"/>
+          <p:cNvSpPr txBox="1"/>
+          <p:nvPr/>
+        </p:nvSpPr>
+        <p:spPr>
+          <a:xfrm>
+            <a:off x="329841" y="3755454"/>
+            <a:ext cx="2556284" cy="461665"/>
+          </a:xfrm>
+          <a:prstGeom prst="rect">
+            <a:avLst/>
+          </a:prstGeom>
+          <a:noFill/>
+        </p:spPr>
+        <p:txBody>
+          <a:bodyPr wrap="square" rtlCol="0">
+            <a:spAutoFit/>
+          </a:bodyPr>
+          <a:lstStyle/>
+          <a:p>
+            <a:pPr algn="r"/>
+            <a:r>
+              <a:rPr lang="fr-FR" sz="1200" dirty="0" smtClean="0"/>
+              <a:t>Dispositif élastique  permettant de </a:t>
+            </a:r>
+            <a:r>
+              <a:rPr lang="fr-FR" sz="1200" dirty="0" err="1" smtClean="0"/>
+              <a:t>réouvir</a:t>
+            </a:r>
+            <a:r>
+              <a:rPr lang="fr-FR" sz="1200" dirty="0" smtClean="0"/>
+              <a:t> l’outillage après la découpe.</a:t>
+            </a:r>
+            <a:endParaRPr lang="fr-FR" sz="1200" dirty="0"/>
+          </a:p>
+        </p:txBody>
+      </p:sp>
+      <p:cxnSp>
+        <p:nvCxnSpPr>
+          <p:cNvPr id="13" name="Connecteur droit avec flèche 12"/>
+          <p:cNvCxnSpPr>
+            <a:stCxn id="8" idx="3"/>
+            <a:endCxn id="11" idx="1"/>
+          </p:cNvCxnSpPr>
+          <p:nvPr/>
+        </p:nvCxnSpPr>
+        <p:spPr>
+          <a:xfrm flipV="1">
+            <a:off x="2886125" y="3728467"/>
+            <a:ext cx="389731" cy="257820"/>
+          </a:xfrm>
+          <a:prstGeom prst="straightConnector1">
+            <a:avLst/>
+          </a:prstGeom>
+          <a:ln w="28575">
+            <a:solidFill>
+              <a:srgbClr val="FFC000"/>
+            </a:solidFill>
+            <a:tailEnd type="stealth" w="med" len="lg"/>
+          </a:ln>
+        </p:spPr>
+        <p:style>
+          <a:lnRef idx="1">
+            <a:schemeClr val="accent1"/>
+          </a:lnRef>
+          <a:fillRef idx="0">
+            <a:schemeClr val="accent1"/>
+          </a:fillRef>
+          <a:effectRef idx="0">
+            <a:schemeClr val="accent1"/>
+          </a:effectRef>
+          <a:fontRef idx="minor">
+            <a:schemeClr val="tx1"/>
+          </a:fontRef>
+        </p:style>
+      </p:cxnSp>
+      <p:cxnSp>
+        <p:nvCxnSpPr>
+          <p:cNvPr id="15" name="Connecteur droit avec flèche 14"/>
+          <p:cNvCxnSpPr/>
+          <p:nvPr/>
+        </p:nvCxnSpPr>
+        <p:spPr>
+          <a:xfrm flipV="1">
+            <a:off x="2886124" y="3765351"/>
+            <a:ext cx="1" cy="461665"/>
+          </a:xfrm>
+          <a:prstGeom prst="straightConnector1">
+            <a:avLst/>
+          </a:prstGeom>
+          <a:ln w="28575">
+            <a:solidFill>
+              <a:srgbClr val="FFC000"/>
+            </a:solidFill>
+            <a:headEnd type="none" w="med" len="med"/>
+            <a:tailEnd type="none" w="med" len="med"/>
+          </a:ln>
+        </p:spPr>
+        <p:style>
+          <a:lnRef idx="1">
+            <a:schemeClr val="accent1"/>
+          </a:lnRef>
+          <a:fillRef idx="0">
+            <a:schemeClr val="accent1"/>
+          </a:fillRef>
+          <a:effectRef idx="0">
+            <a:schemeClr val="accent1"/>
+          </a:effectRef>
+          <a:fontRef idx="minor">
+            <a:schemeClr val="tx1"/>
+          </a:fontRef>
+        </p:style>
+      </p:cxnSp>
+      <p:sp>
+        <p:nvSpPr>
+          <p:cNvPr id="20" name="ZoneTexte 19"/>
+          <p:cNvSpPr txBox="1"/>
+          <p:nvPr/>
+        </p:nvSpPr>
+        <p:spPr>
+          <a:xfrm>
+            <a:off x="5292080" y="4941167"/>
+            <a:ext cx="1404156" cy="276999"/>
+          </a:xfrm>
+          <a:prstGeom prst="rect">
+            <a:avLst/>
+          </a:prstGeom>
+          <a:noFill/>
+          <a:ln>
+            <a:noFill/>
+          </a:ln>
+        </p:spPr>
+        <p:txBody>
+          <a:bodyPr wrap="square" rtlCol="0">
+            <a:spAutoFit/>
+          </a:bodyPr>
+          <a:lstStyle/>
+          <a:p>
+            <a:pPr algn="ctr"/>
+            <a:r>
+              <a:rPr lang="fr-FR" sz="1200" dirty="0" smtClean="0"/>
+              <a:t>Pompe hydraulique</a:t>
+            </a:r>
+            <a:endParaRPr lang="fr-FR" sz="1200" dirty="0"/>
+          </a:p>
+        </p:txBody>
+      </p:sp>
+      <p:sp>
+        <p:nvSpPr>
+          <p:cNvPr id="21" name="ZoneTexte 20"/>
+          <p:cNvSpPr txBox="1"/>
+          <p:nvPr/>
+        </p:nvSpPr>
+        <p:spPr>
+          <a:xfrm>
+            <a:off x="5994158" y="4545123"/>
+            <a:ext cx="972108" cy="276999"/>
+          </a:xfrm>
+          <a:prstGeom prst="rect">
+            <a:avLst/>
+          </a:prstGeom>
+          <a:noFill/>
+        </p:spPr>
+        <p:txBody>
+          <a:bodyPr wrap="square" rtlCol="0">
+            <a:spAutoFit/>
+          </a:bodyPr>
+          <a:lstStyle/>
+          <a:p>
+            <a:pPr algn="ctr"/>
+            <a:r>
+              <a:rPr lang="fr-FR" sz="1200" dirty="0" smtClean="0"/>
+              <a:t>Réducteur</a:t>
+            </a:r>
+            <a:endParaRPr lang="fr-FR" sz="1200" dirty="0"/>
+          </a:p>
+        </p:txBody>
+      </p:sp>
+      <p:sp>
+        <p:nvSpPr>
+          <p:cNvPr id="22" name="ZoneTexte 21"/>
+          <p:cNvSpPr txBox="1"/>
+          <p:nvPr/>
+        </p:nvSpPr>
+        <p:spPr>
+          <a:xfrm>
+            <a:off x="4802869" y="5359509"/>
+            <a:ext cx="576064" cy="276999"/>
+          </a:xfrm>
+          <a:prstGeom prst="rect">
+            <a:avLst/>
+          </a:prstGeom>
+          <a:noFill/>
+        </p:spPr>
+        <p:txBody>
+          <a:bodyPr wrap="square" rtlCol="0">
+            <a:spAutoFit/>
+          </a:bodyPr>
+          <a:lstStyle/>
+          <a:p>
+            <a:pPr algn="ctr"/>
+            <a:r>
+              <a:rPr lang="fr-FR" sz="1200" dirty="0" smtClean="0"/>
+              <a:t>Vérin</a:t>
+            </a:r>
+            <a:endParaRPr lang="fr-FR" sz="1200" dirty="0"/>
+          </a:p>
+        </p:txBody>
+      </p:sp>
+      <p:cxnSp>
+        <p:nvCxnSpPr>
+          <p:cNvPr id="23" name="Connecteur droit avec flèche 22"/>
+          <p:cNvCxnSpPr/>
+          <p:nvPr/>
+        </p:nvCxnSpPr>
+        <p:spPr>
+          <a:xfrm>
+            <a:off x="4820871" y="5359509"/>
+            <a:ext cx="540060" cy="0"/>
+          </a:xfrm>
+          <a:prstGeom prst="straightConnector1">
+            <a:avLst/>
+          </a:prstGeom>
+          <a:ln w="28575">
+            <a:solidFill>
+              <a:srgbClr val="7030A0"/>
+            </a:solidFill>
+            <a:headEnd type="none" w="med" len="med"/>
+            <a:tailEnd type="none" w="med" len="med"/>
+          </a:ln>
+        </p:spPr>
+        <p:style>
+          <a:lnRef idx="1">
+            <a:schemeClr val="accent1"/>
+          </a:lnRef>
+          <a:fillRef idx="0">
+            <a:schemeClr val="accent1"/>
+          </a:fillRef>
+          <a:effectRef idx="0">
+            <a:schemeClr val="accent1"/>
+          </a:effectRef>
+          <a:fontRef idx="minor">
+            <a:schemeClr val="tx1"/>
+          </a:fontRef>
+        </p:style>
+      </p:cxnSp>
+      <p:cxnSp>
+        <p:nvCxnSpPr>
+          <p:cNvPr id="26" name="Connecteur droit avec flèche 25"/>
+          <p:cNvCxnSpPr/>
+          <p:nvPr/>
+        </p:nvCxnSpPr>
+        <p:spPr>
+          <a:xfrm flipV="1">
+            <a:off x="5090901" y="3068961"/>
+            <a:ext cx="0" cy="2290548"/>
+          </a:xfrm>
+          <a:prstGeom prst="straightConnector1">
+            <a:avLst/>
+          </a:prstGeom>
+          <a:ln w="28575">
+            <a:solidFill>
+              <a:srgbClr val="7030A0"/>
+            </a:solidFill>
+            <a:tailEnd type="stealth" w="med" len="lg"/>
+          </a:ln>
+        </p:spPr>
+        <p:style>
+          <a:lnRef idx="1">
+            <a:schemeClr val="accent1"/>
+          </a:lnRef>
+          <a:fillRef idx="0">
+            <a:schemeClr val="accent1"/>
+          </a:fillRef>
+          <a:effectRef idx="0">
+            <a:schemeClr val="accent1"/>
+          </a:effectRef>
+          <a:fontRef idx="minor">
+            <a:schemeClr val="tx1"/>
+          </a:fontRef>
+        </p:style>
+      </p:cxnSp>
+      <p:cxnSp>
+        <p:nvCxnSpPr>
+          <p:cNvPr id="29" name="Connecteur droit avec flèche 28"/>
+          <p:cNvCxnSpPr/>
+          <p:nvPr/>
+        </p:nvCxnSpPr>
+        <p:spPr>
+          <a:xfrm>
+            <a:off x="5335507" y="4957151"/>
+            <a:ext cx="1317303" cy="0"/>
+          </a:xfrm>
+          <a:prstGeom prst="straightConnector1">
+            <a:avLst/>
+          </a:prstGeom>
+          <a:ln w="28575">
+            <a:solidFill>
+              <a:srgbClr val="00B0F0"/>
+            </a:solidFill>
+            <a:headEnd type="none" w="med" len="med"/>
+            <a:tailEnd type="none" w="med" len="med"/>
+          </a:ln>
+        </p:spPr>
+        <p:style>
+          <a:lnRef idx="1">
+            <a:schemeClr val="accent1"/>
+          </a:lnRef>
+          <a:fillRef idx="0">
+            <a:schemeClr val="accent1"/>
+          </a:fillRef>
+          <a:effectRef idx="0">
+            <a:schemeClr val="accent1"/>
+          </a:effectRef>
+          <a:fontRef idx="minor">
+            <a:schemeClr val="tx1"/>
+          </a:fontRef>
+        </p:style>
+      </p:cxnSp>
+      <p:cxnSp>
+        <p:nvCxnSpPr>
+          <p:cNvPr id="31" name="Connecteur droit avec flèche 30"/>
+          <p:cNvCxnSpPr>
+            <a:endCxn id="6" idx="2"/>
+          </p:cNvCxnSpPr>
+          <p:nvPr/>
+        </p:nvCxnSpPr>
+        <p:spPr>
+          <a:xfrm flipV="1">
+            <a:off x="5580112" y="4149080"/>
+            <a:ext cx="0" cy="792087"/>
+          </a:xfrm>
+          <a:prstGeom prst="straightConnector1">
+            <a:avLst/>
+          </a:prstGeom>
+          <a:ln w="28575">
+            <a:solidFill>
+              <a:srgbClr val="00B0F0"/>
+            </a:solidFill>
+            <a:tailEnd type="stealth" w="med" len="lg"/>
+          </a:ln>
+        </p:spPr>
+        <p:style>
+          <a:lnRef idx="1">
+            <a:schemeClr val="accent1"/>
+          </a:lnRef>
+          <a:fillRef idx="0">
+            <a:schemeClr val="accent1"/>
+          </a:fillRef>
+          <a:effectRef idx="0">
+            <a:schemeClr val="accent1"/>
+          </a:effectRef>
+          <a:fontRef idx="minor">
+            <a:schemeClr val="tx1"/>
+          </a:fontRef>
+        </p:style>
+      </p:cxnSp>
+      <p:cxnSp>
+        <p:nvCxnSpPr>
+          <p:cNvPr id="34" name="Connecteur droit avec flèche 33"/>
+          <p:cNvCxnSpPr/>
+          <p:nvPr/>
+        </p:nvCxnSpPr>
+        <p:spPr>
+          <a:xfrm>
+            <a:off x="6150887" y="4545123"/>
+            <a:ext cx="658651" cy="0"/>
+          </a:xfrm>
+          <a:prstGeom prst="straightConnector1">
+            <a:avLst/>
+          </a:prstGeom>
+          <a:ln w="28575">
+            <a:solidFill>
+              <a:srgbClr val="FF0000"/>
+            </a:solidFill>
+            <a:headEnd type="none" w="med" len="med"/>
+            <a:tailEnd type="none" w="med" len="med"/>
+          </a:ln>
+        </p:spPr>
+        <p:style>
+          <a:lnRef idx="1">
+            <a:schemeClr val="accent1"/>
+          </a:lnRef>
+          <a:fillRef idx="0">
+            <a:schemeClr val="accent1"/>
+          </a:fillRef>
+          <a:effectRef idx="0">
+            <a:schemeClr val="accent1"/>
+          </a:effectRef>
+          <a:fontRef idx="minor">
+            <a:schemeClr val="tx1"/>
+          </a:fontRef>
+        </p:style>
+      </p:cxnSp>
+      <p:cxnSp>
+        <p:nvCxnSpPr>
+          <p:cNvPr id="36" name="Connecteur droit avec flèche 35"/>
+          <p:cNvCxnSpPr/>
+          <p:nvPr/>
+        </p:nvCxnSpPr>
+        <p:spPr>
+          <a:xfrm flipV="1">
+            <a:off x="6262650" y="4149080"/>
+            <a:ext cx="0" cy="396042"/>
+          </a:xfrm>
+          <a:prstGeom prst="straightConnector1">
+            <a:avLst/>
+          </a:prstGeom>
+          <a:ln w="28575">
+            <a:solidFill>
+              <a:srgbClr val="FF0000"/>
+            </a:solidFill>
+            <a:tailEnd type="stealth" w="med" len="lg"/>
+          </a:ln>
+        </p:spPr>
+        <p:style>
+          <a:lnRef idx="1">
+            <a:schemeClr val="accent1"/>
+          </a:lnRef>
+          <a:fillRef idx="0">
+            <a:schemeClr val="accent1"/>
+          </a:fillRef>
+          <a:effectRef idx="0">
+            <a:schemeClr val="accent1"/>
+          </a:effectRef>
+          <a:fontRef idx="minor">
+            <a:schemeClr val="tx1"/>
+          </a:fontRef>
+        </p:style>
+      </p:cxnSp>
+    </p:spTree>
+    <p:extLst>
+      <p:ext uri="{BB962C8B-B14F-4D97-AF65-F5344CB8AC3E}">
+        <p14:creationId xmlns:p14="http://schemas.microsoft.com/office/powerpoint/2010/main" val="2584418555"/>
+      </p:ext>
+    </p:extLst>
+  </p:cSld>
+  <p:clrMapOvr>
+    <a:masterClrMapping/>
+  </p:clrMapOvr>
+</p:sld>
+</file>
+
+<file path=ppt/slides/slide4.xml><?xml version="1.0" encoding="utf-8"?>
+<p:sld xmlns:a="http://schemas.openxmlformats.org/drawingml/2006/main" xmlns:r="http://schemas.openxmlformats.org/officeDocument/2006/relationships" xmlns:p="http://schemas.openxmlformats.org/presentationml/2006/main">
+  <p:cSld>
+    <p:spTree>
+      <p:nvGrpSpPr>
+        <p:cNvPr id="1" name=""/>
+        <p:cNvGrpSpPr/>
+        <p:nvPr/>
+      </p:nvGrpSpPr>
+      <p:grpSpPr>
+        <a:xfrm>
+          <a:off x="0" y="0"/>
+          <a:ext cx="0" cy="0"/>
+          <a:chOff x="0" y="0"/>
+          <a:chExt cx="0" cy="0"/>
+        </a:xfrm>
+      </p:grpSpPr>
+      <p:sp>
+        <p:nvSpPr>
+          <p:cNvPr id="2" name="Titre 1"/>
+          <p:cNvSpPr>
+            <a:spLocks noGrp="1"/>
+          </p:cNvSpPr>
+          <p:nvPr>
+            <p:ph type="title"/>
+          </p:nvPr>
+        </p:nvSpPr>
+        <p:spPr/>
+        <p:txBody>
+          <a:bodyPr/>
+          <a:lstStyle/>
+          <a:p>
+            <a:r>
+              <a:rPr lang="fr-FR" dirty="0" smtClean="0"/>
+              <a:t>Analyser le fonctionnement général</a:t>
+            </a:r>
+            <a:endParaRPr lang="fr-FR" dirty="0"/>
+          </a:p>
+        </p:txBody>
+      </p:sp>
+      <p:sp>
+        <p:nvSpPr>
+          <p:cNvPr id="3" name="Espace réservé du pied de page 2"/>
+          <p:cNvSpPr>
+            <a:spLocks noGrp="1"/>
+          </p:cNvSpPr>
+          <p:nvPr>
+            <p:ph type="ftr" sz="quarter" idx="11"/>
+          </p:nvPr>
+        </p:nvSpPr>
+        <p:spPr/>
+        <p:txBody>
+          <a:bodyPr/>
+          <a:lstStyle/>
+          <a:p>
+            <a:r>
+              <a:rPr lang="fr-FR" smtClean="0"/>
+              <a:t>Cisaille hydraulique - Équipe pédagogique PT</a:t>
+            </a:r>
+            <a:endParaRPr lang="fr-FR" dirty="0"/>
+          </a:p>
+        </p:txBody>
+      </p:sp>
+      <p:sp>
+        <p:nvSpPr>
+          <p:cNvPr id="4" name="Espace réservé du numéro de diapositive 3"/>
+          <p:cNvSpPr>
+            <a:spLocks noGrp="1"/>
+          </p:cNvSpPr>
+          <p:nvPr>
+            <p:ph type="sldNum" sz="quarter" idx="12"/>
+          </p:nvPr>
+        </p:nvSpPr>
+        <p:spPr/>
+        <p:txBody>
+          <a:bodyPr/>
+          <a:lstStyle/>
+          <a:p>
+            <a:fld id="{3F1D8263-54E8-442D-88B4-DA252C595E3D}" type="slidenum">
+              <a:rPr lang="fr-FR" smtClean="0"/>
+              <a:pPr/>
+              <a:t>4</a:t>
+            </a:fld>
+            <a:endParaRPr lang="fr-FR"/>
+          </a:p>
+        </p:txBody>
+      </p:sp>
+      <p:pic>
+        <p:nvPicPr>
+          <p:cNvPr id="1026" name="Picture 2"/>
+          <p:cNvPicPr>
+            <a:picLocks noGrp="1" noChangeAspect="1" noChangeArrowheads="1"/>
+          </p:cNvPicPr>
+          <p:nvPr>
+            <p:ph sz="quarter" idx="1"/>
+          </p:nvPr>
+        </p:nvPicPr>
+        <p:blipFill rotWithShape="1">
+          <a:blip r:embed="rId2">
+            <a:extLst>
+              <a:ext uri="{28A0092B-C50C-407E-A947-70E740481C1C}">
+                <a14:useLocalDpi xmlns:a14="http://schemas.microsoft.com/office/drawing/2010/main" val="0"/>
+              </a:ext>
+            </a:extLst>
+          </a:blip>
+          <a:srcRect l="5557" t="9822" r="7938" b="26477"/>
+          <a:stretch/>
+        </p:blipFill>
+        <p:spPr bwMode="auto">
+          <a:xfrm>
+            <a:off x="1551708" y="1982470"/>
+            <a:ext cx="6040583" cy="3144982"/>
+          </a:xfrm>
+          <a:prstGeom prst="rect">
+            <a:avLst/>
+          </a:prstGeom>
+          <a:noFill/>
+          <a:ln>
+            <a:noFill/>
+          </a:ln>
+          <a:effectLst/>
+          <a:extLst>
+            <a:ext uri="{909E8E84-426E-40DD-AFC4-6F175D3DCCD1}">
+              <a14:hiddenFill xmlns:a14="http://schemas.microsoft.com/office/drawing/2010/main">
+                <a:solidFill>
+                  <a:schemeClr val="accent1"/>
+                </a:solidFill>
+              </a14:hiddenFill>
+            </a:ext>
+            <a:ext uri="{91240B29-F687-4F45-9708-019B960494DF}">
+              <a14:hiddenLine xmlns:a14="http://schemas.microsoft.com/office/drawing/2010/main" w="9525">
+                <a:solidFill>
+                  <a:schemeClr val="tx1"/>
+                </a:solidFill>
+                <a:miter lim="800000"/>
+                <a:headEnd/>
+                <a:tailEnd/>
+              </a14:hiddenLine>
+            </a:ext>
+            <a:ext uri="{AF507438-7753-43E0-B8FC-AC1667EBCBE1}">
+              <a14:hiddenEffects xmlns:a14="http://schemas.microsoft.com/office/drawing/2010/main">
+                <a:effectLst>
+                  <a:outerShdw dist="35921" dir="2700000" algn="ctr" rotWithShape="0">
+                    <a:schemeClr val="bg2"/>
+                  </a:outerShdw>
+                </a:effectLst>
+              </a14:hiddenEffects>
+            </a:ext>
+          </a:extLst>
+        </p:spPr>
+      </p:pic>
+      <p:sp>
+        <p:nvSpPr>
+          <p:cNvPr id="6" name="Rectangle 5"/>
+          <p:cNvSpPr/>
+          <p:nvPr/>
+        </p:nvSpPr>
+        <p:spPr>
+          <a:xfrm>
+            <a:off x="5220072" y="3796633"/>
+            <a:ext cx="576064" cy="360171"/>
+          </a:xfrm>
+          <a:prstGeom prst="rect">
+            <a:avLst/>
+          </a:prstGeom>
+          <a:noFill/>
+          <a:ln w="38100">
+            <a:solidFill>
+              <a:srgbClr val="00B0F0"/>
+            </a:solidFill>
+            <a:prstDash val="sysDash"/>
+          </a:ln>
+        </p:spPr>
+        <p:style>
+          <a:lnRef idx="2">
+            <a:schemeClr val="accent1">
+              <a:shade val="50000"/>
+            </a:schemeClr>
+          </a:lnRef>
+          <a:fillRef idx="1">
+            <a:schemeClr val="accent1"/>
+          </a:fillRef>
+          <a:effectRef idx="0">
+            <a:schemeClr val="accent1"/>
+          </a:effectRef>
+          <a:fontRef idx="minor">
+            <a:schemeClr val="lt1"/>
+          </a:fontRef>
+        </p:style>
+        <p:txBody>
+          <a:bodyPr rtlCol="0" anchor="ctr"/>
+          <a:lstStyle/>
+          <a:p>
+            <a:pPr algn="ctr"/>
+            <a:endParaRPr lang="fr-FR">
+              <a:solidFill>
+                <a:srgbClr val="7030A0"/>
+              </a:solidFill>
+            </a:endParaRPr>
+          </a:p>
+        </p:txBody>
+      </p:sp>
+      <p:sp>
+        <p:nvSpPr>
+          <p:cNvPr id="9" name="Rectangle 8"/>
+          <p:cNvSpPr/>
+          <p:nvPr/>
+        </p:nvSpPr>
+        <p:spPr>
+          <a:xfrm>
+            <a:off x="4716016" y="2572628"/>
+            <a:ext cx="324036" cy="344833"/>
+          </a:xfrm>
+          <a:prstGeom prst="rect">
+            <a:avLst/>
+          </a:prstGeom>
+          <a:noFill/>
+          <a:ln w="38100">
+            <a:solidFill>
+              <a:srgbClr val="FF0000"/>
+            </a:solidFill>
+            <a:prstDash val="sysDash"/>
+          </a:ln>
+        </p:spPr>
+        <p:style>
+          <a:lnRef idx="2">
+            <a:schemeClr val="accent1">
+              <a:shade val="50000"/>
+            </a:schemeClr>
+          </a:lnRef>
+          <a:fillRef idx="1">
+            <a:schemeClr val="accent1"/>
+          </a:fillRef>
+          <a:effectRef idx="0">
+            <a:schemeClr val="accent1"/>
+          </a:effectRef>
+          <a:fontRef idx="minor">
+            <a:schemeClr val="lt1"/>
+          </a:fontRef>
+        </p:style>
+        <p:txBody>
+          <a:bodyPr rtlCol="0" anchor="ctr"/>
+          <a:lstStyle/>
+          <a:p>
+            <a:pPr algn="ctr"/>
+            <a:endParaRPr lang="fr-FR"/>
+          </a:p>
+        </p:txBody>
+      </p:sp>
+      <p:sp>
+        <p:nvSpPr>
+          <p:cNvPr id="10" name="Rectangle 9"/>
+          <p:cNvSpPr/>
+          <p:nvPr/>
+        </p:nvSpPr>
+        <p:spPr>
+          <a:xfrm>
+            <a:off x="3491880" y="3531853"/>
+            <a:ext cx="324036" cy="284840"/>
+          </a:xfrm>
+          <a:prstGeom prst="rect">
+            <a:avLst/>
+          </a:prstGeom>
+          <a:noFill/>
+          <a:ln w="38100">
+            <a:solidFill>
+              <a:srgbClr val="7030A0"/>
+            </a:solidFill>
+            <a:prstDash val="sysDash"/>
+          </a:ln>
+        </p:spPr>
+        <p:style>
+          <a:lnRef idx="2">
+            <a:schemeClr val="accent1">
+              <a:shade val="50000"/>
+            </a:schemeClr>
+          </a:lnRef>
+          <a:fillRef idx="1">
+            <a:schemeClr val="accent1"/>
+          </a:fillRef>
+          <a:effectRef idx="0">
+            <a:schemeClr val="accent1"/>
+          </a:effectRef>
+          <a:fontRef idx="minor">
+            <a:schemeClr val="lt1"/>
+          </a:fontRef>
+        </p:style>
+        <p:txBody>
+          <a:bodyPr rtlCol="0" anchor="ctr"/>
+          <a:lstStyle/>
+          <a:p>
+            <a:pPr algn="ctr"/>
+            <a:endParaRPr lang="fr-FR">
+              <a:solidFill>
+                <a:srgbClr val="7030A0"/>
+              </a:solidFill>
+            </a:endParaRPr>
+          </a:p>
+        </p:txBody>
+      </p:sp>
+      <p:sp>
+        <p:nvSpPr>
+          <p:cNvPr id="8" name="ZoneTexte 7"/>
+          <p:cNvSpPr txBox="1"/>
+          <p:nvPr/>
+        </p:nvSpPr>
+        <p:spPr>
+          <a:xfrm>
+            <a:off x="4570060" y="5135299"/>
+            <a:ext cx="1872208" cy="461665"/>
+          </a:xfrm>
+          <a:prstGeom prst="rect">
+            <a:avLst/>
+          </a:prstGeom>
+          <a:noFill/>
+        </p:spPr>
+        <p:txBody>
+          <a:bodyPr wrap="square" rtlCol="0">
+            <a:spAutoFit/>
+          </a:bodyPr>
+          <a:lstStyle/>
+          <a:p>
+            <a:pPr algn="ctr"/>
+            <a:r>
+              <a:rPr lang="fr-FR" sz="1200" dirty="0" smtClean="0"/>
+              <a:t>Bouchon de mise à niveau et de vidange</a:t>
+            </a:r>
+            <a:endParaRPr lang="fr-FR" sz="1200" dirty="0"/>
+          </a:p>
+        </p:txBody>
+      </p:sp>
+      <p:sp>
+        <p:nvSpPr>
+          <p:cNvPr id="21" name="ZoneTexte 20"/>
+          <p:cNvSpPr txBox="1"/>
+          <p:nvPr/>
+        </p:nvSpPr>
+        <p:spPr>
+          <a:xfrm>
+            <a:off x="3671900" y="1628800"/>
+            <a:ext cx="2412268" cy="276999"/>
+          </a:xfrm>
+          <a:prstGeom prst="rect">
+            <a:avLst/>
+          </a:prstGeom>
+          <a:noFill/>
+        </p:spPr>
+        <p:txBody>
+          <a:bodyPr wrap="square" rtlCol="0">
+            <a:spAutoFit/>
+          </a:bodyPr>
+          <a:lstStyle/>
+          <a:p>
+            <a:pPr algn="ctr"/>
+            <a:r>
+              <a:rPr lang="fr-FR" sz="1200" dirty="0" smtClean="0"/>
+              <a:t>Bouchon de remplissage</a:t>
+            </a:r>
+            <a:endParaRPr lang="fr-FR" sz="1200" dirty="0"/>
+          </a:p>
+        </p:txBody>
+      </p:sp>
+      <p:sp>
+        <p:nvSpPr>
+          <p:cNvPr id="22" name="ZoneTexte 21"/>
+          <p:cNvSpPr txBox="1"/>
+          <p:nvPr/>
+        </p:nvSpPr>
+        <p:spPr>
+          <a:xfrm>
+            <a:off x="2592648" y="5230941"/>
+            <a:ext cx="2123368" cy="646331"/>
+          </a:xfrm>
+          <a:prstGeom prst="rect">
+            <a:avLst/>
+          </a:prstGeom>
+          <a:noFill/>
+        </p:spPr>
+        <p:txBody>
+          <a:bodyPr wrap="square" rtlCol="0">
+            <a:spAutoFit/>
+          </a:bodyPr>
+          <a:lstStyle/>
+          <a:p>
+            <a:pPr algn="ctr"/>
+            <a:r>
+              <a:rPr lang="fr-FR" sz="1200" dirty="0" smtClean="0"/>
+              <a:t>Joint « racloir » fonctionnant à faible vitesse de translation et haute pression</a:t>
+            </a:r>
+            <a:endParaRPr lang="fr-FR" sz="1200" dirty="0"/>
+          </a:p>
+        </p:txBody>
+      </p:sp>
+      <p:cxnSp>
+        <p:nvCxnSpPr>
+          <p:cNvPr id="23" name="Connecteur droit avec flèche 22"/>
+          <p:cNvCxnSpPr/>
+          <p:nvPr/>
+        </p:nvCxnSpPr>
+        <p:spPr>
+          <a:xfrm>
+            <a:off x="3371168" y="5212787"/>
+            <a:ext cx="540060" cy="0"/>
+          </a:xfrm>
+          <a:prstGeom prst="straightConnector1">
+            <a:avLst/>
+          </a:prstGeom>
+          <a:ln w="28575">
+            <a:solidFill>
+              <a:srgbClr val="7030A0"/>
+            </a:solidFill>
+            <a:headEnd type="none" w="med" len="med"/>
+            <a:tailEnd type="none" w="med" len="med"/>
+          </a:ln>
+        </p:spPr>
+        <p:style>
+          <a:lnRef idx="1">
+            <a:schemeClr val="accent1"/>
+          </a:lnRef>
+          <a:fillRef idx="0">
+            <a:schemeClr val="accent1"/>
+          </a:fillRef>
+          <a:effectRef idx="0">
+            <a:schemeClr val="accent1"/>
+          </a:effectRef>
+          <a:fontRef idx="minor">
+            <a:schemeClr val="tx1"/>
+          </a:fontRef>
+        </p:style>
+      </p:cxnSp>
+      <p:cxnSp>
+        <p:nvCxnSpPr>
+          <p:cNvPr id="26" name="Connecteur droit avec flèche 25"/>
+          <p:cNvCxnSpPr/>
+          <p:nvPr/>
+        </p:nvCxnSpPr>
+        <p:spPr>
+          <a:xfrm flipV="1">
+            <a:off x="3653898" y="3816693"/>
+            <a:ext cx="0" cy="1396094"/>
+          </a:xfrm>
+          <a:prstGeom prst="straightConnector1">
+            <a:avLst/>
+          </a:prstGeom>
+          <a:ln w="28575">
+            <a:solidFill>
+              <a:srgbClr val="7030A0"/>
+            </a:solidFill>
+            <a:tailEnd type="stealth" w="med" len="lg"/>
+          </a:ln>
+        </p:spPr>
+        <p:style>
+          <a:lnRef idx="1">
+            <a:schemeClr val="accent1"/>
+          </a:lnRef>
+          <a:fillRef idx="0">
+            <a:schemeClr val="accent1"/>
+          </a:fillRef>
+          <a:effectRef idx="0">
+            <a:schemeClr val="accent1"/>
+          </a:effectRef>
+          <a:fontRef idx="minor">
+            <a:schemeClr val="tx1"/>
+          </a:fontRef>
+        </p:style>
+      </p:cxnSp>
+      <p:cxnSp>
+        <p:nvCxnSpPr>
+          <p:cNvPr id="29" name="Connecteur droit avec flèche 28"/>
+          <p:cNvCxnSpPr/>
+          <p:nvPr/>
+        </p:nvCxnSpPr>
+        <p:spPr>
+          <a:xfrm>
+            <a:off x="4716016" y="5135299"/>
+            <a:ext cx="1584176" cy="0"/>
+          </a:xfrm>
+          <a:prstGeom prst="straightConnector1">
+            <a:avLst/>
+          </a:prstGeom>
+          <a:ln w="28575">
+            <a:solidFill>
+              <a:srgbClr val="00B0F0"/>
+            </a:solidFill>
+            <a:headEnd type="none" w="med" len="med"/>
+            <a:tailEnd type="none" w="med" len="med"/>
+          </a:ln>
+        </p:spPr>
+        <p:style>
+          <a:lnRef idx="1">
+            <a:schemeClr val="accent1"/>
+          </a:lnRef>
+          <a:fillRef idx="0">
+            <a:schemeClr val="accent1"/>
+          </a:fillRef>
+          <a:effectRef idx="0">
+            <a:schemeClr val="accent1"/>
+          </a:effectRef>
+          <a:fontRef idx="minor">
+            <a:schemeClr val="tx1"/>
+          </a:fontRef>
+        </p:style>
+      </p:cxnSp>
+      <p:cxnSp>
+        <p:nvCxnSpPr>
+          <p:cNvPr id="31" name="Connecteur droit avec flèche 30"/>
+          <p:cNvCxnSpPr/>
+          <p:nvPr/>
+        </p:nvCxnSpPr>
+        <p:spPr>
+          <a:xfrm flipV="1">
+            <a:off x="5508104" y="4156805"/>
+            <a:ext cx="0" cy="978494"/>
+          </a:xfrm>
+          <a:prstGeom prst="straightConnector1">
+            <a:avLst/>
+          </a:prstGeom>
+          <a:ln w="28575">
+            <a:solidFill>
+              <a:srgbClr val="00B0F0"/>
+            </a:solidFill>
+            <a:tailEnd type="stealth" w="med" len="lg"/>
+          </a:ln>
+        </p:spPr>
+        <p:style>
+          <a:lnRef idx="1">
+            <a:schemeClr val="accent1"/>
+          </a:lnRef>
+          <a:fillRef idx="0">
+            <a:schemeClr val="accent1"/>
+          </a:fillRef>
+          <a:effectRef idx="0">
+            <a:schemeClr val="accent1"/>
+          </a:effectRef>
+          <a:fontRef idx="minor">
+            <a:schemeClr val="tx1"/>
+          </a:fontRef>
+        </p:style>
+      </p:cxnSp>
+      <p:cxnSp>
+        <p:nvCxnSpPr>
+          <p:cNvPr id="34" name="Connecteur droit avec flèche 33"/>
+          <p:cNvCxnSpPr/>
+          <p:nvPr/>
+        </p:nvCxnSpPr>
+        <p:spPr>
+          <a:xfrm>
+            <a:off x="4139952" y="1905799"/>
+            <a:ext cx="1512168" cy="0"/>
+          </a:xfrm>
+          <a:prstGeom prst="straightConnector1">
+            <a:avLst/>
+          </a:prstGeom>
+          <a:ln w="28575">
+            <a:solidFill>
+              <a:srgbClr val="FF0000"/>
+            </a:solidFill>
+            <a:headEnd type="none" w="med" len="med"/>
+            <a:tailEnd type="none" w="med" len="med"/>
+          </a:ln>
+        </p:spPr>
+        <p:style>
+          <a:lnRef idx="1">
+            <a:schemeClr val="accent1"/>
+          </a:lnRef>
+          <a:fillRef idx="0">
+            <a:schemeClr val="accent1"/>
+          </a:fillRef>
+          <a:effectRef idx="0">
+            <a:schemeClr val="accent1"/>
+          </a:effectRef>
+          <a:fontRef idx="minor">
+            <a:schemeClr val="tx1"/>
+          </a:fontRef>
+        </p:style>
+      </p:cxnSp>
+      <p:cxnSp>
+        <p:nvCxnSpPr>
+          <p:cNvPr id="36" name="Connecteur droit avec flèche 35"/>
+          <p:cNvCxnSpPr/>
+          <p:nvPr/>
+        </p:nvCxnSpPr>
+        <p:spPr>
+          <a:xfrm>
+            <a:off x="4878034" y="1905799"/>
+            <a:ext cx="0" cy="615620"/>
+          </a:xfrm>
+          <a:prstGeom prst="straightConnector1">
+            <a:avLst/>
+          </a:prstGeom>
+          <a:ln w="28575">
+            <a:solidFill>
+              <a:srgbClr val="FF0000"/>
+            </a:solidFill>
+            <a:tailEnd type="stealth" w="med" len="lg"/>
+          </a:ln>
+        </p:spPr>
+        <p:style>
+          <a:lnRef idx="1">
+            <a:schemeClr val="accent1"/>
+          </a:lnRef>
+          <a:fillRef idx="0">
+            <a:schemeClr val="accent1"/>
+          </a:fillRef>
+          <a:effectRef idx="0">
+            <a:schemeClr val="accent1"/>
+          </a:effectRef>
+          <a:fontRef idx="minor">
+            <a:schemeClr val="tx1"/>
+          </a:fontRef>
+        </p:style>
+      </p:cxnSp>
+    </p:spTree>
+    <p:extLst>
+      <p:ext uri="{BB962C8B-B14F-4D97-AF65-F5344CB8AC3E}">
+        <p14:creationId xmlns:p14="http://schemas.microsoft.com/office/powerpoint/2010/main" val="2091283587"/>
+      </p:ext>
+    </p:extLst>
+  </p:cSld>
+  <p:clrMapOvr>
+    <a:masterClrMapping/>
+  </p:clrMapOvr>
+</p:sld>
+</file>
+
+<file path=ppt/slides/slide5.xml><?xml version="1.0" encoding="utf-8"?>
+<p:sld xmlns:a="http://schemas.openxmlformats.org/drawingml/2006/main" xmlns:r="http://schemas.openxmlformats.org/officeDocument/2006/relationships" xmlns:p="http://schemas.openxmlformats.org/presentationml/2006/main">
+  <p:cSld>
+    <p:spTree>
+      <p:nvGrpSpPr>
+        <p:cNvPr id="1" name=""/>
+        <p:cNvGrpSpPr/>
+        <p:nvPr/>
+      </p:nvGrpSpPr>
+      <p:grpSpPr>
+        <a:xfrm>
+          <a:off x="0" y="0"/>
+          <a:ext cx="0" cy="0"/>
+          <a:chOff x="0" y="0"/>
+          <a:chExt cx="0" cy="0"/>
+        </a:xfrm>
+      </p:grpSpPr>
+      <p:sp>
+        <p:nvSpPr>
+          <p:cNvPr id="2" name="Titre 1"/>
+          <p:cNvSpPr>
+            <a:spLocks noGrp="1"/>
+          </p:cNvSpPr>
+          <p:nvPr>
+            <p:ph type="title"/>
+          </p:nvPr>
+        </p:nvSpPr>
+        <p:spPr/>
+        <p:txBody>
+          <a:bodyPr/>
+          <a:lstStyle/>
+          <a:p>
+            <a:r>
+              <a:rPr lang="fr-FR" dirty="0" smtClean="0"/>
+              <a:t>Analyser le circuit hydraulique</a:t>
+            </a:r>
+            <a:endParaRPr lang="fr-FR" dirty="0"/>
+          </a:p>
+        </p:txBody>
+      </p:sp>
+      <p:sp>
+        <p:nvSpPr>
+          <p:cNvPr id="3" name="Espace réservé du pied de page 2"/>
+          <p:cNvSpPr>
+            <a:spLocks noGrp="1"/>
+          </p:cNvSpPr>
+          <p:nvPr>
+            <p:ph type="ftr" sz="quarter" idx="11"/>
+          </p:nvPr>
+        </p:nvSpPr>
+        <p:spPr/>
+        <p:txBody>
+          <a:bodyPr/>
+          <a:lstStyle/>
+          <a:p>
+            <a:r>
+              <a:rPr lang="fr-FR" smtClean="0"/>
+              <a:t>Cisaille hydraulique - Équipe pédagogique PT</a:t>
+            </a:r>
+            <a:endParaRPr lang="fr-FR" dirty="0"/>
+          </a:p>
+        </p:txBody>
+      </p:sp>
+      <p:sp>
+        <p:nvSpPr>
+          <p:cNvPr id="4" name="Espace réservé du numéro de diapositive 3"/>
+          <p:cNvSpPr>
+            <a:spLocks noGrp="1"/>
+          </p:cNvSpPr>
+          <p:nvPr>
+            <p:ph type="sldNum" sz="quarter" idx="12"/>
+          </p:nvPr>
+        </p:nvSpPr>
+        <p:spPr/>
+        <p:txBody>
+          <a:bodyPr/>
+          <a:lstStyle/>
+          <a:p>
+            <a:fld id="{3F1D8263-54E8-442D-88B4-DA252C595E3D}" type="slidenum">
+              <a:rPr lang="fr-FR" smtClean="0"/>
+              <a:pPr/>
+              <a:t>5</a:t>
+            </a:fld>
+            <a:endParaRPr lang="fr-FR"/>
+          </a:p>
+        </p:txBody>
+      </p:sp>
+      <p:pic>
+        <p:nvPicPr>
+          <p:cNvPr id="2050" name="Picture 2"/>
+          <p:cNvPicPr>
+            <a:picLocks noGrp="1" noChangeAspect="1" noChangeArrowheads="1"/>
+          </p:cNvPicPr>
+          <p:nvPr>
+            <p:ph sz="quarter" idx="1"/>
+          </p:nvPr>
+        </p:nvPicPr>
+        <p:blipFill>
+          <a:blip r:embed="rId2" cstate="print">
+            <a:extLst>
+              <a:ext uri="{28A0092B-C50C-407E-A947-70E740481C1C}">
+                <a14:useLocalDpi xmlns:a14="http://schemas.microsoft.com/office/drawing/2010/main" val="0"/>
+              </a:ext>
+            </a:extLst>
+          </a:blip>
+          <a:srcRect/>
+          <a:stretch>
+            <a:fillRect/>
+          </a:stretch>
+        </p:blipFill>
+        <p:spPr bwMode="auto">
+          <a:xfrm>
+            <a:off x="1080676" y="1219200"/>
+            <a:ext cx="6982647" cy="4937125"/>
+          </a:xfrm>
+          <a:prstGeom prst="rect">
+            <a:avLst/>
+          </a:prstGeom>
+          <a:noFill/>
+          <a:ln>
+            <a:noFill/>
+          </a:ln>
+          <a:effectLst/>
+          <a:extLst>
+            <a:ext uri="{909E8E84-426E-40DD-AFC4-6F175D3DCCD1}">
+              <a14:hiddenFill xmlns:a14="http://schemas.microsoft.com/office/drawing/2010/main">
+                <a:solidFill>
+                  <a:schemeClr val="accent1"/>
+                </a:solidFill>
+              </a14:hiddenFill>
+            </a:ext>
+            <a:ext uri="{91240B29-F687-4F45-9708-019B960494DF}">
+              <a14:hiddenLine xmlns:a14="http://schemas.microsoft.com/office/drawing/2010/main" w="9525">
+                <a:solidFill>
+                  <a:schemeClr val="tx1"/>
+                </a:solidFill>
+                <a:miter lim="800000"/>
+                <a:headEnd/>
+                <a:tailEnd/>
+              </a14:hiddenLine>
+            </a:ext>
+            <a:ext uri="{AF507438-7753-43E0-B8FC-AC1667EBCBE1}">
+              <a14:hiddenEffects xmlns:a14="http://schemas.microsoft.com/office/drawing/2010/main">
+                <a:effectLst>
+                  <a:outerShdw dist="35921" dir="2700000" algn="ctr" rotWithShape="0">
+                    <a:schemeClr val="bg2"/>
+                  </a:outerShdw>
+                </a:effectLst>
+              </a14:hiddenEffects>
+            </a:ext>
+          </a:extLst>
+        </p:spPr>
+      </p:pic>
+    </p:spTree>
+    <p:extLst>
+      <p:ext uri="{BB962C8B-B14F-4D97-AF65-F5344CB8AC3E}">
+        <p14:creationId xmlns:p14="http://schemas.microsoft.com/office/powerpoint/2010/main" val="517849530"/>
+      </p:ext>
+    </p:extLst>
+  </p:cSld>
+  <p:clrMapOvr>
+    <a:masterClrMapping/>
+  </p:clrMapOvr>
+</p:sld>
+</file>
+
+<file path=ppt/slides/slide6.xml><?xml version="1.0" encoding="utf-8"?>
+<p:sld xmlns:a="http://schemas.openxmlformats.org/drawingml/2006/main" xmlns:r="http://schemas.openxmlformats.org/officeDocument/2006/relationships" xmlns:p="http://schemas.openxmlformats.org/presentationml/2006/main">
+  <p:cSld>
+    <p:spTree>
+      <p:nvGrpSpPr>
+        <p:cNvPr id="1" name=""/>
+        <p:cNvGrpSpPr/>
+        <p:nvPr/>
+      </p:nvGrpSpPr>
+      <p:grpSpPr>
+        <a:xfrm>
+          <a:off x="0" y="0"/>
+          <a:ext cx="0" cy="0"/>
+          <a:chOff x="0" y="0"/>
+          <a:chExt cx="0" cy="0"/>
+        </a:xfrm>
+      </p:grpSpPr>
+      <p:sp>
+        <p:nvSpPr>
+          <p:cNvPr id="2" name="Titre 1"/>
+          <p:cNvSpPr>
+            <a:spLocks noGrp="1"/>
+          </p:cNvSpPr>
+          <p:nvPr>
+            <p:ph type="title"/>
+          </p:nvPr>
+        </p:nvSpPr>
+        <p:spPr/>
+        <p:txBody>
+          <a:bodyPr/>
+          <a:lstStyle/>
+          <a:p>
+            <a:r>
+              <a:rPr lang="fr-FR" dirty="0" smtClean="0"/>
+              <a:t>Modéliser la cisaille</a:t>
+            </a:r>
+            <a:endParaRPr lang="fr-FR" dirty="0"/>
+          </a:p>
+        </p:txBody>
+      </p:sp>
+      <p:sp>
+        <p:nvSpPr>
+          <p:cNvPr id="3" name="Espace réservé du pied de page 2"/>
+          <p:cNvSpPr>
+            <a:spLocks noGrp="1"/>
+          </p:cNvSpPr>
+          <p:nvPr>
+            <p:ph type="ftr" sz="quarter" idx="11"/>
+          </p:nvPr>
+        </p:nvSpPr>
+        <p:spPr/>
+        <p:txBody>
+          <a:bodyPr/>
+          <a:lstStyle/>
+          <a:p>
+            <a:r>
+              <a:rPr lang="fr-FR" smtClean="0"/>
+              <a:t>Cisaille hydraulique - Équipe pédagogique PT</a:t>
+            </a:r>
+            <a:endParaRPr lang="fr-FR" dirty="0"/>
+          </a:p>
+        </p:txBody>
+      </p:sp>
+      <p:sp>
+        <p:nvSpPr>
+          <p:cNvPr id="4" name="Espace réservé du numéro de diapositive 3"/>
+          <p:cNvSpPr>
+            <a:spLocks noGrp="1"/>
+          </p:cNvSpPr>
+          <p:nvPr>
+            <p:ph type="sldNum" sz="quarter" idx="12"/>
+          </p:nvPr>
+        </p:nvSpPr>
+        <p:spPr/>
+        <p:txBody>
+          <a:bodyPr/>
+          <a:lstStyle/>
+          <a:p>
+            <a:fld id="{3F1D8263-54E8-442D-88B4-DA252C595E3D}" type="slidenum">
+              <a:rPr lang="fr-FR" smtClean="0"/>
+              <a:pPr/>
+              <a:t>6</a:t>
+            </a:fld>
+            <a:endParaRPr lang="fr-FR"/>
+          </a:p>
+        </p:txBody>
+      </p:sp>
+      <p:pic>
+        <p:nvPicPr>
+          <p:cNvPr id="6" name="Picture 2"/>
+          <p:cNvPicPr>
+            <a:picLocks noGrp="1" noChangeAspect="1" noChangeArrowheads="1"/>
+          </p:cNvPicPr>
+          <p:nvPr>
+            <p:ph sz="quarter" idx="1"/>
+          </p:nvPr>
+        </p:nvPicPr>
+        <p:blipFill rotWithShape="1">
+          <a:blip r:embed="rId2">
+            <a:extLst>
+              <a:ext uri="{28A0092B-C50C-407E-A947-70E740481C1C}">
+                <a14:useLocalDpi xmlns:a14="http://schemas.microsoft.com/office/drawing/2010/main" val="0"/>
+              </a:ext>
+            </a:extLst>
+          </a:blip>
+          <a:srcRect l="66505" t="33628" r="13872" b="35784"/>
+          <a:stretch/>
+        </p:blipFill>
+        <p:spPr bwMode="auto">
+          <a:xfrm>
+            <a:off x="6588224" y="1772816"/>
+            <a:ext cx="1866900" cy="2057400"/>
+          </a:xfrm>
+          <a:prstGeom prst="rect">
+            <a:avLst/>
+          </a:prstGeom>
+          <a:noFill/>
+          <a:ln>
+            <a:noFill/>
+          </a:ln>
+          <a:effectLst/>
+          <a:extLst>
+            <a:ext uri="{909E8E84-426E-40DD-AFC4-6F175D3DCCD1}">
+              <a14:hiddenFill xmlns:a14="http://schemas.microsoft.com/office/drawing/2010/main">
+                <a:solidFill>
+                  <a:schemeClr val="accent1"/>
+                </a:solidFill>
+              </a14:hiddenFill>
+            </a:ext>
+            <a:ext uri="{91240B29-F687-4F45-9708-019B960494DF}">
+              <a14:hiddenLine xmlns:a14="http://schemas.microsoft.com/office/drawing/2010/main" w="9525">
+                <a:solidFill>
+                  <a:schemeClr val="tx1"/>
+                </a:solidFill>
+                <a:miter lim="800000"/>
+                <a:headEnd/>
+                <a:tailEnd/>
+              </a14:hiddenLine>
+            </a:ext>
+            <a:ext uri="{AF507438-7753-43E0-B8FC-AC1667EBCBE1}">
+              <a14:hiddenEffects xmlns:a14="http://schemas.microsoft.com/office/drawing/2010/main">
+                <a:effectLst>
+                  <a:outerShdw dist="35921" dir="2700000" algn="ctr" rotWithShape="0">
+                    <a:schemeClr val="bg2"/>
+                  </a:outerShdw>
+                </a:effectLst>
+              </a14:hiddenEffects>
+            </a:ext>
+          </a:extLst>
+        </p:spPr>
+      </p:pic>
+      <p:grpSp>
+        <p:nvGrpSpPr>
+          <p:cNvPr id="18" name="Groupe 17"/>
+          <p:cNvGrpSpPr/>
+          <p:nvPr/>
+        </p:nvGrpSpPr>
+        <p:grpSpPr>
+          <a:xfrm>
+            <a:off x="6372200" y="4077072"/>
+            <a:ext cx="2174168" cy="962794"/>
+            <a:chOff x="1115616" y="1340768"/>
+            <a:chExt cx="2174168" cy="962794"/>
+          </a:xfrm>
+        </p:grpSpPr>
+        <p:sp>
+          <p:nvSpPr>
+            <p:cNvPr id="7" name="Ellipse 6"/>
+            <p:cNvSpPr/>
+            <p:nvPr/>
+          </p:nvSpPr>
+          <p:spPr>
+            <a:xfrm>
+              <a:off x="1115616" y="1772816"/>
+              <a:ext cx="504056" cy="504056"/>
+            </a:xfrm>
+            <a:prstGeom prst="ellipse">
+              <a:avLst/>
+            </a:prstGeom>
+            <a:solidFill>
+              <a:schemeClr val="bg1"/>
+            </a:solidFill>
+            <a:ln w="28575">
+              <a:solidFill>
+                <a:srgbClr val="00B050"/>
+              </a:solidFill>
+            </a:ln>
+          </p:spPr>
+          <p:style>
+            <a:lnRef idx="2">
+              <a:schemeClr val="accent1">
+                <a:shade val="50000"/>
+              </a:schemeClr>
+            </a:lnRef>
+            <a:fillRef idx="1">
+              <a:schemeClr val="accent1"/>
+            </a:fillRef>
+            <a:effectRef idx="0">
+              <a:schemeClr val="accent1"/>
+            </a:effectRef>
+            <a:fontRef idx="minor">
+              <a:schemeClr val="lt1"/>
+            </a:fontRef>
+          </p:style>
+          <p:txBody>
+            <a:bodyPr rtlCol="0" anchor="ctr"/>
+            <a:lstStyle/>
+            <a:p>
+              <a:pPr algn="ctr"/>
+              <a:r>
+                <a:rPr lang="fr-FR" dirty="0" smtClean="0">
+                  <a:ln>
+                    <a:solidFill>
+                      <a:sysClr val="windowText" lastClr="000000"/>
+                    </a:solidFill>
+                  </a:ln>
+                  <a:solidFill>
+                    <a:sysClr val="windowText" lastClr="000000"/>
+                  </a:solidFill>
+                </a:rPr>
+                <a:t>1</a:t>
+              </a:r>
+              <a:endParaRPr lang="fr-FR" dirty="0">
+                <a:ln>
+                  <a:solidFill>
+                    <a:sysClr val="windowText" lastClr="000000"/>
+                  </a:solidFill>
+                </a:ln>
+                <a:solidFill>
+                  <a:sysClr val="windowText" lastClr="000000"/>
+                </a:solidFill>
+              </a:endParaRPr>
+            </a:p>
+          </p:txBody>
+        </p:sp>
+        <p:sp>
+          <p:nvSpPr>
+            <p:cNvPr id="8" name="Ellipse 7"/>
+            <p:cNvSpPr/>
+            <p:nvPr/>
+          </p:nvSpPr>
+          <p:spPr>
+            <a:xfrm>
+              <a:off x="2785728" y="1772816"/>
+              <a:ext cx="504056" cy="504056"/>
+            </a:xfrm>
+            <a:prstGeom prst="ellipse">
+              <a:avLst/>
+            </a:prstGeom>
+            <a:solidFill>
+              <a:schemeClr val="bg1"/>
+            </a:solidFill>
+            <a:ln w="28575">
+              <a:solidFill>
+                <a:srgbClr val="7030A0"/>
+              </a:solidFill>
+            </a:ln>
+          </p:spPr>
+          <p:style>
+            <a:lnRef idx="2">
+              <a:schemeClr val="accent1">
+                <a:shade val="50000"/>
+              </a:schemeClr>
+            </a:lnRef>
+            <a:fillRef idx="1">
+              <a:schemeClr val="accent1"/>
+            </a:fillRef>
+            <a:effectRef idx="0">
+              <a:schemeClr val="accent1"/>
+            </a:effectRef>
+            <a:fontRef idx="minor">
+              <a:schemeClr val="lt1"/>
+            </a:fontRef>
+          </p:style>
+          <p:txBody>
+            <a:bodyPr rtlCol="0" anchor="ctr"/>
+            <a:lstStyle/>
+            <a:p>
+              <a:pPr algn="ctr"/>
+              <a:r>
+                <a:rPr lang="fr-FR" dirty="0" smtClean="0">
+                  <a:ln>
+                    <a:solidFill>
+                      <a:sysClr val="windowText" lastClr="000000"/>
+                    </a:solidFill>
+                  </a:ln>
+                  <a:solidFill>
+                    <a:sysClr val="windowText" lastClr="000000"/>
+                  </a:solidFill>
+                </a:rPr>
+                <a:t>2</a:t>
+              </a:r>
+              <a:endParaRPr lang="fr-FR" dirty="0">
+                <a:ln>
+                  <a:solidFill>
+                    <a:sysClr val="windowText" lastClr="000000"/>
+                  </a:solidFill>
+                </a:ln>
+                <a:solidFill>
+                  <a:sysClr val="windowText" lastClr="000000"/>
+                </a:solidFill>
+              </a:endParaRPr>
+            </a:p>
+          </p:txBody>
+        </p:sp>
+        <p:cxnSp>
+          <p:nvCxnSpPr>
+            <p:cNvPr id="10" name="Connecteur droit 9"/>
+            <p:cNvCxnSpPr>
+              <a:stCxn id="7" idx="7"/>
+              <a:endCxn id="8" idx="1"/>
+            </p:cNvCxnSpPr>
+            <p:nvPr/>
+          </p:nvCxnSpPr>
+          <p:spPr>
+            <a:xfrm rot="5400000" flipH="1" flipV="1">
+              <a:off x="2202700" y="1189788"/>
+              <a:ext cx="12700" cy="1313690"/>
+            </a:xfrm>
+            <a:prstGeom prst="curvedConnector3">
+              <a:avLst>
+                <a:gd name="adj1" fmla="val 956236"/>
+              </a:avLst>
+            </a:prstGeom>
+            <a:ln w="28575">
+              <a:solidFill>
+                <a:schemeClr val="tx1"/>
+              </a:solidFill>
+            </a:ln>
+          </p:spPr>
+          <p:style>
+            <a:lnRef idx="1">
+              <a:schemeClr val="accent1"/>
+            </a:lnRef>
+            <a:fillRef idx="0">
+              <a:schemeClr val="accent1"/>
+            </a:fillRef>
+            <a:effectRef idx="0">
+              <a:schemeClr val="accent1"/>
+            </a:effectRef>
+            <a:fontRef idx="minor">
+              <a:schemeClr val="tx1"/>
+            </a:fontRef>
+          </p:style>
+        </p:cxnSp>
+        <p:cxnSp>
+          <p:nvCxnSpPr>
+            <p:cNvPr id="14" name="Connecteur droit 13"/>
+            <p:cNvCxnSpPr>
+              <a:stCxn id="7" idx="5"/>
+              <a:endCxn id="8" idx="3"/>
+            </p:cNvCxnSpPr>
+            <p:nvPr/>
+          </p:nvCxnSpPr>
+          <p:spPr>
+            <a:xfrm rot="16200000" flipH="1">
+              <a:off x="2202700" y="1546210"/>
+              <a:ext cx="12700" cy="1313690"/>
+            </a:xfrm>
+            <a:prstGeom prst="curvedConnector3">
+              <a:avLst>
+                <a:gd name="adj1" fmla="val 1106236"/>
+              </a:avLst>
+            </a:prstGeom>
+            <a:ln w="28575">
+              <a:solidFill>
+                <a:schemeClr val="tx1"/>
+              </a:solidFill>
+            </a:ln>
+          </p:spPr>
+          <p:style>
+            <a:lnRef idx="1">
+              <a:schemeClr val="accent1"/>
+            </a:lnRef>
+            <a:fillRef idx="0">
+              <a:schemeClr val="accent1"/>
+            </a:fillRef>
+            <a:effectRef idx="0">
+              <a:schemeClr val="accent1"/>
+            </a:effectRef>
+            <a:fontRef idx="minor">
+              <a:schemeClr val="tx1"/>
+            </a:fontRef>
+          </p:style>
+        </p:cxnSp>
+        <p:sp>
+          <p:nvSpPr>
+            <p:cNvPr id="16" name="Ellipse 15"/>
+            <p:cNvSpPr/>
+            <p:nvPr/>
+          </p:nvSpPr>
+          <p:spPr>
+            <a:xfrm>
+              <a:off x="2037414" y="1340768"/>
+              <a:ext cx="343272" cy="343272"/>
+            </a:xfrm>
+            <a:prstGeom prst="ellipse">
+              <a:avLst/>
+            </a:prstGeom>
+            <a:solidFill>
+              <a:schemeClr val="bg1"/>
+            </a:solidFill>
+            <a:ln w="19050">
+              <a:solidFill>
+                <a:schemeClr val="tx1"/>
+              </a:solidFill>
+            </a:ln>
+          </p:spPr>
+          <p:style>
+            <a:lnRef idx="2">
+              <a:schemeClr val="accent1">
+                <a:shade val="50000"/>
+              </a:schemeClr>
+            </a:lnRef>
+            <a:fillRef idx="1">
+              <a:schemeClr val="accent1"/>
+            </a:fillRef>
+            <a:effectRef idx="0">
+              <a:schemeClr val="accent1"/>
+            </a:effectRef>
+            <a:fontRef idx="minor">
+              <a:schemeClr val="lt1"/>
+            </a:fontRef>
+          </p:style>
+          <p:txBody>
+            <a:bodyPr rtlCol="0" anchor="ctr"/>
+            <a:lstStyle/>
+            <a:p>
+              <a:pPr algn="ctr"/>
+              <a:r>
+                <a:rPr lang="fr-FR" sz="1200" b="1" dirty="0" smtClean="0">
+                  <a:solidFill>
+                    <a:sysClr val="windowText" lastClr="000000"/>
+                  </a:solidFill>
+                </a:rPr>
+                <a:t>a</a:t>
+              </a:r>
+              <a:endParaRPr lang="fr-FR" sz="1200" b="1" dirty="0">
+                <a:solidFill>
+                  <a:sysClr val="windowText" lastClr="000000"/>
+                </a:solidFill>
+              </a:endParaRPr>
+            </a:p>
+          </p:txBody>
+        </p:sp>
+        <p:sp>
+          <p:nvSpPr>
+            <p:cNvPr id="17" name="Ellipse 16"/>
+            <p:cNvSpPr/>
+            <p:nvPr/>
+          </p:nvSpPr>
+          <p:spPr>
+            <a:xfrm>
+              <a:off x="2037414" y="1960290"/>
+              <a:ext cx="343272" cy="343272"/>
+            </a:xfrm>
+            <a:prstGeom prst="ellipse">
+              <a:avLst/>
+            </a:prstGeom>
+            <a:solidFill>
+              <a:schemeClr val="bg1"/>
+            </a:solidFill>
+            <a:ln w="19050">
+              <a:solidFill>
+                <a:schemeClr val="tx1"/>
+              </a:solidFill>
+            </a:ln>
+          </p:spPr>
+          <p:style>
+            <a:lnRef idx="2">
+              <a:schemeClr val="accent1">
+                <a:shade val="50000"/>
+              </a:schemeClr>
+            </a:lnRef>
+            <a:fillRef idx="1">
+              <a:schemeClr val="accent1"/>
+            </a:fillRef>
+            <a:effectRef idx="0">
+              <a:schemeClr val="accent1"/>
+            </a:effectRef>
+            <a:fontRef idx="minor">
+              <a:schemeClr val="lt1"/>
+            </a:fontRef>
+          </p:style>
+          <p:txBody>
+            <a:bodyPr rtlCol="0" anchor="ctr"/>
+            <a:lstStyle/>
+            <a:p>
+              <a:pPr algn="ctr"/>
+              <a:r>
+                <a:rPr lang="fr-FR" sz="1200" b="1" dirty="0" smtClean="0">
+                  <a:solidFill>
+                    <a:sysClr val="windowText" lastClr="000000"/>
+                  </a:solidFill>
+                </a:rPr>
+                <a:t>b</a:t>
+              </a:r>
+              <a:endParaRPr lang="fr-FR" sz="1200" b="1" dirty="0">
+                <a:solidFill>
+                  <a:sysClr val="windowText" lastClr="000000"/>
+                </a:solidFill>
+              </a:endParaRPr>
+            </a:p>
+          </p:txBody>
+        </p:sp>
+      </p:grpSp>
+      <mc:AlternateContent xmlns:mc="http://schemas.openxmlformats.org/markup-compatibility/2006">
+        <mc:Choice xmlns:a14="http://schemas.microsoft.com/office/drawing/2010/main" Requires="a14">
+          <p:sp>
+            <p:nvSpPr>
+              <p:cNvPr id="19" name="Espace réservé du contenu 4"/>
+              <p:cNvSpPr txBox="1">
+                <a:spLocks/>
+              </p:cNvSpPr>
+              <p:nvPr/>
+            </p:nvSpPr>
+            <p:spPr>
+              <a:xfrm>
+                <a:off x="457200" y="1219200"/>
+                <a:ext cx="5266928" cy="4937760"/>
+              </a:xfrm>
+              <a:prstGeom prst="rect">
+                <a:avLst/>
+              </a:prstGeom>
+            </p:spPr>
+            <p:txBody>
+              <a:bodyPr vert="horz">
+                <a:normAutofit fontScale="85000" lnSpcReduction="10000"/>
+              </a:bodyPr>
+              <a:lstStyle>
+                <a:lvl1pPr marL="274320" indent="-274320" algn="l" rtl="0" eaLnBrk="1" latinLnBrk="0" hangingPunct="1">
+                  <a:spcBef>
+                    <a:spcPts val="600"/>
+                  </a:spcBef>
+                  <a:buClr>
+                    <a:schemeClr val="accent1"/>
+                  </a:buClr>
+                  <a:buSzPct val="76000"/>
+                  <a:buFont typeface="Wingdings 3"/>
+                  <a:buChar char=""/>
+                  <a:defRPr kumimoji="0" sz="2400" kern="1200">
+                    <a:solidFill>
+                      <a:schemeClr val="tx1"/>
+                    </a:solidFill>
+                    <a:latin typeface="+mn-lt"/>
+                    <a:ea typeface="+mn-ea"/>
+                    <a:cs typeface="+mn-cs"/>
+                  </a:defRPr>
+                </a:lvl1pPr>
+                <a:lvl2pPr marL="548640" indent="-274320" algn="l" rtl="0" eaLnBrk="1" latinLnBrk="0" hangingPunct="1">
+                  <a:spcBef>
+                    <a:spcPts val="500"/>
+                  </a:spcBef>
+                  <a:buClr>
+                    <a:schemeClr val="accent2"/>
+                  </a:buClr>
+                  <a:buSzPct val="76000"/>
+                  <a:buFont typeface="Wingdings 3"/>
+                  <a:buChar char=""/>
+                  <a:defRPr kumimoji="0" sz="2000" kern="1200">
+                    <a:solidFill>
+                      <a:schemeClr val="tx2"/>
+                    </a:solidFill>
+                    <a:latin typeface="+mn-lt"/>
+                    <a:ea typeface="+mn-ea"/>
+                    <a:cs typeface="+mn-cs"/>
+                  </a:defRPr>
+                </a:lvl2pPr>
+                <a:lvl3pPr marL="822960" indent="-228600" algn="l" rtl="0" eaLnBrk="1" latinLnBrk="0" hangingPunct="1">
+                  <a:spcBef>
+                    <a:spcPts val="500"/>
+                  </a:spcBef>
+                  <a:buClr>
+                    <a:schemeClr val="bg1">
+                      <a:shade val="50000"/>
+                    </a:schemeClr>
+                  </a:buClr>
+                  <a:buSzPct val="76000"/>
+                  <a:buFont typeface="Wingdings 3"/>
+                  <a:buChar char=""/>
+                  <a:defRPr kumimoji="0" sz="1800" kern="1200">
+                    <a:solidFill>
+                      <a:schemeClr val="tx1"/>
+                    </a:solidFill>
+                    <a:latin typeface="+mn-lt"/>
+                    <a:ea typeface="+mn-ea"/>
+                    <a:cs typeface="+mn-cs"/>
+                  </a:defRPr>
+                </a:lvl3pPr>
+                <a:lvl4pPr marL="1097280" indent="-228600" algn="l" rtl="0" eaLnBrk="1" latinLnBrk="0" hangingPunct="1">
+                  <a:spcBef>
+                    <a:spcPts val="400"/>
+                  </a:spcBef>
+                  <a:buClr>
+                    <a:schemeClr val="accent2">
+                      <a:shade val="75000"/>
+                    </a:schemeClr>
+                  </a:buClr>
+                  <a:buSzPct val="70000"/>
+                  <a:buFont typeface="Wingdings"/>
+                  <a:buChar char=""/>
+                  <a:defRPr kumimoji="0" sz="1600" kern="1200">
+                    <a:solidFill>
+                      <a:schemeClr val="tx1"/>
+                    </a:solidFill>
+                    <a:latin typeface="+mn-lt"/>
+                    <a:ea typeface="+mn-ea"/>
+                    <a:cs typeface="+mn-cs"/>
+                  </a:defRPr>
+                </a:lvl4pPr>
+                <a:lvl5pPr marL="1371600" indent="-228600" algn="l" rtl="0" eaLnBrk="1" latinLnBrk="0" hangingPunct="1">
+                  <a:spcBef>
+                    <a:spcPts val="300"/>
+                  </a:spcBef>
+                  <a:buClr>
+                    <a:schemeClr val="accent2"/>
+                  </a:buClr>
+                  <a:buSzPct val="70000"/>
+                  <a:buFont typeface="Wingdings"/>
+                  <a:buChar char=""/>
+                  <a:defRPr kumimoji="0" sz="1400" kern="1200">
+                    <a:solidFill>
+                      <a:schemeClr val="tx1"/>
+                    </a:solidFill>
+                    <a:latin typeface="+mn-lt"/>
+                    <a:ea typeface="+mn-ea"/>
+                    <a:cs typeface="+mn-cs"/>
+                  </a:defRPr>
+                </a:lvl5pPr>
+                <a:lvl6pPr marL="1645920" indent="-182880" algn="l" rtl="0" eaLnBrk="1" latinLnBrk="0" hangingPunct="1">
+                  <a:spcBef>
+                    <a:spcPts val="300"/>
+                  </a:spcBef>
+                  <a:buClr>
+                    <a:srgbClr val="9FB8CD">
+                      <a:shade val="75000"/>
+                    </a:srgbClr>
+                  </a:buClr>
+                  <a:buSzPct val="75000"/>
+                  <a:buFont typeface="Wingdings 3"/>
+                  <a:buChar char=""/>
+                  <a:defRPr kumimoji="0" lang="en-US" sz="1600" kern="1200" smtClean="0">
+                    <a:solidFill>
+                      <a:schemeClr val="tx1"/>
+                    </a:solidFill>
+                    <a:latin typeface="+mn-lt"/>
+                    <a:ea typeface="+mn-ea"/>
+                    <a:cs typeface="+mn-cs"/>
+                  </a:defRPr>
+                </a:lvl6pPr>
+                <a:lvl7pPr marL="1828800" indent="-182880" algn="l" rtl="0" eaLnBrk="1" latinLnBrk="0" hangingPunct="1">
+                  <a:spcBef>
+                    <a:spcPts val="300"/>
+                  </a:spcBef>
+                  <a:buClr>
+                    <a:srgbClr val="727CA3">
+                      <a:shade val="75000"/>
+                    </a:srgbClr>
+                  </a:buClr>
+                  <a:buSzPct val="75000"/>
+                  <a:buFont typeface="Wingdings 3"/>
+                  <a:buChar char=""/>
+                  <a:defRPr kumimoji="0" lang="en-US" sz="1400" kern="1200" smtClean="0">
+                    <a:solidFill>
+                      <a:schemeClr val="tx1"/>
+                    </a:solidFill>
+                    <a:latin typeface="+mn-lt"/>
+                    <a:ea typeface="+mn-ea"/>
+                    <a:cs typeface="+mn-cs"/>
+                  </a:defRPr>
+                </a:lvl7pPr>
+                <a:lvl8pPr marL="2011680" indent="-182880" algn="l" rtl="0" eaLnBrk="1" latinLnBrk="0" hangingPunct="1">
+                  <a:spcBef>
+                    <a:spcPts val="300"/>
+                  </a:spcBef>
+                  <a:buClr>
+                    <a:prstClr val="white">
+                      <a:shade val="50000"/>
+                    </a:prstClr>
+                  </a:buClr>
+                  <a:buSzPct val="75000"/>
+                  <a:buFont typeface="Wingdings 3"/>
+                  <a:buChar char=""/>
+                  <a:defRPr kumimoji="0" lang="en-US" sz="1400" kern="1200" smtClean="0">
+                    <a:solidFill>
+                      <a:schemeClr val="tx1"/>
+                    </a:solidFill>
+                    <a:latin typeface="+mn-lt"/>
+                    <a:ea typeface="+mn-ea"/>
+                    <a:cs typeface="+mn-cs"/>
+                  </a:defRPr>
+                </a:lvl8pPr>
+                <a:lvl9pPr marL="2194560" indent="-182880" algn="l" rtl="0" eaLnBrk="1" latinLnBrk="0" hangingPunct="1">
+                  <a:spcBef>
+                    <a:spcPts val="300"/>
+                  </a:spcBef>
+                  <a:buClr>
+                    <a:srgbClr val="9FB8CD"/>
+                  </a:buClr>
+                  <a:buSzPct val="75000"/>
+                  <a:buFont typeface="Wingdings 3"/>
+                  <a:buChar char=""/>
+                  <a:defRPr kumimoji="0" lang="en-US" sz="1200" kern="1200" smtClean="0">
+                    <a:solidFill>
+                      <a:schemeClr val="tx1"/>
+                    </a:solidFill>
+                    <a:latin typeface="+mn-lt"/>
+                    <a:ea typeface="+mn-ea"/>
+                    <a:cs typeface="+mn-cs"/>
+                  </a:defRPr>
+                </a:lvl9pPr>
+              </a:lstStyle>
+              <a:p>
+                <a:r>
+                  <a:rPr lang="fr-FR" dirty="0" smtClean="0"/>
+                  <a:t>Deux contacts de type plan – plan.</a:t>
+                </a:r>
+              </a:p>
+              <a:p>
+                <a:r>
+                  <a:rPr lang="fr-FR" dirty="0" smtClean="0"/>
+                  <a:t>Chacune des liaisons peut être modélisée par une liaison appui plan.</a:t>
+                </a:r>
+              </a:p>
+              <a:p>
+                <a:r>
+                  <a:rPr lang="fr-FR" dirty="0" smtClean="0"/>
+                  <a:t>On pourrait montrer que la liaison équivalente est une liaison appui plan avec un degré d’</a:t>
+                </a:r>
+                <a:r>
+                  <a:rPr lang="fr-FR" dirty="0" err="1" smtClean="0"/>
+                  <a:t>hyperstatisme</a:t>
+                </a:r>
+                <a:r>
+                  <a:rPr lang="fr-FR" dirty="0" smtClean="0"/>
+                  <a:t> de 3.</a:t>
+                </a:r>
+              </a:p>
+              <a:p>
+                <a14:m>
+                  <m:oMath xmlns:m="http://schemas.openxmlformats.org/officeDocument/2006/math">
+                    <m:r>
+                      <a:rPr lang="fr-FR" b="0" i="1" smtClean="0">
+                        <a:latin typeface="Cambria Math"/>
+                      </a:rPr>
+                      <m:t>h</m:t>
+                    </m:r>
+                    <m:r>
+                      <a:rPr lang="fr-FR" b="0" i="1" smtClean="0">
+                        <a:latin typeface="Cambria Math"/>
+                      </a:rPr>
+                      <m:t>=</m:t>
+                    </m:r>
+                    <m:sSub>
+                      <m:sSubPr>
+                        <m:ctrlPr>
+                          <a:rPr lang="fr-FR" b="0" i="1" smtClean="0">
+                            <a:latin typeface="Cambria Math"/>
+                          </a:rPr>
+                        </m:ctrlPr>
+                      </m:sSubPr>
+                      <m:e>
+                        <m:r>
+                          <a:rPr lang="fr-FR" b="0" i="1" smtClean="0">
+                            <a:latin typeface="Cambria Math"/>
+                          </a:rPr>
+                          <m:t>𝑁</m:t>
+                        </m:r>
+                      </m:e>
+                      <m:sub>
+                        <m:r>
+                          <a:rPr lang="fr-FR" b="0" i="1" smtClean="0">
+                            <a:latin typeface="Cambria Math"/>
+                          </a:rPr>
+                          <m:t>𝑠</m:t>
+                        </m:r>
+                      </m:sub>
+                    </m:sSub>
+                    <m:r>
+                      <a:rPr lang="fr-FR" b="0" i="1" smtClean="0">
+                        <a:latin typeface="Cambria Math"/>
+                      </a:rPr>
+                      <m:t>−6</m:t>
+                    </m:r>
+                    <m:d>
+                      <m:dPr>
+                        <m:ctrlPr>
+                          <a:rPr lang="fr-FR" b="0" i="1" smtClean="0">
+                            <a:latin typeface="Cambria Math"/>
+                          </a:rPr>
+                        </m:ctrlPr>
+                      </m:dPr>
+                      <m:e>
+                        <m:r>
+                          <a:rPr lang="fr-FR" b="0" i="1" smtClean="0">
+                            <a:latin typeface="Cambria Math"/>
+                          </a:rPr>
+                          <m:t>𝑝</m:t>
+                        </m:r>
+                        <m:r>
+                          <a:rPr lang="fr-FR" b="0" i="1" smtClean="0">
+                            <a:latin typeface="Cambria Math"/>
+                          </a:rPr>
+                          <m:t>−1</m:t>
+                        </m:r>
+                      </m:e>
+                    </m:d>
+                    <m:r>
+                      <a:rPr lang="fr-FR" b="0" i="1" smtClean="0">
+                        <a:latin typeface="Cambria Math"/>
+                      </a:rPr>
+                      <m:t>+</m:t>
+                    </m:r>
+                    <m:r>
+                      <a:rPr lang="fr-FR" b="0" i="1" smtClean="0">
+                        <a:latin typeface="Cambria Math"/>
+                      </a:rPr>
+                      <m:t>𝑚</m:t>
+                    </m:r>
+                  </m:oMath>
+                </a14:m>
+                <a:endParaRPr lang="fr-FR" b="0" dirty="0" smtClean="0"/>
+              </a:p>
+              <a:p>
+                <a:pPr lvl="1"/>
+                <a14:m>
+                  <m:oMath xmlns:m="http://schemas.openxmlformats.org/officeDocument/2006/math">
+                    <m:sSub>
+                      <m:sSubPr>
+                        <m:ctrlPr>
+                          <a:rPr lang="fr-FR" b="0" i="1" smtClean="0">
+                            <a:latin typeface="Cambria Math"/>
+                          </a:rPr>
+                        </m:ctrlPr>
+                      </m:sSubPr>
+                      <m:e>
+                        <m:r>
+                          <a:rPr lang="fr-FR" b="0" i="1" smtClean="0">
+                            <a:latin typeface="Cambria Math"/>
+                          </a:rPr>
+                          <m:t>𝑁</m:t>
+                        </m:r>
+                      </m:e>
+                      <m:sub>
+                        <m:r>
+                          <a:rPr lang="fr-FR" b="0" i="1" smtClean="0">
+                            <a:latin typeface="Cambria Math"/>
+                          </a:rPr>
+                          <m:t>𝑆</m:t>
+                        </m:r>
+                      </m:sub>
+                    </m:sSub>
+                    <m:r>
+                      <a:rPr lang="fr-FR" b="0" i="1" smtClean="0">
+                        <a:latin typeface="Cambria Math"/>
+                      </a:rPr>
+                      <m:t>=6</m:t>
+                    </m:r>
+                  </m:oMath>
+                </a14:m>
+                <a:r>
+                  <a:rPr lang="fr-FR" dirty="0" smtClean="0"/>
+                  <a:t> : nombre d’inconnues statiques 3 par liaison</a:t>
+                </a:r>
+              </a:p>
+              <a:p>
+                <a:pPr lvl="1"/>
+                <a14:m>
+                  <m:oMath xmlns:m="http://schemas.openxmlformats.org/officeDocument/2006/math">
+                    <m:r>
+                      <a:rPr lang="fr-FR" b="0" i="1" smtClean="0">
+                        <a:latin typeface="Cambria Math"/>
+                      </a:rPr>
+                      <m:t>𝑝</m:t>
+                    </m:r>
+                    <m:r>
+                      <a:rPr lang="fr-FR" b="0" i="0" smtClean="0">
+                        <a:latin typeface="Cambria Math"/>
+                      </a:rPr>
+                      <m:t>=2</m:t>
+                    </m:r>
+                  </m:oMath>
+                </a14:m>
+                <a:r>
+                  <a:rPr lang="fr-FR" dirty="0"/>
+                  <a:t> : </a:t>
+                </a:r>
+                <a:r>
+                  <a:rPr lang="fr-FR" dirty="0" smtClean="0"/>
+                  <a:t>nombre de pièces </a:t>
+                </a:r>
+              </a:p>
+              <a:p>
+                <a:pPr lvl="1"/>
+                <a14:m>
+                  <m:oMath xmlns:m="http://schemas.openxmlformats.org/officeDocument/2006/math">
+                    <m:r>
+                      <a:rPr lang="fr-FR" b="0" i="1" smtClean="0">
+                        <a:latin typeface="Cambria Math"/>
+                      </a:rPr>
+                      <m:t>𝑚</m:t>
+                    </m:r>
+                    <m:r>
+                      <a:rPr lang="fr-FR">
+                        <a:latin typeface="Cambria Math"/>
+                      </a:rPr>
+                      <m:t>=</m:t>
+                    </m:r>
+                    <m:r>
+                      <a:rPr lang="fr-FR" b="0" i="0" smtClean="0">
+                        <a:latin typeface="Cambria Math"/>
+                      </a:rPr>
+                      <m:t>3</m:t>
+                    </m:r>
+                  </m:oMath>
+                </a14:m>
+                <a:r>
+                  <a:rPr lang="fr-FR" dirty="0" smtClean="0"/>
+                  <a:t> : nombre de mobilités : 1 rotation et 2 translations</a:t>
+                </a:r>
+              </a:p>
+              <a:p>
+                <a:pPr lvl="1"/>
+                <a14:m>
+                  <m:oMath xmlns:m="http://schemas.openxmlformats.org/officeDocument/2006/math">
+                    <m:r>
+                      <a:rPr lang="fr-FR" b="0" i="1" smtClean="0">
+                        <a:latin typeface="Cambria Math"/>
+                      </a:rPr>
+                      <m:t>h</m:t>
+                    </m:r>
+                    <m:r>
+                      <a:rPr lang="fr-FR" b="0" i="1" smtClean="0">
+                        <a:latin typeface="Cambria Math"/>
+                      </a:rPr>
+                      <m:t>=6−6+3=3</m:t>
+                    </m:r>
+                  </m:oMath>
+                </a14:m>
+                <a:endParaRPr lang="fr-FR" b="0" dirty="0" smtClean="0"/>
+              </a:p>
+              <a:p>
+                <a:r>
+                  <a:rPr lang="fr-FR" dirty="0" smtClean="0"/>
+                  <a:t>Contraintes de fabrications :</a:t>
+                </a:r>
+              </a:p>
+              <a:p>
+                <a:pPr lvl="1"/>
+                <a:r>
+                  <a:rPr lang="fr-FR" dirty="0" smtClean="0"/>
+                  <a:t>Distance entre les faces</a:t>
+                </a:r>
+              </a:p>
+              <a:p>
+                <a:pPr lvl="1"/>
+                <a:r>
+                  <a:rPr lang="fr-FR" dirty="0" smtClean="0"/>
+                  <a:t>Parallélisme des faces (2 contraintes d’orientation)</a:t>
+                </a:r>
+              </a:p>
+              <a:p>
+                <a:pPr lvl="1"/>
+                <a:endParaRPr lang="fr-FR" dirty="0"/>
+              </a:p>
+            </p:txBody>
+          </p:sp>
+        </mc:Choice>
+        <mc:Fallback>
+          <p:sp>
+            <p:nvSpPr>
+              <p:cNvPr id="19" name="Espace réservé du contenu 4"/>
+              <p:cNvSpPr txBox="1">
+                <a:spLocks noRot="1" noChangeAspect="1" noMove="1" noResize="1" noEditPoints="1" noAdjustHandles="1" noChangeArrowheads="1" noChangeShapeType="1" noTextEdit="1"/>
+              </p:cNvSpPr>
+              <p:nvPr/>
+            </p:nvSpPr>
+            <p:spPr>
+              <a:xfrm>
+                <a:off x="457200" y="1219200"/>
+                <a:ext cx="5266928" cy="4937760"/>
+              </a:xfrm>
+              <a:prstGeom prst="rect">
+                <a:avLst/>
+              </a:prstGeom>
+              <a:blipFill rotWithShape="1">
+                <a:blip r:embed="rId3"/>
+                <a:stretch>
+                  <a:fillRect l="-347" t="-1235" r="-2315"/>
+                </a:stretch>
+              </a:blipFill>
+            </p:spPr>
+            <p:txBody>
+              <a:bodyPr/>
+              <a:lstStyle/>
+              <a:p>
+                <a:r>
+                  <a:rPr lang="fr-FR">
+                    <a:noFill/>
+                  </a:rPr>
+                  <a:t> </a:t>
+                </a:r>
+              </a:p>
+            </p:txBody>
+          </p:sp>
+        </mc:Fallback>
+      </mc:AlternateContent>
+    </p:spTree>
+    <p:extLst>
+      <p:ext uri="{BB962C8B-B14F-4D97-AF65-F5344CB8AC3E}">
+        <p14:creationId xmlns:p14="http://schemas.microsoft.com/office/powerpoint/2010/main" val="2667183976"/>
+      </p:ext>
+    </p:extLst>
+  </p:cSld>
+  <p:clrMapOvr>
+    <a:masterClrMapping/>
+  </p:clrMapOvr>
+</p:sld>
+</file>
+
+<file path=ppt/slides/slide7.xml><?xml version="1.0" encoding="utf-8"?>
+<p:sld xmlns:a="http://schemas.openxmlformats.org/drawingml/2006/main" xmlns:r="http://schemas.openxmlformats.org/officeDocument/2006/relationships" xmlns:p="http://schemas.openxmlformats.org/presentationml/2006/main">
+  <p:cSld>
+    <p:spTree>
+      <p:nvGrpSpPr>
+        <p:cNvPr id="1" name=""/>
+        <p:cNvGrpSpPr/>
+        <p:nvPr/>
+      </p:nvGrpSpPr>
+      <p:grpSpPr>
+        <a:xfrm>
+          <a:off x="0" y="0"/>
+          <a:ext cx="0" cy="0"/>
+          <a:chOff x="0" y="0"/>
+          <a:chExt cx="0" cy="0"/>
+        </a:xfrm>
+      </p:grpSpPr>
+      <p:sp>
+        <p:nvSpPr>
+          <p:cNvPr id="2" name="Titre 1"/>
+          <p:cNvSpPr>
+            <a:spLocks noGrp="1"/>
+          </p:cNvSpPr>
+          <p:nvPr>
+            <p:ph type="title"/>
+          </p:nvPr>
+        </p:nvSpPr>
+        <p:spPr/>
+        <p:txBody>
+          <a:bodyPr/>
+          <a:lstStyle/>
+          <a:p>
+            <a:r>
+              <a:rPr lang="fr-FR" dirty="0"/>
+              <a:t>Modéliser la cisaille</a:t>
+            </a:r>
+          </a:p>
+        </p:txBody>
+      </p:sp>
+      <p:sp>
+        <p:nvSpPr>
+          <p:cNvPr id="3" name="Espace réservé du pied de page 2"/>
+          <p:cNvSpPr>
+            <a:spLocks noGrp="1"/>
+          </p:cNvSpPr>
+          <p:nvPr>
+            <p:ph type="ftr" sz="quarter" idx="11"/>
+          </p:nvPr>
+        </p:nvSpPr>
+        <p:spPr/>
+        <p:txBody>
+          <a:bodyPr/>
+          <a:lstStyle/>
+          <a:p>
+            <a:r>
+              <a:rPr lang="fr-FR" smtClean="0"/>
+              <a:t>Cisaille hydraulique - Équipe pédagogique PT</a:t>
+            </a:r>
+            <a:endParaRPr lang="fr-FR" dirty="0"/>
+          </a:p>
+        </p:txBody>
+      </p:sp>
+      <p:sp>
+        <p:nvSpPr>
+          <p:cNvPr id="4" name="Espace réservé du numéro de diapositive 3"/>
+          <p:cNvSpPr>
+            <a:spLocks noGrp="1"/>
+          </p:cNvSpPr>
+          <p:nvPr>
+            <p:ph type="sldNum" sz="quarter" idx="12"/>
+          </p:nvPr>
+        </p:nvSpPr>
+        <p:spPr/>
+        <p:txBody>
+          <a:bodyPr/>
+          <a:lstStyle/>
+          <a:p>
+            <a:fld id="{3F1D8263-54E8-442D-88B4-DA252C595E3D}" type="slidenum">
+              <a:rPr lang="fr-FR" smtClean="0"/>
+              <a:pPr/>
+              <a:t>7</a:t>
+            </a:fld>
+            <a:endParaRPr lang="fr-FR"/>
+          </a:p>
+        </p:txBody>
+      </p:sp>
+      <p:sp>
+        <p:nvSpPr>
+          <p:cNvPr id="5" name="Espace réservé du contenu 4"/>
+          <p:cNvSpPr>
+            <a:spLocks noGrp="1"/>
+          </p:cNvSpPr>
+          <p:nvPr>
+            <p:ph sz="quarter" idx="1"/>
+          </p:nvPr>
+        </p:nvSpPr>
+        <p:spPr>
+          <a:xfrm>
+            <a:off x="457200" y="1219200"/>
+            <a:ext cx="5194920" cy="4937760"/>
+          </a:xfrm>
+        </p:spPr>
+        <p:txBody>
+          <a:bodyPr>
+            <a:normAutofit fontScale="92500" lnSpcReduction="10000"/>
+          </a:bodyPr>
+          <a:lstStyle/>
+          <a:p>
+            <a:r>
+              <a:rPr lang="fr-FR" dirty="0" smtClean="0"/>
+              <a:t>Pour chacune des liaisons, les surfaces de contact sont des cylindres, associés à des plans. </a:t>
+            </a:r>
+          </a:p>
+          <a:p>
+            <a:pPr lvl="1"/>
+            <a:r>
+              <a:rPr lang="fr-FR" dirty="0" smtClean="0"/>
+              <a:t>L’association cylindre – cylindre permet de réaliser une liaison pivot glissant.</a:t>
+            </a:r>
+          </a:p>
+          <a:p>
+            <a:pPr lvl="1"/>
+            <a:r>
+              <a:rPr lang="fr-FR" dirty="0" smtClean="0"/>
+              <a:t>L’appui latéral permet d’arrêter la translation et donc d’obtenir une liaison pivot.</a:t>
+            </a:r>
+          </a:p>
+          <a:p>
+            <a:r>
+              <a:rPr lang="fr-FR" dirty="0" smtClean="0"/>
+              <a:t>Ici, il a été choisi d’utiliser une liaison par contact direct, sans interposition de paliers lisses ou d’éléments roulant ou sans matériau spécifique (en tout cas, rien n’indique l’existence d’alliage de cuivre sur le dessin d’ensemble).</a:t>
+            </a:r>
+          </a:p>
+          <a:p>
+            <a:r>
+              <a:rPr lang="fr-FR" dirty="0" smtClean="0"/>
+              <a:t>Ce choix peut s’expliquer par des vitesses de rotations relativement faibles.  </a:t>
+            </a:r>
+            <a:endParaRPr lang="fr-FR" dirty="0"/>
+          </a:p>
+        </p:txBody>
+      </p:sp>
+      <p:pic>
+        <p:nvPicPr>
+          <p:cNvPr id="6" name="Picture 2"/>
+          <p:cNvPicPr>
+            <a:picLocks noChangeAspect="1" noChangeArrowheads="1"/>
+          </p:cNvPicPr>
+          <p:nvPr/>
+        </p:nvPicPr>
+        <p:blipFill rotWithShape="1">
+          <a:blip r:embed="rId2">
+            <a:extLst>
+              <a:ext uri="{28A0092B-C50C-407E-A947-70E740481C1C}">
+                <a14:useLocalDpi xmlns:a14="http://schemas.microsoft.com/office/drawing/2010/main" val="0"/>
+              </a:ext>
+            </a:extLst>
+          </a:blip>
+          <a:srcRect l="59904" t="23944" r="7938" b="30782"/>
+          <a:stretch/>
+        </p:blipFill>
+        <p:spPr bwMode="auto">
+          <a:xfrm>
+            <a:off x="5796136" y="1412776"/>
+            <a:ext cx="3109686" cy="3095298"/>
+          </a:xfrm>
+          <a:prstGeom prst="rect">
+            <a:avLst/>
+          </a:prstGeom>
+          <a:noFill/>
+          <a:ln>
+            <a:noFill/>
+          </a:ln>
+          <a:effectLst/>
+          <a:extLst>
+            <a:ext uri="{909E8E84-426E-40DD-AFC4-6F175D3DCCD1}">
+              <a14:hiddenFill xmlns:a14="http://schemas.microsoft.com/office/drawing/2010/main">
+                <a:solidFill>
+                  <a:schemeClr val="accent1"/>
+                </a:solidFill>
+              </a14:hiddenFill>
+            </a:ext>
+            <a:ext uri="{91240B29-F687-4F45-9708-019B960494DF}">
+              <a14:hiddenLine xmlns:a14="http://schemas.microsoft.com/office/drawing/2010/main" w="9525">
+                <a:solidFill>
+                  <a:schemeClr val="tx1"/>
+                </a:solidFill>
+                <a:miter lim="800000"/>
+                <a:headEnd/>
+                <a:tailEnd/>
+              </a14:hiddenLine>
+            </a:ext>
+            <a:ext uri="{AF507438-7753-43E0-B8FC-AC1667EBCBE1}">
+              <a14:hiddenEffects xmlns:a14="http://schemas.microsoft.com/office/drawing/2010/main">
+                <a:effectLst>
+                  <a:outerShdw dist="35921" dir="2700000" algn="ctr" rotWithShape="0">
+                    <a:schemeClr val="bg2"/>
+                  </a:outerShdw>
+                </a:effectLst>
+              </a14:hiddenEffects>
+            </a:ext>
+          </a:extLst>
+        </p:spPr>
+      </p:pic>
+    </p:spTree>
+    <p:extLst>
+      <p:ext uri="{BB962C8B-B14F-4D97-AF65-F5344CB8AC3E}">
+        <p14:creationId xmlns:p14="http://schemas.microsoft.com/office/powerpoint/2010/main" val="1425353308"/>
+      </p:ext>
+    </p:extLst>
+  </p:cSld>
+  <p:clrMapOvr>
+    <a:masterClrMapping/>
+  </p:clrMapOvr>
+</p:sld>
+</file>
+
+<file path=ppt/slides/slide8.xml><?xml version="1.0" encoding="utf-8"?>
+<p:sld xmlns:a="http://schemas.openxmlformats.org/drawingml/2006/main" xmlns:r="http://schemas.openxmlformats.org/officeDocument/2006/relationships" xmlns:p="http://schemas.openxmlformats.org/presentationml/2006/main">
+  <p:cSld>
+    <p:spTree>
+      <p:nvGrpSpPr>
+        <p:cNvPr id="1" name=""/>
+        <p:cNvGrpSpPr/>
+        <p:nvPr/>
+      </p:nvGrpSpPr>
+      <p:grpSpPr>
+        <a:xfrm>
+          <a:off x="0" y="0"/>
+          <a:ext cx="0" cy="0"/>
+          <a:chOff x="0" y="0"/>
+          <a:chExt cx="0" cy="0"/>
+        </a:xfrm>
+      </p:grpSpPr>
+      <p:sp>
+        <p:nvSpPr>
+          <p:cNvPr id="2" name="Titre 1"/>
+          <p:cNvSpPr>
+            <a:spLocks noGrp="1"/>
+          </p:cNvSpPr>
+          <p:nvPr>
+            <p:ph type="title"/>
+          </p:nvPr>
+        </p:nvSpPr>
+        <p:spPr/>
+        <p:txBody>
+          <a:bodyPr/>
+          <a:lstStyle/>
+          <a:p>
+            <a:r>
+              <a:rPr lang="fr-FR" dirty="0"/>
+              <a:t>Modéliser la cisaille</a:t>
+            </a:r>
+          </a:p>
+        </p:txBody>
+      </p:sp>
+      <p:sp>
+        <p:nvSpPr>
+          <p:cNvPr id="3" name="Espace réservé du pied de page 2"/>
+          <p:cNvSpPr>
+            <a:spLocks noGrp="1"/>
+          </p:cNvSpPr>
+          <p:nvPr>
+            <p:ph type="ftr" sz="quarter" idx="11"/>
+          </p:nvPr>
+        </p:nvSpPr>
+        <p:spPr/>
+        <p:txBody>
+          <a:bodyPr/>
+          <a:lstStyle/>
+          <a:p>
+            <a:r>
+              <a:rPr lang="fr-FR" smtClean="0"/>
+              <a:t>Cisaille hydraulique - Équipe pédagogique PT</a:t>
+            </a:r>
+            <a:endParaRPr lang="fr-FR" dirty="0"/>
+          </a:p>
+        </p:txBody>
+      </p:sp>
+      <p:sp>
+        <p:nvSpPr>
+          <p:cNvPr id="4" name="Espace réservé du numéro de diapositive 3"/>
+          <p:cNvSpPr>
+            <a:spLocks noGrp="1"/>
+          </p:cNvSpPr>
+          <p:nvPr>
+            <p:ph type="sldNum" sz="quarter" idx="12"/>
+          </p:nvPr>
+        </p:nvSpPr>
+        <p:spPr/>
+        <p:txBody>
+          <a:bodyPr/>
+          <a:lstStyle/>
+          <a:p>
+            <a:fld id="{3F1D8263-54E8-442D-88B4-DA252C595E3D}" type="slidenum">
+              <a:rPr lang="fr-FR" smtClean="0"/>
+              <a:pPr/>
+              <a:t>8</a:t>
+            </a:fld>
+            <a:endParaRPr lang="fr-FR"/>
+          </a:p>
+        </p:txBody>
+      </p:sp>
+      <p:sp>
+        <p:nvSpPr>
+          <p:cNvPr id="5" name="Espace réservé du contenu 4"/>
+          <p:cNvSpPr>
+            <a:spLocks noGrp="1"/>
+          </p:cNvSpPr>
+          <p:nvPr>
+            <p:ph sz="quarter" idx="1"/>
+          </p:nvPr>
+        </p:nvSpPr>
+        <p:spPr/>
+        <p:txBody>
+          <a:bodyPr/>
+          <a:lstStyle/>
+          <a:p>
+            <a:endParaRPr lang="fr-FR" dirty="0"/>
+          </a:p>
+        </p:txBody>
+      </p:sp>
+      <p:pic>
+        <p:nvPicPr>
+          <p:cNvPr id="3074" name="Picture 2"/>
+          <p:cNvPicPr>
+            <a:picLocks noChangeAspect="1" noChangeArrowheads="1"/>
+          </p:cNvPicPr>
+          <p:nvPr/>
+        </p:nvPicPr>
+        <p:blipFill>
+          <a:blip r:embed="rId2">
+            <a:extLst>
+              <a:ext uri="{28A0092B-C50C-407E-A947-70E740481C1C}">
+                <a14:useLocalDpi xmlns:a14="http://schemas.microsoft.com/office/drawing/2010/main" val="0"/>
+              </a:ext>
+            </a:extLst>
+          </a:blip>
+          <a:srcRect/>
+          <a:stretch>
+            <a:fillRect/>
+          </a:stretch>
+        </p:blipFill>
+        <p:spPr bwMode="auto">
+          <a:xfrm>
+            <a:off x="123118" y="1340768"/>
+            <a:ext cx="8887842" cy="4752528"/>
+          </a:xfrm>
+          <a:prstGeom prst="rect">
+            <a:avLst/>
+          </a:prstGeom>
+          <a:noFill/>
+          <a:ln>
+            <a:noFill/>
+          </a:ln>
+          <a:effectLst/>
+          <a:extLst>
+            <a:ext uri="{909E8E84-426E-40DD-AFC4-6F175D3DCCD1}">
+              <a14:hiddenFill xmlns:a14="http://schemas.microsoft.com/office/drawing/2010/main">
+                <a:solidFill>
+                  <a:schemeClr val="accent1"/>
+                </a:solidFill>
+              </a14:hiddenFill>
+            </a:ext>
+            <a:ext uri="{91240B29-F687-4F45-9708-019B960494DF}">
+              <a14:hiddenLine xmlns:a14="http://schemas.microsoft.com/office/drawing/2010/main" w="9525">
+                <a:solidFill>
+                  <a:schemeClr val="tx1"/>
+                </a:solidFill>
+                <a:miter lim="800000"/>
+                <a:headEnd/>
+                <a:tailEnd/>
+              </a14:hiddenLine>
+            </a:ext>
+            <a:ext uri="{AF507438-7753-43E0-B8FC-AC1667EBCBE1}">
+              <a14:hiddenEffects xmlns:a14="http://schemas.microsoft.com/office/drawing/2010/main">
+                <a:effectLst>
+                  <a:outerShdw dist="35921" dir="2700000" algn="ctr" rotWithShape="0">
+                    <a:schemeClr val="bg2"/>
+                  </a:outerShdw>
+                </a:effectLst>
+              </a14:hiddenEffects>
+            </a:ext>
+          </a:extLst>
+        </p:spPr>
+      </p:pic>
+    </p:spTree>
+    <p:extLst>
+      <p:ext uri="{BB962C8B-B14F-4D97-AF65-F5344CB8AC3E}">
+        <p14:creationId xmlns:p14="http://schemas.microsoft.com/office/powerpoint/2010/main" val="4269520521"/>
+      </p:ext>
+    </p:extLst>
+  </p:cSld>
+  <p:clrMapOvr>
+    <a:masterClrMapping/>
+  </p:clrMapOvr>
+</p:sld>
+</file>
+
+<file path=ppt/slides/slide9.xml><?xml version="1.0" encoding="utf-8"?>
+<p:sld xmlns:a="http://schemas.openxmlformats.org/drawingml/2006/main" xmlns:r="http://schemas.openxmlformats.org/officeDocument/2006/relationships" xmlns:p="http://schemas.openxmlformats.org/presentationml/2006/main">
+  <p:cSld>
+    <p:spTree>
+      <p:nvGrpSpPr>
+        <p:cNvPr id="1" name=""/>
+        <p:cNvGrpSpPr/>
+        <p:nvPr/>
+      </p:nvGrpSpPr>
+      <p:grpSpPr>
+        <a:xfrm>
+          <a:off x="0" y="0"/>
+          <a:ext cx="0" cy="0"/>
+          <a:chOff x="0" y="0"/>
+          <a:chExt cx="0" cy="0"/>
+        </a:xfrm>
+      </p:grpSpPr>
+      <p:sp>
+        <p:nvSpPr>
+          <p:cNvPr id="2" name="Titre 1"/>
+          <p:cNvSpPr>
+            <a:spLocks noGrp="1"/>
+          </p:cNvSpPr>
+          <p:nvPr>
+            <p:ph type="title"/>
+          </p:nvPr>
+        </p:nvSpPr>
+        <p:spPr/>
+        <p:txBody>
+          <a:bodyPr/>
+          <a:lstStyle/>
+          <a:p>
+            <a:r>
+              <a:rPr lang="fr-FR" dirty="0" smtClean="0"/>
+              <a:t>Vérification des performances</a:t>
+            </a:r>
+            <a:br>
+              <a:rPr lang="fr-FR" dirty="0" smtClean="0"/>
+            </a:br>
+            <a:r>
+              <a:rPr lang="fr-FR" dirty="0" smtClean="0"/>
+              <a:t>Temps </a:t>
+            </a:r>
+            <a:r>
+              <a:rPr lang="fr-FR" dirty="0" smtClean="0"/>
+              <a:t>de coupe d’une barre</a:t>
+            </a:r>
+            <a:endParaRPr lang="fr-FR" dirty="0"/>
+          </a:p>
+        </p:txBody>
+      </p:sp>
+      <p:sp>
+        <p:nvSpPr>
+          <p:cNvPr id="3" name="Espace réservé du pied de page 2"/>
+          <p:cNvSpPr>
+            <a:spLocks noGrp="1"/>
+          </p:cNvSpPr>
+          <p:nvPr>
+            <p:ph type="ftr" sz="quarter" idx="11"/>
+          </p:nvPr>
+        </p:nvSpPr>
+        <p:spPr/>
+        <p:txBody>
+          <a:bodyPr/>
+          <a:lstStyle/>
+          <a:p>
+            <a:r>
+              <a:rPr lang="fr-FR" smtClean="0"/>
+              <a:t>Cisaille hydraulique - Équipe pédagogique PT</a:t>
+            </a:r>
+            <a:endParaRPr lang="fr-FR" dirty="0"/>
+          </a:p>
+        </p:txBody>
+      </p:sp>
+      <p:sp>
+        <p:nvSpPr>
+          <p:cNvPr id="4" name="Espace réservé du numéro de diapositive 3"/>
+          <p:cNvSpPr>
+            <a:spLocks noGrp="1"/>
+          </p:cNvSpPr>
+          <p:nvPr>
+            <p:ph type="sldNum" sz="quarter" idx="12"/>
+          </p:nvPr>
+        </p:nvSpPr>
+        <p:spPr/>
+        <p:txBody>
+          <a:bodyPr/>
+          <a:lstStyle/>
+          <a:p>
+            <a:fld id="{3F1D8263-54E8-442D-88B4-DA252C595E3D}" type="slidenum">
+              <a:rPr lang="fr-FR" smtClean="0"/>
+              <a:pPr/>
+              <a:t>9</a:t>
+            </a:fld>
+            <a:endParaRPr lang="fr-FR"/>
+          </a:p>
+        </p:txBody>
+      </p:sp>
+      <p:sp>
+        <p:nvSpPr>
+          <p:cNvPr id="5" name="Espace réservé du contenu 4"/>
+          <p:cNvSpPr>
+            <a:spLocks noGrp="1"/>
+          </p:cNvSpPr>
+          <p:nvPr>
+            <p:ph sz="quarter" idx="1"/>
+          </p:nvPr>
+        </p:nvSpPr>
+        <p:spPr/>
+        <p:txBody>
+          <a:bodyPr>
+            <a:normAutofit fontScale="92500" lnSpcReduction="20000"/>
+          </a:bodyPr>
+          <a:lstStyle/>
+          <a:p>
+            <a:r>
+              <a:rPr lang="fr-FR" dirty="0" smtClean="0"/>
+              <a:t>En mesurant sur le plan, le rapport de réduction du train d’engrenage est de 0,15.  L’axe à excentrique tourne donc à la fréquence de rotation de 150 tour/min ou 2,5 tours/s.</a:t>
+            </a:r>
+          </a:p>
+          <a:p>
+            <a:r>
+              <a:rPr lang="fr-FR" dirty="0" smtClean="0"/>
+              <a:t>Un tour de pompe dure donc environ 0,4 s. </a:t>
+            </a:r>
+          </a:p>
+          <a:p>
+            <a:pPr lvl="1"/>
+            <a:r>
+              <a:rPr lang="fr-FR" dirty="0" smtClean="0"/>
+              <a:t>Course du piston : 8 mm</a:t>
+            </a:r>
+          </a:p>
+          <a:p>
+            <a:pPr lvl="1"/>
+            <a:r>
+              <a:rPr lang="fr-FR" dirty="0" smtClean="0"/>
+              <a:t>Diamètre du piston : 16,4 mm</a:t>
+            </a:r>
+          </a:p>
+          <a:p>
+            <a:pPr lvl="1"/>
+            <a:r>
+              <a:rPr lang="fr-FR" dirty="0" smtClean="0"/>
+              <a:t>Volume cylindre : 1 690 mm</a:t>
+            </a:r>
+            <a:r>
+              <a:rPr lang="fr-FR" baseline="30000" dirty="0" smtClean="0"/>
+              <a:t>3</a:t>
+            </a:r>
+          </a:p>
+          <a:p>
+            <a:pPr lvl="1"/>
+            <a:r>
+              <a:rPr lang="fr-FR" dirty="0" smtClean="0"/>
+              <a:t>Cylindrée : 3380 mm</a:t>
+            </a:r>
+            <a:r>
+              <a:rPr lang="fr-FR" baseline="30000" dirty="0" smtClean="0"/>
+              <a:t>3</a:t>
+            </a:r>
+            <a:r>
+              <a:rPr lang="fr-FR" dirty="0" smtClean="0"/>
+              <a:t> pour un tour de pompe.</a:t>
+            </a:r>
+          </a:p>
+          <a:p>
+            <a:r>
+              <a:rPr lang="fr-FR" dirty="0" smtClean="0"/>
+              <a:t>Piston : </a:t>
+            </a:r>
+          </a:p>
+          <a:p>
+            <a:pPr lvl="1"/>
+            <a:r>
+              <a:rPr lang="fr-FR" dirty="0" smtClean="0"/>
+              <a:t>Course : 16 mm</a:t>
+            </a:r>
+          </a:p>
+          <a:p>
+            <a:pPr lvl="1"/>
+            <a:r>
+              <a:rPr lang="fr-FR" dirty="0" smtClean="0"/>
+              <a:t>Diamètre : 54 mm</a:t>
+            </a:r>
+          </a:p>
+          <a:p>
+            <a:pPr lvl="1"/>
+            <a:r>
+              <a:rPr lang="fr-FR" dirty="0" smtClean="0"/>
+              <a:t>Volume : 36 644</a:t>
+            </a:r>
+            <a:r>
+              <a:rPr lang="fr-FR" dirty="0"/>
+              <a:t> mm</a:t>
+            </a:r>
+            <a:r>
+              <a:rPr lang="fr-FR" baseline="30000" dirty="0"/>
+              <a:t>3</a:t>
+            </a:r>
+            <a:endParaRPr lang="fr-FR" dirty="0" smtClean="0"/>
+          </a:p>
+          <a:p>
+            <a:r>
+              <a:rPr lang="fr-FR" dirty="0" smtClean="0"/>
+              <a:t>Temps pour couper la barre : </a:t>
+            </a:r>
+          </a:p>
+          <a:p>
+            <a:pPr lvl="1"/>
+            <a:r>
+              <a:rPr lang="fr-FR" dirty="0" smtClean="0"/>
+              <a:t>11 tours de pompe</a:t>
+            </a:r>
+          </a:p>
+          <a:p>
+            <a:pPr lvl="1"/>
+            <a:r>
+              <a:rPr lang="fr-FR" dirty="0" smtClean="0"/>
+              <a:t>4,33 secondes</a:t>
+            </a:r>
+          </a:p>
+          <a:p>
+            <a:pPr lvl="1"/>
+            <a:endParaRPr lang="fr-FR" dirty="0" smtClean="0"/>
+          </a:p>
+        </p:txBody>
+      </p:sp>
+    </p:spTree>
+    <p:extLst>
+      <p:ext uri="{BB962C8B-B14F-4D97-AF65-F5344CB8AC3E}">
+        <p14:creationId xmlns:p14="http://schemas.microsoft.com/office/powerpoint/2010/main" val="223736866"/>
+      </p:ext>
+    </p:extLst>
+  </p:cSld>
+  <p:clrMapOvr>
+    <a:masterClrMapping/>
+  </p:clrMapOvr>
 </p:sld>
 </file>
 

--- a/Interrogation_SII/03_Cisaille hydraulique/ServoMoteur_CommandeVanne_Corrige.pptx
+++ b/Interrogation_SII/03_Cisaille hydraulique/ServoMoteur_CommandeVanne_Corrige.pptx
@@ -1428,7 +1428,7 @@
         </a:prstGeom>
         <a:solidFill>
           <a:schemeClr val="accent2">
-            <a:hueOff val="-4271743"/>
+            <a:hueOff val="-4271745"/>
             <a:satOff val="12481"/>
             <a:lumOff val="-2353"/>
             <a:alphaOff val="0"/>
@@ -1541,7 +1541,7 @@
         </a:prstGeom>
         <a:solidFill>
           <a:schemeClr val="accent2">
-            <a:hueOff val="-4271743"/>
+            <a:hueOff val="-4271745"/>
             <a:satOff val="12481"/>
             <a:lumOff val="-2353"/>
             <a:alphaOff val="0"/>
@@ -1608,7 +1608,7 @@
         </a:prstGeom>
         <a:solidFill>
           <a:schemeClr val="accent2">
-            <a:hueOff val="-8543487"/>
+            <a:hueOff val="-8543491"/>
             <a:satOff val="24962"/>
             <a:lumOff val="-4706"/>
             <a:alphaOff val="0"/>
@@ -1705,7 +1705,7 @@
         </a:prstGeom>
         <a:solidFill>
           <a:schemeClr val="accent2">
-            <a:hueOff val="-8543487"/>
+            <a:hueOff val="-8543491"/>
             <a:satOff val="24962"/>
             <a:lumOff val="-4706"/>
             <a:alphaOff val="0"/>
@@ -3064,7 +3064,7 @@
             <a:fld id="{E494A05E-DEA9-4CEA-A63B-3593EEF3AC45}" type="datetimeFigureOut">
               <a:rPr lang="fr-FR" smtClean="0"/>
               <a:pPr/>
-              <a:t>29/05/2016</a:t>
+              <a:t>30/05/2016</a:t>
             </a:fld>
             <a:endParaRPr lang="fr-FR"/>
           </a:p>
@@ -3612,7 +3612,7 @@
           <a:p>
             <a:fld id="{9C5C4C77-C104-406F-97B3-AEF7EAF56FB1}" type="datetime1">
               <a:rPr lang="fr-FR" smtClean="0"/>
-              <a:t>29/05/2016</a:t>
+              <a:t>30/05/2016</a:t>
             </a:fld>
             <a:endParaRPr lang="fr-FR"/>
           </a:p>
@@ -3983,7 +3983,7 @@
           <a:p>
             <a:fld id="{10DCDD11-3375-42C9-9D68-5C9D09FFFF68}" type="datetime1">
               <a:rPr lang="fr-FR" smtClean="0"/>
-              <a:t>29/05/2016</a:t>
+              <a:t>30/05/2016</a:t>
             </a:fld>
             <a:endParaRPr lang="fr-FR"/>
           </a:p>
@@ -4163,7 +4163,7 @@
           <a:p>
             <a:fld id="{889D6B6F-6E75-4A93-A1F9-B22C02189F31}" type="datetime1">
               <a:rPr lang="fr-FR" smtClean="0"/>
-              <a:t>29/05/2016</a:t>
+              <a:t>30/05/2016</a:t>
             </a:fld>
             <a:endParaRPr lang="fr-FR"/>
           </a:p>
@@ -4414,7 +4414,7 @@
           <a:p>
             <a:fld id="{AA554A50-C167-4589-A808-5B9834C83F3A}" type="datetime1">
               <a:rPr lang="fr-FR" smtClean="0"/>
-              <a:t>29/05/2016</a:t>
+              <a:t>30/05/2016</a:t>
             </a:fld>
             <a:endParaRPr lang="fr-FR"/>
           </a:p>
@@ -4741,7 +4741,7 @@
           <a:p>
             <a:fld id="{D36CEEDF-DD54-4E6F-9549-6A6CA4A3BF45}" type="datetime1">
               <a:rPr lang="fr-FR" smtClean="0"/>
-              <a:t>29/05/2016</a:t>
+              <a:t>30/05/2016</a:t>
             </a:fld>
             <a:endParaRPr lang="fr-FR"/>
           </a:p>
@@ -4966,7 +4966,7 @@
           <a:p>
             <a:fld id="{29F77D22-9681-4254-BD8D-50EDB8FABFA3}" type="datetime1">
               <a:rPr lang="fr-FR" smtClean="0"/>
-              <a:t>29/05/2016</a:t>
+              <a:t>30/05/2016</a:t>
             </a:fld>
             <a:endParaRPr lang="fr-FR"/>
           </a:p>
@@ -5323,7 +5323,7 @@
           <a:p>
             <a:fld id="{2BE63D4A-25B0-43DB-ADF9-11DFCA1DE6B3}" type="datetime1">
               <a:rPr lang="fr-FR" smtClean="0"/>
-              <a:t>29/05/2016</a:t>
+              <a:t>30/05/2016</a:t>
             </a:fld>
             <a:endParaRPr lang="fr-FR"/>
           </a:p>
@@ -5560,7 +5560,7 @@
           <a:p>
             <a:fld id="{BB1EE583-9D6F-4FC5-81AB-E4E0B11488DB}" type="datetime1">
               <a:rPr lang="fr-FR" smtClean="0"/>
-              <a:t>29/05/2016</a:t>
+              <a:t>30/05/2016</a:t>
             </a:fld>
             <a:endParaRPr lang="fr-FR"/>
           </a:p>
@@ -5705,7 +5705,7 @@
           <a:p>
             <a:fld id="{ADA37242-F7A5-4270-A922-CA8DB649FA34}" type="datetime1">
               <a:rPr lang="fr-FR" smtClean="0"/>
-              <a:t>29/05/2016</a:t>
+              <a:t>30/05/2016</a:t>
             </a:fld>
             <a:endParaRPr lang="fr-FR"/>
           </a:p>
@@ -5987,7 +5987,7 @@
           <a:p>
             <a:fld id="{CF3D0D0F-79DC-4CC2-97A5-217437E35895}" type="datetime1">
               <a:rPr lang="fr-FR" smtClean="0"/>
-              <a:t>29/05/2016</a:t>
+              <a:t>30/05/2016</a:t>
             </a:fld>
             <a:endParaRPr lang="fr-FR"/>
           </a:p>
@@ -6399,7 +6399,7 @@
           <a:p>
             <a:fld id="{0134C7D6-272F-4200-BC74-C5527C571EBB}" type="datetime1">
               <a:rPr lang="fr-FR" smtClean="0"/>
-              <a:t>29/05/2016</a:t>
+              <a:t>30/05/2016</a:t>
             </a:fld>
             <a:endParaRPr lang="fr-FR"/>
           </a:p>
@@ -6742,7 +6742,7 @@
           <a:p>
             <a:fld id="{EBEC7BBB-73EA-4F4C-A390-AA5DBD5B46A9}" type="datetime1">
               <a:rPr lang="fr-FR" smtClean="0"/>
-              <a:t>29/05/2016</a:t>
+              <a:t>30/05/2016</a:t>
             </a:fld>
             <a:endParaRPr lang="fr-FR"/>
           </a:p>
@@ -7789,8 +7789,8 @@
           </a:p>
         </p:txBody>
       </p:sp>
-      <mc:AlternateContent xmlns:mc="http://schemas.openxmlformats.org/markup-compatibility/2006">
-        <mc:Choice xmlns:a14="http://schemas.microsoft.com/office/drawing/2010/main" Requires="a14">
+      <mc:AlternateContent xmlns:mc="http://schemas.openxmlformats.org/markup-compatibility/2006" xmlns:a14="http://schemas.microsoft.com/office/drawing/2010/main">
+        <mc:Choice Requires="a14">
           <p:sp>
             <p:nvSpPr>
               <p:cNvPr id="5" name="Espace réservé du contenu 4"/>
@@ -7978,7 +7978,7 @@
             </p:txBody>
           </p:sp>
         </mc:Choice>
-        <mc:Fallback>
+        <mc:Fallback xmlns="">
           <p:sp>
             <p:nvSpPr>
               <p:cNvPr id="5" name="Espace réservé du contenu 4"/>
@@ -9985,7 +9985,6 @@
               <a:rPr lang="fr-FR" dirty="0"/>
               <a:t>Calcul du débit instantané</a:t>
             </a:r>
-            <a:endParaRPr lang="fr-FR" dirty="0"/>
           </a:p>
         </p:txBody>
       </p:sp>
@@ -10036,8 +10035,8 @@
           </a:p>
         </p:txBody>
       </p:sp>
-      <mc:AlternateContent xmlns:mc="http://schemas.openxmlformats.org/markup-compatibility/2006" xmlns:a14="http://schemas.microsoft.com/office/drawing/2010/main">
-        <mc:Choice Requires="a14">
+      <mc:AlternateContent xmlns:mc="http://schemas.openxmlformats.org/markup-compatibility/2006">
+        <mc:Choice xmlns:a14="http://schemas.microsoft.com/office/drawing/2010/main" Requires="a14">
           <p:sp>
             <p:nvSpPr>
               <p:cNvPr id="5" name="Espace réservé du contenu 4"/>
@@ -10051,7 +10050,7 @@
             <p:spPr>
               <a:xfrm>
                 <a:off x="457200" y="1219200"/>
-                <a:ext cx="6347048" cy="4937760"/>
+                <a:ext cx="5266928" cy="4937760"/>
               </a:xfrm>
             </p:spPr>
             <p:txBody>
@@ -11444,7 +11443,7 @@
             </p:txBody>
           </p:sp>
         </mc:Choice>
-        <mc:Fallback xmlns="">
+        <mc:Fallback>
           <p:sp>
             <p:nvSpPr>
               <p:cNvPr id="5" name="Espace réservé du contenu 4"/>
@@ -11458,12 +11457,12 @@
             <p:spPr>
               <a:xfrm>
                 <a:off x="457200" y="1219200"/>
-                <a:ext cx="6347048" cy="4937760"/>
+                <a:ext cx="5266928" cy="4937760"/>
               </a:xfrm>
               <a:blipFill rotWithShape="1">
                 <a:blip r:embed="rId2"/>
                 <a:stretch>
-                  <a:fillRect l="-288" t="-1852"/>
+                  <a:fillRect l="-347" t="-1852"/>
                 </a:stretch>
               </a:blipFill>
             </p:spPr>
@@ -15310,8 +15309,8 @@
           </p:txBody>
         </p:sp>
       </p:grpSp>
-      <mc:AlternateContent xmlns:mc="http://schemas.openxmlformats.org/markup-compatibility/2006">
-        <mc:Choice xmlns:a14="http://schemas.microsoft.com/office/drawing/2010/main" Requires="a14">
+      <mc:AlternateContent xmlns:mc="http://schemas.openxmlformats.org/markup-compatibility/2006" xmlns:a14="http://schemas.microsoft.com/office/drawing/2010/main">
+        <mc:Choice Requires="a14">
           <p:sp>
             <p:nvSpPr>
               <p:cNvPr id="19" name="Espace réservé du contenu 4"/>
@@ -15772,7 +15771,7 @@
             </p:txBody>
           </p:sp>
         </mc:Choice>
-        <mc:Fallback>
+        <mc:Fallback xmlns="">
           <p:sp>
             <p:nvSpPr>
               <p:cNvPr id="19" name="Espace réservé du contenu 4"/>
@@ -16264,11 +16263,7 @@
             </a:br>
             <a:r>
               <a:rPr lang="fr-FR" dirty="0" smtClean="0"/>
-              <a:t>Temps </a:t>
-            </a:r>
-            <a:r>
-              <a:rPr lang="fr-FR" dirty="0" smtClean="0"/>
-              <a:t>de coupe d’une barre</a:t>
+              <a:t>Temps de coupe d’une barre</a:t>
             </a:r>
             <a:endParaRPr lang="fr-FR" dirty="0"/>
           </a:p>

--- a/Interrogation_SII/03_Cisaille hydraulique/ServoMoteur_CommandeVanne_Corrige.pptx
+++ b/Interrogation_SII/03_Cisaille hydraulique/ServoMoteur_CommandeVanne_Corrige.pptx
@@ -5,7 +5,7 @@
     <p:sldMasterId id="2147483684" r:id="rId1"/>
   </p:sldMasterIdLst>
   <p:notesMasterIdLst>
-    <p:notesMasterId r:id="rId16"/>
+    <p:notesMasterId r:id="rId18"/>
   </p:notesMasterIdLst>
   <p:sldIdLst>
     <p:sldId id="256" r:id="rId2"/>
@@ -21,7 +21,9 @@
     <p:sldId id="275" r:id="rId12"/>
     <p:sldId id="284" r:id="rId13"/>
     <p:sldId id="286" r:id="rId14"/>
-    <p:sldId id="282" r:id="rId15"/>
+    <p:sldId id="295" r:id="rId15"/>
+    <p:sldId id="282" r:id="rId16"/>
+    <p:sldId id="296" r:id="rId17"/>
   </p:sldIdLst>
   <p:sldSz cx="9144000" cy="6858000" type="screen4x3"/>
   <p:notesSz cx="6858000" cy="9144000"/>
@@ -138,7 +140,9 @@
             <p14:sldId id="275"/>
             <p14:sldId id="284"/>
             <p14:sldId id="286"/>
+            <p14:sldId id="295"/>
             <p14:sldId id="282"/>
+            <p14:sldId id="296"/>
           </p14:sldIdLst>
         </p14:section>
       </p14:sectionLst>
@@ -148,6 +152,788 @@
 </file>
 
 <file path=ppt/diagrams/colors1.xml><?xml version="1.0" encoding="utf-8"?>
+<dgm:colorsDef xmlns:dgm="http://schemas.openxmlformats.org/drawingml/2006/diagram" xmlns:a="http://schemas.openxmlformats.org/drawingml/2006/main" uniqueId="urn:microsoft.com/office/officeart/2005/8/colors/colorful2">
+  <dgm:title val=""/>
+  <dgm:desc val=""/>
+  <dgm:catLst>
+    <dgm:cat type="colorful" pri="10200"/>
+  </dgm:catLst>
+  <dgm:styleLbl name="node0">
+    <dgm:fillClrLst meth="repeat">
+      <a:schemeClr val="accent1"/>
+    </dgm:fillClrLst>
+    <dgm:linClrLst meth="repeat">
+      <a:schemeClr val="lt1"/>
+    </dgm:linClrLst>
+    <dgm:effectClrLst/>
+    <dgm:txLinClrLst/>
+    <dgm:txFillClrLst/>
+    <dgm:txEffectClrLst/>
+  </dgm:styleLbl>
+  <dgm:styleLbl name="node1">
+    <dgm:fillClrLst>
+      <a:schemeClr val="accent2"/>
+      <a:schemeClr val="accent3"/>
+    </dgm:fillClrLst>
+    <dgm:linClrLst meth="repeat">
+      <a:schemeClr val="lt1"/>
+    </dgm:linClrLst>
+    <dgm:effectClrLst/>
+    <dgm:txLinClrLst/>
+    <dgm:txFillClrLst/>
+    <dgm:txEffectClrLst/>
+  </dgm:styleLbl>
+  <dgm:styleLbl name="alignNode1">
+    <dgm:fillClrLst>
+      <a:schemeClr val="accent2"/>
+      <a:schemeClr val="accent3"/>
+    </dgm:fillClrLst>
+    <dgm:linClrLst>
+      <a:schemeClr val="accent2"/>
+      <a:schemeClr val="accent3"/>
+    </dgm:linClrLst>
+    <dgm:effectClrLst/>
+    <dgm:txLinClrLst/>
+    <dgm:txFillClrLst/>
+    <dgm:txEffectClrLst/>
+  </dgm:styleLbl>
+  <dgm:styleLbl name="lnNode1">
+    <dgm:fillClrLst>
+      <a:schemeClr val="accent2"/>
+      <a:schemeClr val="accent3"/>
+    </dgm:fillClrLst>
+    <dgm:linClrLst meth="repeat">
+      <a:schemeClr val="lt1"/>
+    </dgm:linClrLst>
+    <dgm:effectClrLst/>
+    <dgm:txLinClrLst/>
+    <dgm:txFillClrLst/>
+    <dgm:txEffectClrLst/>
+  </dgm:styleLbl>
+  <dgm:styleLbl name="vennNode1">
+    <dgm:fillClrLst>
+      <a:schemeClr val="accent2">
+        <a:alpha val="50000"/>
+      </a:schemeClr>
+      <a:schemeClr val="accent3">
+        <a:alpha val="50000"/>
+      </a:schemeClr>
+    </dgm:fillClrLst>
+    <dgm:linClrLst meth="repeat">
+      <a:schemeClr val="lt1"/>
+    </dgm:linClrLst>
+    <dgm:effectClrLst/>
+    <dgm:txLinClrLst/>
+    <dgm:txFillClrLst/>
+    <dgm:txEffectClrLst/>
+  </dgm:styleLbl>
+  <dgm:styleLbl name="node2">
+    <dgm:fillClrLst>
+      <a:schemeClr val="accent3"/>
+    </dgm:fillClrLst>
+    <dgm:linClrLst meth="repeat">
+      <a:schemeClr val="lt1"/>
+    </dgm:linClrLst>
+    <dgm:effectClrLst/>
+    <dgm:txLinClrLst/>
+    <dgm:txFillClrLst/>
+    <dgm:txEffectClrLst/>
+  </dgm:styleLbl>
+  <dgm:styleLbl name="node3">
+    <dgm:fillClrLst>
+      <a:schemeClr val="accent4"/>
+    </dgm:fillClrLst>
+    <dgm:linClrLst meth="repeat">
+      <a:schemeClr val="lt1"/>
+    </dgm:linClrLst>
+    <dgm:effectClrLst/>
+    <dgm:txLinClrLst/>
+    <dgm:txFillClrLst/>
+    <dgm:txEffectClrLst/>
+  </dgm:styleLbl>
+  <dgm:styleLbl name="node4">
+    <dgm:fillClrLst>
+      <a:schemeClr val="accent5"/>
+    </dgm:fillClrLst>
+    <dgm:linClrLst meth="repeat">
+      <a:schemeClr val="lt1"/>
+    </dgm:linClrLst>
+    <dgm:effectClrLst/>
+    <dgm:txLinClrLst/>
+    <dgm:txFillClrLst/>
+    <dgm:txEffectClrLst/>
+  </dgm:styleLbl>
+  <dgm:styleLbl name="fgImgPlace1">
+    <dgm:fillClrLst>
+      <a:schemeClr val="accent2">
+        <a:tint val="50000"/>
+      </a:schemeClr>
+      <a:schemeClr val="accent3">
+        <a:tint val="50000"/>
+      </a:schemeClr>
+    </dgm:fillClrLst>
+    <dgm:linClrLst meth="repeat">
+      <a:schemeClr val="lt1"/>
+    </dgm:linClrLst>
+    <dgm:effectClrLst/>
+    <dgm:txLinClrLst/>
+    <dgm:txFillClrLst meth="repeat">
+      <a:schemeClr val="lt1"/>
+    </dgm:txFillClrLst>
+    <dgm:txEffectClrLst/>
+  </dgm:styleLbl>
+  <dgm:styleLbl name="alignImgPlace1">
+    <dgm:fillClrLst>
+      <a:schemeClr val="accent2">
+        <a:tint val="50000"/>
+      </a:schemeClr>
+      <a:schemeClr val="accent3">
+        <a:tint val="20000"/>
+      </a:schemeClr>
+    </dgm:fillClrLst>
+    <dgm:linClrLst meth="repeat">
+      <a:schemeClr val="lt1"/>
+    </dgm:linClrLst>
+    <dgm:effectClrLst/>
+    <dgm:txLinClrLst/>
+    <dgm:txFillClrLst meth="repeat">
+      <a:schemeClr val="lt1"/>
+    </dgm:txFillClrLst>
+    <dgm:txEffectClrLst/>
+  </dgm:styleLbl>
+  <dgm:styleLbl name="bgImgPlace1">
+    <dgm:fillClrLst>
+      <a:schemeClr val="accent2">
+        <a:tint val="50000"/>
+      </a:schemeClr>
+      <a:schemeClr val="accent3">
+        <a:tint val="20000"/>
+      </a:schemeClr>
+    </dgm:fillClrLst>
+    <dgm:linClrLst meth="repeat">
+      <a:schemeClr val="lt1"/>
+    </dgm:linClrLst>
+    <dgm:effectClrLst/>
+    <dgm:txLinClrLst/>
+    <dgm:txFillClrLst meth="repeat">
+      <a:schemeClr val="lt1"/>
+    </dgm:txFillClrLst>
+    <dgm:txEffectClrLst/>
+  </dgm:styleLbl>
+  <dgm:styleLbl name="sibTrans2D1">
+    <dgm:fillClrLst>
+      <a:schemeClr val="accent2"/>
+      <a:schemeClr val="accent3"/>
+    </dgm:fillClrLst>
+    <dgm:linClrLst meth="repeat">
+      <a:schemeClr val="lt1"/>
+    </dgm:linClrLst>
+    <dgm:effectClrLst/>
+    <dgm:txLinClrLst/>
+    <dgm:txFillClrLst/>
+    <dgm:txEffectClrLst/>
+  </dgm:styleLbl>
+  <dgm:styleLbl name="fgSibTrans2D1">
+    <dgm:fillClrLst>
+      <a:schemeClr val="accent2"/>
+      <a:schemeClr val="accent3"/>
+    </dgm:fillClrLst>
+    <dgm:linClrLst meth="repeat">
+      <a:schemeClr val="lt1"/>
+    </dgm:linClrLst>
+    <dgm:effectClrLst/>
+    <dgm:txLinClrLst/>
+    <dgm:txFillClrLst meth="repeat">
+      <a:schemeClr val="lt1"/>
+    </dgm:txFillClrLst>
+    <dgm:txEffectClrLst/>
+  </dgm:styleLbl>
+  <dgm:styleLbl name="bgSibTrans2D1">
+    <dgm:fillClrLst>
+      <a:schemeClr val="accent2"/>
+      <a:schemeClr val="accent3"/>
+    </dgm:fillClrLst>
+    <dgm:linClrLst meth="repeat">
+      <a:schemeClr val="lt1"/>
+    </dgm:linClrLst>
+    <dgm:effectClrLst/>
+    <dgm:txLinClrLst/>
+    <dgm:txFillClrLst meth="repeat">
+      <a:schemeClr val="lt1"/>
+    </dgm:txFillClrLst>
+    <dgm:txEffectClrLst/>
+  </dgm:styleLbl>
+  <dgm:styleLbl name="sibTrans1D1">
+    <dgm:fillClrLst/>
+    <dgm:linClrLst>
+      <a:schemeClr val="accent2"/>
+      <a:schemeClr val="accent3"/>
+    </dgm:linClrLst>
+    <dgm:effectClrLst/>
+    <dgm:txLinClrLst/>
+    <dgm:txFillClrLst meth="repeat">
+      <a:schemeClr val="tx1"/>
+    </dgm:txFillClrLst>
+    <dgm:txEffectClrLst/>
+  </dgm:styleLbl>
+  <dgm:styleLbl name="callout">
+    <dgm:fillClrLst meth="repeat">
+      <a:schemeClr val="accent2"/>
+    </dgm:fillClrLst>
+    <dgm:linClrLst meth="repeat">
+      <a:schemeClr val="accent2">
+        <a:tint val="50000"/>
+      </a:schemeClr>
+    </dgm:linClrLst>
+    <dgm:effectClrLst/>
+    <dgm:txLinClrLst/>
+    <dgm:txFillClrLst meth="repeat">
+      <a:schemeClr val="tx1"/>
+    </dgm:txFillClrLst>
+    <dgm:txEffectClrLst/>
+  </dgm:styleLbl>
+  <dgm:styleLbl name="asst0">
+    <dgm:fillClrLst meth="repeat">
+      <a:schemeClr val="accent2"/>
+    </dgm:fillClrLst>
+    <dgm:linClrLst meth="repeat">
+      <a:schemeClr val="lt1">
+        <a:shade val="80000"/>
+      </a:schemeClr>
+    </dgm:linClrLst>
+    <dgm:effectClrLst/>
+    <dgm:txLinClrLst/>
+    <dgm:txFillClrLst/>
+    <dgm:txEffectClrLst/>
+  </dgm:styleLbl>
+  <dgm:styleLbl name="asst1">
+    <dgm:fillClrLst meth="repeat">
+      <a:schemeClr val="accent3"/>
+    </dgm:fillClrLst>
+    <dgm:linClrLst meth="repeat">
+      <a:schemeClr val="lt1">
+        <a:shade val="80000"/>
+      </a:schemeClr>
+    </dgm:linClrLst>
+    <dgm:effectClrLst/>
+    <dgm:txLinClrLst/>
+    <dgm:txFillClrLst/>
+    <dgm:txEffectClrLst/>
+  </dgm:styleLbl>
+  <dgm:styleLbl name="asst2">
+    <dgm:fillClrLst>
+      <a:schemeClr val="accent4"/>
+    </dgm:fillClrLst>
+    <dgm:linClrLst meth="repeat">
+      <a:schemeClr val="lt1"/>
+    </dgm:linClrLst>
+    <dgm:effectClrLst/>
+    <dgm:txLinClrLst/>
+    <dgm:txFillClrLst/>
+    <dgm:txEffectClrLst/>
+  </dgm:styleLbl>
+  <dgm:styleLbl name="asst3">
+    <dgm:fillClrLst>
+      <a:schemeClr val="accent5"/>
+    </dgm:fillClrLst>
+    <dgm:linClrLst meth="repeat">
+      <a:schemeClr val="lt1"/>
+    </dgm:linClrLst>
+    <dgm:effectClrLst/>
+    <dgm:txLinClrLst/>
+    <dgm:txFillClrLst/>
+    <dgm:txEffectClrLst/>
+  </dgm:styleLbl>
+  <dgm:styleLbl name="asst4">
+    <dgm:fillClrLst>
+      <a:schemeClr val="accent6"/>
+    </dgm:fillClrLst>
+    <dgm:linClrLst meth="repeat">
+      <a:schemeClr val="lt1"/>
+    </dgm:linClrLst>
+    <dgm:effectClrLst/>
+    <dgm:txLinClrLst/>
+    <dgm:txFillClrLst/>
+    <dgm:txEffectClrLst/>
+  </dgm:styleLbl>
+  <dgm:styleLbl name="parChTrans2D1">
+    <dgm:fillClrLst meth="repeat">
+      <a:schemeClr val="accent2"/>
+    </dgm:fillClrLst>
+    <dgm:linClrLst meth="repeat">
+      <a:schemeClr val="lt1"/>
+    </dgm:linClrLst>
+    <dgm:effectClrLst/>
+    <dgm:txLinClrLst/>
+    <dgm:txFillClrLst meth="repeat">
+      <a:schemeClr val="lt1"/>
+    </dgm:txFillClrLst>
+    <dgm:txEffectClrLst/>
+  </dgm:styleLbl>
+  <dgm:styleLbl name="parChTrans2D2">
+    <dgm:fillClrLst meth="repeat">
+      <a:schemeClr val="accent3"/>
+    </dgm:fillClrLst>
+    <dgm:linClrLst meth="repeat">
+      <a:schemeClr val="lt1"/>
+    </dgm:linClrLst>
+    <dgm:effectClrLst/>
+    <dgm:txLinClrLst/>
+    <dgm:txFillClrLst/>
+    <dgm:txEffectClrLst/>
+  </dgm:styleLbl>
+  <dgm:styleLbl name="parChTrans2D3">
+    <dgm:fillClrLst meth="repeat">
+      <a:schemeClr val="accent4"/>
+    </dgm:fillClrLst>
+    <dgm:linClrLst meth="repeat">
+      <a:schemeClr val="lt1"/>
+    </dgm:linClrLst>
+    <dgm:effectClrLst/>
+    <dgm:txLinClrLst/>
+    <dgm:txFillClrLst/>
+    <dgm:txEffectClrLst/>
+  </dgm:styleLbl>
+  <dgm:styleLbl name="parChTrans2D4">
+    <dgm:fillClrLst meth="repeat">
+      <a:schemeClr val="accent5"/>
+    </dgm:fillClrLst>
+    <dgm:linClrLst meth="repeat">
+      <a:schemeClr val="lt1"/>
+    </dgm:linClrLst>
+    <dgm:effectClrLst/>
+    <dgm:txLinClrLst/>
+    <dgm:txFillClrLst meth="repeat">
+      <a:schemeClr val="lt1"/>
+    </dgm:txFillClrLst>
+    <dgm:txEffectClrLst/>
+  </dgm:styleLbl>
+  <dgm:styleLbl name="parChTrans1D1">
+    <dgm:fillClrLst meth="repeat">
+      <a:schemeClr val="accent2"/>
+    </dgm:fillClrLst>
+    <dgm:linClrLst meth="repeat">
+      <a:schemeClr val="accent2"/>
+    </dgm:linClrLst>
+    <dgm:effectClrLst/>
+    <dgm:txLinClrLst/>
+    <dgm:txFillClrLst meth="repeat">
+      <a:schemeClr val="tx1"/>
+    </dgm:txFillClrLst>
+    <dgm:txEffectClrLst/>
+  </dgm:styleLbl>
+  <dgm:styleLbl name="parChTrans1D2">
+    <dgm:fillClrLst meth="repeat">
+      <a:schemeClr val="accent2">
+        <a:tint val="90000"/>
+      </a:schemeClr>
+    </dgm:fillClrLst>
+    <dgm:linClrLst meth="repeat">
+      <a:schemeClr val="accent3"/>
+    </dgm:linClrLst>
+    <dgm:effectClrLst/>
+    <dgm:txLinClrLst/>
+    <dgm:txFillClrLst meth="repeat">
+      <a:schemeClr val="tx1"/>
+    </dgm:txFillClrLst>
+    <dgm:txEffectClrLst/>
+  </dgm:styleLbl>
+  <dgm:styleLbl name="parChTrans1D3">
+    <dgm:fillClrLst meth="repeat">
+      <a:schemeClr val="accent2">
+        <a:tint val="70000"/>
+      </a:schemeClr>
+    </dgm:fillClrLst>
+    <dgm:linClrLst meth="repeat">
+      <a:schemeClr val="accent4"/>
+    </dgm:linClrLst>
+    <dgm:effectClrLst/>
+    <dgm:txLinClrLst/>
+    <dgm:txFillClrLst meth="repeat">
+      <a:schemeClr val="tx1"/>
+    </dgm:txFillClrLst>
+    <dgm:txEffectClrLst/>
+  </dgm:styleLbl>
+  <dgm:styleLbl name="parChTrans1D4">
+    <dgm:fillClrLst meth="repeat">
+      <a:schemeClr val="accent2">
+        <a:tint val="50000"/>
+      </a:schemeClr>
+    </dgm:fillClrLst>
+    <dgm:linClrLst meth="repeat">
+      <a:schemeClr val="accent5"/>
+    </dgm:linClrLst>
+    <dgm:effectClrLst/>
+    <dgm:txLinClrLst/>
+    <dgm:txFillClrLst meth="repeat">
+      <a:schemeClr val="tx1"/>
+    </dgm:txFillClrLst>
+    <dgm:txEffectClrLst/>
+  </dgm:styleLbl>
+  <dgm:styleLbl name="fgAcc1">
+    <dgm:fillClrLst meth="repeat">
+      <a:schemeClr val="lt1">
+        <a:alpha val="90000"/>
+      </a:schemeClr>
+    </dgm:fillClrLst>
+    <dgm:linClrLst>
+      <a:schemeClr val="accent2"/>
+      <a:schemeClr val="accent3"/>
+    </dgm:linClrLst>
+    <dgm:effectClrLst/>
+    <dgm:txLinClrLst/>
+    <dgm:txFillClrLst meth="repeat">
+      <a:schemeClr val="dk1"/>
+    </dgm:txFillClrLst>
+    <dgm:txEffectClrLst/>
+  </dgm:styleLbl>
+  <dgm:styleLbl name="conFgAcc1">
+    <dgm:fillClrLst meth="repeat">
+      <a:schemeClr val="lt1">
+        <a:alpha val="90000"/>
+      </a:schemeClr>
+    </dgm:fillClrLst>
+    <dgm:linClrLst>
+      <a:schemeClr val="accent2"/>
+      <a:schemeClr val="accent3"/>
+    </dgm:linClrLst>
+    <dgm:effectClrLst/>
+    <dgm:txLinClrLst/>
+    <dgm:txFillClrLst meth="repeat">
+      <a:schemeClr val="dk1"/>
+    </dgm:txFillClrLst>
+    <dgm:txEffectClrLst/>
+  </dgm:styleLbl>
+  <dgm:styleLbl name="alignAcc1">
+    <dgm:fillClrLst meth="repeat">
+      <a:schemeClr val="lt1">
+        <a:alpha val="90000"/>
+      </a:schemeClr>
+    </dgm:fillClrLst>
+    <dgm:linClrLst>
+      <a:schemeClr val="accent2"/>
+      <a:schemeClr val="accent3"/>
+    </dgm:linClrLst>
+    <dgm:effectClrLst/>
+    <dgm:txLinClrLst/>
+    <dgm:txFillClrLst meth="repeat">
+      <a:schemeClr val="dk1"/>
+    </dgm:txFillClrLst>
+    <dgm:txEffectClrLst/>
+  </dgm:styleLbl>
+  <dgm:styleLbl name="trAlignAcc1">
+    <dgm:fillClrLst meth="repeat">
+      <a:schemeClr val="lt1">
+        <a:alpha val="40000"/>
+      </a:schemeClr>
+    </dgm:fillClrLst>
+    <dgm:linClrLst meth="repeat">
+      <a:schemeClr val="accent2"/>
+    </dgm:linClrLst>
+    <dgm:effectClrLst/>
+    <dgm:txLinClrLst/>
+    <dgm:txFillClrLst meth="repeat">
+      <a:schemeClr val="dk1"/>
+    </dgm:txFillClrLst>
+    <dgm:txEffectClrLst/>
+  </dgm:styleLbl>
+  <dgm:styleLbl name="bgAcc1">
+    <dgm:fillClrLst meth="repeat">
+      <a:schemeClr val="lt1">
+        <a:alpha val="90000"/>
+      </a:schemeClr>
+    </dgm:fillClrLst>
+    <dgm:linClrLst>
+      <a:schemeClr val="accent2"/>
+      <a:schemeClr val="accent3"/>
+    </dgm:linClrLst>
+    <dgm:effectClrLst/>
+    <dgm:txLinClrLst/>
+    <dgm:txFillClrLst meth="repeat">
+      <a:schemeClr val="dk1"/>
+    </dgm:txFillClrLst>
+    <dgm:txEffectClrLst/>
+  </dgm:styleLbl>
+  <dgm:styleLbl name="solidFgAcc1">
+    <dgm:fillClrLst meth="repeat">
+      <a:schemeClr val="lt1"/>
+    </dgm:fillClrLst>
+    <dgm:linClrLst>
+      <a:schemeClr val="accent2"/>
+      <a:schemeClr val="accent3"/>
+    </dgm:linClrLst>
+    <dgm:effectClrLst/>
+    <dgm:txLinClrLst/>
+    <dgm:txFillClrLst meth="repeat">
+      <a:schemeClr val="dk1"/>
+    </dgm:txFillClrLst>
+    <dgm:txEffectClrLst/>
+  </dgm:styleLbl>
+  <dgm:styleLbl name="solidAlignAcc1">
+    <dgm:fillClrLst meth="repeat">
+      <a:schemeClr val="lt1"/>
+    </dgm:fillClrLst>
+    <dgm:linClrLst>
+      <a:schemeClr val="accent2"/>
+      <a:schemeClr val="accent3"/>
+    </dgm:linClrLst>
+    <dgm:effectClrLst/>
+    <dgm:txLinClrLst/>
+    <dgm:txFillClrLst meth="repeat">
+      <a:schemeClr val="dk1"/>
+    </dgm:txFillClrLst>
+    <dgm:txEffectClrLst/>
+  </dgm:styleLbl>
+  <dgm:styleLbl name="solidBgAcc1">
+    <dgm:fillClrLst meth="repeat">
+      <a:schemeClr val="lt1"/>
+    </dgm:fillClrLst>
+    <dgm:linClrLst>
+      <a:schemeClr val="accent2"/>
+      <a:schemeClr val="accent3"/>
+    </dgm:linClrLst>
+    <dgm:effectClrLst/>
+    <dgm:txLinClrLst/>
+    <dgm:txFillClrLst meth="repeat">
+      <a:schemeClr val="dk1"/>
+    </dgm:txFillClrLst>
+    <dgm:txEffectClrLst/>
+  </dgm:styleLbl>
+  <dgm:styleLbl name="fgAccFollowNode1">
+    <dgm:fillClrLst>
+      <a:schemeClr val="accent2">
+        <a:tint val="40000"/>
+        <a:alpha val="90000"/>
+      </a:schemeClr>
+      <a:schemeClr val="accent3">
+        <a:tint val="40000"/>
+        <a:alpha val="90000"/>
+      </a:schemeClr>
+    </dgm:fillClrLst>
+    <dgm:linClrLst>
+      <a:schemeClr val="accent2">
+        <a:tint val="40000"/>
+        <a:alpha val="90000"/>
+      </a:schemeClr>
+      <a:schemeClr val="accent3">
+        <a:tint val="40000"/>
+        <a:alpha val="90000"/>
+      </a:schemeClr>
+    </dgm:linClrLst>
+    <dgm:effectClrLst/>
+    <dgm:txLinClrLst/>
+    <dgm:txFillClrLst meth="repeat">
+      <a:schemeClr val="dk1"/>
+    </dgm:txFillClrLst>
+    <dgm:txEffectClrLst/>
+  </dgm:styleLbl>
+  <dgm:styleLbl name="alignAccFollowNode1">
+    <dgm:fillClrLst>
+      <a:schemeClr val="accent2">
+        <a:tint val="40000"/>
+        <a:alpha val="90000"/>
+      </a:schemeClr>
+      <a:schemeClr val="accent3">
+        <a:tint val="40000"/>
+        <a:alpha val="90000"/>
+      </a:schemeClr>
+    </dgm:fillClrLst>
+    <dgm:linClrLst>
+      <a:schemeClr val="accent2">
+        <a:tint val="40000"/>
+        <a:alpha val="90000"/>
+      </a:schemeClr>
+      <a:schemeClr val="accent3">
+        <a:tint val="40000"/>
+        <a:alpha val="90000"/>
+      </a:schemeClr>
+    </dgm:linClrLst>
+    <dgm:effectClrLst/>
+    <dgm:txLinClrLst/>
+    <dgm:txFillClrLst meth="repeat">
+      <a:schemeClr val="dk1"/>
+    </dgm:txFillClrLst>
+    <dgm:txEffectClrLst/>
+  </dgm:styleLbl>
+  <dgm:styleLbl name="bgAccFollowNode1">
+    <dgm:fillClrLst>
+      <a:schemeClr val="accent2">
+        <a:tint val="40000"/>
+        <a:alpha val="90000"/>
+      </a:schemeClr>
+      <a:schemeClr val="accent3">
+        <a:tint val="40000"/>
+        <a:alpha val="90000"/>
+      </a:schemeClr>
+    </dgm:fillClrLst>
+    <dgm:linClrLst>
+      <a:schemeClr val="accent2">
+        <a:tint val="40000"/>
+        <a:alpha val="90000"/>
+      </a:schemeClr>
+      <a:schemeClr val="accent3">
+        <a:tint val="40000"/>
+        <a:alpha val="90000"/>
+      </a:schemeClr>
+    </dgm:linClrLst>
+    <dgm:effectClrLst/>
+    <dgm:txLinClrLst/>
+    <dgm:txFillClrLst meth="repeat">
+      <a:schemeClr val="dk1"/>
+    </dgm:txFillClrLst>
+    <dgm:txEffectClrLst/>
+  </dgm:styleLbl>
+  <dgm:styleLbl name="fgAcc0">
+    <dgm:fillClrLst meth="repeat">
+      <a:schemeClr val="lt1">
+        <a:alpha val="90000"/>
+      </a:schemeClr>
+    </dgm:fillClrLst>
+    <dgm:linClrLst>
+      <a:schemeClr val="accent1"/>
+    </dgm:linClrLst>
+    <dgm:effectClrLst/>
+    <dgm:txLinClrLst/>
+    <dgm:txFillClrLst meth="repeat">
+      <a:schemeClr val="dk1"/>
+    </dgm:txFillClrLst>
+    <dgm:txEffectClrLst/>
+  </dgm:styleLbl>
+  <dgm:styleLbl name="fgAcc2">
+    <dgm:fillClrLst meth="repeat">
+      <a:schemeClr val="lt1">
+        <a:alpha val="90000"/>
+      </a:schemeClr>
+    </dgm:fillClrLst>
+    <dgm:linClrLst>
+      <a:schemeClr val="accent3"/>
+    </dgm:linClrLst>
+    <dgm:effectClrLst/>
+    <dgm:txLinClrLst/>
+    <dgm:txFillClrLst meth="repeat">
+      <a:schemeClr val="dk1"/>
+    </dgm:txFillClrLst>
+    <dgm:txEffectClrLst/>
+  </dgm:styleLbl>
+  <dgm:styleLbl name="fgAcc3">
+    <dgm:fillClrLst meth="repeat">
+      <a:schemeClr val="lt1">
+        <a:alpha val="90000"/>
+      </a:schemeClr>
+    </dgm:fillClrLst>
+    <dgm:linClrLst>
+      <a:schemeClr val="accent4"/>
+    </dgm:linClrLst>
+    <dgm:effectClrLst/>
+    <dgm:txLinClrLst/>
+    <dgm:txFillClrLst meth="repeat">
+      <a:schemeClr val="dk1"/>
+    </dgm:txFillClrLst>
+    <dgm:txEffectClrLst/>
+  </dgm:styleLbl>
+  <dgm:styleLbl name="fgAcc4">
+    <dgm:fillClrLst meth="repeat">
+      <a:schemeClr val="lt1">
+        <a:alpha val="90000"/>
+      </a:schemeClr>
+    </dgm:fillClrLst>
+    <dgm:linClrLst>
+      <a:schemeClr val="accent5"/>
+    </dgm:linClrLst>
+    <dgm:effectClrLst/>
+    <dgm:txLinClrLst/>
+    <dgm:txFillClrLst meth="repeat">
+      <a:schemeClr val="dk1"/>
+    </dgm:txFillClrLst>
+    <dgm:txEffectClrLst/>
+  </dgm:styleLbl>
+  <dgm:styleLbl name="bgShp">
+    <dgm:fillClrLst meth="repeat">
+      <a:schemeClr val="accent2">
+        <a:tint val="40000"/>
+      </a:schemeClr>
+    </dgm:fillClrLst>
+    <dgm:linClrLst meth="repeat">
+      <a:schemeClr val="dk1"/>
+    </dgm:linClrLst>
+    <dgm:effectClrLst/>
+    <dgm:txLinClrLst/>
+    <dgm:txFillClrLst meth="repeat">
+      <a:schemeClr val="dk1"/>
+    </dgm:txFillClrLst>
+    <dgm:txEffectClrLst/>
+  </dgm:styleLbl>
+  <dgm:styleLbl name="dkBgShp">
+    <dgm:fillClrLst meth="repeat">
+      <a:schemeClr val="accent2">
+        <a:shade val="90000"/>
+      </a:schemeClr>
+    </dgm:fillClrLst>
+    <dgm:linClrLst meth="repeat">
+      <a:schemeClr val="dk1"/>
+    </dgm:linClrLst>
+    <dgm:effectClrLst/>
+    <dgm:txLinClrLst/>
+    <dgm:txFillClrLst meth="repeat">
+      <a:schemeClr val="lt1"/>
+    </dgm:txFillClrLst>
+    <dgm:txEffectClrLst/>
+  </dgm:styleLbl>
+  <dgm:styleLbl name="trBgShp">
+    <dgm:fillClrLst meth="repeat">
+      <a:schemeClr val="accent2">
+        <a:tint val="50000"/>
+        <a:alpha val="40000"/>
+      </a:schemeClr>
+    </dgm:fillClrLst>
+    <dgm:linClrLst meth="repeat">
+      <a:schemeClr val="accent2"/>
+    </dgm:linClrLst>
+    <dgm:effectClrLst/>
+    <dgm:txLinClrLst/>
+    <dgm:txFillClrLst meth="repeat">
+      <a:schemeClr val="lt1"/>
+    </dgm:txFillClrLst>
+    <dgm:txEffectClrLst/>
+  </dgm:styleLbl>
+  <dgm:styleLbl name="fgShp">
+    <dgm:fillClrLst meth="repeat">
+      <a:schemeClr val="accent2">
+        <a:tint val="40000"/>
+      </a:schemeClr>
+    </dgm:fillClrLst>
+    <dgm:linClrLst meth="repeat">
+      <a:schemeClr val="lt1"/>
+    </dgm:linClrLst>
+    <dgm:effectClrLst/>
+    <dgm:txLinClrLst/>
+    <dgm:txFillClrLst meth="repeat">
+      <a:schemeClr val="dk1"/>
+    </dgm:txFillClrLst>
+    <dgm:txEffectClrLst/>
+  </dgm:styleLbl>
+  <dgm:styleLbl name="revTx">
+    <dgm:fillClrLst meth="repeat">
+      <a:schemeClr val="lt1">
+        <a:alpha val="0"/>
+      </a:schemeClr>
+    </dgm:fillClrLst>
+    <dgm:linClrLst meth="repeat">
+      <a:schemeClr val="dk1">
+        <a:alpha val="0"/>
+      </a:schemeClr>
+    </dgm:linClrLst>
+    <dgm:effectClrLst/>
+    <dgm:txLinClrLst/>
+    <dgm:txFillClrLst meth="repeat">
+      <a:schemeClr val="tx1"/>
+    </dgm:txFillClrLst>
+    <dgm:txEffectClrLst/>
+  </dgm:styleLbl>
+</dgm:colorsDef>
+</file>
+
+<file path=ppt/diagrams/colors2.xml><?xml version="1.0" encoding="utf-8"?>
 <dgm:colorsDef xmlns:dgm="http://schemas.openxmlformats.org/drawingml/2006/diagram" xmlns:a="http://schemas.openxmlformats.org/drawingml/2006/main" uniqueId="urn:microsoft.com/office/officeart/2005/8/colors/colorful2">
   <dgm:title val=""/>
   <dgm:desc val=""/>
@@ -958,7 +1744,7 @@
         <a:p>
           <a:r>
             <a:rPr lang="fr-FR" dirty="0" smtClean="0"/>
-            <a:t>Arbre</a:t>
+            <a:t>Bâti</a:t>
           </a:r>
           <a:endParaRPr lang="fr-FR" dirty="0"/>
         </a:p>
@@ -1001,14 +1787,9 @@
         <a:p>
           <a:r>
             <a:rPr lang="fr-FR" dirty="0" smtClean="0"/>
-            <a:t>Alliage d’acier</a:t>
+            <a:t>Fonte</a:t>
           </a:r>
-        </a:p>
-        <a:p>
-          <a:r>
-            <a:rPr lang="fr-FR" dirty="0" smtClean="0"/>
-            <a:t>(Acier faiblement allié)</a:t>
-          </a:r>
+          <a:endParaRPr lang="fr-FR" dirty="0" smtClean="0"/>
         </a:p>
       </dgm:t>
     </dgm:pt>
@@ -1049,7 +1830,7 @@
         <a:p>
           <a:r>
             <a:rPr lang="fr-FR" dirty="0" smtClean="0"/>
-            <a:t>Forge, Tournage et taille de engrenages</a:t>
+            <a:t>Moulage, Usinage</a:t>
           </a:r>
           <a:endParaRPr lang="fr-FR" dirty="0"/>
         </a:p>
@@ -1239,6 +2020,311 @@
 </dgm:dataModel>
 </file>
 
+<file path=ppt/diagrams/data2.xml><?xml version="1.0" encoding="utf-8"?>
+<dgm:dataModel xmlns:dgm="http://schemas.openxmlformats.org/drawingml/2006/diagram" xmlns:a="http://schemas.openxmlformats.org/drawingml/2006/main">
+  <dgm:ptLst>
+    <dgm:pt modelId="{283DB083-403A-43BD-9953-6DA365C84E73}" type="doc">
+      <dgm:prSet loTypeId="urn:microsoft.com/office/officeart/2005/8/layout/cycle7" loCatId="cycle" qsTypeId="urn:microsoft.com/office/officeart/2005/8/quickstyle/simple1" qsCatId="simple" csTypeId="urn:microsoft.com/office/officeart/2005/8/colors/colorful2" csCatId="colorful" phldr="1"/>
+      <dgm:spPr/>
+      <dgm:t>
+        <a:bodyPr/>
+        <a:lstStyle/>
+        <a:p>
+          <a:endParaRPr lang="fr-FR"/>
+        </a:p>
+      </dgm:t>
+    </dgm:pt>
+    <dgm:pt modelId="{889E61C5-87E9-44E0-96C0-0B37BB05807B}">
+      <dgm:prSet phldrT="[Texte]"/>
+      <dgm:spPr/>
+      <dgm:t>
+        <a:bodyPr/>
+        <a:lstStyle/>
+        <a:p>
+          <a:r>
+            <a:rPr lang="fr-FR" dirty="0" smtClean="0"/>
+            <a:t>Produit</a:t>
+          </a:r>
+        </a:p>
+        <a:p>
+          <a:r>
+            <a:rPr lang="fr-FR" dirty="0" smtClean="0"/>
+            <a:t>Couronne</a:t>
+          </a:r>
+          <a:endParaRPr lang="fr-FR" dirty="0"/>
+        </a:p>
+      </dgm:t>
+    </dgm:pt>
+    <dgm:pt modelId="{B5A52B65-C53D-46E7-B535-3FD734CD973F}" type="parTrans" cxnId="{8D4D2AF1-CDE2-4E2F-8E1B-2F5DD7A796EE}">
+      <dgm:prSet/>
+      <dgm:spPr/>
+      <dgm:t>
+        <a:bodyPr/>
+        <a:lstStyle/>
+        <a:p>
+          <a:endParaRPr lang="fr-FR"/>
+        </a:p>
+      </dgm:t>
+    </dgm:pt>
+    <dgm:pt modelId="{8CB68DB5-4CF3-47EA-AB98-C78A864A21DA}" type="sibTrans" cxnId="{8D4D2AF1-CDE2-4E2F-8E1B-2F5DD7A796EE}">
+      <dgm:prSet/>
+      <dgm:spPr/>
+      <dgm:t>
+        <a:bodyPr/>
+        <a:lstStyle/>
+        <a:p>
+          <a:endParaRPr lang="fr-FR"/>
+        </a:p>
+      </dgm:t>
+    </dgm:pt>
+    <dgm:pt modelId="{96E0484C-67B4-4749-8B74-1AADE0628658}">
+      <dgm:prSet phldrT="[Texte]"/>
+      <dgm:spPr/>
+      <dgm:t>
+        <a:bodyPr/>
+        <a:lstStyle/>
+        <a:p>
+          <a:r>
+            <a:rPr lang="fr-FR" dirty="0" smtClean="0"/>
+            <a:t>Matériau</a:t>
+          </a:r>
+        </a:p>
+        <a:p>
+          <a:r>
+            <a:rPr lang="fr-FR" dirty="0" smtClean="0"/>
+            <a:t>acier</a:t>
+          </a:r>
+          <a:endParaRPr lang="fr-FR" dirty="0" smtClean="0"/>
+        </a:p>
+      </dgm:t>
+    </dgm:pt>
+    <dgm:pt modelId="{39FBDC34-1A6C-4953-B476-DDD2C6B33208}" type="parTrans" cxnId="{C045638B-2181-4ADB-B541-E340E0A07277}">
+      <dgm:prSet/>
+      <dgm:spPr/>
+      <dgm:t>
+        <a:bodyPr/>
+        <a:lstStyle/>
+        <a:p>
+          <a:endParaRPr lang="fr-FR"/>
+        </a:p>
+      </dgm:t>
+    </dgm:pt>
+    <dgm:pt modelId="{EA50DF16-C41D-4EB8-A1FE-4AAA3F5F7A50}" type="sibTrans" cxnId="{C045638B-2181-4ADB-B541-E340E0A07277}">
+      <dgm:prSet/>
+      <dgm:spPr/>
+      <dgm:t>
+        <a:bodyPr/>
+        <a:lstStyle/>
+        <a:p>
+          <a:endParaRPr lang="fr-FR"/>
+        </a:p>
+      </dgm:t>
+    </dgm:pt>
+    <dgm:pt modelId="{9AC1648C-B74D-47CC-B859-8DF685D21F91}">
+      <dgm:prSet phldrT="[Texte]"/>
+      <dgm:spPr/>
+      <dgm:t>
+        <a:bodyPr/>
+        <a:lstStyle/>
+        <a:p>
+          <a:r>
+            <a:rPr lang="fr-FR" dirty="0" smtClean="0"/>
+            <a:t>Procédé</a:t>
+          </a:r>
+        </a:p>
+        <a:p>
+          <a:r>
+            <a:rPr lang="fr-FR" dirty="0" smtClean="0"/>
+            <a:t>Moulage, Usinage</a:t>
+          </a:r>
+          <a:endParaRPr lang="fr-FR" dirty="0"/>
+        </a:p>
+      </dgm:t>
+    </dgm:pt>
+    <dgm:pt modelId="{6AC5A8F9-33AE-4542-8907-2CE4AA83A906}" type="parTrans" cxnId="{BFF91679-F142-4314-BE86-FEBD5BBA3FD0}">
+      <dgm:prSet/>
+      <dgm:spPr/>
+      <dgm:t>
+        <a:bodyPr/>
+        <a:lstStyle/>
+        <a:p>
+          <a:endParaRPr lang="fr-FR"/>
+        </a:p>
+      </dgm:t>
+    </dgm:pt>
+    <dgm:pt modelId="{A3C1BFE6-1470-4509-B6AD-50DDFB3B531E}" type="sibTrans" cxnId="{BFF91679-F142-4314-BE86-FEBD5BBA3FD0}">
+      <dgm:prSet/>
+      <dgm:spPr/>
+      <dgm:t>
+        <a:bodyPr/>
+        <a:lstStyle/>
+        <a:p>
+          <a:endParaRPr lang="fr-FR"/>
+        </a:p>
+      </dgm:t>
+    </dgm:pt>
+    <dgm:pt modelId="{AAAE6746-212C-402C-AD65-4B5488CF96C6}" type="pres">
+      <dgm:prSet presAssocID="{283DB083-403A-43BD-9953-6DA365C84E73}" presName="Name0" presStyleCnt="0">
+        <dgm:presLayoutVars>
+          <dgm:dir/>
+          <dgm:resizeHandles val="exact"/>
+        </dgm:presLayoutVars>
+      </dgm:prSet>
+      <dgm:spPr/>
+      <dgm:t>
+        <a:bodyPr/>
+        <a:lstStyle/>
+        <a:p>
+          <a:endParaRPr lang="fr-FR"/>
+        </a:p>
+      </dgm:t>
+    </dgm:pt>
+    <dgm:pt modelId="{782C1BBA-34E8-45C8-8C23-3A526046787D}" type="pres">
+      <dgm:prSet presAssocID="{889E61C5-87E9-44E0-96C0-0B37BB05807B}" presName="node" presStyleLbl="node1" presStyleIdx="0" presStyleCnt="3">
+        <dgm:presLayoutVars>
+          <dgm:bulletEnabled val="1"/>
+        </dgm:presLayoutVars>
+      </dgm:prSet>
+      <dgm:spPr/>
+      <dgm:t>
+        <a:bodyPr/>
+        <a:lstStyle/>
+        <a:p>
+          <a:endParaRPr lang="fr-FR"/>
+        </a:p>
+      </dgm:t>
+    </dgm:pt>
+    <dgm:pt modelId="{76BFC082-0D12-48CB-A1E3-FF662367BFEF}" type="pres">
+      <dgm:prSet presAssocID="{8CB68DB5-4CF3-47EA-AB98-C78A864A21DA}" presName="sibTrans" presStyleLbl="sibTrans2D1" presStyleIdx="0" presStyleCnt="3"/>
+      <dgm:spPr/>
+      <dgm:t>
+        <a:bodyPr/>
+        <a:lstStyle/>
+        <a:p>
+          <a:endParaRPr lang="fr-FR"/>
+        </a:p>
+      </dgm:t>
+    </dgm:pt>
+    <dgm:pt modelId="{67822D11-0DBE-4A43-B6DA-4F64539F4B3F}" type="pres">
+      <dgm:prSet presAssocID="{8CB68DB5-4CF3-47EA-AB98-C78A864A21DA}" presName="connectorText" presStyleLbl="sibTrans2D1" presStyleIdx="0" presStyleCnt="3"/>
+      <dgm:spPr/>
+      <dgm:t>
+        <a:bodyPr/>
+        <a:lstStyle/>
+        <a:p>
+          <a:endParaRPr lang="fr-FR"/>
+        </a:p>
+      </dgm:t>
+    </dgm:pt>
+    <dgm:pt modelId="{BBBE7AF0-8599-4CC9-8E61-B532C2CECBE2}" type="pres">
+      <dgm:prSet presAssocID="{96E0484C-67B4-4749-8B74-1AADE0628658}" presName="node" presStyleLbl="node1" presStyleIdx="1" presStyleCnt="3">
+        <dgm:presLayoutVars>
+          <dgm:bulletEnabled val="1"/>
+        </dgm:presLayoutVars>
+      </dgm:prSet>
+      <dgm:spPr/>
+      <dgm:t>
+        <a:bodyPr/>
+        <a:lstStyle/>
+        <a:p>
+          <a:endParaRPr lang="fr-FR"/>
+        </a:p>
+      </dgm:t>
+    </dgm:pt>
+    <dgm:pt modelId="{45C1B289-5A21-4763-AC95-707E965FFA47}" type="pres">
+      <dgm:prSet presAssocID="{EA50DF16-C41D-4EB8-A1FE-4AAA3F5F7A50}" presName="sibTrans" presStyleLbl="sibTrans2D1" presStyleIdx="1" presStyleCnt="3"/>
+      <dgm:spPr/>
+      <dgm:t>
+        <a:bodyPr/>
+        <a:lstStyle/>
+        <a:p>
+          <a:endParaRPr lang="fr-FR"/>
+        </a:p>
+      </dgm:t>
+    </dgm:pt>
+    <dgm:pt modelId="{C516C55C-D9DC-4DF6-9CF8-5EBB415D46BE}" type="pres">
+      <dgm:prSet presAssocID="{EA50DF16-C41D-4EB8-A1FE-4AAA3F5F7A50}" presName="connectorText" presStyleLbl="sibTrans2D1" presStyleIdx="1" presStyleCnt="3"/>
+      <dgm:spPr/>
+      <dgm:t>
+        <a:bodyPr/>
+        <a:lstStyle/>
+        <a:p>
+          <a:endParaRPr lang="fr-FR"/>
+        </a:p>
+      </dgm:t>
+    </dgm:pt>
+    <dgm:pt modelId="{395B7A00-5D35-4721-9064-E9BD669D3296}" type="pres">
+      <dgm:prSet presAssocID="{9AC1648C-B74D-47CC-B859-8DF685D21F91}" presName="node" presStyleLbl="node1" presStyleIdx="2" presStyleCnt="3">
+        <dgm:presLayoutVars>
+          <dgm:bulletEnabled val="1"/>
+        </dgm:presLayoutVars>
+      </dgm:prSet>
+      <dgm:spPr/>
+      <dgm:t>
+        <a:bodyPr/>
+        <a:lstStyle/>
+        <a:p>
+          <a:endParaRPr lang="fr-FR"/>
+        </a:p>
+      </dgm:t>
+    </dgm:pt>
+    <dgm:pt modelId="{FB6B6323-0F21-4770-9EC5-055D8145946E}" type="pres">
+      <dgm:prSet presAssocID="{A3C1BFE6-1470-4509-B6AD-50DDFB3B531E}" presName="sibTrans" presStyleLbl="sibTrans2D1" presStyleIdx="2" presStyleCnt="3"/>
+      <dgm:spPr/>
+      <dgm:t>
+        <a:bodyPr/>
+        <a:lstStyle/>
+        <a:p>
+          <a:endParaRPr lang="fr-FR"/>
+        </a:p>
+      </dgm:t>
+    </dgm:pt>
+    <dgm:pt modelId="{D587B6C8-ED32-4D66-8968-D1E96EC38832}" type="pres">
+      <dgm:prSet presAssocID="{A3C1BFE6-1470-4509-B6AD-50DDFB3B531E}" presName="connectorText" presStyleLbl="sibTrans2D1" presStyleIdx="2" presStyleCnt="3"/>
+      <dgm:spPr/>
+      <dgm:t>
+        <a:bodyPr/>
+        <a:lstStyle/>
+        <a:p>
+          <a:endParaRPr lang="fr-FR"/>
+        </a:p>
+      </dgm:t>
+    </dgm:pt>
+  </dgm:ptLst>
+  <dgm:cxnLst>
+    <dgm:cxn modelId="{69CD14BD-5573-4650-8524-56467319A0D2}" type="presOf" srcId="{8CB68DB5-4CF3-47EA-AB98-C78A864A21DA}" destId="{76BFC082-0D12-48CB-A1E3-FF662367BFEF}" srcOrd="0" destOrd="0" presId="urn:microsoft.com/office/officeart/2005/8/layout/cycle7"/>
+    <dgm:cxn modelId="{DB1BE0F3-92B9-4F52-9AFC-5C72E25EDB84}" type="presOf" srcId="{283DB083-403A-43BD-9953-6DA365C84E73}" destId="{AAAE6746-212C-402C-AD65-4B5488CF96C6}" srcOrd="0" destOrd="0" presId="urn:microsoft.com/office/officeart/2005/8/layout/cycle7"/>
+    <dgm:cxn modelId="{BF7EE873-4EE9-4747-B0D0-79DF324ECA72}" type="presOf" srcId="{9AC1648C-B74D-47CC-B859-8DF685D21F91}" destId="{395B7A00-5D35-4721-9064-E9BD669D3296}" srcOrd="0" destOrd="0" presId="urn:microsoft.com/office/officeart/2005/8/layout/cycle7"/>
+    <dgm:cxn modelId="{F1595BAD-3367-46D8-915D-0DE660FCED87}" type="presOf" srcId="{A3C1BFE6-1470-4509-B6AD-50DDFB3B531E}" destId="{D587B6C8-ED32-4D66-8968-D1E96EC38832}" srcOrd="1" destOrd="0" presId="urn:microsoft.com/office/officeart/2005/8/layout/cycle7"/>
+    <dgm:cxn modelId="{C045638B-2181-4ADB-B541-E340E0A07277}" srcId="{283DB083-403A-43BD-9953-6DA365C84E73}" destId="{96E0484C-67B4-4749-8B74-1AADE0628658}" srcOrd="1" destOrd="0" parTransId="{39FBDC34-1A6C-4953-B476-DDD2C6B33208}" sibTransId="{EA50DF16-C41D-4EB8-A1FE-4AAA3F5F7A50}"/>
+    <dgm:cxn modelId="{04F867A4-3FE3-4B44-9169-3625EDB09A62}" type="presOf" srcId="{A3C1BFE6-1470-4509-B6AD-50DDFB3B531E}" destId="{FB6B6323-0F21-4770-9EC5-055D8145946E}" srcOrd="0" destOrd="0" presId="urn:microsoft.com/office/officeart/2005/8/layout/cycle7"/>
+    <dgm:cxn modelId="{BFF91679-F142-4314-BE86-FEBD5BBA3FD0}" srcId="{283DB083-403A-43BD-9953-6DA365C84E73}" destId="{9AC1648C-B74D-47CC-B859-8DF685D21F91}" srcOrd="2" destOrd="0" parTransId="{6AC5A8F9-33AE-4542-8907-2CE4AA83A906}" sibTransId="{A3C1BFE6-1470-4509-B6AD-50DDFB3B531E}"/>
+    <dgm:cxn modelId="{68115635-D81F-41B9-B847-28C075DF6DA7}" type="presOf" srcId="{96E0484C-67B4-4749-8B74-1AADE0628658}" destId="{BBBE7AF0-8599-4CC9-8E61-B532C2CECBE2}" srcOrd="0" destOrd="0" presId="urn:microsoft.com/office/officeart/2005/8/layout/cycle7"/>
+    <dgm:cxn modelId="{947C9843-25AE-4DA5-8384-6C713E0B7CE6}" type="presOf" srcId="{8CB68DB5-4CF3-47EA-AB98-C78A864A21DA}" destId="{67822D11-0DBE-4A43-B6DA-4F64539F4B3F}" srcOrd="1" destOrd="0" presId="urn:microsoft.com/office/officeart/2005/8/layout/cycle7"/>
+    <dgm:cxn modelId="{BE457F0E-777D-45DD-B847-A6421AD9AB36}" type="presOf" srcId="{EA50DF16-C41D-4EB8-A1FE-4AAA3F5F7A50}" destId="{C516C55C-D9DC-4DF6-9CF8-5EBB415D46BE}" srcOrd="1" destOrd="0" presId="urn:microsoft.com/office/officeart/2005/8/layout/cycle7"/>
+    <dgm:cxn modelId="{8D4D2AF1-CDE2-4E2F-8E1B-2F5DD7A796EE}" srcId="{283DB083-403A-43BD-9953-6DA365C84E73}" destId="{889E61C5-87E9-44E0-96C0-0B37BB05807B}" srcOrd="0" destOrd="0" parTransId="{B5A52B65-C53D-46E7-B535-3FD734CD973F}" sibTransId="{8CB68DB5-4CF3-47EA-AB98-C78A864A21DA}"/>
+    <dgm:cxn modelId="{6494C6A7-75F4-4D2C-8839-8FDFD49BC7EC}" type="presOf" srcId="{EA50DF16-C41D-4EB8-A1FE-4AAA3F5F7A50}" destId="{45C1B289-5A21-4763-AC95-707E965FFA47}" srcOrd="0" destOrd="0" presId="urn:microsoft.com/office/officeart/2005/8/layout/cycle7"/>
+    <dgm:cxn modelId="{3DCA5B48-4A52-4C27-BFEE-D5547689AF31}" type="presOf" srcId="{889E61C5-87E9-44E0-96C0-0B37BB05807B}" destId="{782C1BBA-34E8-45C8-8C23-3A526046787D}" srcOrd="0" destOrd="0" presId="urn:microsoft.com/office/officeart/2005/8/layout/cycle7"/>
+    <dgm:cxn modelId="{4EE8AA04-F094-4DFC-818B-68767B624D44}" type="presParOf" srcId="{AAAE6746-212C-402C-AD65-4B5488CF96C6}" destId="{782C1BBA-34E8-45C8-8C23-3A526046787D}" srcOrd="0" destOrd="0" presId="urn:microsoft.com/office/officeart/2005/8/layout/cycle7"/>
+    <dgm:cxn modelId="{08398498-CE04-4826-936F-A145F3B01C99}" type="presParOf" srcId="{AAAE6746-212C-402C-AD65-4B5488CF96C6}" destId="{76BFC082-0D12-48CB-A1E3-FF662367BFEF}" srcOrd="1" destOrd="0" presId="urn:microsoft.com/office/officeart/2005/8/layout/cycle7"/>
+    <dgm:cxn modelId="{B34DF7E2-37D8-400F-BE2E-128115201255}" type="presParOf" srcId="{76BFC082-0D12-48CB-A1E3-FF662367BFEF}" destId="{67822D11-0DBE-4A43-B6DA-4F64539F4B3F}" srcOrd="0" destOrd="0" presId="urn:microsoft.com/office/officeart/2005/8/layout/cycle7"/>
+    <dgm:cxn modelId="{BB230AB2-8FAF-48D2-AC47-9DEACB97DB95}" type="presParOf" srcId="{AAAE6746-212C-402C-AD65-4B5488CF96C6}" destId="{BBBE7AF0-8599-4CC9-8E61-B532C2CECBE2}" srcOrd="2" destOrd="0" presId="urn:microsoft.com/office/officeart/2005/8/layout/cycle7"/>
+    <dgm:cxn modelId="{CD709C08-1097-4741-801B-9D4893B67999}" type="presParOf" srcId="{AAAE6746-212C-402C-AD65-4B5488CF96C6}" destId="{45C1B289-5A21-4763-AC95-707E965FFA47}" srcOrd="3" destOrd="0" presId="urn:microsoft.com/office/officeart/2005/8/layout/cycle7"/>
+    <dgm:cxn modelId="{A3EBA225-2584-4D75-B5FF-C9FB522E126D}" type="presParOf" srcId="{45C1B289-5A21-4763-AC95-707E965FFA47}" destId="{C516C55C-D9DC-4DF6-9CF8-5EBB415D46BE}" srcOrd="0" destOrd="0" presId="urn:microsoft.com/office/officeart/2005/8/layout/cycle7"/>
+    <dgm:cxn modelId="{6B7E2EA3-8CF0-4EAC-87FF-7FD86E04A324}" type="presParOf" srcId="{AAAE6746-212C-402C-AD65-4B5488CF96C6}" destId="{395B7A00-5D35-4721-9064-E9BD669D3296}" srcOrd="4" destOrd="0" presId="urn:microsoft.com/office/officeart/2005/8/layout/cycle7"/>
+    <dgm:cxn modelId="{3A6A0100-73FB-4969-A554-0E3767F1EF27}" type="presParOf" srcId="{AAAE6746-212C-402C-AD65-4B5488CF96C6}" destId="{FB6B6323-0F21-4770-9EC5-055D8145946E}" srcOrd="5" destOrd="0" presId="urn:microsoft.com/office/officeart/2005/8/layout/cycle7"/>
+    <dgm:cxn modelId="{D15872EA-51C6-4E43-A3F3-E38E07049878}" type="presParOf" srcId="{FB6B6323-0F21-4770-9EC5-055D8145946E}" destId="{D587B6C8-ED32-4D66-8968-D1E96EC38832}" srcOrd="0" destOrd="0" presId="urn:microsoft.com/office/officeart/2005/8/layout/cycle7"/>
+  </dgm:cxnLst>
+  <dgm:bg/>
+  <dgm:whole/>
+  <dgm:extLst>
+    <a:ext uri="http://schemas.microsoft.com/office/drawing/2008/diagram">
+      <dsp:dataModelExt xmlns:dsp="http://schemas.microsoft.com/office/drawing/2008/diagram" relId="rId6" minVer="http://schemas.openxmlformats.org/drawingml/2006/diagram"/>
+    </a:ext>
+  </dgm:extLst>
+</dgm:dataModel>
+</file>
+
 <file path=ppt/diagrams/drawing1.xml><?xml version="1.0" encoding="utf-8"?>
 <dsp:drawing xmlns:dgm="http://schemas.openxmlformats.org/drawingml/2006/diagram" xmlns:dsp="http://schemas.microsoft.com/office/drawing/2008/diagram" xmlns:a="http://schemas.openxmlformats.org/drawingml/2006/main">
   <dsp:spTree>
@@ -1298,12 +2384,12 @@
         </a:fontRef>
       </dsp:style>
       <dsp:txBody>
-        <a:bodyPr spcFirstLastPara="0" vert="horz" wrap="square" lIns="38100" tIns="38100" rIns="38100" bIns="38100" numCol="1" spcCol="1270" anchor="ctr" anchorCtr="0">
+        <a:bodyPr spcFirstLastPara="0" vert="horz" wrap="square" lIns="49530" tIns="49530" rIns="49530" bIns="49530" numCol="1" spcCol="1270" anchor="ctr" anchorCtr="0">
           <a:noAutofit/>
         </a:bodyPr>
         <a:lstStyle/>
         <a:p>
-          <a:pPr lvl="0" algn="ctr" defTabSz="444500">
+          <a:pPr lvl="0" algn="ctr" defTabSz="577850">
             <a:lnSpc>
               <a:spcPct val="90000"/>
             </a:lnSpc>
@@ -1315,12 +2401,12 @@
             </a:spcAft>
           </a:pPr>
           <a:r>
-            <a:rPr lang="fr-FR" sz="1000" kern="1200" dirty="0" smtClean="0"/>
+            <a:rPr lang="fr-FR" sz="1300" kern="1200" dirty="0" smtClean="0"/>
             <a:t>Produit</a:t>
           </a:r>
         </a:p>
         <a:p>
-          <a:pPr lvl="0" algn="ctr" defTabSz="444500">
+          <a:pPr lvl="0" algn="ctr" defTabSz="577850">
             <a:lnSpc>
               <a:spcPct val="90000"/>
             </a:lnSpc>
@@ -1332,10 +2418,10 @@
             </a:spcAft>
           </a:pPr>
           <a:r>
-            <a:rPr lang="fr-FR" sz="1000" kern="1200" dirty="0" smtClean="0"/>
-            <a:t>Arbre</a:t>
+            <a:rPr lang="fr-FR" sz="1300" kern="1200" dirty="0" smtClean="0"/>
+            <a:t>Bâti</a:t>
           </a:r>
-          <a:endParaRPr lang="fr-FR" sz="1000" kern="1200" dirty="0"/>
+          <a:endParaRPr lang="fr-FR" sz="1300" kern="1200" dirty="0"/>
         </a:p>
       </dsp:txBody>
       <dsp:txXfrm>
@@ -1392,7 +2478,7 @@
         </a:bodyPr>
         <a:lstStyle/>
         <a:p>
-          <a:pPr lvl="0" algn="ctr" defTabSz="355600">
+          <a:pPr lvl="0" algn="ctr" defTabSz="444500">
             <a:lnSpc>
               <a:spcPct val="90000"/>
             </a:lnSpc>
@@ -1403,7 +2489,7 @@
               <a:spcPct val="35000"/>
             </a:spcAft>
           </a:pPr>
-          <a:endParaRPr lang="fr-FR" sz="800" kern="1200"/>
+          <a:endParaRPr lang="fr-FR" sz="1000" kern="1200"/>
         </a:p>
       </dsp:txBody>
       <dsp:txXfrm>
@@ -1462,12 +2548,12 @@
         </a:fontRef>
       </dsp:style>
       <dsp:txBody>
-        <a:bodyPr spcFirstLastPara="0" vert="horz" wrap="square" lIns="38100" tIns="38100" rIns="38100" bIns="38100" numCol="1" spcCol="1270" anchor="ctr" anchorCtr="0">
+        <a:bodyPr spcFirstLastPara="0" vert="horz" wrap="square" lIns="49530" tIns="49530" rIns="49530" bIns="49530" numCol="1" spcCol="1270" anchor="ctr" anchorCtr="0">
           <a:noAutofit/>
         </a:bodyPr>
         <a:lstStyle/>
         <a:p>
-          <a:pPr lvl="0" algn="ctr" defTabSz="444500">
+          <a:pPr lvl="0" algn="ctr" defTabSz="577850">
             <a:lnSpc>
               <a:spcPct val="90000"/>
             </a:lnSpc>
@@ -1479,12 +2565,12 @@
             </a:spcAft>
           </a:pPr>
           <a:r>
-            <a:rPr lang="fr-FR" sz="1000" kern="1200" dirty="0" smtClean="0"/>
+            <a:rPr lang="fr-FR" sz="1300" kern="1200" dirty="0" smtClean="0"/>
             <a:t>Matériau</a:t>
           </a:r>
         </a:p>
         <a:p>
-          <a:pPr lvl="0" algn="ctr" defTabSz="444500">
+          <a:pPr lvl="0" algn="ctr" defTabSz="577850">
             <a:lnSpc>
               <a:spcPct val="90000"/>
             </a:lnSpc>
@@ -1496,26 +2582,10 @@
             </a:spcAft>
           </a:pPr>
           <a:r>
-            <a:rPr lang="fr-FR" sz="1000" kern="1200" dirty="0" smtClean="0"/>
-            <a:t>Alliage d’acier</a:t>
+            <a:rPr lang="fr-FR" sz="1300" kern="1200" dirty="0" smtClean="0"/>
+            <a:t>Fonte</a:t>
           </a:r>
-        </a:p>
-        <a:p>
-          <a:pPr lvl="0" algn="ctr" defTabSz="444500">
-            <a:lnSpc>
-              <a:spcPct val="90000"/>
-            </a:lnSpc>
-            <a:spcBef>
-              <a:spcPct val="0"/>
-            </a:spcBef>
-            <a:spcAft>
-              <a:spcPct val="35000"/>
-            </a:spcAft>
-          </a:pPr>
-          <a:r>
-            <a:rPr lang="fr-FR" sz="1000" kern="1200" dirty="0" smtClean="0"/>
-            <a:t>(Acier faiblement allié)</a:t>
-          </a:r>
+          <a:endParaRPr lang="fr-FR" sz="1300" kern="1200" dirty="0" smtClean="0"/>
         </a:p>
       </dsp:txBody>
       <dsp:txXfrm>
@@ -1572,7 +2642,7 @@
         </a:bodyPr>
         <a:lstStyle/>
         <a:p>
-          <a:pPr lvl="0" algn="ctr" defTabSz="355600">
+          <a:pPr lvl="0" algn="ctr" defTabSz="444500">
             <a:lnSpc>
               <a:spcPct val="90000"/>
             </a:lnSpc>
@@ -1583,7 +2653,7 @@
               <a:spcPct val="35000"/>
             </a:spcAft>
           </a:pPr>
-          <a:endParaRPr lang="fr-FR" sz="800" kern="1200"/>
+          <a:endParaRPr lang="fr-FR" sz="1000" kern="1200"/>
         </a:p>
       </dsp:txBody>
       <dsp:txXfrm rot="10800000">
@@ -1642,12 +2712,12 @@
         </a:fontRef>
       </dsp:style>
       <dsp:txBody>
-        <a:bodyPr spcFirstLastPara="0" vert="horz" wrap="square" lIns="38100" tIns="38100" rIns="38100" bIns="38100" numCol="1" spcCol="1270" anchor="ctr" anchorCtr="0">
+        <a:bodyPr spcFirstLastPara="0" vert="horz" wrap="square" lIns="49530" tIns="49530" rIns="49530" bIns="49530" numCol="1" spcCol="1270" anchor="ctr" anchorCtr="0">
           <a:noAutofit/>
         </a:bodyPr>
         <a:lstStyle/>
         <a:p>
-          <a:pPr lvl="0" algn="ctr" defTabSz="444500">
+          <a:pPr lvl="0" algn="ctr" defTabSz="577850">
             <a:lnSpc>
               <a:spcPct val="90000"/>
             </a:lnSpc>
@@ -1659,12 +2729,12 @@
             </a:spcAft>
           </a:pPr>
           <a:r>
-            <a:rPr lang="fr-FR" sz="1000" kern="1200" dirty="0" smtClean="0"/>
+            <a:rPr lang="fr-FR" sz="1300" kern="1200" dirty="0" smtClean="0"/>
             <a:t>Procédé</a:t>
           </a:r>
         </a:p>
         <a:p>
-          <a:pPr lvl="0" algn="ctr" defTabSz="444500">
+          <a:pPr lvl="0" algn="ctr" defTabSz="577850">
             <a:lnSpc>
               <a:spcPct val="90000"/>
             </a:lnSpc>
@@ -1676,10 +2746,10 @@
             </a:spcAft>
           </a:pPr>
           <a:r>
-            <a:rPr lang="fr-FR" sz="1000" kern="1200" dirty="0" smtClean="0"/>
-            <a:t>Forge, Tournage et taille de engrenages</a:t>
+            <a:rPr lang="fr-FR" sz="1300" kern="1200" dirty="0" smtClean="0"/>
+            <a:t>Moulage, Usinage</a:t>
           </a:r>
-          <a:endParaRPr lang="fr-FR" sz="1000" kern="1200" dirty="0"/>
+          <a:endParaRPr lang="fr-FR" sz="1300" kern="1200" dirty="0"/>
         </a:p>
       </dsp:txBody>
       <dsp:txXfrm>
@@ -1736,7 +2806,7 @@
         </a:bodyPr>
         <a:lstStyle/>
         <a:p>
-          <a:pPr lvl="0" algn="ctr" defTabSz="355600">
+          <a:pPr lvl="0" algn="ctr" defTabSz="444500">
             <a:lnSpc>
               <a:spcPct val="90000"/>
             </a:lnSpc>
@@ -1747,7 +2817,511 @@
               <a:spcPct val="35000"/>
             </a:spcAft>
           </a:pPr>
-          <a:endParaRPr lang="fr-FR" sz="800" kern="1200"/>
+          <a:endParaRPr lang="fr-FR" sz="1000" kern="1200"/>
+        </a:p>
+      </dsp:txBody>
+      <dsp:txXfrm>
+        <a:off x="1154225" y="1232011"/>
+        <a:ext cx="560889" cy="141734"/>
+      </dsp:txXfrm>
+    </dsp:sp>
+  </dsp:spTree>
+</dsp:drawing>
+</file>
+
+<file path=ppt/diagrams/drawing2.xml><?xml version="1.0" encoding="utf-8"?>
+<dsp:drawing xmlns:dgm="http://schemas.openxmlformats.org/drawingml/2006/diagram" xmlns:dsp="http://schemas.microsoft.com/office/drawing/2008/diagram" xmlns:a="http://schemas.openxmlformats.org/drawingml/2006/main">
+  <dsp:spTree>
+    <dsp:nvGrpSpPr>
+      <dsp:cNvPr id="0" name=""/>
+      <dsp:cNvGrpSpPr/>
+    </dsp:nvGrpSpPr>
+    <dsp:grpSpPr/>
+    <dsp:sp modelId="{782C1BBA-34E8-45C8-8C23-3A526046787D}">
+      <dsp:nvSpPr>
+        <dsp:cNvPr id="0" name=""/>
+        <dsp:cNvSpPr/>
+      </dsp:nvSpPr>
+      <dsp:spPr>
+        <a:xfrm>
+          <a:off x="1316778" y="611"/>
+          <a:ext cx="1349844" cy="674922"/>
+        </a:xfrm>
+        <a:prstGeom prst="roundRect">
+          <a:avLst>
+            <a:gd name="adj" fmla="val 10000"/>
+          </a:avLst>
+        </a:prstGeom>
+        <a:solidFill>
+          <a:schemeClr val="accent2">
+            <a:hueOff val="0"/>
+            <a:satOff val="0"/>
+            <a:lumOff val="0"/>
+            <a:alphaOff val="0"/>
+          </a:schemeClr>
+        </a:solidFill>
+        <a:ln w="19050" cap="flat" cmpd="sng" algn="ctr">
+          <a:solidFill>
+            <a:schemeClr val="lt1">
+              <a:hueOff val="0"/>
+              <a:satOff val="0"/>
+              <a:lumOff val="0"/>
+              <a:alphaOff val="0"/>
+            </a:schemeClr>
+          </a:solidFill>
+          <a:prstDash val="solid"/>
+        </a:ln>
+        <a:effectLst/>
+      </dsp:spPr>
+      <dsp:style>
+        <a:lnRef idx="2">
+          <a:scrgbClr r="0" g="0" b="0"/>
+        </a:lnRef>
+        <a:fillRef idx="1">
+          <a:scrgbClr r="0" g="0" b="0"/>
+        </a:fillRef>
+        <a:effectRef idx="0">
+          <a:scrgbClr r="0" g="0" b="0"/>
+        </a:effectRef>
+        <a:fontRef idx="minor">
+          <a:schemeClr val="lt1"/>
+        </a:fontRef>
+      </dsp:style>
+      <dsp:txBody>
+        <a:bodyPr spcFirstLastPara="0" vert="horz" wrap="square" lIns="49530" tIns="49530" rIns="49530" bIns="49530" numCol="1" spcCol="1270" anchor="ctr" anchorCtr="0">
+          <a:noAutofit/>
+        </a:bodyPr>
+        <a:lstStyle/>
+        <a:p>
+          <a:pPr lvl="0" algn="ctr" defTabSz="577850">
+            <a:lnSpc>
+              <a:spcPct val="90000"/>
+            </a:lnSpc>
+            <a:spcBef>
+              <a:spcPct val="0"/>
+            </a:spcBef>
+            <a:spcAft>
+              <a:spcPct val="35000"/>
+            </a:spcAft>
+          </a:pPr>
+          <a:r>
+            <a:rPr lang="fr-FR" sz="1300" kern="1200" dirty="0" smtClean="0"/>
+            <a:t>Produit</a:t>
+          </a:r>
+        </a:p>
+        <a:p>
+          <a:pPr lvl="0" algn="ctr" defTabSz="577850">
+            <a:lnSpc>
+              <a:spcPct val="90000"/>
+            </a:lnSpc>
+            <a:spcBef>
+              <a:spcPct val="0"/>
+            </a:spcBef>
+            <a:spcAft>
+              <a:spcPct val="35000"/>
+            </a:spcAft>
+          </a:pPr>
+          <a:r>
+            <a:rPr lang="fr-FR" sz="1300" kern="1200" dirty="0" smtClean="0"/>
+            <a:t>Couronne</a:t>
+          </a:r>
+          <a:endParaRPr lang="fr-FR" sz="1300" kern="1200" dirty="0"/>
+        </a:p>
+      </dsp:txBody>
+      <dsp:txXfrm>
+        <a:off x="1336546" y="20379"/>
+        <a:ext cx="1310308" cy="635386"/>
+      </dsp:txXfrm>
+    </dsp:sp>
+    <dsp:sp modelId="{76BFC082-0D12-48CB-A1E3-FF662367BFEF}">
+      <dsp:nvSpPr>
+        <dsp:cNvPr id="0" name=""/>
+        <dsp:cNvSpPr/>
+      </dsp:nvSpPr>
+      <dsp:spPr>
+        <a:xfrm rot="3600000">
+          <a:off x="2197420" y="1184767"/>
+          <a:ext cx="702623" cy="236222"/>
+        </a:xfrm>
+        <a:prstGeom prst="leftRightArrow">
+          <a:avLst>
+            <a:gd name="adj1" fmla="val 60000"/>
+            <a:gd name="adj2" fmla="val 50000"/>
+          </a:avLst>
+        </a:prstGeom>
+        <a:solidFill>
+          <a:schemeClr val="accent2">
+            <a:hueOff val="0"/>
+            <a:satOff val="0"/>
+            <a:lumOff val="0"/>
+            <a:alphaOff val="0"/>
+          </a:schemeClr>
+        </a:solidFill>
+        <a:ln>
+          <a:noFill/>
+        </a:ln>
+        <a:effectLst/>
+      </dsp:spPr>
+      <dsp:style>
+        <a:lnRef idx="0">
+          <a:scrgbClr r="0" g="0" b="0"/>
+        </a:lnRef>
+        <a:fillRef idx="1">
+          <a:scrgbClr r="0" g="0" b="0"/>
+        </a:fillRef>
+        <a:effectRef idx="0">
+          <a:scrgbClr r="0" g="0" b="0"/>
+        </a:effectRef>
+        <a:fontRef idx="minor">
+          <a:schemeClr val="lt1"/>
+        </a:fontRef>
+      </dsp:style>
+      <dsp:txBody>
+        <a:bodyPr spcFirstLastPara="0" vert="horz" wrap="square" lIns="0" tIns="0" rIns="0" bIns="0" numCol="1" spcCol="1270" anchor="ctr" anchorCtr="0">
+          <a:noAutofit/>
+        </a:bodyPr>
+        <a:lstStyle/>
+        <a:p>
+          <a:pPr lvl="0" algn="ctr" defTabSz="444500">
+            <a:lnSpc>
+              <a:spcPct val="90000"/>
+            </a:lnSpc>
+            <a:spcBef>
+              <a:spcPct val="0"/>
+            </a:spcBef>
+            <a:spcAft>
+              <a:spcPct val="35000"/>
+            </a:spcAft>
+          </a:pPr>
+          <a:endParaRPr lang="fr-FR" sz="1000" kern="1200"/>
+        </a:p>
+      </dsp:txBody>
+      <dsp:txXfrm>
+        <a:off x="2268287" y="1232011"/>
+        <a:ext cx="560889" cy="141734"/>
+      </dsp:txXfrm>
+    </dsp:sp>
+    <dsp:sp modelId="{BBBE7AF0-8599-4CC9-8E61-B532C2CECBE2}">
+      <dsp:nvSpPr>
+        <dsp:cNvPr id="0" name=""/>
+        <dsp:cNvSpPr/>
+      </dsp:nvSpPr>
+      <dsp:spPr>
+        <a:xfrm>
+          <a:off x="2430840" y="1930223"/>
+          <a:ext cx="1349844" cy="674922"/>
+        </a:xfrm>
+        <a:prstGeom prst="roundRect">
+          <a:avLst>
+            <a:gd name="adj" fmla="val 10000"/>
+          </a:avLst>
+        </a:prstGeom>
+        <a:solidFill>
+          <a:schemeClr val="accent2">
+            <a:hueOff val="-4271745"/>
+            <a:satOff val="12481"/>
+            <a:lumOff val="-2353"/>
+            <a:alphaOff val="0"/>
+          </a:schemeClr>
+        </a:solidFill>
+        <a:ln w="19050" cap="flat" cmpd="sng" algn="ctr">
+          <a:solidFill>
+            <a:schemeClr val="lt1">
+              <a:hueOff val="0"/>
+              <a:satOff val="0"/>
+              <a:lumOff val="0"/>
+              <a:alphaOff val="0"/>
+            </a:schemeClr>
+          </a:solidFill>
+          <a:prstDash val="solid"/>
+        </a:ln>
+        <a:effectLst/>
+      </dsp:spPr>
+      <dsp:style>
+        <a:lnRef idx="2">
+          <a:scrgbClr r="0" g="0" b="0"/>
+        </a:lnRef>
+        <a:fillRef idx="1">
+          <a:scrgbClr r="0" g="0" b="0"/>
+        </a:fillRef>
+        <a:effectRef idx="0">
+          <a:scrgbClr r="0" g="0" b="0"/>
+        </a:effectRef>
+        <a:fontRef idx="minor">
+          <a:schemeClr val="lt1"/>
+        </a:fontRef>
+      </dsp:style>
+      <dsp:txBody>
+        <a:bodyPr spcFirstLastPara="0" vert="horz" wrap="square" lIns="49530" tIns="49530" rIns="49530" bIns="49530" numCol="1" spcCol="1270" anchor="ctr" anchorCtr="0">
+          <a:noAutofit/>
+        </a:bodyPr>
+        <a:lstStyle/>
+        <a:p>
+          <a:pPr lvl="0" algn="ctr" defTabSz="577850">
+            <a:lnSpc>
+              <a:spcPct val="90000"/>
+            </a:lnSpc>
+            <a:spcBef>
+              <a:spcPct val="0"/>
+            </a:spcBef>
+            <a:spcAft>
+              <a:spcPct val="35000"/>
+            </a:spcAft>
+          </a:pPr>
+          <a:r>
+            <a:rPr lang="fr-FR" sz="1300" kern="1200" dirty="0" smtClean="0"/>
+            <a:t>Matériau</a:t>
+          </a:r>
+        </a:p>
+        <a:p>
+          <a:pPr lvl="0" algn="ctr" defTabSz="577850">
+            <a:lnSpc>
+              <a:spcPct val="90000"/>
+            </a:lnSpc>
+            <a:spcBef>
+              <a:spcPct val="0"/>
+            </a:spcBef>
+            <a:spcAft>
+              <a:spcPct val="35000"/>
+            </a:spcAft>
+          </a:pPr>
+          <a:r>
+            <a:rPr lang="fr-FR" sz="1300" kern="1200" dirty="0" smtClean="0"/>
+            <a:t>acier</a:t>
+          </a:r>
+          <a:endParaRPr lang="fr-FR" sz="1300" kern="1200" dirty="0" smtClean="0"/>
+        </a:p>
+      </dsp:txBody>
+      <dsp:txXfrm>
+        <a:off x="2450608" y="1949991"/>
+        <a:ext cx="1310308" cy="635386"/>
+      </dsp:txXfrm>
+    </dsp:sp>
+    <dsp:sp modelId="{45C1B289-5A21-4763-AC95-707E965FFA47}">
+      <dsp:nvSpPr>
+        <dsp:cNvPr id="0" name=""/>
+        <dsp:cNvSpPr/>
+      </dsp:nvSpPr>
+      <dsp:spPr>
+        <a:xfrm rot="10800000">
+          <a:off x="1640389" y="2149573"/>
+          <a:ext cx="702623" cy="236222"/>
+        </a:xfrm>
+        <a:prstGeom prst="leftRightArrow">
+          <a:avLst>
+            <a:gd name="adj1" fmla="val 60000"/>
+            <a:gd name="adj2" fmla="val 50000"/>
+          </a:avLst>
+        </a:prstGeom>
+        <a:solidFill>
+          <a:schemeClr val="accent2">
+            <a:hueOff val="-4271745"/>
+            <a:satOff val="12481"/>
+            <a:lumOff val="-2353"/>
+            <a:alphaOff val="0"/>
+          </a:schemeClr>
+        </a:solidFill>
+        <a:ln>
+          <a:noFill/>
+        </a:ln>
+        <a:effectLst/>
+      </dsp:spPr>
+      <dsp:style>
+        <a:lnRef idx="0">
+          <a:scrgbClr r="0" g="0" b="0"/>
+        </a:lnRef>
+        <a:fillRef idx="1">
+          <a:scrgbClr r="0" g="0" b="0"/>
+        </a:fillRef>
+        <a:effectRef idx="0">
+          <a:scrgbClr r="0" g="0" b="0"/>
+        </a:effectRef>
+        <a:fontRef idx="minor">
+          <a:schemeClr val="lt1"/>
+        </a:fontRef>
+      </dsp:style>
+      <dsp:txBody>
+        <a:bodyPr spcFirstLastPara="0" vert="horz" wrap="square" lIns="0" tIns="0" rIns="0" bIns="0" numCol="1" spcCol="1270" anchor="ctr" anchorCtr="0">
+          <a:noAutofit/>
+        </a:bodyPr>
+        <a:lstStyle/>
+        <a:p>
+          <a:pPr lvl="0" algn="ctr" defTabSz="444500">
+            <a:lnSpc>
+              <a:spcPct val="90000"/>
+            </a:lnSpc>
+            <a:spcBef>
+              <a:spcPct val="0"/>
+            </a:spcBef>
+            <a:spcAft>
+              <a:spcPct val="35000"/>
+            </a:spcAft>
+          </a:pPr>
+          <a:endParaRPr lang="fr-FR" sz="1000" kern="1200"/>
+        </a:p>
+      </dsp:txBody>
+      <dsp:txXfrm rot="10800000">
+        <a:off x="1711256" y="2196817"/>
+        <a:ext cx="560889" cy="141734"/>
+      </dsp:txXfrm>
+    </dsp:sp>
+    <dsp:sp modelId="{395B7A00-5D35-4721-9064-E9BD669D3296}">
+      <dsp:nvSpPr>
+        <dsp:cNvPr id="0" name=""/>
+        <dsp:cNvSpPr/>
+      </dsp:nvSpPr>
+      <dsp:spPr>
+        <a:xfrm>
+          <a:off x="202716" y="1930223"/>
+          <a:ext cx="1349844" cy="674922"/>
+        </a:xfrm>
+        <a:prstGeom prst="roundRect">
+          <a:avLst>
+            <a:gd name="adj" fmla="val 10000"/>
+          </a:avLst>
+        </a:prstGeom>
+        <a:solidFill>
+          <a:schemeClr val="accent2">
+            <a:hueOff val="-8543491"/>
+            <a:satOff val="24962"/>
+            <a:lumOff val="-4706"/>
+            <a:alphaOff val="0"/>
+          </a:schemeClr>
+        </a:solidFill>
+        <a:ln w="19050" cap="flat" cmpd="sng" algn="ctr">
+          <a:solidFill>
+            <a:schemeClr val="lt1">
+              <a:hueOff val="0"/>
+              <a:satOff val="0"/>
+              <a:lumOff val="0"/>
+              <a:alphaOff val="0"/>
+            </a:schemeClr>
+          </a:solidFill>
+          <a:prstDash val="solid"/>
+        </a:ln>
+        <a:effectLst/>
+      </dsp:spPr>
+      <dsp:style>
+        <a:lnRef idx="2">
+          <a:scrgbClr r="0" g="0" b="0"/>
+        </a:lnRef>
+        <a:fillRef idx="1">
+          <a:scrgbClr r="0" g="0" b="0"/>
+        </a:fillRef>
+        <a:effectRef idx="0">
+          <a:scrgbClr r="0" g="0" b="0"/>
+        </a:effectRef>
+        <a:fontRef idx="minor">
+          <a:schemeClr val="lt1"/>
+        </a:fontRef>
+      </dsp:style>
+      <dsp:txBody>
+        <a:bodyPr spcFirstLastPara="0" vert="horz" wrap="square" lIns="49530" tIns="49530" rIns="49530" bIns="49530" numCol="1" spcCol="1270" anchor="ctr" anchorCtr="0">
+          <a:noAutofit/>
+        </a:bodyPr>
+        <a:lstStyle/>
+        <a:p>
+          <a:pPr lvl="0" algn="ctr" defTabSz="577850">
+            <a:lnSpc>
+              <a:spcPct val="90000"/>
+            </a:lnSpc>
+            <a:spcBef>
+              <a:spcPct val="0"/>
+            </a:spcBef>
+            <a:spcAft>
+              <a:spcPct val="35000"/>
+            </a:spcAft>
+          </a:pPr>
+          <a:r>
+            <a:rPr lang="fr-FR" sz="1300" kern="1200" dirty="0" smtClean="0"/>
+            <a:t>Procédé</a:t>
+          </a:r>
+        </a:p>
+        <a:p>
+          <a:pPr lvl="0" algn="ctr" defTabSz="577850">
+            <a:lnSpc>
+              <a:spcPct val="90000"/>
+            </a:lnSpc>
+            <a:spcBef>
+              <a:spcPct val="0"/>
+            </a:spcBef>
+            <a:spcAft>
+              <a:spcPct val="35000"/>
+            </a:spcAft>
+          </a:pPr>
+          <a:r>
+            <a:rPr lang="fr-FR" sz="1300" kern="1200" dirty="0" smtClean="0"/>
+            <a:t>Moulage, Usinage</a:t>
+          </a:r>
+          <a:endParaRPr lang="fr-FR" sz="1300" kern="1200" dirty="0"/>
+        </a:p>
+      </dsp:txBody>
+      <dsp:txXfrm>
+        <a:off x="222484" y="1949991"/>
+        <a:ext cx="1310308" cy="635386"/>
+      </dsp:txXfrm>
+    </dsp:sp>
+    <dsp:sp modelId="{FB6B6323-0F21-4770-9EC5-055D8145946E}">
+      <dsp:nvSpPr>
+        <dsp:cNvPr id="0" name=""/>
+        <dsp:cNvSpPr/>
+      </dsp:nvSpPr>
+      <dsp:spPr>
+        <a:xfrm rot="18000000">
+          <a:off x="1083358" y="1184767"/>
+          <a:ext cx="702623" cy="236222"/>
+        </a:xfrm>
+        <a:prstGeom prst="leftRightArrow">
+          <a:avLst>
+            <a:gd name="adj1" fmla="val 60000"/>
+            <a:gd name="adj2" fmla="val 50000"/>
+          </a:avLst>
+        </a:prstGeom>
+        <a:solidFill>
+          <a:schemeClr val="accent2">
+            <a:hueOff val="-8543491"/>
+            <a:satOff val="24962"/>
+            <a:lumOff val="-4706"/>
+            <a:alphaOff val="0"/>
+          </a:schemeClr>
+        </a:solidFill>
+        <a:ln>
+          <a:noFill/>
+        </a:ln>
+        <a:effectLst/>
+      </dsp:spPr>
+      <dsp:style>
+        <a:lnRef idx="0">
+          <a:scrgbClr r="0" g="0" b="0"/>
+        </a:lnRef>
+        <a:fillRef idx="1">
+          <a:scrgbClr r="0" g="0" b="0"/>
+        </a:fillRef>
+        <a:effectRef idx="0">
+          <a:scrgbClr r="0" g="0" b="0"/>
+        </a:effectRef>
+        <a:fontRef idx="minor">
+          <a:schemeClr val="lt1"/>
+        </a:fontRef>
+      </dsp:style>
+      <dsp:txBody>
+        <a:bodyPr spcFirstLastPara="0" vert="horz" wrap="square" lIns="0" tIns="0" rIns="0" bIns="0" numCol="1" spcCol="1270" anchor="ctr" anchorCtr="0">
+          <a:noAutofit/>
+        </a:bodyPr>
+        <a:lstStyle/>
+        <a:p>
+          <a:pPr lvl="0" algn="ctr" defTabSz="444500">
+            <a:lnSpc>
+              <a:spcPct val="90000"/>
+            </a:lnSpc>
+            <a:spcBef>
+              <a:spcPct val="0"/>
+            </a:spcBef>
+            <a:spcAft>
+              <a:spcPct val="35000"/>
+            </a:spcAft>
+          </a:pPr>
+          <a:endParaRPr lang="fr-FR" sz="1000" kern="1200"/>
         </a:p>
       </dsp:txBody>
       <dsp:txXfrm>
@@ -1947,7 +3521,1229 @@
 </dgm:layoutDef>
 </file>
 
+<file path=ppt/diagrams/layout2.xml><?xml version="1.0" encoding="utf-8"?>
+<dgm:layoutDef xmlns:dgm="http://schemas.openxmlformats.org/drawingml/2006/diagram" xmlns:a="http://schemas.openxmlformats.org/drawingml/2006/main" uniqueId="urn:microsoft.com/office/officeart/2005/8/layout/cycle7">
+  <dgm:title val=""/>
+  <dgm:desc val=""/>
+  <dgm:catLst>
+    <dgm:cat type="cycle" pri="6000"/>
+  </dgm:catLst>
+  <dgm:sampData>
+    <dgm:dataModel>
+      <dgm:ptLst>
+        <dgm:pt modelId="0" type="doc"/>
+        <dgm:pt modelId="1">
+          <dgm:prSet phldr="1"/>
+        </dgm:pt>
+        <dgm:pt modelId="2">
+          <dgm:prSet phldr="1"/>
+        </dgm:pt>
+        <dgm:pt modelId="3">
+          <dgm:prSet phldr="1"/>
+        </dgm:pt>
+      </dgm:ptLst>
+      <dgm:cxnLst>
+        <dgm:cxn modelId="6" srcId="0" destId="1" srcOrd="0" destOrd="0"/>
+        <dgm:cxn modelId="7" srcId="0" destId="2" srcOrd="1" destOrd="0"/>
+        <dgm:cxn modelId="8" srcId="0" destId="3" srcOrd="2" destOrd="0"/>
+      </dgm:cxnLst>
+      <dgm:bg/>
+      <dgm:whole/>
+    </dgm:dataModel>
+  </dgm:sampData>
+  <dgm:styleData>
+    <dgm:dataModel>
+      <dgm:ptLst>
+        <dgm:pt modelId="0" type="doc"/>
+        <dgm:pt modelId="1"/>
+        <dgm:pt modelId="2"/>
+        <dgm:pt modelId="3"/>
+      </dgm:ptLst>
+      <dgm:cxnLst>
+        <dgm:cxn modelId="4" srcId="0" destId="1" srcOrd="0" destOrd="0"/>
+        <dgm:cxn modelId="5" srcId="0" destId="2" srcOrd="1" destOrd="0"/>
+        <dgm:cxn modelId="6" srcId="0" destId="3" srcOrd="2" destOrd="0"/>
+      </dgm:cxnLst>
+      <dgm:bg/>
+      <dgm:whole/>
+    </dgm:dataModel>
+  </dgm:styleData>
+  <dgm:clrData>
+    <dgm:dataModel>
+      <dgm:ptLst>
+        <dgm:pt modelId="0" type="doc"/>
+        <dgm:pt modelId="1"/>
+        <dgm:pt modelId="2"/>
+        <dgm:pt modelId="3"/>
+        <dgm:pt modelId="4"/>
+        <dgm:pt modelId="5"/>
+        <dgm:pt modelId="6"/>
+      </dgm:ptLst>
+      <dgm:cxnLst>
+        <dgm:cxn modelId="7" srcId="0" destId="1" srcOrd="0" destOrd="0"/>
+        <dgm:cxn modelId="8" srcId="0" destId="2" srcOrd="1" destOrd="0"/>
+        <dgm:cxn modelId="9" srcId="0" destId="3" srcOrd="2" destOrd="0"/>
+        <dgm:cxn modelId="10" srcId="0" destId="4" srcOrd="3" destOrd="0"/>
+        <dgm:cxn modelId="11" srcId="0" destId="5" srcOrd="4" destOrd="0"/>
+        <dgm:cxn modelId="12" srcId="0" destId="6" srcOrd="5" destOrd="0"/>
+      </dgm:cxnLst>
+      <dgm:bg/>
+      <dgm:whole/>
+    </dgm:dataModel>
+  </dgm:clrData>
+  <dgm:layoutNode name="Name0">
+    <dgm:varLst>
+      <dgm:dir/>
+      <dgm:resizeHandles val="exact"/>
+    </dgm:varLst>
+    <dgm:choose name="Name1">
+      <dgm:if name="Name2" func="var" arg="dir" op="equ" val="norm">
+        <dgm:alg type="cycle">
+          <dgm:param type="stAng" val="0"/>
+          <dgm:param type="spanAng" val="360"/>
+        </dgm:alg>
+      </dgm:if>
+      <dgm:else name="Name3">
+        <dgm:alg type="cycle">
+          <dgm:param type="stAng" val="0"/>
+          <dgm:param type="spanAng" val="-360"/>
+        </dgm:alg>
+      </dgm:else>
+    </dgm:choose>
+    <dgm:shape xmlns:r="http://schemas.openxmlformats.org/officeDocument/2006/relationships" r:blip="">
+      <dgm:adjLst/>
+    </dgm:shape>
+    <dgm:presOf/>
+    <dgm:constrLst>
+      <dgm:constr type="diam" refType="w"/>
+      <dgm:constr type="w" for="ch" ptType="node" refType="w"/>
+      <dgm:constr type="primFontSz" for="ch" ptType="node" op="equ" val="65"/>
+      <dgm:constr type="w" for="ch" forName="sibTrans" refType="w" refFor="ch" refPtType="node" op="equ" fact="0.35"/>
+      <dgm:constr type="connDist" for="ch" forName="sibTrans" op="equ"/>
+      <dgm:constr type="primFontSz" for="des" forName="connectorText" op="equ" val="55"/>
+      <dgm:constr type="primFontSz" for="des" forName="connectorText" refType="primFontSz" refFor="ch" refPtType="node" op="lte" fact="0.8"/>
+      <dgm:constr type="sibSp" refType="w" refFor="ch" refPtType="node" op="equ" fact="0.65"/>
+    </dgm:constrLst>
+    <dgm:ruleLst/>
+    <dgm:forEach name="nodesForEach" axis="ch" ptType="node">
+      <dgm:layoutNode name="node">
+        <dgm:varLst>
+          <dgm:bulletEnabled val="1"/>
+        </dgm:varLst>
+        <dgm:alg type="tx"/>
+        <dgm:shape xmlns:r="http://schemas.openxmlformats.org/officeDocument/2006/relationships" type="roundRect" r:blip="">
+          <dgm:adjLst>
+            <dgm:adj idx="1" val="0.1"/>
+          </dgm:adjLst>
+        </dgm:shape>
+        <dgm:presOf axis="desOrSelf" ptType="node"/>
+        <dgm:constrLst>
+          <dgm:constr type="h" refType="w" fact="0.5"/>
+          <dgm:constr type="tMarg" refType="primFontSz" fact="0.3"/>
+          <dgm:constr type="bMarg" refType="primFontSz" fact="0.3"/>
+          <dgm:constr type="lMarg" refType="primFontSz" fact="0.3"/>
+          <dgm:constr type="rMarg" refType="primFontSz" fact="0.3"/>
+        </dgm:constrLst>
+        <dgm:ruleLst>
+          <dgm:rule type="primFontSz" val="5" fact="NaN" max="NaN"/>
+        </dgm:ruleLst>
+      </dgm:layoutNode>
+      <dgm:choose name="Name4">
+        <dgm:if name="Name5" axis="par ch" ptType="doc node" func="cnt" op="gt" val="1">
+          <dgm:forEach name="sibTransForEach" axis="followSib" ptType="sibTrans" hideLastTrans="0" cnt="1">
+            <dgm:layoutNode name="sibTrans">
+              <dgm:choose name="Name6">
+                <dgm:if name="Name7" axis="par ch" ptType="doc node" func="posEven" op="equ" val="1">
+                  <dgm:alg type="conn">
+                    <dgm:param type="begPts" val="radial"/>
+                    <dgm:param type="endPts" val="radial"/>
+                    <dgm:param type="begSty" val="arr"/>
+                    <dgm:param type="endSty" val="arr"/>
+                  </dgm:alg>
+                </dgm:if>
+                <dgm:else name="Name8">
+                  <dgm:alg type="conn">
+                    <dgm:param type="begPts" val="auto"/>
+                    <dgm:param type="endPts" val="auto"/>
+                    <dgm:param type="begSty" val="arr"/>
+                    <dgm:param type="endSty" val="arr"/>
+                  </dgm:alg>
+                </dgm:else>
+              </dgm:choose>
+              <dgm:shape xmlns:r="http://schemas.openxmlformats.org/officeDocument/2006/relationships" type="conn" r:blip="">
+                <dgm:adjLst/>
+              </dgm:shape>
+              <dgm:presOf axis="self"/>
+              <dgm:constrLst>
+                <dgm:constr type="h" refType="w" fact="0.5"/>
+                <dgm:constr type="connDist"/>
+                <dgm:constr type="begPad" refType="connDist" fact="0.1"/>
+                <dgm:constr type="endPad" refType="connDist" fact="0.1"/>
+              </dgm:constrLst>
+              <dgm:ruleLst/>
+              <dgm:layoutNode name="connectorText">
+                <dgm:alg type="tx">
+                  <dgm:param type="autoTxRot" val="grav"/>
+                </dgm:alg>
+                <dgm:shape xmlns:r="http://schemas.openxmlformats.org/officeDocument/2006/relationships" type="conn" r:blip="" hideGeom="1">
+                  <dgm:adjLst/>
+                </dgm:shape>
+                <dgm:presOf axis="self"/>
+                <dgm:constrLst>
+                  <dgm:constr type="lMarg"/>
+                  <dgm:constr type="rMarg"/>
+                  <dgm:constr type="tMarg"/>
+                  <dgm:constr type="bMarg"/>
+                </dgm:constrLst>
+                <dgm:ruleLst>
+                  <dgm:rule type="primFontSz" val="5" fact="NaN" max="NaN"/>
+                </dgm:ruleLst>
+              </dgm:layoutNode>
+            </dgm:layoutNode>
+          </dgm:forEach>
+        </dgm:if>
+        <dgm:else name="Name9"/>
+      </dgm:choose>
+    </dgm:forEach>
+  </dgm:layoutNode>
+</dgm:layoutDef>
+</file>
+
 <file path=ppt/diagrams/quickStyle1.xml><?xml version="1.0" encoding="utf-8"?>
+<dgm:styleDef xmlns:dgm="http://schemas.openxmlformats.org/drawingml/2006/diagram" xmlns:a="http://schemas.openxmlformats.org/drawingml/2006/main" uniqueId="urn:microsoft.com/office/officeart/2005/8/quickstyle/simple1">
+  <dgm:title val=""/>
+  <dgm:desc val=""/>
+  <dgm:catLst>
+    <dgm:cat type="simple" pri="10100"/>
+  </dgm:catLst>
+  <dgm:scene3d>
+    <a:camera prst="orthographicFront"/>
+    <a:lightRig rig="threePt" dir="t"/>
+  </dgm:scene3d>
+  <dgm:styleLbl name="node0">
+    <dgm:scene3d>
+      <a:camera prst="orthographicFront"/>
+      <a:lightRig rig="threePt" dir="t"/>
+    </dgm:scene3d>
+    <dgm:sp3d/>
+    <dgm:txPr/>
+    <dgm:style>
+      <a:lnRef idx="2">
+        <a:scrgbClr r="0" g="0" b="0"/>
+      </a:lnRef>
+      <a:fillRef idx="1">
+        <a:scrgbClr r="0" g="0" b="0"/>
+      </a:fillRef>
+      <a:effectRef idx="0">
+        <a:scrgbClr r="0" g="0" b="0"/>
+      </a:effectRef>
+      <a:fontRef idx="minor">
+        <a:schemeClr val="lt1"/>
+      </a:fontRef>
+    </dgm:style>
+  </dgm:styleLbl>
+  <dgm:styleLbl name="lnNode1">
+    <dgm:scene3d>
+      <a:camera prst="orthographicFront"/>
+      <a:lightRig rig="threePt" dir="t"/>
+    </dgm:scene3d>
+    <dgm:sp3d/>
+    <dgm:txPr/>
+    <dgm:style>
+      <a:lnRef idx="2">
+        <a:scrgbClr r="0" g="0" b="0"/>
+      </a:lnRef>
+      <a:fillRef idx="1">
+        <a:scrgbClr r="0" g="0" b="0"/>
+      </a:fillRef>
+      <a:effectRef idx="0">
+        <a:scrgbClr r="0" g="0" b="0"/>
+      </a:effectRef>
+      <a:fontRef idx="minor">
+        <a:schemeClr val="lt1"/>
+      </a:fontRef>
+    </dgm:style>
+  </dgm:styleLbl>
+  <dgm:styleLbl name="vennNode1">
+    <dgm:scene3d>
+      <a:camera prst="orthographicFront"/>
+      <a:lightRig rig="threePt" dir="t"/>
+    </dgm:scene3d>
+    <dgm:sp3d/>
+    <dgm:txPr/>
+    <dgm:style>
+      <a:lnRef idx="2">
+        <a:scrgbClr r="0" g="0" b="0"/>
+      </a:lnRef>
+      <a:fillRef idx="1">
+        <a:scrgbClr r="0" g="0" b="0"/>
+      </a:fillRef>
+      <a:effectRef idx="0">
+        <a:scrgbClr r="0" g="0" b="0"/>
+      </a:effectRef>
+      <a:fontRef idx="minor">
+        <a:schemeClr val="tx1"/>
+      </a:fontRef>
+    </dgm:style>
+  </dgm:styleLbl>
+  <dgm:styleLbl name="alignNode1">
+    <dgm:scene3d>
+      <a:camera prst="orthographicFront"/>
+      <a:lightRig rig="threePt" dir="t"/>
+    </dgm:scene3d>
+    <dgm:sp3d/>
+    <dgm:txPr/>
+    <dgm:style>
+      <a:lnRef idx="2">
+        <a:scrgbClr r="0" g="0" b="0"/>
+      </a:lnRef>
+      <a:fillRef idx="1">
+        <a:scrgbClr r="0" g="0" b="0"/>
+      </a:fillRef>
+      <a:effectRef idx="0">
+        <a:scrgbClr r="0" g="0" b="0"/>
+      </a:effectRef>
+      <a:fontRef idx="minor">
+        <a:schemeClr val="lt1"/>
+      </a:fontRef>
+    </dgm:style>
+  </dgm:styleLbl>
+  <dgm:styleLbl name="node1">
+    <dgm:scene3d>
+      <a:camera prst="orthographicFront"/>
+      <a:lightRig rig="threePt" dir="t"/>
+    </dgm:scene3d>
+    <dgm:sp3d/>
+    <dgm:txPr/>
+    <dgm:style>
+      <a:lnRef idx="2">
+        <a:scrgbClr r="0" g="0" b="0"/>
+      </a:lnRef>
+      <a:fillRef idx="1">
+        <a:scrgbClr r="0" g="0" b="0"/>
+      </a:fillRef>
+      <a:effectRef idx="0">
+        <a:scrgbClr r="0" g="0" b="0"/>
+      </a:effectRef>
+      <a:fontRef idx="minor">
+        <a:schemeClr val="lt1"/>
+      </a:fontRef>
+    </dgm:style>
+  </dgm:styleLbl>
+  <dgm:styleLbl name="node2">
+    <dgm:scene3d>
+      <a:camera prst="orthographicFront"/>
+      <a:lightRig rig="threePt" dir="t"/>
+    </dgm:scene3d>
+    <dgm:sp3d/>
+    <dgm:txPr/>
+    <dgm:style>
+      <a:lnRef idx="2">
+        <a:scrgbClr r="0" g="0" b="0"/>
+      </a:lnRef>
+      <a:fillRef idx="1">
+        <a:scrgbClr r="0" g="0" b="0"/>
+      </a:fillRef>
+      <a:effectRef idx="0">
+        <a:scrgbClr r="0" g="0" b="0"/>
+      </a:effectRef>
+      <a:fontRef idx="minor">
+        <a:schemeClr val="lt1"/>
+      </a:fontRef>
+    </dgm:style>
+  </dgm:styleLbl>
+  <dgm:styleLbl name="node3">
+    <dgm:scene3d>
+      <a:camera prst="orthographicFront"/>
+      <a:lightRig rig="threePt" dir="t"/>
+    </dgm:scene3d>
+    <dgm:sp3d/>
+    <dgm:txPr/>
+    <dgm:style>
+      <a:lnRef idx="2">
+        <a:scrgbClr r="0" g="0" b="0"/>
+      </a:lnRef>
+      <a:fillRef idx="1">
+        <a:scrgbClr r="0" g="0" b="0"/>
+      </a:fillRef>
+      <a:effectRef idx="0">
+        <a:scrgbClr r="0" g="0" b="0"/>
+      </a:effectRef>
+      <a:fontRef idx="minor">
+        <a:schemeClr val="lt1"/>
+      </a:fontRef>
+    </dgm:style>
+  </dgm:styleLbl>
+  <dgm:styleLbl name="node4">
+    <dgm:scene3d>
+      <a:camera prst="orthographicFront"/>
+      <a:lightRig rig="threePt" dir="t"/>
+    </dgm:scene3d>
+    <dgm:sp3d/>
+    <dgm:txPr/>
+    <dgm:style>
+      <a:lnRef idx="2">
+        <a:scrgbClr r="0" g="0" b="0"/>
+      </a:lnRef>
+      <a:fillRef idx="1">
+        <a:scrgbClr r="0" g="0" b="0"/>
+      </a:fillRef>
+      <a:effectRef idx="0">
+        <a:scrgbClr r="0" g="0" b="0"/>
+      </a:effectRef>
+      <a:fontRef idx="minor">
+        <a:schemeClr val="lt1"/>
+      </a:fontRef>
+    </dgm:style>
+  </dgm:styleLbl>
+  <dgm:styleLbl name="fgImgPlace1">
+    <dgm:scene3d>
+      <a:camera prst="orthographicFront"/>
+      <a:lightRig rig="threePt" dir="t"/>
+    </dgm:scene3d>
+    <dgm:sp3d/>
+    <dgm:txPr/>
+    <dgm:style>
+      <a:lnRef idx="2">
+        <a:scrgbClr r="0" g="0" b="0"/>
+      </a:lnRef>
+      <a:fillRef idx="1">
+        <a:scrgbClr r="0" g="0" b="0"/>
+      </a:fillRef>
+      <a:effectRef idx="0">
+        <a:scrgbClr r="0" g="0" b="0"/>
+      </a:effectRef>
+      <a:fontRef idx="minor"/>
+    </dgm:style>
+  </dgm:styleLbl>
+  <dgm:styleLbl name="alignImgPlace1">
+    <dgm:scene3d>
+      <a:camera prst="orthographicFront"/>
+      <a:lightRig rig="threePt" dir="t"/>
+    </dgm:scene3d>
+    <dgm:sp3d/>
+    <dgm:txPr/>
+    <dgm:style>
+      <a:lnRef idx="2">
+        <a:scrgbClr r="0" g="0" b="0"/>
+      </a:lnRef>
+      <a:fillRef idx="1">
+        <a:scrgbClr r="0" g="0" b="0"/>
+      </a:fillRef>
+      <a:effectRef idx="0">
+        <a:scrgbClr r="0" g="0" b="0"/>
+      </a:effectRef>
+      <a:fontRef idx="minor"/>
+    </dgm:style>
+  </dgm:styleLbl>
+  <dgm:styleLbl name="bgImgPlace1">
+    <dgm:scene3d>
+      <a:camera prst="orthographicFront"/>
+      <a:lightRig rig="threePt" dir="t"/>
+    </dgm:scene3d>
+    <dgm:sp3d/>
+    <dgm:txPr/>
+    <dgm:style>
+      <a:lnRef idx="2">
+        <a:scrgbClr r="0" g="0" b="0"/>
+      </a:lnRef>
+      <a:fillRef idx="1">
+        <a:scrgbClr r="0" g="0" b="0"/>
+      </a:fillRef>
+      <a:effectRef idx="0">
+        <a:scrgbClr r="0" g="0" b="0"/>
+      </a:effectRef>
+      <a:fontRef idx="minor"/>
+    </dgm:style>
+  </dgm:styleLbl>
+  <dgm:styleLbl name="sibTrans2D1">
+    <dgm:scene3d>
+      <a:camera prst="orthographicFront"/>
+      <a:lightRig rig="threePt" dir="t"/>
+    </dgm:scene3d>
+    <dgm:sp3d/>
+    <dgm:txPr/>
+    <dgm:style>
+      <a:lnRef idx="0">
+        <a:scrgbClr r="0" g="0" b="0"/>
+      </a:lnRef>
+      <a:fillRef idx="1">
+        <a:scrgbClr r="0" g="0" b="0"/>
+      </a:fillRef>
+      <a:effectRef idx="0">
+        <a:scrgbClr r="0" g="0" b="0"/>
+      </a:effectRef>
+      <a:fontRef idx="minor">
+        <a:schemeClr val="lt1"/>
+      </a:fontRef>
+    </dgm:style>
+  </dgm:styleLbl>
+  <dgm:styleLbl name="fgSibTrans2D1">
+    <dgm:scene3d>
+      <a:camera prst="orthographicFront"/>
+      <a:lightRig rig="threePt" dir="t"/>
+    </dgm:scene3d>
+    <dgm:sp3d/>
+    <dgm:txPr/>
+    <dgm:style>
+      <a:lnRef idx="0">
+        <a:scrgbClr r="0" g="0" b="0"/>
+      </a:lnRef>
+      <a:fillRef idx="1">
+        <a:scrgbClr r="0" g="0" b="0"/>
+      </a:fillRef>
+      <a:effectRef idx="0">
+        <a:scrgbClr r="0" g="0" b="0"/>
+      </a:effectRef>
+      <a:fontRef idx="minor">
+        <a:schemeClr val="lt1"/>
+      </a:fontRef>
+    </dgm:style>
+  </dgm:styleLbl>
+  <dgm:styleLbl name="bgSibTrans2D1">
+    <dgm:scene3d>
+      <a:camera prst="orthographicFront"/>
+      <a:lightRig rig="threePt" dir="t"/>
+    </dgm:scene3d>
+    <dgm:sp3d/>
+    <dgm:txPr/>
+    <dgm:style>
+      <a:lnRef idx="0">
+        <a:scrgbClr r="0" g="0" b="0"/>
+      </a:lnRef>
+      <a:fillRef idx="1">
+        <a:scrgbClr r="0" g="0" b="0"/>
+      </a:fillRef>
+      <a:effectRef idx="0">
+        <a:scrgbClr r="0" g="0" b="0"/>
+      </a:effectRef>
+      <a:fontRef idx="minor">
+        <a:schemeClr val="lt1"/>
+      </a:fontRef>
+    </dgm:style>
+  </dgm:styleLbl>
+  <dgm:styleLbl name="sibTrans1D1">
+    <dgm:scene3d>
+      <a:camera prst="orthographicFront"/>
+      <a:lightRig rig="threePt" dir="t"/>
+    </dgm:scene3d>
+    <dgm:sp3d/>
+    <dgm:txPr/>
+    <dgm:style>
+      <a:lnRef idx="1">
+        <a:scrgbClr r="0" g="0" b="0"/>
+      </a:lnRef>
+      <a:fillRef idx="0">
+        <a:scrgbClr r="0" g="0" b="0"/>
+      </a:fillRef>
+      <a:effectRef idx="0">
+        <a:scrgbClr r="0" g="0" b="0"/>
+      </a:effectRef>
+      <a:fontRef idx="minor"/>
+    </dgm:style>
+  </dgm:styleLbl>
+  <dgm:styleLbl name="callout">
+    <dgm:scene3d>
+      <a:camera prst="orthographicFront"/>
+      <a:lightRig rig="threePt" dir="t"/>
+    </dgm:scene3d>
+    <dgm:sp3d/>
+    <dgm:txPr/>
+    <dgm:style>
+      <a:lnRef idx="2">
+        <a:scrgbClr r="0" g="0" b="0"/>
+      </a:lnRef>
+      <a:fillRef idx="1">
+        <a:scrgbClr r="0" g="0" b="0"/>
+      </a:fillRef>
+      <a:effectRef idx="0">
+        <a:scrgbClr r="0" g="0" b="0"/>
+      </a:effectRef>
+      <a:fontRef idx="minor"/>
+    </dgm:style>
+  </dgm:styleLbl>
+  <dgm:styleLbl name="asst0">
+    <dgm:scene3d>
+      <a:camera prst="orthographicFront"/>
+      <a:lightRig rig="threePt" dir="t"/>
+    </dgm:scene3d>
+    <dgm:sp3d/>
+    <dgm:txPr/>
+    <dgm:style>
+      <a:lnRef idx="2">
+        <a:scrgbClr r="0" g="0" b="0"/>
+      </a:lnRef>
+      <a:fillRef idx="1">
+        <a:scrgbClr r="0" g="0" b="0"/>
+      </a:fillRef>
+      <a:effectRef idx="0">
+        <a:scrgbClr r="0" g="0" b="0"/>
+      </a:effectRef>
+      <a:fontRef idx="minor">
+        <a:schemeClr val="lt1"/>
+      </a:fontRef>
+    </dgm:style>
+  </dgm:styleLbl>
+  <dgm:styleLbl name="asst1">
+    <dgm:scene3d>
+      <a:camera prst="orthographicFront"/>
+      <a:lightRig rig="threePt" dir="t"/>
+    </dgm:scene3d>
+    <dgm:sp3d/>
+    <dgm:txPr/>
+    <dgm:style>
+      <a:lnRef idx="2">
+        <a:scrgbClr r="0" g="0" b="0"/>
+      </a:lnRef>
+      <a:fillRef idx="1">
+        <a:scrgbClr r="0" g="0" b="0"/>
+      </a:fillRef>
+      <a:effectRef idx="0">
+        <a:scrgbClr r="0" g="0" b="0"/>
+      </a:effectRef>
+      <a:fontRef idx="minor">
+        <a:schemeClr val="lt1"/>
+      </a:fontRef>
+    </dgm:style>
+  </dgm:styleLbl>
+  <dgm:styleLbl name="asst2">
+    <dgm:scene3d>
+      <a:camera prst="orthographicFront"/>
+      <a:lightRig rig="threePt" dir="t"/>
+    </dgm:scene3d>
+    <dgm:sp3d/>
+    <dgm:txPr/>
+    <dgm:style>
+      <a:lnRef idx="2">
+        <a:scrgbClr r="0" g="0" b="0"/>
+      </a:lnRef>
+      <a:fillRef idx="1">
+        <a:scrgbClr r="0" g="0" b="0"/>
+      </a:fillRef>
+      <a:effectRef idx="0">
+        <a:scrgbClr r="0" g="0" b="0"/>
+      </a:effectRef>
+      <a:fontRef idx="minor">
+        <a:schemeClr val="lt1"/>
+      </a:fontRef>
+    </dgm:style>
+  </dgm:styleLbl>
+  <dgm:styleLbl name="asst3">
+    <dgm:scene3d>
+      <a:camera prst="orthographicFront"/>
+      <a:lightRig rig="threePt" dir="t"/>
+    </dgm:scene3d>
+    <dgm:sp3d/>
+    <dgm:txPr/>
+    <dgm:style>
+      <a:lnRef idx="2">
+        <a:scrgbClr r="0" g="0" b="0"/>
+      </a:lnRef>
+      <a:fillRef idx="1">
+        <a:scrgbClr r="0" g="0" b="0"/>
+      </a:fillRef>
+      <a:effectRef idx="0">
+        <a:scrgbClr r="0" g="0" b="0"/>
+      </a:effectRef>
+      <a:fontRef idx="minor">
+        <a:schemeClr val="lt1"/>
+      </a:fontRef>
+    </dgm:style>
+  </dgm:styleLbl>
+  <dgm:styleLbl name="asst4">
+    <dgm:scene3d>
+      <a:camera prst="orthographicFront"/>
+      <a:lightRig rig="threePt" dir="t"/>
+    </dgm:scene3d>
+    <dgm:sp3d/>
+    <dgm:txPr/>
+    <dgm:style>
+      <a:lnRef idx="2">
+        <a:scrgbClr r="0" g="0" b="0"/>
+      </a:lnRef>
+      <a:fillRef idx="1">
+        <a:scrgbClr r="0" g="0" b="0"/>
+      </a:fillRef>
+      <a:effectRef idx="0">
+        <a:scrgbClr r="0" g="0" b="0"/>
+      </a:effectRef>
+      <a:fontRef idx="minor">
+        <a:schemeClr val="lt1"/>
+      </a:fontRef>
+    </dgm:style>
+  </dgm:styleLbl>
+  <dgm:styleLbl name="parChTrans2D1">
+    <dgm:scene3d>
+      <a:camera prst="orthographicFront"/>
+      <a:lightRig rig="threePt" dir="t"/>
+    </dgm:scene3d>
+    <dgm:sp3d/>
+    <dgm:txPr/>
+    <dgm:style>
+      <a:lnRef idx="2">
+        <a:scrgbClr r="0" g="0" b="0"/>
+      </a:lnRef>
+      <a:fillRef idx="1">
+        <a:scrgbClr r="0" g="0" b="0"/>
+      </a:fillRef>
+      <a:effectRef idx="0">
+        <a:scrgbClr r="0" g="0" b="0"/>
+      </a:effectRef>
+      <a:fontRef idx="minor">
+        <a:schemeClr val="lt1"/>
+      </a:fontRef>
+    </dgm:style>
+  </dgm:styleLbl>
+  <dgm:styleLbl name="parChTrans2D2">
+    <dgm:scene3d>
+      <a:camera prst="orthographicFront"/>
+      <a:lightRig rig="threePt" dir="t"/>
+    </dgm:scene3d>
+    <dgm:sp3d/>
+    <dgm:txPr/>
+    <dgm:style>
+      <a:lnRef idx="2">
+        <a:scrgbClr r="0" g="0" b="0"/>
+      </a:lnRef>
+      <a:fillRef idx="1">
+        <a:scrgbClr r="0" g="0" b="0"/>
+      </a:fillRef>
+      <a:effectRef idx="0">
+        <a:scrgbClr r="0" g="0" b="0"/>
+      </a:effectRef>
+      <a:fontRef idx="minor">
+        <a:schemeClr val="lt1"/>
+      </a:fontRef>
+    </dgm:style>
+  </dgm:styleLbl>
+  <dgm:styleLbl name="parChTrans2D3">
+    <dgm:scene3d>
+      <a:camera prst="orthographicFront"/>
+      <a:lightRig rig="threePt" dir="t"/>
+    </dgm:scene3d>
+    <dgm:sp3d/>
+    <dgm:txPr/>
+    <dgm:style>
+      <a:lnRef idx="2">
+        <a:scrgbClr r="0" g="0" b="0"/>
+      </a:lnRef>
+      <a:fillRef idx="1">
+        <a:scrgbClr r="0" g="0" b="0"/>
+      </a:fillRef>
+      <a:effectRef idx="0">
+        <a:scrgbClr r="0" g="0" b="0"/>
+      </a:effectRef>
+      <a:fontRef idx="minor">
+        <a:schemeClr val="lt1"/>
+      </a:fontRef>
+    </dgm:style>
+  </dgm:styleLbl>
+  <dgm:styleLbl name="parChTrans2D4">
+    <dgm:scene3d>
+      <a:camera prst="orthographicFront"/>
+      <a:lightRig rig="threePt" dir="t"/>
+    </dgm:scene3d>
+    <dgm:sp3d/>
+    <dgm:txPr/>
+    <dgm:style>
+      <a:lnRef idx="2">
+        <a:scrgbClr r="0" g="0" b="0"/>
+      </a:lnRef>
+      <a:fillRef idx="1">
+        <a:scrgbClr r="0" g="0" b="0"/>
+      </a:fillRef>
+      <a:effectRef idx="0">
+        <a:scrgbClr r="0" g="0" b="0"/>
+      </a:effectRef>
+      <a:fontRef idx="minor">
+        <a:schemeClr val="lt1"/>
+      </a:fontRef>
+    </dgm:style>
+  </dgm:styleLbl>
+  <dgm:styleLbl name="parChTrans1D1">
+    <dgm:scene3d>
+      <a:camera prst="orthographicFront"/>
+      <a:lightRig rig="threePt" dir="t"/>
+    </dgm:scene3d>
+    <dgm:sp3d/>
+    <dgm:txPr/>
+    <dgm:style>
+      <a:lnRef idx="2">
+        <a:scrgbClr r="0" g="0" b="0"/>
+      </a:lnRef>
+      <a:fillRef idx="0">
+        <a:scrgbClr r="0" g="0" b="0"/>
+      </a:fillRef>
+      <a:effectRef idx="0">
+        <a:scrgbClr r="0" g="0" b="0"/>
+      </a:effectRef>
+      <a:fontRef idx="minor"/>
+    </dgm:style>
+  </dgm:styleLbl>
+  <dgm:styleLbl name="parChTrans1D2">
+    <dgm:scene3d>
+      <a:camera prst="orthographicFront"/>
+      <a:lightRig rig="threePt" dir="t"/>
+    </dgm:scene3d>
+    <dgm:sp3d/>
+    <dgm:txPr/>
+    <dgm:style>
+      <a:lnRef idx="2">
+        <a:scrgbClr r="0" g="0" b="0"/>
+      </a:lnRef>
+      <a:fillRef idx="0">
+        <a:scrgbClr r="0" g="0" b="0"/>
+      </a:fillRef>
+      <a:effectRef idx="0">
+        <a:scrgbClr r="0" g="0" b="0"/>
+      </a:effectRef>
+      <a:fontRef idx="minor"/>
+    </dgm:style>
+  </dgm:styleLbl>
+  <dgm:styleLbl name="parChTrans1D3">
+    <dgm:scene3d>
+      <a:camera prst="orthographicFront"/>
+      <a:lightRig rig="threePt" dir="t"/>
+    </dgm:scene3d>
+    <dgm:sp3d/>
+    <dgm:txPr/>
+    <dgm:style>
+      <a:lnRef idx="2">
+        <a:scrgbClr r="0" g="0" b="0"/>
+      </a:lnRef>
+      <a:fillRef idx="0">
+        <a:scrgbClr r="0" g="0" b="0"/>
+      </a:fillRef>
+      <a:effectRef idx="0">
+        <a:scrgbClr r="0" g="0" b="0"/>
+      </a:effectRef>
+      <a:fontRef idx="minor"/>
+    </dgm:style>
+  </dgm:styleLbl>
+  <dgm:styleLbl name="parChTrans1D4">
+    <dgm:scene3d>
+      <a:camera prst="orthographicFront"/>
+      <a:lightRig rig="threePt" dir="t"/>
+    </dgm:scene3d>
+    <dgm:sp3d/>
+    <dgm:txPr/>
+    <dgm:style>
+      <a:lnRef idx="2">
+        <a:scrgbClr r="0" g="0" b="0"/>
+      </a:lnRef>
+      <a:fillRef idx="0">
+        <a:scrgbClr r="0" g="0" b="0"/>
+      </a:fillRef>
+      <a:effectRef idx="0">
+        <a:scrgbClr r="0" g="0" b="0"/>
+      </a:effectRef>
+      <a:fontRef idx="minor"/>
+    </dgm:style>
+  </dgm:styleLbl>
+  <dgm:styleLbl name="fgAcc1">
+    <dgm:scene3d>
+      <a:camera prst="orthographicFront"/>
+      <a:lightRig rig="threePt" dir="t"/>
+    </dgm:scene3d>
+    <dgm:sp3d/>
+    <dgm:txPr/>
+    <dgm:style>
+      <a:lnRef idx="2">
+        <a:scrgbClr r="0" g="0" b="0"/>
+      </a:lnRef>
+      <a:fillRef idx="1">
+        <a:scrgbClr r="0" g="0" b="0"/>
+      </a:fillRef>
+      <a:effectRef idx="0">
+        <a:scrgbClr r="0" g="0" b="0"/>
+      </a:effectRef>
+      <a:fontRef idx="minor"/>
+    </dgm:style>
+  </dgm:styleLbl>
+  <dgm:styleLbl name="conFgAcc1">
+    <dgm:scene3d>
+      <a:camera prst="orthographicFront"/>
+      <a:lightRig rig="threePt" dir="t"/>
+    </dgm:scene3d>
+    <dgm:sp3d/>
+    <dgm:txPr/>
+    <dgm:style>
+      <a:lnRef idx="2">
+        <a:scrgbClr r="0" g="0" b="0"/>
+      </a:lnRef>
+      <a:fillRef idx="1">
+        <a:scrgbClr r="0" g="0" b="0"/>
+      </a:fillRef>
+      <a:effectRef idx="0">
+        <a:scrgbClr r="0" g="0" b="0"/>
+      </a:effectRef>
+      <a:fontRef idx="minor"/>
+    </dgm:style>
+  </dgm:styleLbl>
+  <dgm:styleLbl name="alignAcc1">
+    <dgm:scene3d>
+      <a:camera prst="orthographicFront"/>
+      <a:lightRig rig="threePt" dir="t"/>
+    </dgm:scene3d>
+    <dgm:sp3d/>
+    <dgm:txPr/>
+    <dgm:style>
+      <a:lnRef idx="2">
+        <a:scrgbClr r="0" g="0" b="0"/>
+      </a:lnRef>
+      <a:fillRef idx="1">
+        <a:scrgbClr r="0" g="0" b="0"/>
+      </a:fillRef>
+      <a:effectRef idx="0">
+        <a:scrgbClr r="0" g="0" b="0"/>
+      </a:effectRef>
+      <a:fontRef idx="minor"/>
+    </dgm:style>
+  </dgm:styleLbl>
+  <dgm:styleLbl name="trAlignAcc1">
+    <dgm:scene3d>
+      <a:camera prst="orthographicFront"/>
+      <a:lightRig rig="threePt" dir="t"/>
+    </dgm:scene3d>
+    <dgm:sp3d/>
+    <dgm:txPr/>
+    <dgm:style>
+      <a:lnRef idx="1">
+        <a:scrgbClr r="0" g="0" b="0"/>
+      </a:lnRef>
+      <a:fillRef idx="1">
+        <a:scrgbClr r="0" g="0" b="0"/>
+      </a:fillRef>
+      <a:effectRef idx="0">
+        <a:scrgbClr r="0" g="0" b="0"/>
+      </a:effectRef>
+      <a:fontRef idx="minor"/>
+    </dgm:style>
+  </dgm:styleLbl>
+  <dgm:styleLbl name="bgAcc1">
+    <dgm:scene3d>
+      <a:camera prst="orthographicFront"/>
+      <a:lightRig rig="threePt" dir="t"/>
+    </dgm:scene3d>
+    <dgm:sp3d/>
+    <dgm:txPr/>
+    <dgm:style>
+      <a:lnRef idx="2">
+        <a:scrgbClr r="0" g="0" b="0"/>
+      </a:lnRef>
+      <a:fillRef idx="1">
+        <a:scrgbClr r="0" g="0" b="0"/>
+      </a:fillRef>
+      <a:effectRef idx="0">
+        <a:scrgbClr r="0" g="0" b="0"/>
+      </a:effectRef>
+      <a:fontRef idx="minor"/>
+    </dgm:style>
+  </dgm:styleLbl>
+  <dgm:styleLbl name="solidFgAcc1">
+    <dgm:scene3d>
+      <a:camera prst="orthographicFront"/>
+      <a:lightRig rig="threePt" dir="t"/>
+    </dgm:scene3d>
+    <dgm:sp3d/>
+    <dgm:txPr/>
+    <dgm:style>
+      <a:lnRef idx="2">
+        <a:scrgbClr r="0" g="0" b="0"/>
+      </a:lnRef>
+      <a:fillRef idx="1">
+        <a:scrgbClr r="0" g="0" b="0"/>
+      </a:fillRef>
+      <a:effectRef idx="0">
+        <a:scrgbClr r="0" g="0" b="0"/>
+      </a:effectRef>
+      <a:fontRef idx="minor"/>
+    </dgm:style>
+  </dgm:styleLbl>
+  <dgm:styleLbl name="solidAlignAcc1">
+    <dgm:scene3d>
+      <a:camera prst="orthographicFront"/>
+      <a:lightRig rig="threePt" dir="t"/>
+    </dgm:scene3d>
+    <dgm:sp3d/>
+    <dgm:txPr/>
+    <dgm:style>
+      <a:lnRef idx="2">
+        <a:scrgbClr r="0" g="0" b="0"/>
+      </a:lnRef>
+      <a:fillRef idx="1">
+        <a:scrgbClr r="0" g="0" b="0"/>
+      </a:fillRef>
+      <a:effectRef idx="0">
+        <a:scrgbClr r="0" g="0" b="0"/>
+      </a:effectRef>
+      <a:fontRef idx="minor"/>
+    </dgm:style>
+  </dgm:styleLbl>
+  <dgm:styleLbl name="solidBgAcc1">
+    <dgm:scene3d>
+      <a:camera prst="orthographicFront"/>
+      <a:lightRig rig="threePt" dir="t"/>
+    </dgm:scene3d>
+    <dgm:sp3d/>
+    <dgm:txPr/>
+    <dgm:style>
+      <a:lnRef idx="2">
+        <a:scrgbClr r="0" g="0" b="0"/>
+      </a:lnRef>
+      <a:fillRef idx="1">
+        <a:scrgbClr r="0" g="0" b="0"/>
+      </a:fillRef>
+      <a:effectRef idx="0">
+        <a:scrgbClr r="0" g="0" b="0"/>
+      </a:effectRef>
+      <a:fontRef idx="minor"/>
+    </dgm:style>
+  </dgm:styleLbl>
+  <dgm:styleLbl name="fgAccFollowNode1">
+    <dgm:scene3d>
+      <a:camera prst="orthographicFront"/>
+      <a:lightRig rig="threePt" dir="t"/>
+    </dgm:scene3d>
+    <dgm:sp3d/>
+    <dgm:txPr/>
+    <dgm:style>
+      <a:lnRef idx="2">
+        <a:scrgbClr r="0" g="0" b="0"/>
+      </a:lnRef>
+      <a:fillRef idx="1">
+        <a:scrgbClr r="0" g="0" b="0"/>
+      </a:fillRef>
+      <a:effectRef idx="0">
+        <a:scrgbClr r="0" g="0" b="0"/>
+      </a:effectRef>
+      <a:fontRef idx="minor"/>
+    </dgm:style>
+  </dgm:styleLbl>
+  <dgm:styleLbl name="alignAccFollowNode1">
+    <dgm:scene3d>
+      <a:camera prst="orthographicFront"/>
+      <a:lightRig rig="threePt" dir="t"/>
+    </dgm:scene3d>
+    <dgm:sp3d/>
+    <dgm:txPr/>
+    <dgm:style>
+      <a:lnRef idx="2">
+        <a:scrgbClr r="0" g="0" b="0"/>
+      </a:lnRef>
+      <a:fillRef idx="1">
+        <a:scrgbClr r="0" g="0" b="0"/>
+      </a:fillRef>
+      <a:effectRef idx="0">
+        <a:scrgbClr r="0" g="0" b="0"/>
+      </a:effectRef>
+      <a:fontRef idx="minor"/>
+    </dgm:style>
+  </dgm:styleLbl>
+  <dgm:styleLbl name="bgAccFollowNode1">
+    <dgm:scene3d>
+      <a:camera prst="orthographicFront"/>
+      <a:lightRig rig="threePt" dir="t"/>
+    </dgm:scene3d>
+    <dgm:sp3d/>
+    <dgm:txPr/>
+    <dgm:style>
+      <a:lnRef idx="2">
+        <a:scrgbClr r="0" g="0" b="0"/>
+      </a:lnRef>
+      <a:fillRef idx="1">
+        <a:scrgbClr r="0" g="0" b="0"/>
+      </a:fillRef>
+      <a:effectRef idx="0">
+        <a:scrgbClr r="0" g="0" b="0"/>
+      </a:effectRef>
+      <a:fontRef idx="minor"/>
+    </dgm:style>
+  </dgm:styleLbl>
+  <dgm:styleLbl name="fgAcc0">
+    <dgm:scene3d>
+      <a:camera prst="orthographicFront"/>
+      <a:lightRig rig="threePt" dir="t"/>
+    </dgm:scene3d>
+    <dgm:sp3d/>
+    <dgm:txPr/>
+    <dgm:style>
+      <a:lnRef idx="2">
+        <a:scrgbClr r="0" g="0" b="0"/>
+      </a:lnRef>
+      <a:fillRef idx="1">
+        <a:scrgbClr r="0" g="0" b="0"/>
+      </a:fillRef>
+      <a:effectRef idx="0">
+        <a:scrgbClr r="0" g="0" b="0"/>
+      </a:effectRef>
+      <a:fontRef idx="minor"/>
+    </dgm:style>
+  </dgm:styleLbl>
+  <dgm:styleLbl name="fgAcc2">
+    <dgm:scene3d>
+      <a:camera prst="orthographicFront"/>
+      <a:lightRig rig="threePt" dir="t"/>
+    </dgm:scene3d>
+    <dgm:sp3d/>
+    <dgm:txPr/>
+    <dgm:style>
+      <a:lnRef idx="2">
+        <a:scrgbClr r="0" g="0" b="0"/>
+      </a:lnRef>
+      <a:fillRef idx="1">
+        <a:scrgbClr r="0" g="0" b="0"/>
+      </a:fillRef>
+      <a:effectRef idx="0">
+        <a:scrgbClr r="0" g="0" b="0"/>
+      </a:effectRef>
+      <a:fontRef idx="minor"/>
+    </dgm:style>
+  </dgm:styleLbl>
+  <dgm:styleLbl name="fgAcc3">
+    <dgm:scene3d>
+      <a:camera prst="orthographicFront"/>
+      <a:lightRig rig="threePt" dir="t"/>
+    </dgm:scene3d>
+    <dgm:sp3d/>
+    <dgm:txPr/>
+    <dgm:style>
+      <a:lnRef idx="2">
+        <a:scrgbClr r="0" g="0" b="0"/>
+      </a:lnRef>
+      <a:fillRef idx="1">
+        <a:scrgbClr r="0" g="0" b="0"/>
+      </a:fillRef>
+      <a:effectRef idx="0">
+        <a:scrgbClr r="0" g="0" b="0"/>
+      </a:effectRef>
+      <a:fontRef idx="minor"/>
+    </dgm:style>
+  </dgm:styleLbl>
+  <dgm:styleLbl name="fgAcc4">
+    <dgm:scene3d>
+      <a:camera prst="orthographicFront"/>
+      <a:lightRig rig="threePt" dir="t"/>
+    </dgm:scene3d>
+    <dgm:sp3d/>
+    <dgm:txPr/>
+    <dgm:style>
+      <a:lnRef idx="2">
+        <a:scrgbClr r="0" g="0" b="0"/>
+      </a:lnRef>
+      <a:fillRef idx="1">
+        <a:scrgbClr r="0" g="0" b="0"/>
+      </a:fillRef>
+      <a:effectRef idx="0">
+        <a:scrgbClr r="0" g="0" b="0"/>
+      </a:effectRef>
+      <a:fontRef idx="minor"/>
+    </dgm:style>
+  </dgm:styleLbl>
+  <dgm:styleLbl name="bgShp">
+    <dgm:scene3d>
+      <a:camera prst="orthographicFront"/>
+      <a:lightRig rig="threePt" dir="t"/>
+    </dgm:scene3d>
+    <dgm:sp3d/>
+    <dgm:txPr/>
+    <dgm:style>
+      <a:lnRef idx="0">
+        <a:scrgbClr r="0" g="0" b="0"/>
+      </a:lnRef>
+      <a:fillRef idx="1">
+        <a:scrgbClr r="0" g="0" b="0"/>
+      </a:fillRef>
+      <a:effectRef idx="0">
+        <a:scrgbClr r="0" g="0" b="0"/>
+      </a:effectRef>
+      <a:fontRef idx="minor"/>
+    </dgm:style>
+  </dgm:styleLbl>
+  <dgm:styleLbl name="dkBgShp">
+    <dgm:scene3d>
+      <a:camera prst="orthographicFront"/>
+      <a:lightRig rig="threePt" dir="t"/>
+    </dgm:scene3d>
+    <dgm:sp3d/>
+    <dgm:txPr/>
+    <dgm:style>
+      <a:lnRef idx="0">
+        <a:scrgbClr r="0" g="0" b="0"/>
+      </a:lnRef>
+      <a:fillRef idx="1">
+        <a:scrgbClr r="0" g="0" b="0"/>
+      </a:fillRef>
+      <a:effectRef idx="0">
+        <a:scrgbClr r="0" g="0" b="0"/>
+      </a:effectRef>
+      <a:fontRef idx="minor"/>
+    </dgm:style>
+  </dgm:styleLbl>
+  <dgm:styleLbl name="trBgShp">
+    <dgm:scene3d>
+      <a:camera prst="orthographicFront"/>
+      <a:lightRig rig="threePt" dir="t"/>
+    </dgm:scene3d>
+    <dgm:sp3d/>
+    <dgm:txPr/>
+    <dgm:style>
+      <a:lnRef idx="0">
+        <a:scrgbClr r="0" g="0" b="0"/>
+      </a:lnRef>
+      <a:fillRef idx="1">
+        <a:scrgbClr r="0" g="0" b="0"/>
+      </a:fillRef>
+      <a:effectRef idx="0">
+        <a:scrgbClr r="0" g="0" b="0"/>
+      </a:effectRef>
+      <a:fontRef idx="minor"/>
+    </dgm:style>
+  </dgm:styleLbl>
+  <dgm:styleLbl name="fgShp">
+    <dgm:scene3d>
+      <a:camera prst="orthographicFront"/>
+      <a:lightRig rig="threePt" dir="t"/>
+    </dgm:scene3d>
+    <dgm:sp3d/>
+    <dgm:txPr/>
+    <dgm:style>
+      <a:lnRef idx="2">
+        <a:scrgbClr r="0" g="0" b="0"/>
+      </a:lnRef>
+      <a:fillRef idx="1">
+        <a:scrgbClr r="0" g="0" b="0"/>
+      </a:fillRef>
+      <a:effectRef idx="0">
+        <a:scrgbClr r="0" g="0" b="0"/>
+      </a:effectRef>
+      <a:fontRef idx="minor"/>
+    </dgm:style>
+  </dgm:styleLbl>
+  <dgm:styleLbl name="revTx">
+    <dgm:scene3d>
+      <a:camera prst="orthographicFront"/>
+      <a:lightRig rig="threePt" dir="t"/>
+    </dgm:scene3d>
+    <dgm:sp3d/>
+    <dgm:txPr/>
+    <dgm:style>
+      <a:lnRef idx="0">
+        <a:scrgbClr r="0" g="0" b="0"/>
+      </a:lnRef>
+      <a:fillRef idx="0">
+        <a:scrgbClr r="0" g="0" b="0"/>
+      </a:fillRef>
+      <a:effectRef idx="0">
+        <a:scrgbClr r="0" g="0" b="0"/>
+      </a:effectRef>
+      <a:fontRef idx="minor"/>
+    </dgm:style>
+  </dgm:styleLbl>
+</dgm:styleDef>
+</file>
+
+<file path=ppt/diagrams/quickStyle2.xml><?xml version="1.0" encoding="utf-8"?>
 <dgm:styleDef xmlns:dgm="http://schemas.openxmlformats.org/drawingml/2006/diagram" xmlns:a="http://schemas.openxmlformats.org/drawingml/2006/main" uniqueId="urn:microsoft.com/office/officeart/2005/8/quickstyle/simple1">
   <dgm:title val=""/>
   <dgm:desc val=""/>
@@ -7624,30 +10420,6 @@
           </p:sp>
         </mc:Fallback>
       </mc:AlternateContent>
-      <p:sp>
-        <p:nvSpPr>
-          <p:cNvPr id="8" name="Espace réservé du numéro de diapositive 7"/>
-          <p:cNvSpPr>
-            <a:spLocks noGrp="1"/>
-          </p:cNvSpPr>
-          <p:nvPr>
-            <p:ph type="sldNum" sz="quarter" idx="12"/>
-          </p:nvPr>
-        </p:nvSpPr>
-        <p:spPr/>
-        <p:txBody>
-          <a:bodyPr/>
-          <a:lstStyle/>
-          <a:p>
-            <a:fld id="{3F1D8263-54E8-442D-88B4-DA252C595E3D}" type="slidenum">
-              <a:rPr lang="fr-FR" smtClean="0"/>
-              <a:pPr/>
-              <a:t>1</a:t>
-            </a:fld>
-            <a:endParaRPr lang="fr-FR" dirty="0"/>
-          </a:p>
-        </p:txBody>
-      </p:sp>
       <p:pic>
         <p:nvPicPr>
           <p:cNvPr id="7" name="Image 6" descr="Afficher l'image d'origine"/>
@@ -10035,8 +12807,8 @@
           </a:p>
         </p:txBody>
       </p:sp>
-      <mc:AlternateContent xmlns:mc="http://schemas.openxmlformats.org/markup-compatibility/2006">
-        <mc:Choice xmlns:a14="http://schemas.microsoft.com/office/drawing/2010/main" Requires="a14">
+      <mc:AlternateContent xmlns:mc="http://schemas.openxmlformats.org/markup-compatibility/2006" xmlns:a14="http://schemas.microsoft.com/office/drawing/2010/main">
+        <mc:Choice Requires="a14">
           <p:sp>
             <p:nvSpPr>
               <p:cNvPr id="5" name="Espace réservé du contenu 4"/>
@@ -11443,7 +14215,7 @@
             </p:txBody>
           </p:sp>
         </mc:Choice>
-        <mc:Fallback>
+        <mc:Fallback xmlns="">
           <p:sp>
             <p:nvSpPr>
               <p:cNvPr id="5" name="Espace réservé du contenu 4"/>
@@ -11649,10 +14421,15 @@
             <p:ph type="title"/>
           </p:nvPr>
         </p:nvSpPr>
-        <p:spPr/>
+        <p:spPr>
+          <a:xfrm>
+            <a:off x="457200" y="152400"/>
+            <a:ext cx="7355160" cy="990600"/>
+          </a:xfrm>
+        </p:spPr>
         <p:txBody>
           <a:bodyPr>
-            <a:normAutofit fontScale="90000"/>
+            <a:normAutofit/>
           </a:bodyPr>
           <a:lstStyle/>
           <a:p>
@@ -11665,7 +14442,11 @@
             </a:br>
             <a:r>
               <a:rPr lang="fr-FR" dirty="0" smtClean="0"/>
-              <a:t>Estimation de la pression maximale et de la puissance</a:t>
+              <a:t>Estimation de la pression </a:t>
+            </a:r>
+            <a:r>
+              <a:rPr lang="fr-FR" dirty="0" smtClean="0"/>
+              <a:t>maximale</a:t>
             </a:r>
             <a:endParaRPr lang="fr-FR" dirty="0"/>
           </a:p>
@@ -11718,8 +14499,8 @@
           </a:p>
         </p:txBody>
       </p:sp>
-      <mc:AlternateContent xmlns:mc="http://schemas.openxmlformats.org/markup-compatibility/2006" xmlns:a14="http://schemas.microsoft.com/office/drawing/2010/main">
-        <mc:Choice Requires="a14">
+      <mc:AlternateContent xmlns:mc="http://schemas.openxmlformats.org/markup-compatibility/2006">
+        <mc:Choice xmlns:a14="http://schemas.microsoft.com/office/drawing/2010/main" Requires="a14">
           <p:sp>
             <p:nvSpPr>
               <p:cNvPr id="5" name="Espace réservé du contenu 4"/>
@@ -11732,7 +14513,9 @@
             </p:nvSpPr>
             <p:spPr/>
             <p:txBody>
-              <a:bodyPr/>
+              <a:bodyPr>
+                <a:normAutofit fontScale="85000" lnSpcReduction="10000"/>
+              </a:bodyPr>
               <a:lstStyle/>
               <a:p>
                 <a:r>
@@ -11766,7 +14549,35 @@
                         <a:latin typeface="Cambria Math"/>
                         <a:sym typeface="Wingdings 3"/>
                       </a:rPr>
-                      <m:t>=0,032 </m:t>
+                      <m:t>=</m:t>
+                    </m:r>
+                    <m:r>
+                      <a:rPr lang="fr-FR" b="0" i="1" smtClean="0">
+                        <a:latin typeface="Cambria Math"/>
+                        <a:sym typeface="Wingdings 3"/>
+                      </a:rPr>
+                      <m:t>0</m:t>
+                    </m:r>
+                    <m:r>
+                      <a:rPr lang="fr-FR" b="0" i="1" smtClean="0">
+                        <a:latin typeface="Cambria Math"/>
+                        <a:sym typeface="Wingdings 3"/>
+                      </a:rPr>
+                      <m:t>,</m:t>
+                    </m:r>
+                    <m:r>
+                      <a:rPr lang="fr-FR" b="0" i="1" smtClean="0">
+                        <a:latin typeface="Cambria Math"/>
+                        <a:sym typeface="Wingdings 3"/>
+                      </a:rPr>
+                      <m:t>032</m:t>
+                    </m:r>
+                    <m:r>
+                      <a:rPr lang="fr-FR" b="0" i="1" smtClean="0">
+                        <a:latin typeface="Cambria Math"/>
+                        <a:sym typeface="Wingdings 3"/>
+                      </a:rPr>
+                      <m:t> </m:t>
                     </m:r>
                     <m:r>
                       <a:rPr lang="fr-FR" b="0" i="1" smtClean="0">
@@ -11799,7 +14610,14 @@
                             <a:latin typeface="Cambria Math"/>
                             <a:sym typeface="Wingdings 3"/>
                           </a:rPr>
-                          <m:t>−1</m:t>
+                          <m:t>−</m:t>
+                        </m:r>
+                        <m:r>
+                          <a:rPr lang="fr-FR" b="0" i="1" smtClean="0">
+                            <a:latin typeface="Cambria Math"/>
+                            <a:sym typeface="Wingdings 3"/>
+                          </a:rPr>
+                          <m:t>1</m:t>
                         </m:r>
                       </m:sup>
                     </m:sSup>
@@ -11811,7 +14629,23 @@
                 <a:pPr lvl="1"/>
                 <a:r>
                   <a:rPr lang="fr-FR" dirty="0" smtClean="0"/>
-                  <a:t>Effort : résistance à la rupture du matériau :  400 </a:t>
+                  <a:t>Effort : </a:t>
+                </a:r>
+                <a:endParaRPr lang="fr-FR" dirty="0" smtClean="0"/>
+              </a:p>
+              <a:p>
+                <a:pPr lvl="2"/>
+                <a:r>
+                  <a:rPr lang="fr-FR" dirty="0" smtClean="0"/>
+                  <a:t>résistance élastique des aciers : </a:t>
+                </a:r>
+                <a:r>
+                  <a:rPr lang="fr-FR" dirty="0" err="1" smtClean="0"/>
+                  <a:t>Re</a:t>
+                </a:r>
+                <a:r>
+                  <a:rPr lang="fr-FR" dirty="0" smtClean="0"/>
+                  <a:t> peut f varier 200 </a:t>
                 </a:r>
                 <a:r>
                   <a:rPr lang="fr-FR" dirty="0" err="1" smtClean="0"/>
@@ -11819,14 +14653,263 @@
                 </a:r>
                 <a:r>
                   <a:rPr lang="fr-FR" dirty="0" smtClean="0"/>
-                  <a:t>, dimensions de la zone de coupe : 16mm x 2mm </a:t>
+                  <a:t> à 1000 </a:t>
                 </a:r>
                 <a:r>
-                  <a:rPr lang="fr-FR" dirty="0" smtClean="0">
-                    <a:sym typeface="Wingdings 3"/>
-                  </a:rPr>
-                  <a:t> </a:t>
+                  <a:rPr lang="fr-FR" dirty="0" err="1" smtClean="0"/>
+                  <a:t>MPa</a:t>
                 </a:r>
+                <a:r>
+                  <a:rPr lang="fr-FR" dirty="0"/>
+                  <a:t>;</a:t>
+                </a:r>
+                <a:endParaRPr lang="fr-FR" dirty="0" smtClean="0"/>
+              </a:p>
+              <a:p>
+                <a:pPr lvl="2"/>
+                <a:r>
+                  <a:rPr lang="fr-FR" dirty="0"/>
+                  <a:t>s</a:t>
+                </a:r>
+                <a:r>
+                  <a:rPr lang="fr-FR" dirty="0" smtClean="0"/>
+                  <a:t>uivant les aciers, la résistance élastique au glissement peut varier de </a:t>
+                </a:r>
+                <a14:m>
+                  <m:oMath xmlns:m="http://schemas.openxmlformats.org/officeDocument/2006/math">
+                    <m:r>
+                      <a:rPr lang="fr-FR" b="0" i="0" smtClean="0">
+                        <a:latin typeface="Cambria Math"/>
+                      </a:rPr>
+                      <m:t>0</m:t>
+                    </m:r>
+                    <m:r>
+                      <a:rPr lang="fr-FR" b="0" i="0" smtClean="0">
+                        <a:latin typeface="Cambria Math"/>
+                      </a:rPr>
+                      <m:t>,</m:t>
+                    </m:r>
+                    <m:r>
+                      <a:rPr lang="fr-FR" b="0" i="0" smtClean="0">
+                        <a:latin typeface="Cambria Math"/>
+                      </a:rPr>
+                      <m:t>5</m:t>
+                    </m:r>
+                    <m:r>
+                      <a:rPr lang="fr-FR" b="0" i="0" smtClean="0">
+                        <a:latin typeface="Cambria Math"/>
+                      </a:rPr>
+                      <m:t> </m:t>
+                    </m:r>
+                    <m:r>
+                      <m:rPr>
+                        <m:sty m:val="p"/>
+                      </m:rPr>
+                      <a:rPr lang="fr-FR" b="0" i="0" smtClean="0">
+                        <a:latin typeface="Cambria Math"/>
+                      </a:rPr>
+                      <m:t>Re</m:t>
+                    </m:r>
+                  </m:oMath>
+                </a14:m>
+                <a:r>
+                  <a:rPr lang="fr-FR" dirty="0" smtClean="0"/>
+                  <a:t> à </a:t>
+                </a:r>
+                <a14:m>
+                  <m:oMath xmlns:m="http://schemas.openxmlformats.org/officeDocument/2006/math">
+                    <m:r>
+                      <a:rPr lang="fr-FR">
+                        <a:latin typeface="Cambria Math"/>
+                      </a:rPr>
+                      <m:t>0</m:t>
+                    </m:r>
+                    <m:r>
+                      <a:rPr lang="fr-FR">
+                        <a:latin typeface="Cambria Math"/>
+                      </a:rPr>
+                      <m:t>,</m:t>
+                    </m:r>
+                    <m:r>
+                      <a:rPr lang="fr-FR" b="0" i="0" smtClean="0">
+                        <a:latin typeface="Cambria Math"/>
+                      </a:rPr>
+                      <m:t>8</m:t>
+                    </m:r>
+                    <m:r>
+                      <a:rPr lang="fr-FR">
+                        <a:latin typeface="Cambria Math"/>
+                      </a:rPr>
+                      <m:t> </m:t>
+                    </m:r>
+                    <m:r>
+                      <m:rPr>
+                        <m:sty m:val="p"/>
+                      </m:rPr>
+                      <a:rPr lang="fr-FR">
+                        <a:latin typeface="Cambria Math"/>
+                      </a:rPr>
+                      <m:t>Re</m:t>
+                    </m:r>
+                  </m:oMath>
+                </a14:m>
+                <a:r>
+                  <a:rPr lang="fr-FR" dirty="0" smtClean="0"/>
+                  <a:t>;</a:t>
+                </a:r>
+              </a:p>
+              <a:p>
+                <a:pPr lvl="2"/>
+                <a:r>
+                  <a:rPr lang="fr-FR" dirty="0" smtClean="0"/>
+                  <a:t>choix d’une résistance au glissement : pour un acier à béton. La </a:t>
+                </a:r>
+                <a:r>
+                  <a:rPr lang="fr-FR" dirty="0"/>
+                  <a:t>résistance élastique d’un acier pour béton armé est de l’ordre de 300 </a:t>
+                </a:r>
+                <a:r>
+                  <a:rPr lang="fr-FR" dirty="0" err="1" smtClean="0"/>
+                  <a:t>MPa</a:t>
+                </a:r>
+                <a:r>
+                  <a:rPr lang="fr-FR" dirty="0" smtClean="0"/>
+                  <a:t> </a:t>
+                </a:r>
+                <a:r>
+                  <a:rPr lang="fr-FR" dirty="0"/>
+                  <a:t>soit une résistance au glissement de 150 </a:t>
+                </a:r>
+                <a:r>
+                  <a:rPr lang="fr-FR" dirty="0" smtClean="0"/>
+                  <a:t>à 200 </a:t>
+                </a:r>
+                <a:r>
+                  <a:rPr lang="fr-FR" dirty="0" err="1" smtClean="0"/>
+                  <a:t>MPa</a:t>
+                </a:r>
+                <a:r>
+                  <a:rPr lang="fr-FR" dirty="0"/>
+                  <a:t>;</a:t>
+                </a:r>
+                <a:endParaRPr lang="fr-FR" dirty="0" smtClean="0"/>
+              </a:p>
+              <a:p>
+                <a:pPr lvl="2"/>
+                <a:r>
+                  <a:rPr lang="fr-FR" dirty="0" smtClean="0"/>
+                  <a:t>la section cisaillée est de </a:t>
+                </a:r>
+                <a14:m>
+                  <m:oMath xmlns:m="http://schemas.openxmlformats.org/officeDocument/2006/math">
+                    <m:f>
+                      <m:fPr>
+                        <m:ctrlPr>
+                          <a:rPr lang="fr-FR" b="0" i="1" smtClean="0">
+                            <a:latin typeface="Cambria Math"/>
+                          </a:rPr>
+                        </m:ctrlPr>
+                      </m:fPr>
+                      <m:num>
+                        <m:r>
+                          <a:rPr lang="fr-FR" b="0" i="1" smtClean="0">
+                            <a:latin typeface="Cambria Math"/>
+                          </a:rPr>
+                          <m:t>𝜋</m:t>
+                        </m:r>
+                        <m:sSup>
+                          <m:sSupPr>
+                            <m:ctrlPr>
+                              <a:rPr lang="fr-FR" b="0" i="1" smtClean="0">
+                                <a:latin typeface="Cambria Math"/>
+                              </a:rPr>
+                            </m:ctrlPr>
+                          </m:sSupPr>
+                          <m:e>
+                            <m:r>
+                              <a:rPr lang="fr-FR" b="0" i="1" smtClean="0">
+                                <a:latin typeface="Cambria Math"/>
+                              </a:rPr>
+                              <m:t>16</m:t>
+                            </m:r>
+                          </m:e>
+                          <m:sup>
+                            <m:r>
+                              <a:rPr lang="fr-FR" b="0" i="1" smtClean="0">
+                                <a:latin typeface="Cambria Math"/>
+                              </a:rPr>
+                              <m:t>2</m:t>
+                            </m:r>
+                          </m:sup>
+                        </m:sSup>
+                      </m:num>
+                      <m:den>
+                        <m:r>
+                          <a:rPr lang="fr-FR" b="0" i="1" smtClean="0">
+                            <a:latin typeface="Cambria Math"/>
+                          </a:rPr>
+                          <m:t>4</m:t>
+                        </m:r>
+                      </m:den>
+                    </m:f>
+                    <m:r>
+                      <a:rPr lang="fr-FR" b="0" i="1" smtClean="0">
+                        <a:latin typeface="Cambria Math"/>
+                      </a:rPr>
+                      <m:t>=</m:t>
+                    </m:r>
+                    <m:r>
+                      <a:rPr lang="fr-FR" b="0" i="1" smtClean="0">
+                        <a:latin typeface="Cambria Math"/>
+                      </a:rPr>
+                      <m:t>201</m:t>
+                    </m:r>
+                    <m:r>
+                      <a:rPr lang="fr-FR" b="0" i="1" smtClean="0">
+                        <a:latin typeface="Cambria Math"/>
+                      </a:rPr>
+                      <m:t> </m:t>
+                    </m:r>
+                    <m:r>
+                      <a:rPr lang="fr-FR" b="0" i="1" smtClean="0">
+                        <a:latin typeface="Cambria Math"/>
+                      </a:rPr>
+                      <m:t>𝑚</m:t>
+                    </m:r>
+                    <m:sSup>
+                      <m:sSupPr>
+                        <m:ctrlPr>
+                          <a:rPr lang="fr-FR" b="0" i="1" smtClean="0">
+                            <a:latin typeface="Cambria Math"/>
+                          </a:rPr>
+                        </m:ctrlPr>
+                      </m:sSupPr>
+                      <m:e>
+                        <m:r>
+                          <a:rPr lang="fr-FR" b="0" i="1" smtClean="0">
+                            <a:latin typeface="Cambria Math"/>
+                          </a:rPr>
+                          <m:t>𝑚</m:t>
+                        </m:r>
+                      </m:e>
+                      <m:sup>
+                        <m:r>
+                          <a:rPr lang="fr-FR" b="0" i="1" smtClean="0">
+                            <a:latin typeface="Cambria Math"/>
+                          </a:rPr>
+                          <m:t>2</m:t>
+                        </m:r>
+                      </m:sup>
+                    </m:sSup>
+                  </m:oMath>
+                </a14:m>
+                <a:r>
+                  <a:rPr lang="fr-FR" b="0" dirty="0" smtClean="0"/>
+                  <a:t>;</a:t>
+                </a:r>
+              </a:p>
+              <a:p>
+                <a:pPr lvl="2"/>
                 <a14:m>
                   <m:oMath xmlns:m="http://schemas.openxmlformats.org/officeDocument/2006/math">
                     <m:r>
@@ -11841,7 +14924,49 @@
                         <a:latin typeface="Cambria Math"/>
                         <a:sym typeface="Wingdings 3"/>
                       </a:rPr>
-                      <m:t>=400⋅32 </m:t>
+                      <m:t>=</m:t>
+                    </m:r>
+                    <m:r>
+                      <a:rPr lang="fr-FR" b="0" i="1" smtClean="0">
+                        <a:latin typeface="Cambria Math"/>
+                        <a:sym typeface="Wingdings 3"/>
+                      </a:rPr>
+                      <m:t>150</m:t>
+                    </m:r>
+                    <m:r>
+                      <a:rPr lang="fr-FR" b="0" i="1" smtClean="0">
+                        <a:latin typeface="Cambria Math"/>
+                        <a:sym typeface="Wingdings 3"/>
+                      </a:rPr>
+                      <m:t>⋅</m:t>
+                    </m:r>
+                    <m:r>
+                      <a:rPr lang="fr-FR" b="0" i="1" smtClean="0">
+                        <a:latin typeface="Cambria Math"/>
+                        <a:sym typeface="Wingdings 3"/>
+                      </a:rPr>
+                      <m:t>201</m:t>
+                    </m:r>
+                    <m:r>
+                      <a:rPr lang="fr-FR" b="0" i="0" smtClean="0">
+                        <a:latin typeface="Cambria Math"/>
+                        <a:sym typeface="Wingdings 3"/>
+                      </a:rPr>
+                      <m:t>=</m:t>
+                    </m:r>
+                    <m:r>
+                      <a:rPr lang="fr-FR" b="0" i="0" smtClean="0">
+                        <a:latin typeface="Cambria Math"/>
+                        <a:sym typeface="Wingdings 3"/>
+                      </a:rPr>
+                      <m:t>32</m:t>
+                    </m:r>
+                    <m:r>
+                      <a:rPr lang="fr-FR" b="0" i="0" smtClean="0">
+                        <a:latin typeface="Cambria Math"/>
+                        <a:sym typeface="Wingdings 3"/>
+                      </a:rPr>
+                      <m:t> </m:t>
                     </m:r>
                     <m:r>
                       <m:rPr>
@@ -11851,67 +14976,26 @@
                         <a:latin typeface="Cambria Math"/>
                         <a:sym typeface="Wingdings 3"/>
                       </a:rPr>
-                      <m:t>Nm</m:t>
-                    </m:r>
-                    <m:sSup>
-                      <m:sSupPr>
-                        <m:ctrlPr>
-                          <a:rPr lang="fr-FR" b="0" i="1" smtClean="0">
-                            <a:latin typeface="Cambria Math"/>
-                            <a:sym typeface="Wingdings 3"/>
-                          </a:rPr>
-                        </m:ctrlPr>
-                      </m:sSupPr>
-                      <m:e>
-                        <m:r>
-                          <m:rPr>
-                            <m:sty m:val="p"/>
-                          </m:rPr>
-                          <a:rPr lang="fr-FR" b="0" i="0" smtClean="0">
-                            <a:latin typeface="Cambria Math"/>
-                            <a:sym typeface="Wingdings 3"/>
-                          </a:rPr>
-                          <m:t>m</m:t>
-                        </m:r>
-                      </m:e>
-                      <m:sup>
-                        <m:r>
-                          <a:rPr lang="fr-FR" b="0" i="0" smtClean="0">
-                            <a:latin typeface="Cambria Math"/>
-                            <a:sym typeface="Wingdings 3"/>
-                          </a:rPr>
-                          <m:t>−2</m:t>
-                        </m:r>
-                      </m:sup>
-                    </m:sSup>
-                    <m:r>
-                      <a:rPr lang="fr-FR" b="0" i="0" smtClean="0">
-                        <a:latin typeface="Cambria Math"/>
-                        <a:sym typeface="Wingdings 3"/>
-                      </a:rPr>
-                      <m:t>=12 800 </m:t>
-                    </m:r>
-                    <m:r>
-                      <m:rPr>
-                        <m:sty m:val="p"/>
-                      </m:rPr>
-                      <a:rPr lang="fr-FR" b="0" i="0" smtClean="0">
-                        <a:latin typeface="Cambria Math"/>
-                        <a:sym typeface="Wingdings 3"/>
-                      </a:rPr>
-                      <m:t>N</m:t>
+                      <m:t>kN</m:t>
                     </m:r>
                   </m:oMath>
                 </a14:m>
-                <a:endParaRPr lang="fr-FR" b="0" dirty="0" smtClean="0">
-                  <a:sym typeface="Wingdings 3"/>
-                </a:endParaRPr>
+                <a:r>
+                  <a:rPr lang="fr-FR" b="0" dirty="0" smtClean="0">
+                    <a:sym typeface="Wingdings 3"/>
+                  </a:rPr>
+                  <a:t>.</a:t>
+                </a:r>
               </a:p>
               <a:p>
                 <a:pPr lvl="1"/>
                 <a:r>
                   <a:rPr lang="fr-FR" dirty="0" smtClean="0"/>
-                  <a:t>Puissance nécessaire : </a:t>
+                  <a:t>Puissance </a:t>
+                </a:r>
+                <a:r>
+                  <a:rPr lang="fr-FR" dirty="0" smtClean="0"/>
+                  <a:t>nécessaire : </a:t>
                 </a:r>
                 <a14:m>
                   <m:oMath xmlns:m="http://schemas.openxmlformats.org/officeDocument/2006/math">
@@ -11927,7 +15011,28 @@
                         <a:latin typeface="Cambria Math"/>
                         <a:ea typeface="Cambria Math"/>
                       </a:rPr>
-                      <m:t>≃410 </m:t>
+                      <m:t>≃</m:t>
+                    </m:r>
+                    <m:r>
+                      <a:rPr lang="fr-FR" b="0" i="1" smtClean="0">
+                        <a:latin typeface="Cambria Math"/>
+                        <a:ea typeface="Cambria Math"/>
+                      </a:rPr>
+                      <m:t> </m:t>
+                    </m:r>
+                    <m:r>
+                      <a:rPr lang="fr-FR" b="0" i="1" smtClean="0">
+                        <a:latin typeface="Cambria Math"/>
+                        <a:ea typeface="Cambria Math"/>
+                      </a:rPr>
+                      <m:t>965</m:t>
+                    </m:r>
+                    <m:r>
+                      <a:rPr lang="fr-FR" b="0" i="1" smtClean="0">
+                        <a:latin typeface="Cambria Math"/>
+                        <a:ea typeface="Cambria Math"/>
+                      </a:rPr>
+                      <m:t> </m:t>
                     </m:r>
                     <m:r>
                       <a:rPr lang="fr-FR" b="0" i="1" smtClean="0">
@@ -11943,21 +15048,311 @@
                 </a:endParaRPr>
               </a:p>
               <a:p>
-                <a:pPr lvl="1"/>
-                <a:endParaRPr lang="fr-FR" dirty="0" smtClean="0"/>
+                <a:r>
+                  <a:rPr lang="fr-FR" dirty="0" smtClean="0">
+                    <a:ea typeface="Cambria Math"/>
+                  </a:rPr>
+                  <a:t>Estimation de la pression nécessaire dans le vérin : </a:t>
+                </a:r>
               </a:p>
               <a:p>
                 <a:pPr lvl="1"/>
-                <a:endParaRPr lang="fr-FR" dirty="0" smtClean="0"/>
+                <a14:m>
+                  <m:oMath xmlns:m="http://schemas.openxmlformats.org/officeDocument/2006/math">
+                    <m:r>
+                      <a:rPr lang="fr-FR" b="0" i="1" smtClean="0">
+                        <a:latin typeface="Cambria Math"/>
+                        <a:ea typeface="Cambria Math"/>
+                      </a:rPr>
+                      <m:t>𝑝</m:t>
+                    </m:r>
+                    <m:r>
+                      <a:rPr lang="fr-FR" b="0" i="1" smtClean="0">
+                        <a:latin typeface="Cambria Math"/>
+                        <a:ea typeface="Cambria Math"/>
+                      </a:rPr>
+                      <m:t>=</m:t>
+                    </m:r>
+                    <m:f>
+                      <m:fPr>
+                        <m:ctrlPr>
+                          <a:rPr lang="fr-FR" b="0" i="1" smtClean="0">
+                            <a:latin typeface="Cambria Math"/>
+                            <a:ea typeface="Cambria Math"/>
+                          </a:rPr>
+                        </m:ctrlPr>
+                      </m:fPr>
+                      <m:num>
+                        <m:r>
+                          <a:rPr lang="fr-FR" b="0" i="1" smtClean="0">
+                            <a:latin typeface="Cambria Math"/>
+                            <a:ea typeface="Cambria Math"/>
+                          </a:rPr>
+                          <m:t>𝐹</m:t>
+                        </m:r>
+                      </m:num>
+                      <m:den>
+                        <m:r>
+                          <a:rPr lang="fr-FR" b="0" i="1" smtClean="0">
+                            <a:latin typeface="Cambria Math"/>
+                            <a:ea typeface="Cambria Math"/>
+                          </a:rPr>
+                          <m:t>𝑆</m:t>
+                        </m:r>
+                      </m:den>
+                    </m:f>
+                    <m:r>
+                      <a:rPr lang="fr-FR" b="0" i="1" smtClean="0">
+                        <a:latin typeface="Cambria Math"/>
+                        <a:ea typeface="Cambria Math"/>
+                      </a:rPr>
+                      <m:t>≃</m:t>
+                    </m:r>
+                    <m:r>
+                      <a:rPr lang="fr-FR" b="0" i="1" smtClean="0">
+                        <a:latin typeface="Cambria Math"/>
+                        <a:ea typeface="Cambria Math"/>
+                      </a:rPr>
+                      <m:t>14</m:t>
+                    </m:r>
+                    <m:r>
+                      <a:rPr lang="fr-FR" b="0" i="1" smtClean="0">
+                        <a:latin typeface="Cambria Math"/>
+                        <a:ea typeface="Cambria Math"/>
+                      </a:rPr>
+                      <m:t> </m:t>
+                    </m:r>
+                    <m:r>
+                      <a:rPr lang="fr-FR" b="0" i="1" smtClean="0">
+                        <a:latin typeface="Cambria Math"/>
+                        <a:ea typeface="Cambria Math"/>
+                      </a:rPr>
+                      <m:t>𝑀𝑃𝑎</m:t>
+                    </m:r>
+                    <m:r>
+                      <a:rPr lang="fr-FR" b="0" i="1" smtClean="0">
+                        <a:latin typeface="Cambria Math"/>
+                        <a:ea typeface="Cambria Math"/>
+                      </a:rPr>
+                      <m:t>=</m:t>
+                    </m:r>
+                    <m:r>
+                      <a:rPr lang="fr-FR" b="0" i="1" smtClean="0">
+                        <a:latin typeface="Cambria Math"/>
+                        <a:ea typeface="Cambria Math"/>
+                      </a:rPr>
+                      <m:t>140</m:t>
+                    </m:r>
+                    <m:r>
+                      <a:rPr lang="fr-FR" b="0" i="1" smtClean="0">
+                        <a:latin typeface="Cambria Math"/>
+                        <a:ea typeface="Cambria Math"/>
+                      </a:rPr>
+                      <m:t> </m:t>
+                    </m:r>
+                    <m:r>
+                      <a:rPr lang="fr-FR" b="0" i="1" smtClean="0">
+                        <a:latin typeface="Cambria Math"/>
+                        <a:ea typeface="Cambria Math"/>
+                      </a:rPr>
+                      <m:t>𝑏𝑎𝑟𝑠</m:t>
+                    </m:r>
+                  </m:oMath>
+                </a14:m>
+                <a:endParaRPr lang="fr-FR" b="0" dirty="0" smtClean="0">
+                  <a:ea typeface="Cambria Math"/>
+                </a:endParaRPr>
               </a:p>
               <a:p>
-                <a:pPr lvl="1"/>
-                <a:endParaRPr lang="fr-FR" dirty="0"/>
+                <a:pPr lvl="2"/>
+                <a:r>
+                  <a:rPr lang="fr-FR" dirty="0" smtClean="0">
+                    <a:ea typeface="Cambria Math"/>
+                  </a:rPr>
+                  <a:t>p : pression</a:t>
+                </a:r>
+              </a:p>
+              <a:p>
+                <a:pPr lvl="2"/>
+                <a14:m>
+                  <m:oMath xmlns:m="http://schemas.openxmlformats.org/officeDocument/2006/math">
+                    <m:r>
+                      <a:rPr lang="fr-FR" i="1" dirty="0" smtClean="0">
+                        <a:latin typeface="Cambria Math"/>
+                        <a:ea typeface="Cambria Math"/>
+                      </a:rPr>
+                      <m:t>𝐹</m:t>
+                    </m:r>
+                    <m:r>
+                      <a:rPr lang="fr-FR" b="0" i="1" dirty="0" smtClean="0">
+                        <a:latin typeface="Cambria Math"/>
+                        <a:ea typeface="Cambria Math"/>
+                      </a:rPr>
+                      <m:t> =</m:t>
+                    </m:r>
+                    <m:r>
+                      <a:rPr lang="fr-FR" b="0" i="1" dirty="0" smtClean="0">
+                        <a:latin typeface="Cambria Math"/>
+                        <a:ea typeface="Cambria Math"/>
+                      </a:rPr>
+                      <m:t>32</m:t>
+                    </m:r>
+                    <m:r>
+                      <a:rPr lang="fr-FR" b="0" i="1" dirty="0" smtClean="0">
+                        <a:latin typeface="Cambria Math"/>
+                        <a:ea typeface="Cambria Math"/>
+                      </a:rPr>
+                      <m:t> </m:t>
+                    </m:r>
+                    <m:r>
+                      <a:rPr lang="fr-FR" b="0" i="1" dirty="0" smtClean="0">
+                        <a:latin typeface="Cambria Math"/>
+                        <a:ea typeface="Cambria Math"/>
+                      </a:rPr>
+                      <m:t>𝑘𝑁</m:t>
+                    </m:r>
+                  </m:oMath>
+                </a14:m>
+                <a:r>
+                  <a:rPr lang="fr-FR" b="0" dirty="0" smtClean="0">
+                    <a:ea typeface="Cambria Math"/>
+                  </a:rPr>
+                  <a:t> effort</a:t>
+                </a:r>
+              </a:p>
+              <a:p>
+                <a:pPr lvl="2"/>
+                <a14:m>
+                  <m:oMath xmlns:m="http://schemas.openxmlformats.org/officeDocument/2006/math">
+                    <m:r>
+                      <a:rPr lang="fr-FR" i="1" dirty="0" smtClean="0">
+                        <a:latin typeface="Cambria Math"/>
+                        <a:ea typeface="Cambria Math"/>
+                      </a:rPr>
+                      <m:t>𝑆</m:t>
+                    </m:r>
+                    <m:r>
+                      <a:rPr lang="fr-FR" i="1" dirty="0" smtClean="0">
+                        <a:latin typeface="Cambria Math"/>
+                        <a:ea typeface="Cambria Math"/>
+                      </a:rPr>
+                      <m:t>=</m:t>
+                    </m:r>
+                    <m:f>
+                      <m:fPr>
+                        <m:ctrlPr>
+                          <a:rPr lang="fr-FR" b="0" i="1" dirty="0" smtClean="0">
+                            <a:latin typeface="Cambria Math"/>
+                          </a:rPr>
+                        </m:ctrlPr>
+                      </m:fPr>
+                      <m:num>
+                        <m:r>
+                          <a:rPr lang="fr-FR" i="1" dirty="0">
+                            <a:latin typeface="Cambria Math"/>
+                          </a:rPr>
+                          <m:t>𝜋</m:t>
+                        </m:r>
+                        <m:sSup>
+                          <m:sSupPr>
+                            <m:ctrlPr>
+                              <a:rPr lang="fr-FR" b="0" i="1" dirty="0" smtClean="0">
+                                <a:latin typeface="Cambria Math"/>
+                              </a:rPr>
+                            </m:ctrlPr>
+                          </m:sSupPr>
+                          <m:e>
+                            <m:r>
+                              <a:rPr lang="fr-FR" i="1" dirty="0">
+                                <a:latin typeface="Cambria Math"/>
+                              </a:rPr>
+                              <m:t>54</m:t>
+                            </m:r>
+                          </m:e>
+                          <m:sup>
+                            <m:r>
+                              <a:rPr lang="fr-FR" b="0" i="1" dirty="0" smtClean="0">
+                                <a:latin typeface="Cambria Math"/>
+                              </a:rPr>
+                              <m:t>2</m:t>
+                            </m:r>
+                          </m:sup>
+                        </m:sSup>
+                      </m:num>
+                      <m:den>
+                        <m:r>
+                          <a:rPr lang="fr-FR" b="0" i="1" dirty="0" smtClean="0">
+                            <a:latin typeface="Cambria Math"/>
+                          </a:rPr>
+                          <m:t>4</m:t>
+                        </m:r>
+                      </m:den>
+                    </m:f>
+                    <m:r>
+                      <a:rPr lang="fr-FR" b="0" i="1" dirty="0" smtClean="0">
+                        <a:latin typeface="Cambria Math"/>
+                      </a:rPr>
+                      <m:t>=</m:t>
+                    </m:r>
+                    <m:r>
+                      <a:rPr lang="fr-FR" b="0" i="1" dirty="0" smtClean="0">
+                        <a:latin typeface="Cambria Math"/>
+                      </a:rPr>
+                      <m:t>2290</m:t>
+                    </m:r>
+                    <m:r>
+                      <a:rPr lang="fr-FR" b="0" i="1" dirty="0" smtClean="0">
+                        <a:latin typeface="Cambria Math"/>
+                      </a:rPr>
+                      <m:t> </m:t>
+                    </m:r>
+                    <m:r>
+                      <a:rPr lang="fr-FR" b="0" i="1" dirty="0" smtClean="0">
+                        <a:latin typeface="Cambria Math"/>
+                      </a:rPr>
+                      <m:t>𝑚</m:t>
+                    </m:r>
+                    <m:sSup>
+                      <m:sSupPr>
+                        <m:ctrlPr>
+                          <a:rPr lang="fr-FR" b="0" i="1" dirty="0" smtClean="0">
+                            <a:latin typeface="Cambria Math"/>
+                          </a:rPr>
+                        </m:ctrlPr>
+                      </m:sSupPr>
+                      <m:e>
+                        <m:r>
+                          <a:rPr lang="fr-FR" b="0" i="1" dirty="0" smtClean="0">
+                            <a:latin typeface="Cambria Math"/>
+                          </a:rPr>
+                          <m:t>𝑚</m:t>
+                        </m:r>
+                      </m:e>
+                      <m:sup>
+                        <m:r>
+                          <a:rPr lang="fr-FR" b="0" i="1" dirty="0" smtClean="0">
+                            <a:latin typeface="Cambria Math"/>
+                          </a:rPr>
+                          <m:t>2</m:t>
+                        </m:r>
+                      </m:sup>
+                    </m:sSup>
+                  </m:oMath>
+                </a14:m>
+                <a:r>
+                  <a:rPr lang="fr-FR" dirty="0" smtClean="0">
+                    <a:ea typeface="Cambria Math"/>
+                  </a:rPr>
+                  <a:t> : section du piston</a:t>
+                </a:r>
+                <a:endParaRPr lang="fr-FR" b="0" dirty="0" smtClean="0">
+                  <a:ea typeface="Cambria Math"/>
+                </a:endParaRPr>
               </a:p>
             </p:txBody>
           </p:sp>
         </mc:Choice>
-        <mc:Fallback xmlns="">
+        <mc:Fallback>
           <p:sp>
             <p:nvSpPr>
               <p:cNvPr id="5" name="Espace réservé du contenu 4"/>
@@ -11972,7 +15367,7 @@
               <a:blipFill rotWithShape="1">
                 <a:blip r:embed="rId2"/>
                 <a:stretch>
-                  <a:fillRect l="-444" t="-988"/>
+                  <a:fillRect l="-222" t="-1235" r="-593"/>
                 </a:stretch>
               </a:blipFill>
             </p:spPr>
@@ -12037,8 +15432,19 @@
           <a:lstStyle/>
           <a:p>
             <a:r>
+              <a:rPr lang="fr-FR" dirty="0"/>
+              <a:t>Vérification des performances</a:t>
+            </a:r>
+            <a:br>
+              <a:rPr lang="fr-FR" dirty="0"/>
+            </a:br>
+            <a:r>
+              <a:rPr lang="fr-FR" dirty="0"/>
+              <a:t>Estimation de la </a:t>
+            </a:r>
+            <a:r>
               <a:rPr lang="fr-FR" dirty="0" smtClean="0"/>
-              <a:t>Analyse PPM</a:t>
+              <a:t>puissance</a:t>
             </a:r>
             <a:endParaRPr lang="fr-FR" dirty="0"/>
           </a:p>
@@ -12091,6 +15497,572 @@
           </a:p>
         </p:txBody>
       </p:sp>
+      <mc:AlternateContent xmlns:mc="http://schemas.openxmlformats.org/markup-compatibility/2006">
+        <mc:Choice xmlns:a14="http://schemas.microsoft.com/office/drawing/2010/main" Requires="a14">
+          <p:sp>
+            <p:nvSpPr>
+              <p:cNvPr id="5" name="Espace réservé du contenu 4"/>
+              <p:cNvSpPr>
+                <a:spLocks noGrp="1"/>
+              </p:cNvSpPr>
+              <p:nvPr>
+                <p:ph sz="quarter" idx="1"/>
+              </p:nvPr>
+            </p:nvSpPr>
+            <p:spPr/>
+            <p:txBody>
+              <a:bodyPr/>
+              <a:lstStyle/>
+              <a:p>
+                <a:r>
+                  <a:rPr lang="fr-FR" dirty="0" smtClean="0"/>
+                  <a:t>En utilisant la puissance trouvée précédemment et en tenant compte du rendement de la pompe e du réducteur à </a:t>
+                </a:r>
+                <a14:m>
+                  <m:oMath xmlns:m="http://schemas.openxmlformats.org/officeDocument/2006/math">
+                    <m:r>
+                      <a:rPr lang="fr-FR" b="0" i="1" smtClean="0">
+                        <a:latin typeface="Cambria Math"/>
+                      </a:rPr>
+                      <m:t>𝜂</m:t>
+                    </m:r>
+                    <m:r>
+                      <a:rPr lang="fr-FR" b="0" i="1" smtClean="0">
+                        <a:latin typeface="Cambria Math"/>
+                      </a:rPr>
+                      <m:t>=0,5</m:t>
+                    </m:r>
+                  </m:oMath>
+                </a14:m>
+                <a:r>
+                  <a:rPr lang="fr-FR" dirty="0" smtClean="0"/>
+                  <a:t> la puissance nécessaire serait de 1930 W.</a:t>
+                </a:r>
+              </a:p>
+              <a:p>
+                <a:pPr lvl="1"/>
+                <a:r>
+                  <a:rPr lang="fr-FR" dirty="0" smtClean="0"/>
+                  <a:t>Cela est supérieur à la puissance électrique donnée par le document constructeur.</a:t>
+                </a:r>
+              </a:p>
+              <a:p>
+                <a:pPr lvl="1"/>
+                <a:r>
+                  <a:rPr lang="fr-FR" dirty="0" smtClean="0"/>
+                  <a:t>Les choix des matériaux et des dimensions de la barre sont donc à adapter…</a:t>
+                </a:r>
+              </a:p>
+              <a:p>
+                <a:r>
+                  <a:rPr lang="fr-FR" dirty="0" smtClean="0"/>
+                  <a:t>On peut aussi évaluer la puissance hydraulique dans la pompe : </a:t>
+                </a:r>
+              </a:p>
+              <a:p>
+                <a:pPr lvl="1"/>
+                <a14:m>
+                  <m:oMath xmlns:m="http://schemas.openxmlformats.org/officeDocument/2006/math">
+                    <m:sSub>
+                      <m:sSubPr>
+                        <m:ctrlPr>
+                          <a:rPr lang="fr-FR" b="0" i="1" smtClean="0">
+                            <a:latin typeface="Cambria Math"/>
+                            <a:ea typeface="Cambria Math"/>
+                          </a:rPr>
+                        </m:ctrlPr>
+                      </m:sSubPr>
+                      <m:e>
+                        <m:r>
+                          <a:rPr lang="fr-FR" i="1" smtClean="0">
+                            <a:latin typeface="Cambria Math"/>
+                            <a:ea typeface="Cambria Math"/>
+                          </a:rPr>
+                          <m:t>𝒫</m:t>
+                        </m:r>
+                      </m:e>
+                      <m:sub>
+                        <m:r>
+                          <a:rPr lang="fr-FR" b="0" i="1" smtClean="0">
+                            <a:latin typeface="Cambria Math"/>
+                            <a:ea typeface="Cambria Math"/>
+                          </a:rPr>
+                          <m:t>𝑖</m:t>
+                        </m:r>
+                      </m:sub>
+                    </m:sSub>
+                    <m:r>
+                      <a:rPr lang="fr-FR" b="0" i="1" smtClean="0">
+                        <a:latin typeface="Cambria Math"/>
+                        <a:ea typeface="Cambria Math"/>
+                      </a:rPr>
+                      <m:t>(</m:t>
+                    </m:r>
+                    <m:r>
+                      <a:rPr lang="fr-FR" b="0" i="1" smtClean="0">
+                        <a:latin typeface="Cambria Math"/>
+                        <a:ea typeface="Cambria Math"/>
+                      </a:rPr>
+                      <m:t>𝑡</m:t>
+                    </m:r>
+                    <m:r>
+                      <a:rPr lang="fr-FR" b="0" i="1" smtClean="0">
+                        <a:latin typeface="Cambria Math"/>
+                        <a:ea typeface="Cambria Math"/>
+                      </a:rPr>
+                      <m:t>)=</m:t>
+                    </m:r>
+                    <m:r>
+                      <a:rPr lang="fr-FR" b="0" i="1" smtClean="0">
+                        <a:latin typeface="Cambria Math"/>
+                        <a:ea typeface="Cambria Math"/>
+                      </a:rPr>
+                      <m:t>𝑞</m:t>
+                    </m:r>
+                    <m:d>
+                      <m:dPr>
+                        <m:ctrlPr>
+                          <a:rPr lang="fr-FR" b="0" i="1" smtClean="0">
+                            <a:latin typeface="Cambria Math"/>
+                            <a:ea typeface="Cambria Math"/>
+                          </a:rPr>
+                        </m:ctrlPr>
+                      </m:dPr>
+                      <m:e>
+                        <m:r>
+                          <a:rPr lang="fr-FR" b="0" i="1" smtClean="0">
+                            <a:latin typeface="Cambria Math"/>
+                            <a:ea typeface="Cambria Math"/>
+                          </a:rPr>
+                          <m:t>𝑡</m:t>
+                        </m:r>
+                      </m:e>
+                    </m:d>
+                    <m:r>
+                      <a:rPr lang="fr-FR" b="0" i="1" smtClean="0">
+                        <a:latin typeface="Cambria Math"/>
+                        <a:ea typeface="Cambria Math"/>
+                      </a:rPr>
+                      <m:t> ⋅</m:t>
+                    </m:r>
+                    <m:r>
+                      <a:rPr lang="fr-FR" b="0" i="1" smtClean="0">
+                        <a:latin typeface="Cambria Math"/>
+                        <a:ea typeface="Cambria Math"/>
+                      </a:rPr>
+                      <m:t>𝑝</m:t>
+                    </m:r>
+                    <m:d>
+                      <m:dPr>
+                        <m:ctrlPr>
+                          <a:rPr lang="fr-FR" b="0" i="1" smtClean="0">
+                            <a:latin typeface="Cambria Math"/>
+                            <a:ea typeface="Cambria Math"/>
+                          </a:rPr>
+                        </m:ctrlPr>
+                      </m:dPr>
+                      <m:e>
+                        <m:r>
+                          <a:rPr lang="fr-FR" b="0" i="1" smtClean="0">
+                            <a:latin typeface="Cambria Math"/>
+                            <a:ea typeface="Cambria Math"/>
+                          </a:rPr>
+                          <m:t>𝑡</m:t>
+                        </m:r>
+                      </m:e>
+                    </m:d>
+                    <m:r>
+                      <a:rPr lang="fr-FR" b="0" i="1" smtClean="0">
+                        <a:latin typeface="Cambria Math"/>
+                        <a:ea typeface="Cambria Math"/>
+                      </a:rPr>
+                      <m:t>=</m:t>
+                    </m:r>
+                    <m:r>
+                      <a:rPr lang="fr-FR" b="0" i="1" smtClean="0">
+                        <a:latin typeface="Cambria Math"/>
+                        <a:ea typeface="Cambria Math"/>
+                      </a:rPr>
+                      <m:t>𝑆</m:t>
+                    </m:r>
+                    <m:r>
+                      <a:rPr lang="fr-FR" b="0" i="1" smtClean="0">
+                        <a:latin typeface="Cambria Math"/>
+                        <a:ea typeface="Cambria Math"/>
+                      </a:rPr>
+                      <m:t>⋅</m:t>
+                    </m:r>
+                    <m:acc>
+                      <m:accPr>
+                        <m:chr m:val="̇"/>
+                        <m:ctrlPr>
+                          <a:rPr lang="fr-FR" b="0" i="1" smtClean="0">
+                            <a:latin typeface="Cambria Math"/>
+                            <a:ea typeface="Cambria Math"/>
+                          </a:rPr>
+                        </m:ctrlPr>
+                      </m:accPr>
+                      <m:e>
+                        <m:r>
+                          <a:rPr lang="fr-FR" b="0" i="1" smtClean="0">
+                            <a:latin typeface="Cambria Math"/>
+                            <a:ea typeface="Cambria Math"/>
+                          </a:rPr>
+                          <m:t>𝜆</m:t>
+                        </m:r>
+                      </m:e>
+                    </m:acc>
+                    <m:d>
+                      <m:dPr>
+                        <m:ctrlPr>
+                          <a:rPr lang="fr-FR" b="0" i="1" smtClean="0">
+                            <a:latin typeface="Cambria Math"/>
+                            <a:ea typeface="Cambria Math"/>
+                          </a:rPr>
+                        </m:ctrlPr>
+                      </m:dPr>
+                      <m:e>
+                        <m:r>
+                          <a:rPr lang="fr-FR" b="0" i="1" smtClean="0">
+                            <a:latin typeface="Cambria Math"/>
+                            <a:ea typeface="Cambria Math"/>
+                          </a:rPr>
+                          <m:t>𝑡</m:t>
+                        </m:r>
+                      </m:e>
+                    </m:d>
+                    <m:r>
+                      <a:rPr lang="fr-FR" b="0" i="1" smtClean="0">
+                        <a:latin typeface="Cambria Math"/>
+                        <a:ea typeface="Cambria Math"/>
+                      </a:rPr>
+                      <m:t>⋅</m:t>
+                    </m:r>
+                    <m:r>
+                      <a:rPr lang="fr-FR" b="0" i="1" smtClean="0">
+                        <a:latin typeface="Cambria Math"/>
+                        <a:ea typeface="Cambria Math"/>
+                      </a:rPr>
+                      <m:t>𝑝</m:t>
+                    </m:r>
+                    <m:d>
+                      <m:dPr>
+                        <m:ctrlPr>
+                          <a:rPr lang="fr-FR" b="0" i="1" smtClean="0">
+                            <a:latin typeface="Cambria Math"/>
+                            <a:ea typeface="Cambria Math"/>
+                          </a:rPr>
+                        </m:ctrlPr>
+                      </m:dPr>
+                      <m:e>
+                        <m:r>
+                          <a:rPr lang="fr-FR" b="0" i="1" smtClean="0">
+                            <a:latin typeface="Cambria Math"/>
+                            <a:ea typeface="Cambria Math"/>
+                          </a:rPr>
+                          <m:t>𝑡</m:t>
+                        </m:r>
+                      </m:e>
+                    </m:d>
+                  </m:oMath>
+                </a14:m>
+                <a:endParaRPr lang="fr-FR" b="0" dirty="0" smtClean="0">
+                  <a:ea typeface="Cambria Math"/>
+                </a:endParaRPr>
+              </a:p>
+              <a:p>
+                <a:pPr lvl="1"/>
+                <a14:m>
+                  <m:oMath xmlns:m="http://schemas.openxmlformats.org/officeDocument/2006/math">
+                    <m:r>
+                      <a:rPr lang="fr-FR" b="0" i="1" smtClean="0">
+                        <a:latin typeface="Cambria Math"/>
+                        <a:ea typeface="Cambria Math"/>
+                      </a:rPr>
+                      <m:t>𝒫</m:t>
+                    </m:r>
+                    <m:r>
+                      <a:rPr lang="fr-FR" b="0" i="1" smtClean="0">
+                        <a:latin typeface="Cambria Math"/>
+                        <a:ea typeface="Cambria Math"/>
+                      </a:rPr>
+                      <m:t>=</m:t>
+                    </m:r>
+                    <m:f>
+                      <m:fPr>
+                        <m:ctrlPr>
+                          <a:rPr lang="fr-FR" b="0" i="1" smtClean="0">
+                            <a:latin typeface="Cambria Math"/>
+                            <a:ea typeface="Cambria Math"/>
+                          </a:rPr>
+                        </m:ctrlPr>
+                      </m:fPr>
+                      <m:num>
+                        <m:r>
+                          <a:rPr lang="fr-FR" b="0" i="1" smtClean="0">
+                            <a:latin typeface="Cambria Math"/>
+                            <a:ea typeface="Cambria Math"/>
+                          </a:rPr>
+                          <m:t>1</m:t>
+                        </m:r>
+                      </m:num>
+                      <m:den>
+                        <m:r>
+                          <a:rPr lang="fr-FR" b="0" i="1" smtClean="0">
+                            <a:latin typeface="Cambria Math"/>
+                            <a:ea typeface="Cambria Math"/>
+                          </a:rPr>
+                          <m:t>𝑇</m:t>
+                        </m:r>
+                      </m:den>
+                    </m:f>
+                    <m:nary>
+                      <m:naryPr>
+                        <m:ctrlPr>
+                          <a:rPr lang="fr-FR" b="0" i="1" smtClean="0">
+                            <a:latin typeface="Cambria Math"/>
+                            <a:ea typeface="Cambria Math"/>
+                          </a:rPr>
+                        </m:ctrlPr>
+                      </m:naryPr>
+                      <m:sub>
+                        <m:r>
+                          <m:rPr>
+                            <m:brk m:alnAt="23"/>
+                          </m:rPr>
+                          <a:rPr lang="fr-FR" b="0" i="1" smtClean="0">
+                            <a:latin typeface="Cambria Math"/>
+                            <a:ea typeface="Cambria Math"/>
+                          </a:rPr>
+                          <m:t>0</m:t>
+                        </m:r>
+                      </m:sub>
+                      <m:sup>
+                        <m:r>
+                          <a:rPr lang="fr-FR" b="0" i="1" smtClean="0">
+                            <a:latin typeface="Cambria Math"/>
+                            <a:ea typeface="Cambria Math"/>
+                          </a:rPr>
+                          <m:t>𝑇</m:t>
+                        </m:r>
+                      </m:sup>
+                      <m:e>
+                        <m:sSub>
+                          <m:sSubPr>
+                            <m:ctrlPr>
+                              <a:rPr lang="fr-FR" i="1">
+                                <a:latin typeface="Cambria Math"/>
+                                <a:ea typeface="Cambria Math"/>
+                              </a:rPr>
+                            </m:ctrlPr>
+                          </m:sSubPr>
+                          <m:e>
+                            <m:r>
+                              <a:rPr lang="fr-FR" i="1">
+                                <a:latin typeface="Cambria Math"/>
+                                <a:ea typeface="Cambria Math"/>
+                              </a:rPr>
+                              <m:t>𝒫</m:t>
+                            </m:r>
+                          </m:e>
+                          <m:sub>
+                            <m:r>
+                              <a:rPr lang="fr-FR" i="1">
+                                <a:latin typeface="Cambria Math"/>
+                                <a:ea typeface="Cambria Math"/>
+                              </a:rPr>
+                              <m:t>𝑖</m:t>
+                            </m:r>
+                          </m:sub>
+                        </m:sSub>
+                        <m:r>
+                          <a:rPr lang="fr-FR" i="1">
+                            <a:latin typeface="Cambria Math"/>
+                            <a:ea typeface="Cambria Math"/>
+                          </a:rPr>
+                          <m:t>(</m:t>
+                        </m:r>
+                        <m:r>
+                          <a:rPr lang="fr-FR" i="1">
+                            <a:latin typeface="Cambria Math"/>
+                            <a:ea typeface="Cambria Math"/>
+                          </a:rPr>
+                          <m:t>𝑡</m:t>
+                        </m:r>
+                        <m:r>
+                          <a:rPr lang="fr-FR" i="1">
+                            <a:latin typeface="Cambria Math"/>
+                            <a:ea typeface="Cambria Math"/>
+                          </a:rPr>
+                          <m:t>)</m:t>
+                        </m:r>
+                      </m:e>
+                    </m:nary>
+                    <m:r>
+                      <a:rPr lang="fr-FR" b="0" i="1" smtClean="0">
+                        <a:latin typeface="Cambria Math"/>
+                        <a:ea typeface="Cambria Math"/>
+                      </a:rPr>
+                      <m:t>𝑑𝑡</m:t>
+                    </m:r>
+                  </m:oMath>
+                </a14:m>
+                <a:endParaRPr lang="fr-FR" b="0" dirty="0" smtClean="0">
+                  <a:ea typeface="Cambria Math"/>
+                </a:endParaRPr>
+              </a:p>
+              <a:p>
+                <a:pPr lvl="1"/>
+                <a:endParaRPr lang="fr-FR" dirty="0" smtClean="0"/>
+              </a:p>
+            </p:txBody>
+          </p:sp>
+        </mc:Choice>
+        <mc:Fallback>
+          <p:sp>
+            <p:nvSpPr>
+              <p:cNvPr id="5" name="Espace réservé du contenu 4"/>
+              <p:cNvSpPr>
+                <a:spLocks noGrp="1" noRot="1" noChangeAspect="1" noMove="1" noResize="1" noEditPoints="1" noAdjustHandles="1" noChangeArrowheads="1" noChangeShapeType="1" noTextEdit="1"/>
+              </p:cNvSpPr>
+              <p:nvPr>
+                <p:ph sz="quarter" idx="1"/>
+              </p:nvPr>
+            </p:nvSpPr>
+            <p:spPr>
+              <a:blipFill rotWithShape="1">
+                <a:blip r:embed="rId2"/>
+                <a:stretch>
+                  <a:fillRect l="-444" t="-988" r="-1259"/>
+                </a:stretch>
+              </a:blipFill>
+            </p:spPr>
+            <p:txBody>
+              <a:bodyPr/>
+              <a:lstStyle/>
+              <a:p>
+                <a:r>
+                  <a:rPr lang="fr-FR">
+                    <a:noFill/>
+                  </a:rPr>
+                  <a:t> </a:t>
+                </a:r>
+              </a:p>
+            </p:txBody>
+          </p:sp>
+        </mc:Fallback>
+      </mc:AlternateContent>
+    </p:spTree>
+    <p:extLst>
+      <p:ext uri="{BB962C8B-B14F-4D97-AF65-F5344CB8AC3E}">
+        <p14:creationId xmlns:p14="http://schemas.microsoft.com/office/powerpoint/2010/main" val="3090456139"/>
+      </p:ext>
+    </p:extLst>
+  </p:cSld>
+  <p:clrMapOvr>
+    <a:masterClrMapping/>
+  </p:clrMapOvr>
+</p:sld>
+</file>
+
+<file path=ppt/slides/slide15.xml><?xml version="1.0" encoding="utf-8"?>
+<p:sld xmlns:a="http://schemas.openxmlformats.org/drawingml/2006/main" xmlns:r="http://schemas.openxmlformats.org/officeDocument/2006/relationships" xmlns:p="http://schemas.openxmlformats.org/presentationml/2006/main">
+  <p:cSld>
+    <p:spTree>
+      <p:nvGrpSpPr>
+        <p:cNvPr id="1" name=""/>
+        <p:cNvGrpSpPr/>
+        <p:nvPr/>
+      </p:nvGrpSpPr>
+      <p:grpSpPr>
+        <a:xfrm>
+          <a:off x="0" y="0"/>
+          <a:ext cx="0" cy="0"/>
+          <a:chOff x="0" y="0"/>
+          <a:chExt cx="0" cy="0"/>
+        </a:xfrm>
+      </p:grpSpPr>
+      <p:sp>
+        <p:nvSpPr>
+          <p:cNvPr id="2" name="Titre 1"/>
+          <p:cNvSpPr>
+            <a:spLocks noGrp="1"/>
+          </p:cNvSpPr>
+          <p:nvPr>
+            <p:ph type="title"/>
+          </p:nvPr>
+        </p:nvSpPr>
+        <p:spPr/>
+        <p:txBody>
+          <a:bodyPr/>
+          <a:lstStyle/>
+          <a:p>
+            <a:r>
+              <a:rPr lang="fr-FR" dirty="0" smtClean="0"/>
+              <a:t>Analyse </a:t>
+            </a:r>
+            <a:r>
+              <a:rPr lang="fr-FR" dirty="0" smtClean="0"/>
+              <a:t>PPM</a:t>
+            </a:r>
+            <a:br>
+              <a:rPr lang="fr-FR" dirty="0" smtClean="0"/>
+            </a:br>
+            <a:r>
+              <a:rPr lang="fr-FR" dirty="0" smtClean="0"/>
+              <a:t>Bâti</a:t>
+            </a:r>
+            <a:endParaRPr lang="fr-FR" dirty="0"/>
+          </a:p>
+        </p:txBody>
+      </p:sp>
+      <p:sp>
+        <p:nvSpPr>
+          <p:cNvPr id="3" name="Espace réservé du pied de page 2"/>
+          <p:cNvSpPr>
+            <a:spLocks noGrp="1"/>
+          </p:cNvSpPr>
+          <p:nvPr>
+            <p:ph type="ftr" sz="quarter" idx="11"/>
+          </p:nvPr>
+        </p:nvSpPr>
+        <p:spPr/>
+        <p:txBody>
+          <a:bodyPr/>
+          <a:lstStyle/>
+          <a:p>
+            <a:r>
+              <a:rPr lang="fr-FR" smtClean="0"/>
+              <a:t>Cisaille hydraulique - Équipe pédagogique PT</a:t>
+            </a:r>
+            <a:endParaRPr lang="fr-FR" dirty="0"/>
+          </a:p>
+        </p:txBody>
+      </p:sp>
+      <p:sp>
+        <p:nvSpPr>
+          <p:cNvPr id="4" name="Espace réservé du numéro de diapositive 3"/>
+          <p:cNvSpPr>
+            <a:spLocks noGrp="1"/>
+          </p:cNvSpPr>
+          <p:nvPr>
+            <p:ph type="sldNum" sz="quarter" idx="12"/>
+          </p:nvPr>
+        </p:nvSpPr>
+        <p:spPr/>
+        <p:txBody>
+          <a:bodyPr/>
+          <a:lstStyle/>
+          <a:p>
+            <a:fld id="{3F1D8263-54E8-442D-88B4-DA252C595E3D}" type="slidenum">
+              <a:rPr lang="fr-FR" smtClean="0"/>
+              <a:pPr/>
+              <a:t>15</a:t>
+            </a:fld>
+            <a:endParaRPr lang="fr-FR"/>
+          </a:p>
+        </p:txBody>
+      </p:sp>
       <p:graphicFrame>
         <p:nvGraphicFramePr>
           <p:cNvPr id="6" name="Espace réservé du contenu 5"/>
@@ -12101,7 +16073,7 @@
             <p:ph sz="quarter" idx="1"/>
             <p:extLst>
               <p:ext uri="{D42A27DB-BD31-4B8C-83A1-F6EECF244321}">
-                <p14:modId xmlns:p14="http://schemas.microsoft.com/office/powerpoint/2010/main" val="1020763268"/>
+                <p14:modId xmlns:p14="http://schemas.microsoft.com/office/powerpoint/2010/main" val="1802225625"/>
               </p:ext>
             </p:extLst>
           </p:nvPr>
@@ -12269,7 +16241,7 @@
         <p:spPr>
           <a:xfrm>
             <a:off x="6372200" y="1596636"/>
-            <a:ext cx="2592288" cy="1107996"/>
+            <a:ext cx="2592288" cy="1785104"/>
           </a:xfrm>
           <a:prstGeom prst="rect">
             <a:avLst/>
@@ -12298,8 +16270,23 @@
             </a:pPr>
             <a:r>
               <a:rPr lang="fr-FR" sz="1100" dirty="0" smtClean="0"/>
-              <a:t>Transmission des efforts</a:t>
+              <a:t>Doi</a:t>
             </a:r>
+            <a:r>
+              <a:rPr lang="fr-FR" sz="1100" dirty="0" smtClean="0"/>
+              <a:t>t supporter les efforts dans les liaisons</a:t>
+            </a:r>
+          </a:p>
+          <a:p>
+            <a:pPr marL="742950" lvl="1" indent="-285750">
+              <a:buFont typeface="Arial" pitchFamily="34" charset="0"/>
+              <a:buChar char="•"/>
+            </a:pPr>
+            <a:r>
+              <a:rPr lang="fr-FR" sz="1100" dirty="0" smtClean="0"/>
+              <a:t>Doit résister à un environnement contraint (chantier par exemple)</a:t>
+            </a:r>
+            <a:endParaRPr lang="fr-FR" sz="1100" dirty="0" smtClean="0"/>
           </a:p>
           <a:p>
             <a:pPr marL="285750" indent="-285750">
@@ -12352,8 +16339,8 @@
         </p:nvSpPr>
         <p:spPr>
           <a:xfrm>
-            <a:off x="34963" y="1161160"/>
-            <a:ext cx="2592288" cy="938719"/>
+            <a:off x="539552" y="1596636"/>
+            <a:ext cx="2592288" cy="600164"/>
           </a:xfrm>
           <a:prstGeom prst="rect">
             <a:avLst/>
@@ -12395,27 +16382,7 @@
             </a:pPr>
             <a:r>
               <a:rPr lang="fr-FR" sz="1100" dirty="0" smtClean="0"/>
-              <a:t>Profil cylindrique</a:t>
-            </a:r>
-          </a:p>
-          <a:p>
-            <a:pPr marL="1200150" lvl="2" indent="-285750">
-              <a:buFont typeface="Arial" pitchFamily="34" charset="0"/>
-              <a:buChar char="•"/>
-            </a:pPr>
-            <a:r>
-              <a:rPr lang="fr-FR" sz="1100" dirty="0" smtClean="0"/>
-              <a:t>Secteur denté</a:t>
-            </a:r>
-          </a:p>
-          <a:p>
-            <a:pPr marL="1200150" lvl="2" indent="-285750">
-              <a:buFont typeface="Arial" pitchFamily="34" charset="0"/>
-              <a:buChar char="•"/>
-            </a:pPr>
-            <a:r>
-              <a:rPr lang="fr-FR" sz="1100" dirty="0" smtClean="0"/>
-              <a:t>Hélicoïde </a:t>
+              <a:t>Complexes </a:t>
             </a:r>
             <a:endParaRPr lang="fr-FR" sz="1100" dirty="0"/>
           </a:p>
@@ -12430,7 +16397,7 @@
         <p:spPr>
           <a:xfrm>
             <a:off x="34963" y="2605261"/>
-            <a:ext cx="2592288" cy="1277273"/>
+            <a:ext cx="2592288" cy="769441"/>
           </a:xfrm>
           <a:prstGeom prst="rect">
             <a:avLst/>
@@ -12462,8 +16429,9 @@
             </a:pPr>
             <a:r>
               <a:rPr lang="fr-FR" sz="1100" dirty="0" smtClean="0"/>
-              <a:t>Grand rayons dans les surfaces de raccordement (peu visible ici)</a:t>
+              <a:t>Épaisseurs constantes, </a:t>
             </a:r>
+            <a:endParaRPr lang="fr-FR" sz="1100" dirty="0" smtClean="0"/>
           </a:p>
           <a:p>
             <a:pPr marL="742950" lvl="1" indent="-285750">
@@ -12472,8 +16440,9 @@
             </a:pPr>
             <a:r>
               <a:rPr lang="fr-FR" sz="1100" dirty="0" smtClean="0"/>
-              <a:t>Fibrage de la pièce (non visible ici)</a:t>
+              <a:t>Dépouilles éventuelles…</a:t>
             </a:r>
+            <a:endParaRPr lang="fr-FR" sz="1100" dirty="0" smtClean="0"/>
           </a:p>
           <a:p>
             <a:pPr marL="742950" lvl="1" indent="-285750">
@@ -12492,7 +16461,7 @@
         </p:nvSpPr>
         <p:spPr>
           <a:xfrm>
-            <a:off x="5340343" y="4020120"/>
+            <a:off x="5176081" y="4077072"/>
             <a:ext cx="2592288" cy="261610"/>
           </a:xfrm>
           <a:prstGeom prst="rect">
@@ -12724,20 +16693,16 @@
           <a:p>
             <a:r>
               <a:rPr lang="fr-FR" sz="2000" dirty="0" smtClean="0"/>
-              <a:t>Brut cylindrique laminé</a:t>
+              <a:t>Moulage : moule destructible, modèle non destructible.</a:t>
             </a:r>
-          </a:p>
-          <a:p>
-            <a:r>
-              <a:rPr lang="fr-FR" sz="2000" dirty="0" smtClean="0"/>
-              <a:t>Forgeage des formes générales</a:t>
-            </a:r>
+            <a:endParaRPr lang="fr-FR" sz="2000" dirty="0"/>
           </a:p>
           <a:p>
             <a:r>
               <a:rPr lang="fr-FR" sz="2000" dirty="0" smtClean="0"/>
               <a:t>Ébavurage</a:t>
             </a:r>
+            <a:endParaRPr lang="fr-FR" sz="2000" dirty="0" smtClean="0"/>
           </a:p>
         </p:txBody>
       </p:sp>
@@ -12760,7 +16725,7 @@
         </p:spPr>
         <p:txBody>
           <a:bodyPr vert="horz">
-            <a:normAutofit fontScale="55000" lnSpcReduction="20000"/>
+            <a:normAutofit/>
           </a:bodyPr>
           <a:lstStyle>
             <a:lvl1pPr marL="274320" indent="-274320" algn="l" rtl="0" eaLnBrk="1" latinLnBrk="0" hangingPunct="1">
@@ -12948,51 +16913,26 @@
           <a:p>
             <a:r>
               <a:rPr lang="fr-FR" dirty="0" smtClean="0"/>
-              <a:t>Usinage :</a:t>
+              <a:t>Usinage des surfaces fonctionnelles</a:t>
             </a:r>
+            <a:endParaRPr lang="fr-FR" dirty="0" smtClean="0"/>
           </a:p>
           <a:p>
             <a:pPr lvl="1"/>
             <a:r>
               <a:rPr lang="fr-FR" dirty="0" smtClean="0"/>
-              <a:t>Tournage des parties cylindriques et planes</a:t>
+              <a:t>Fraisage d’ébauche</a:t>
             </a:r>
           </a:p>
           <a:p>
             <a:pPr lvl="1"/>
             <a:r>
               <a:rPr lang="fr-FR" dirty="0" smtClean="0"/>
-              <a:t>Tournage sur tour 3 axes pour les rainures de clavette</a:t>
+              <a:t>Fraisage de </a:t>
             </a:r>
-          </a:p>
-          <a:p>
             <a:r>
               <a:rPr lang="fr-FR" dirty="0" smtClean="0"/>
-              <a:t>Taille des engrenages et de la portion hélicoïdale</a:t>
-            </a:r>
-          </a:p>
-          <a:p>
-            <a:r>
-              <a:rPr lang="fr-FR" dirty="0" smtClean="0"/>
-              <a:t>Trempe superficielle + Revenu</a:t>
-            </a:r>
-          </a:p>
-          <a:p>
-            <a:pPr lvl="1"/>
-            <a:r>
-              <a:rPr lang="fr-FR" dirty="0" smtClean="0"/>
-              <a:t>Engrenages, portées </a:t>
-            </a:r>
-            <a:r>
-              <a:rPr lang="fr-FR" smtClean="0"/>
-              <a:t>de roulements.</a:t>
-            </a:r>
-            <a:endParaRPr lang="fr-FR" dirty="0" smtClean="0"/>
-          </a:p>
-          <a:p>
-            <a:r>
-              <a:rPr lang="fr-FR" dirty="0" smtClean="0"/>
-              <a:t>Usinage des de finition</a:t>
+              <a:t>finition</a:t>
             </a:r>
           </a:p>
         </p:txBody>
@@ -13001,6 +16941,1154 @@
     <p:extLst>
       <p:ext uri="{BB962C8B-B14F-4D97-AF65-F5344CB8AC3E}">
         <p14:creationId xmlns:p14="http://schemas.microsoft.com/office/powerpoint/2010/main" val="2997057350"/>
+      </p:ext>
+    </p:extLst>
+  </p:cSld>
+  <p:clrMapOvr>
+    <a:masterClrMapping/>
+  </p:clrMapOvr>
+  <p:timing>
+    <p:tnLst>
+      <p:par>
+        <p:cTn id="1" dur="indefinite" restart="never" nodeType="tmRoot"/>
+      </p:par>
+    </p:tnLst>
+  </p:timing>
+</p:sld>
+</file>
+
+<file path=ppt/slides/slide16.xml><?xml version="1.0" encoding="utf-8"?>
+<p:sld xmlns:a="http://schemas.openxmlformats.org/drawingml/2006/main" xmlns:r="http://schemas.openxmlformats.org/officeDocument/2006/relationships" xmlns:p="http://schemas.openxmlformats.org/presentationml/2006/main">
+  <p:cSld>
+    <p:spTree>
+      <p:nvGrpSpPr>
+        <p:cNvPr id="1" name=""/>
+        <p:cNvGrpSpPr/>
+        <p:nvPr/>
+      </p:nvGrpSpPr>
+      <p:grpSpPr>
+        <a:xfrm>
+          <a:off x="0" y="0"/>
+          <a:ext cx="0" cy="0"/>
+          <a:chOff x="0" y="0"/>
+          <a:chExt cx="0" cy="0"/>
+        </a:xfrm>
+      </p:grpSpPr>
+      <p:sp>
+        <p:nvSpPr>
+          <p:cNvPr id="2" name="Titre 1"/>
+          <p:cNvSpPr>
+            <a:spLocks noGrp="1"/>
+          </p:cNvSpPr>
+          <p:nvPr>
+            <p:ph type="title"/>
+          </p:nvPr>
+        </p:nvSpPr>
+        <p:spPr/>
+        <p:txBody>
+          <a:bodyPr/>
+          <a:lstStyle/>
+          <a:p>
+            <a:r>
+              <a:rPr lang="fr-FR" dirty="0" smtClean="0"/>
+              <a:t>Analyse </a:t>
+            </a:r>
+            <a:r>
+              <a:rPr lang="fr-FR" dirty="0" smtClean="0"/>
+              <a:t>PPM</a:t>
+            </a:r>
+            <a:br>
+              <a:rPr lang="fr-FR" dirty="0" smtClean="0"/>
+            </a:br>
+            <a:r>
+              <a:rPr lang="fr-FR" dirty="0" smtClean="0"/>
+              <a:t>Couronne</a:t>
+            </a:r>
+            <a:endParaRPr lang="fr-FR" dirty="0"/>
+          </a:p>
+        </p:txBody>
+      </p:sp>
+      <p:sp>
+        <p:nvSpPr>
+          <p:cNvPr id="3" name="Espace réservé du pied de page 2"/>
+          <p:cNvSpPr>
+            <a:spLocks noGrp="1"/>
+          </p:cNvSpPr>
+          <p:nvPr>
+            <p:ph type="ftr" sz="quarter" idx="11"/>
+          </p:nvPr>
+        </p:nvSpPr>
+        <p:spPr/>
+        <p:txBody>
+          <a:bodyPr/>
+          <a:lstStyle/>
+          <a:p>
+            <a:r>
+              <a:rPr lang="fr-FR" dirty="0" smtClean="0"/>
+              <a:t>Cisaille hydraulique </a:t>
+            </a:r>
+            <a:r>
+              <a:rPr lang="fr-FR" dirty="0" smtClean="0"/>
+              <a:t>– Équipe pédagogique </a:t>
+            </a:r>
+            <a:r>
+              <a:rPr lang="fr-FR" dirty="0" smtClean="0"/>
+              <a:t>PT</a:t>
+            </a:r>
+            <a:endParaRPr lang="fr-FR" dirty="0"/>
+          </a:p>
+        </p:txBody>
+      </p:sp>
+      <p:sp>
+        <p:nvSpPr>
+          <p:cNvPr id="4" name="Espace réservé du numéro de diapositive 3"/>
+          <p:cNvSpPr>
+            <a:spLocks noGrp="1"/>
+          </p:cNvSpPr>
+          <p:nvPr>
+            <p:ph type="sldNum" sz="quarter" idx="12"/>
+          </p:nvPr>
+        </p:nvSpPr>
+        <p:spPr/>
+        <p:txBody>
+          <a:bodyPr/>
+          <a:lstStyle/>
+          <a:p>
+            <a:fld id="{3F1D8263-54E8-442D-88B4-DA252C595E3D}" type="slidenum">
+              <a:rPr lang="fr-FR" smtClean="0"/>
+              <a:pPr/>
+              <a:t>16</a:t>
+            </a:fld>
+            <a:endParaRPr lang="fr-FR"/>
+          </a:p>
+        </p:txBody>
+      </p:sp>
+      <p:graphicFrame>
+        <p:nvGraphicFramePr>
+          <p:cNvPr id="6" name="Espace réservé du contenu 5"/>
+          <p:cNvGraphicFramePr>
+            <a:graphicFrameLocks noGrp="1"/>
+          </p:cNvGraphicFramePr>
+          <p:nvPr>
+            <p:ph sz="quarter" idx="1"/>
+            <p:extLst>
+              <p:ext uri="{D42A27DB-BD31-4B8C-83A1-F6EECF244321}">
+                <p14:modId xmlns:p14="http://schemas.microsoft.com/office/powerpoint/2010/main" val="3879290624"/>
+              </p:ext>
+            </p:extLst>
+          </p:nvPr>
+        </p:nvGraphicFramePr>
+        <p:xfrm>
+          <a:off x="2580299" y="1300708"/>
+          <a:ext cx="3983402" cy="2605758"/>
+        </p:xfrm>
+        <a:graphic>
+          <a:graphicData uri="http://schemas.openxmlformats.org/drawingml/2006/diagram">
+            <dgm:relIds xmlns:dgm="http://schemas.openxmlformats.org/drawingml/2006/diagram" xmlns:r="http://schemas.openxmlformats.org/officeDocument/2006/relationships" r:dm="rId2" r:lo="rId3" r:qs="rId4" r:cs="rId5"/>
+          </a:graphicData>
+        </a:graphic>
+      </p:graphicFrame>
+      <p:sp>
+        <p:nvSpPr>
+          <p:cNvPr id="7" name="Éclair 6"/>
+          <p:cNvSpPr/>
+          <p:nvPr/>
+        </p:nvSpPr>
+        <p:spPr>
+          <a:xfrm>
+            <a:off x="2411760" y="2269582"/>
+            <a:ext cx="864096" cy="576064"/>
+          </a:xfrm>
+          <a:prstGeom prst="lightningBolt">
+            <a:avLst/>
+          </a:prstGeom>
+          <a:solidFill>
+            <a:srgbClr val="FFC000"/>
+          </a:solidFill>
+          <a:ln>
+            <a:solidFill>
+              <a:srgbClr val="FF0000"/>
+            </a:solidFill>
+          </a:ln>
+        </p:spPr>
+        <p:style>
+          <a:lnRef idx="2">
+            <a:schemeClr val="accent1">
+              <a:shade val="50000"/>
+            </a:schemeClr>
+          </a:lnRef>
+          <a:fillRef idx="1">
+            <a:schemeClr val="accent1"/>
+          </a:fillRef>
+          <a:effectRef idx="0">
+            <a:schemeClr val="accent1"/>
+          </a:effectRef>
+          <a:fontRef idx="minor">
+            <a:schemeClr val="lt1"/>
+          </a:fontRef>
+        </p:style>
+        <p:txBody>
+          <a:bodyPr rtlCol="0" anchor="ctr"/>
+          <a:lstStyle/>
+          <a:p>
+            <a:pPr algn="ctr"/>
+            <a:endParaRPr lang="fr-FR"/>
+          </a:p>
+        </p:txBody>
+      </p:sp>
+      <p:sp>
+        <p:nvSpPr>
+          <p:cNvPr id="8" name="Éclair 7"/>
+          <p:cNvSpPr/>
+          <p:nvPr/>
+        </p:nvSpPr>
+        <p:spPr>
+          <a:xfrm flipH="1">
+            <a:off x="5392784" y="2027523"/>
+            <a:ext cx="864096" cy="576064"/>
+          </a:xfrm>
+          <a:prstGeom prst="lightningBolt">
+            <a:avLst/>
+          </a:prstGeom>
+          <a:solidFill>
+            <a:srgbClr val="FFC000"/>
+          </a:solidFill>
+          <a:ln>
+            <a:solidFill>
+              <a:srgbClr val="FF0000"/>
+            </a:solidFill>
+          </a:ln>
+        </p:spPr>
+        <p:style>
+          <a:lnRef idx="2">
+            <a:schemeClr val="accent1">
+              <a:shade val="50000"/>
+            </a:schemeClr>
+          </a:lnRef>
+          <a:fillRef idx="1">
+            <a:schemeClr val="accent1"/>
+          </a:fillRef>
+          <a:effectRef idx="0">
+            <a:schemeClr val="accent1"/>
+          </a:effectRef>
+          <a:fontRef idx="minor">
+            <a:schemeClr val="lt1"/>
+          </a:fontRef>
+        </p:style>
+        <p:txBody>
+          <a:bodyPr rtlCol="0" anchor="ctr"/>
+          <a:lstStyle/>
+          <a:p>
+            <a:pPr algn="ctr"/>
+            <a:endParaRPr lang="fr-FR"/>
+          </a:p>
+        </p:txBody>
+      </p:sp>
+      <p:sp>
+        <p:nvSpPr>
+          <p:cNvPr id="11" name="ZoneTexte 10"/>
+          <p:cNvSpPr txBox="1"/>
+          <p:nvPr/>
+        </p:nvSpPr>
+        <p:spPr>
+          <a:xfrm>
+            <a:off x="6372200" y="1596636"/>
+            <a:ext cx="2592288" cy="1277273"/>
+          </a:xfrm>
+          <a:prstGeom prst="rect">
+            <a:avLst/>
+          </a:prstGeom>
+          <a:noFill/>
+        </p:spPr>
+        <p:txBody>
+          <a:bodyPr wrap="square" rtlCol="0">
+            <a:spAutoFit/>
+          </a:bodyPr>
+          <a:lstStyle/>
+          <a:p>
+            <a:pPr marL="285750" indent="-285750">
+              <a:buFont typeface="Arial" pitchFamily="34" charset="0"/>
+              <a:buChar char="•"/>
+            </a:pPr>
+            <a:r>
+              <a:rPr lang="fr-FR" sz="1100" dirty="0" smtClean="0"/>
+              <a:t>Critères mécaniques </a:t>
+            </a:r>
+          </a:p>
+          <a:p>
+            <a:pPr marL="742950" lvl="1" indent="-285750">
+              <a:buFont typeface="Arial" pitchFamily="34" charset="0"/>
+              <a:buChar char="•"/>
+            </a:pPr>
+            <a:r>
+              <a:rPr lang="fr-FR" sz="1100" dirty="0" smtClean="0"/>
+              <a:t>Transmission</a:t>
+            </a:r>
+            <a:r>
+              <a:rPr lang="fr-FR" sz="1100" dirty="0" smtClean="0"/>
+              <a:t> des efforts du moteur</a:t>
+            </a:r>
+            <a:endParaRPr lang="fr-FR" sz="1100" dirty="0" smtClean="0"/>
+          </a:p>
+          <a:p>
+            <a:pPr marL="285750" indent="-285750">
+              <a:buFont typeface="Arial" pitchFamily="34" charset="0"/>
+              <a:buChar char="•"/>
+            </a:pPr>
+            <a:r>
+              <a:rPr lang="fr-FR" sz="1100" dirty="0" smtClean="0"/>
+              <a:t>Critères chimiques</a:t>
+            </a:r>
+          </a:p>
+          <a:p>
+            <a:pPr marL="742950" lvl="1" indent="-285750">
+              <a:buFont typeface="Arial" pitchFamily="34" charset="0"/>
+              <a:buChar char="•"/>
+            </a:pPr>
+            <a:r>
+              <a:rPr lang="fr-FR" sz="1100" dirty="0" smtClean="0"/>
+              <a:t>Surement négligeables</a:t>
+            </a:r>
+          </a:p>
+          <a:p>
+            <a:pPr marL="285750" indent="-285750">
+              <a:buFont typeface="Arial" pitchFamily="34" charset="0"/>
+              <a:buChar char="•"/>
+            </a:pPr>
+            <a:r>
+              <a:rPr lang="fr-FR" sz="1100" dirty="0" smtClean="0"/>
+              <a:t>Critères thermiques</a:t>
+            </a:r>
+          </a:p>
+          <a:p>
+            <a:pPr marL="742950" lvl="1" indent="-285750">
+              <a:buFont typeface="Arial" pitchFamily="34" charset="0"/>
+              <a:buChar char="•"/>
+            </a:pPr>
+            <a:r>
+              <a:rPr lang="fr-FR" sz="1100" dirty="0" smtClean="0"/>
+              <a:t>Surement négligeables</a:t>
+            </a:r>
+            <a:endParaRPr lang="fr-FR" sz="1100" dirty="0"/>
+          </a:p>
+        </p:txBody>
+      </p:sp>
+      <p:sp>
+        <p:nvSpPr>
+          <p:cNvPr id="12" name="ZoneTexte 11"/>
+          <p:cNvSpPr txBox="1"/>
+          <p:nvPr/>
+        </p:nvSpPr>
+        <p:spPr>
+          <a:xfrm>
+            <a:off x="539552" y="1596636"/>
+            <a:ext cx="2592288" cy="600164"/>
+          </a:xfrm>
+          <a:prstGeom prst="rect">
+            <a:avLst/>
+          </a:prstGeom>
+          <a:noFill/>
+        </p:spPr>
+        <p:txBody>
+          <a:bodyPr wrap="square" rtlCol="0">
+            <a:spAutoFit/>
+          </a:bodyPr>
+          <a:lstStyle/>
+          <a:p>
+            <a:r>
+              <a:rPr lang="fr-FR" sz="1100" dirty="0" smtClean="0"/>
+              <a:t>Produit </a:t>
+            </a:r>
+            <a:r>
+              <a:rPr lang="fr-FR" sz="1100" dirty="0" smtClean="0">
+                <a:sym typeface="Wingdings 3"/>
+              </a:rPr>
+              <a:t> Procédé</a:t>
+            </a:r>
+            <a:endParaRPr lang="fr-FR" sz="1100" dirty="0" smtClean="0"/>
+          </a:p>
+          <a:p>
+            <a:pPr marL="742950" lvl="1" indent="-285750">
+              <a:buFont typeface="Arial" pitchFamily="34" charset="0"/>
+              <a:buChar char="•"/>
+            </a:pPr>
+            <a:r>
+              <a:rPr lang="fr-FR" sz="1100" dirty="0" smtClean="0"/>
+              <a:t>Formes</a:t>
+            </a:r>
+          </a:p>
+          <a:p>
+            <a:pPr marL="1200150" lvl="2" indent="-285750">
+              <a:buFont typeface="Arial" pitchFamily="34" charset="0"/>
+              <a:buChar char="•"/>
+            </a:pPr>
+            <a:r>
+              <a:rPr lang="fr-FR" sz="1100" dirty="0" smtClean="0"/>
+              <a:t>Complexes </a:t>
+            </a:r>
+            <a:endParaRPr lang="fr-FR" sz="1100" dirty="0"/>
+          </a:p>
+        </p:txBody>
+      </p:sp>
+      <p:sp>
+        <p:nvSpPr>
+          <p:cNvPr id="13" name="ZoneTexte 12"/>
+          <p:cNvSpPr txBox="1"/>
+          <p:nvPr/>
+        </p:nvSpPr>
+        <p:spPr>
+          <a:xfrm>
+            <a:off x="34963" y="2605261"/>
+            <a:ext cx="2592288" cy="769441"/>
+          </a:xfrm>
+          <a:prstGeom prst="rect">
+            <a:avLst/>
+          </a:prstGeom>
+          <a:noFill/>
+        </p:spPr>
+        <p:txBody>
+          <a:bodyPr wrap="square" rtlCol="0">
+            <a:spAutoFit/>
+          </a:bodyPr>
+          <a:lstStyle/>
+          <a:p>
+            <a:r>
+              <a:rPr lang="fr-FR" sz="1100" dirty="0" smtClean="0"/>
+              <a:t>Procédé </a:t>
+            </a:r>
+            <a:r>
+              <a:rPr lang="fr-FR" sz="1100" dirty="0" smtClean="0">
+                <a:sym typeface="Wingdings 3"/>
+              </a:rPr>
+              <a:t> Produit</a:t>
+            </a:r>
+            <a:endParaRPr lang="fr-FR" sz="1100" dirty="0" smtClean="0"/>
+          </a:p>
+          <a:p>
+            <a:pPr marL="742950" lvl="1" indent="-285750">
+              <a:buFont typeface="Arial" pitchFamily="34" charset="0"/>
+              <a:buChar char="•"/>
+            </a:pPr>
+            <a:r>
+              <a:rPr lang="fr-FR" sz="1100" dirty="0" smtClean="0"/>
+              <a:t>Épaisseurs constantes, </a:t>
+            </a:r>
+            <a:endParaRPr lang="fr-FR" sz="1100" dirty="0" smtClean="0"/>
+          </a:p>
+          <a:p>
+            <a:pPr marL="742950" lvl="1" indent="-285750">
+              <a:buFont typeface="Arial" pitchFamily="34" charset="0"/>
+              <a:buChar char="•"/>
+            </a:pPr>
+            <a:r>
+              <a:rPr lang="fr-FR" sz="1100" dirty="0" smtClean="0"/>
+              <a:t>Dépouilles éventuelles…</a:t>
+            </a:r>
+            <a:endParaRPr lang="fr-FR" sz="1100" dirty="0" smtClean="0"/>
+          </a:p>
+          <a:p>
+            <a:pPr marL="742950" lvl="1" indent="-285750">
+              <a:buFont typeface="Arial" pitchFamily="34" charset="0"/>
+              <a:buChar char="•"/>
+            </a:pPr>
+            <a:endParaRPr lang="fr-FR" sz="1100" dirty="0"/>
+          </a:p>
+        </p:txBody>
+      </p:sp>
+      <p:sp>
+        <p:nvSpPr>
+          <p:cNvPr id="16" name="Espace réservé du contenu 4"/>
+          <p:cNvSpPr txBox="1">
+            <a:spLocks/>
+          </p:cNvSpPr>
+          <p:nvPr/>
+        </p:nvSpPr>
+        <p:spPr>
+          <a:xfrm>
+            <a:off x="457200" y="4077072"/>
+            <a:ext cx="8435280" cy="792088"/>
+          </a:xfrm>
+          <a:prstGeom prst="rect">
+            <a:avLst/>
+          </a:prstGeom>
+        </p:spPr>
+        <p:txBody>
+          <a:bodyPr vert="horz">
+            <a:normAutofit/>
+          </a:bodyPr>
+          <a:lstStyle>
+            <a:lvl1pPr marL="274320" indent="-274320" algn="l" rtl="0" eaLnBrk="1" latinLnBrk="0" hangingPunct="1">
+              <a:spcBef>
+                <a:spcPts val="600"/>
+              </a:spcBef>
+              <a:buClr>
+                <a:schemeClr val="accent1"/>
+              </a:buClr>
+              <a:buSzPct val="76000"/>
+              <a:buFont typeface="Wingdings 3"/>
+              <a:buChar char=""/>
+              <a:defRPr kumimoji="0" sz="2400" kern="1200">
+                <a:solidFill>
+                  <a:schemeClr val="tx1"/>
+                </a:solidFill>
+                <a:latin typeface="+mn-lt"/>
+                <a:ea typeface="+mn-ea"/>
+                <a:cs typeface="+mn-cs"/>
+              </a:defRPr>
+            </a:lvl1pPr>
+            <a:lvl2pPr marL="548640" indent="-274320" algn="l" rtl="0" eaLnBrk="1" latinLnBrk="0" hangingPunct="1">
+              <a:spcBef>
+                <a:spcPts val="500"/>
+              </a:spcBef>
+              <a:buClr>
+                <a:schemeClr val="accent2"/>
+              </a:buClr>
+              <a:buSzPct val="76000"/>
+              <a:buFont typeface="Wingdings 3"/>
+              <a:buChar char=""/>
+              <a:defRPr kumimoji="0" sz="2000" kern="1200">
+                <a:solidFill>
+                  <a:schemeClr val="tx2"/>
+                </a:solidFill>
+                <a:latin typeface="+mn-lt"/>
+                <a:ea typeface="+mn-ea"/>
+                <a:cs typeface="+mn-cs"/>
+              </a:defRPr>
+            </a:lvl2pPr>
+            <a:lvl3pPr marL="822960" indent="-228600" algn="l" rtl="0" eaLnBrk="1" latinLnBrk="0" hangingPunct="1">
+              <a:spcBef>
+                <a:spcPts val="500"/>
+              </a:spcBef>
+              <a:buClr>
+                <a:schemeClr val="bg1">
+                  <a:shade val="50000"/>
+                </a:schemeClr>
+              </a:buClr>
+              <a:buSzPct val="76000"/>
+              <a:buFont typeface="Wingdings 3"/>
+              <a:buChar char=""/>
+              <a:defRPr kumimoji="0" sz="1800" kern="1200">
+                <a:solidFill>
+                  <a:schemeClr val="tx1"/>
+                </a:solidFill>
+                <a:latin typeface="+mn-lt"/>
+                <a:ea typeface="+mn-ea"/>
+                <a:cs typeface="+mn-cs"/>
+              </a:defRPr>
+            </a:lvl3pPr>
+            <a:lvl4pPr marL="1097280" indent="-228600" algn="l" rtl="0" eaLnBrk="1" latinLnBrk="0" hangingPunct="1">
+              <a:spcBef>
+                <a:spcPts val="400"/>
+              </a:spcBef>
+              <a:buClr>
+                <a:schemeClr val="accent2">
+                  <a:shade val="75000"/>
+                </a:schemeClr>
+              </a:buClr>
+              <a:buSzPct val="70000"/>
+              <a:buFont typeface="Wingdings"/>
+              <a:buChar char=""/>
+              <a:defRPr kumimoji="0" sz="1600" kern="1200">
+                <a:solidFill>
+                  <a:schemeClr val="tx1"/>
+                </a:solidFill>
+                <a:latin typeface="+mn-lt"/>
+                <a:ea typeface="+mn-ea"/>
+                <a:cs typeface="+mn-cs"/>
+              </a:defRPr>
+            </a:lvl4pPr>
+            <a:lvl5pPr marL="1371600" indent="-228600" algn="l" rtl="0" eaLnBrk="1" latinLnBrk="0" hangingPunct="1">
+              <a:spcBef>
+                <a:spcPts val="300"/>
+              </a:spcBef>
+              <a:buClr>
+                <a:schemeClr val="accent2"/>
+              </a:buClr>
+              <a:buSzPct val="70000"/>
+              <a:buFont typeface="Wingdings"/>
+              <a:buChar char=""/>
+              <a:defRPr kumimoji="0" sz="1400" kern="1200">
+                <a:solidFill>
+                  <a:schemeClr val="tx1"/>
+                </a:solidFill>
+                <a:latin typeface="+mn-lt"/>
+                <a:ea typeface="+mn-ea"/>
+                <a:cs typeface="+mn-cs"/>
+              </a:defRPr>
+            </a:lvl5pPr>
+            <a:lvl6pPr marL="1645920" indent="-182880" algn="l" rtl="0" eaLnBrk="1" latinLnBrk="0" hangingPunct="1">
+              <a:spcBef>
+                <a:spcPts val="300"/>
+              </a:spcBef>
+              <a:buClr>
+                <a:srgbClr val="9FB8CD">
+                  <a:shade val="75000"/>
+                </a:srgbClr>
+              </a:buClr>
+              <a:buSzPct val="75000"/>
+              <a:buFont typeface="Wingdings 3"/>
+              <a:buChar char=""/>
+              <a:defRPr kumimoji="0" lang="en-US" sz="1600" kern="1200" smtClean="0">
+                <a:solidFill>
+                  <a:schemeClr val="tx1"/>
+                </a:solidFill>
+                <a:latin typeface="+mn-lt"/>
+                <a:ea typeface="+mn-ea"/>
+                <a:cs typeface="+mn-cs"/>
+              </a:defRPr>
+            </a:lvl6pPr>
+            <a:lvl7pPr marL="1828800" indent="-182880" algn="l" rtl="0" eaLnBrk="1" latinLnBrk="0" hangingPunct="1">
+              <a:spcBef>
+                <a:spcPts val="300"/>
+              </a:spcBef>
+              <a:buClr>
+                <a:srgbClr val="727CA3">
+                  <a:shade val="75000"/>
+                </a:srgbClr>
+              </a:buClr>
+              <a:buSzPct val="75000"/>
+              <a:buFont typeface="Wingdings 3"/>
+              <a:buChar char=""/>
+              <a:defRPr kumimoji="0" lang="en-US" sz="1400" kern="1200" smtClean="0">
+                <a:solidFill>
+                  <a:schemeClr val="tx1"/>
+                </a:solidFill>
+                <a:latin typeface="+mn-lt"/>
+                <a:ea typeface="+mn-ea"/>
+                <a:cs typeface="+mn-cs"/>
+              </a:defRPr>
+            </a:lvl7pPr>
+            <a:lvl8pPr marL="2011680" indent="-182880" algn="l" rtl="0" eaLnBrk="1" latinLnBrk="0" hangingPunct="1">
+              <a:spcBef>
+                <a:spcPts val="300"/>
+              </a:spcBef>
+              <a:buClr>
+                <a:prstClr val="white">
+                  <a:shade val="50000"/>
+                </a:prstClr>
+              </a:buClr>
+              <a:buSzPct val="75000"/>
+              <a:buFont typeface="Wingdings 3"/>
+              <a:buChar char=""/>
+              <a:defRPr kumimoji="0" lang="en-US" sz="1400" kern="1200" smtClean="0">
+                <a:solidFill>
+                  <a:schemeClr val="tx1"/>
+                </a:solidFill>
+                <a:latin typeface="+mn-lt"/>
+                <a:ea typeface="+mn-ea"/>
+                <a:cs typeface="+mn-cs"/>
+              </a:defRPr>
+            </a:lvl8pPr>
+            <a:lvl9pPr marL="2194560" indent="-182880" algn="l" rtl="0" eaLnBrk="1" latinLnBrk="0" hangingPunct="1">
+              <a:spcBef>
+                <a:spcPts val="300"/>
+              </a:spcBef>
+              <a:buClr>
+                <a:srgbClr val="9FB8CD"/>
+              </a:buClr>
+              <a:buSzPct val="75000"/>
+              <a:buFont typeface="Wingdings 3"/>
+              <a:buChar char=""/>
+              <a:defRPr kumimoji="0" lang="en-US" sz="1200" kern="1200" smtClean="0">
+                <a:solidFill>
+                  <a:schemeClr val="tx1"/>
+                </a:solidFill>
+                <a:latin typeface="+mn-lt"/>
+                <a:ea typeface="+mn-ea"/>
+                <a:cs typeface="+mn-cs"/>
+              </a:defRPr>
+            </a:lvl9pPr>
+          </a:lstStyle>
+          <a:p>
+            <a:r>
+              <a:rPr lang="fr-FR" sz="1800" dirty="0" smtClean="0"/>
+              <a:t>Assemblage par liaison encastrement démontable du plateau et de la couronne. </a:t>
+            </a:r>
+            <a:endParaRPr lang="fr-FR" sz="1800" dirty="0" smtClean="0"/>
+          </a:p>
+        </p:txBody>
+      </p:sp>
+      <p:sp>
+        <p:nvSpPr>
+          <p:cNvPr id="17" name="Espace réservé du contenu 4"/>
+          <p:cNvSpPr txBox="1">
+            <a:spLocks/>
+          </p:cNvSpPr>
+          <p:nvPr/>
+        </p:nvSpPr>
+        <p:spPr>
+          <a:xfrm>
+            <a:off x="537964" y="4496328"/>
+            <a:ext cx="4042792" cy="1812992"/>
+          </a:xfrm>
+          <a:prstGeom prst="rect">
+            <a:avLst/>
+          </a:prstGeom>
+        </p:spPr>
+        <p:txBody>
+          <a:bodyPr vert="horz">
+            <a:normAutofit fontScale="92500" lnSpcReduction="10000"/>
+          </a:bodyPr>
+          <a:lstStyle>
+            <a:lvl1pPr marL="274320" indent="-274320" algn="l" rtl="0" eaLnBrk="1" latinLnBrk="0" hangingPunct="1">
+              <a:spcBef>
+                <a:spcPts val="600"/>
+              </a:spcBef>
+              <a:buClr>
+                <a:schemeClr val="accent1"/>
+              </a:buClr>
+              <a:buSzPct val="76000"/>
+              <a:buFont typeface="Wingdings 3"/>
+              <a:buChar char=""/>
+              <a:defRPr kumimoji="0" sz="2400" kern="1200">
+                <a:solidFill>
+                  <a:schemeClr val="tx1"/>
+                </a:solidFill>
+                <a:latin typeface="+mn-lt"/>
+                <a:ea typeface="+mn-ea"/>
+                <a:cs typeface="+mn-cs"/>
+              </a:defRPr>
+            </a:lvl1pPr>
+            <a:lvl2pPr marL="548640" indent="-274320" algn="l" rtl="0" eaLnBrk="1" latinLnBrk="0" hangingPunct="1">
+              <a:spcBef>
+                <a:spcPts val="500"/>
+              </a:spcBef>
+              <a:buClr>
+                <a:schemeClr val="accent2"/>
+              </a:buClr>
+              <a:buSzPct val="76000"/>
+              <a:buFont typeface="Wingdings 3"/>
+              <a:buChar char=""/>
+              <a:defRPr kumimoji="0" sz="2000" kern="1200">
+                <a:solidFill>
+                  <a:schemeClr val="tx2"/>
+                </a:solidFill>
+                <a:latin typeface="+mn-lt"/>
+                <a:ea typeface="+mn-ea"/>
+                <a:cs typeface="+mn-cs"/>
+              </a:defRPr>
+            </a:lvl2pPr>
+            <a:lvl3pPr marL="822960" indent="-228600" algn="l" rtl="0" eaLnBrk="1" latinLnBrk="0" hangingPunct="1">
+              <a:spcBef>
+                <a:spcPts val="500"/>
+              </a:spcBef>
+              <a:buClr>
+                <a:schemeClr val="bg1">
+                  <a:shade val="50000"/>
+                </a:schemeClr>
+              </a:buClr>
+              <a:buSzPct val="76000"/>
+              <a:buFont typeface="Wingdings 3"/>
+              <a:buChar char=""/>
+              <a:defRPr kumimoji="0" sz="1800" kern="1200">
+                <a:solidFill>
+                  <a:schemeClr val="tx1"/>
+                </a:solidFill>
+                <a:latin typeface="+mn-lt"/>
+                <a:ea typeface="+mn-ea"/>
+                <a:cs typeface="+mn-cs"/>
+              </a:defRPr>
+            </a:lvl3pPr>
+            <a:lvl4pPr marL="1097280" indent="-228600" algn="l" rtl="0" eaLnBrk="1" latinLnBrk="0" hangingPunct="1">
+              <a:spcBef>
+                <a:spcPts val="400"/>
+              </a:spcBef>
+              <a:buClr>
+                <a:schemeClr val="accent2">
+                  <a:shade val="75000"/>
+                </a:schemeClr>
+              </a:buClr>
+              <a:buSzPct val="70000"/>
+              <a:buFont typeface="Wingdings"/>
+              <a:buChar char=""/>
+              <a:defRPr kumimoji="0" sz="1600" kern="1200">
+                <a:solidFill>
+                  <a:schemeClr val="tx1"/>
+                </a:solidFill>
+                <a:latin typeface="+mn-lt"/>
+                <a:ea typeface="+mn-ea"/>
+                <a:cs typeface="+mn-cs"/>
+              </a:defRPr>
+            </a:lvl4pPr>
+            <a:lvl5pPr marL="1371600" indent="-228600" algn="l" rtl="0" eaLnBrk="1" latinLnBrk="0" hangingPunct="1">
+              <a:spcBef>
+                <a:spcPts val="300"/>
+              </a:spcBef>
+              <a:buClr>
+                <a:schemeClr val="accent2"/>
+              </a:buClr>
+              <a:buSzPct val="70000"/>
+              <a:buFont typeface="Wingdings"/>
+              <a:buChar char=""/>
+              <a:defRPr kumimoji="0" sz="1400" kern="1200">
+                <a:solidFill>
+                  <a:schemeClr val="tx1"/>
+                </a:solidFill>
+                <a:latin typeface="+mn-lt"/>
+                <a:ea typeface="+mn-ea"/>
+                <a:cs typeface="+mn-cs"/>
+              </a:defRPr>
+            </a:lvl5pPr>
+            <a:lvl6pPr marL="1645920" indent="-182880" algn="l" rtl="0" eaLnBrk="1" latinLnBrk="0" hangingPunct="1">
+              <a:spcBef>
+                <a:spcPts val="300"/>
+              </a:spcBef>
+              <a:buClr>
+                <a:srgbClr val="9FB8CD">
+                  <a:shade val="75000"/>
+                </a:srgbClr>
+              </a:buClr>
+              <a:buSzPct val="75000"/>
+              <a:buFont typeface="Wingdings 3"/>
+              <a:buChar char=""/>
+              <a:defRPr kumimoji="0" lang="en-US" sz="1600" kern="1200" smtClean="0">
+                <a:solidFill>
+                  <a:schemeClr val="tx1"/>
+                </a:solidFill>
+                <a:latin typeface="+mn-lt"/>
+                <a:ea typeface="+mn-ea"/>
+                <a:cs typeface="+mn-cs"/>
+              </a:defRPr>
+            </a:lvl6pPr>
+            <a:lvl7pPr marL="1828800" indent="-182880" algn="l" rtl="0" eaLnBrk="1" latinLnBrk="0" hangingPunct="1">
+              <a:spcBef>
+                <a:spcPts val="300"/>
+              </a:spcBef>
+              <a:buClr>
+                <a:srgbClr val="727CA3">
+                  <a:shade val="75000"/>
+                </a:srgbClr>
+              </a:buClr>
+              <a:buSzPct val="75000"/>
+              <a:buFont typeface="Wingdings 3"/>
+              <a:buChar char=""/>
+              <a:defRPr kumimoji="0" lang="en-US" sz="1400" kern="1200" smtClean="0">
+                <a:solidFill>
+                  <a:schemeClr val="tx1"/>
+                </a:solidFill>
+                <a:latin typeface="+mn-lt"/>
+                <a:ea typeface="+mn-ea"/>
+                <a:cs typeface="+mn-cs"/>
+              </a:defRPr>
+            </a:lvl7pPr>
+            <a:lvl8pPr marL="2011680" indent="-182880" algn="l" rtl="0" eaLnBrk="1" latinLnBrk="0" hangingPunct="1">
+              <a:spcBef>
+                <a:spcPts val="300"/>
+              </a:spcBef>
+              <a:buClr>
+                <a:prstClr val="white">
+                  <a:shade val="50000"/>
+                </a:prstClr>
+              </a:buClr>
+              <a:buSzPct val="75000"/>
+              <a:buFont typeface="Wingdings 3"/>
+              <a:buChar char=""/>
+              <a:defRPr kumimoji="0" lang="en-US" sz="1400" kern="1200" smtClean="0">
+                <a:solidFill>
+                  <a:schemeClr val="tx1"/>
+                </a:solidFill>
+                <a:latin typeface="+mn-lt"/>
+                <a:ea typeface="+mn-ea"/>
+                <a:cs typeface="+mn-cs"/>
+              </a:defRPr>
+            </a:lvl8pPr>
+            <a:lvl9pPr marL="2194560" indent="-182880" algn="l" rtl="0" eaLnBrk="1" latinLnBrk="0" hangingPunct="1">
+              <a:spcBef>
+                <a:spcPts val="300"/>
+              </a:spcBef>
+              <a:buClr>
+                <a:srgbClr val="9FB8CD"/>
+              </a:buClr>
+              <a:buSzPct val="75000"/>
+              <a:buFont typeface="Wingdings 3"/>
+              <a:buChar char=""/>
+              <a:defRPr kumimoji="0" lang="en-US" sz="1200" kern="1200" smtClean="0">
+                <a:solidFill>
+                  <a:schemeClr val="tx1"/>
+                </a:solidFill>
+                <a:latin typeface="+mn-lt"/>
+                <a:ea typeface="+mn-ea"/>
+                <a:cs typeface="+mn-cs"/>
+              </a:defRPr>
+            </a:lvl9pPr>
+          </a:lstStyle>
+          <a:p>
+            <a:r>
+              <a:rPr lang="fr-FR" dirty="0" smtClean="0"/>
+              <a:t>Plateau</a:t>
+            </a:r>
+            <a:endParaRPr lang="fr-FR" dirty="0" smtClean="0"/>
+          </a:p>
+          <a:p>
+            <a:pPr lvl="1"/>
+            <a:r>
+              <a:rPr lang="fr-FR" dirty="0" smtClean="0"/>
+              <a:t>Brut laminé « plat »</a:t>
+            </a:r>
+          </a:p>
+          <a:p>
+            <a:pPr lvl="1"/>
+            <a:r>
+              <a:rPr lang="fr-FR" dirty="0" smtClean="0"/>
+              <a:t>Forgeage</a:t>
+            </a:r>
+          </a:p>
+          <a:p>
+            <a:pPr lvl="1"/>
+            <a:r>
+              <a:rPr lang="fr-FR" dirty="0" smtClean="0"/>
+              <a:t>Ébavurage</a:t>
+            </a:r>
+          </a:p>
+          <a:p>
+            <a:pPr lvl="1"/>
+            <a:r>
+              <a:rPr lang="fr-FR" dirty="0" smtClean="0"/>
+              <a:t>Usinage (tournage et fraisage)</a:t>
+            </a:r>
+          </a:p>
+        </p:txBody>
+      </p:sp>
+      <p:sp>
+        <p:nvSpPr>
+          <p:cNvPr id="15" name="Espace réservé du contenu 4"/>
+          <p:cNvSpPr txBox="1">
+            <a:spLocks/>
+          </p:cNvSpPr>
+          <p:nvPr/>
+        </p:nvSpPr>
+        <p:spPr>
+          <a:xfrm>
+            <a:off x="4580756" y="4496328"/>
+            <a:ext cx="4042792" cy="1812992"/>
+          </a:xfrm>
+          <a:prstGeom prst="rect">
+            <a:avLst/>
+          </a:prstGeom>
+        </p:spPr>
+        <p:txBody>
+          <a:bodyPr vert="horz">
+            <a:normAutofit/>
+          </a:bodyPr>
+          <a:lstStyle>
+            <a:lvl1pPr marL="274320" indent="-274320" algn="l" rtl="0" eaLnBrk="1" latinLnBrk="0" hangingPunct="1">
+              <a:spcBef>
+                <a:spcPts val="600"/>
+              </a:spcBef>
+              <a:buClr>
+                <a:schemeClr val="accent1"/>
+              </a:buClr>
+              <a:buSzPct val="76000"/>
+              <a:buFont typeface="Wingdings 3"/>
+              <a:buChar char=""/>
+              <a:defRPr kumimoji="0" sz="2400" kern="1200">
+                <a:solidFill>
+                  <a:schemeClr val="tx1"/>
+                </a:solidFill>
+                <a:latin typeface="+mn-lt"/>
+                <a:ea typeface="+mn-ea"/>
+                <a:cs typeface="+mn-cs"/>
+              </a:defRPr>
+            </a:lvl1pPr>
+            <a:lvl2pPr marL="548640" indent="-274320" algn="l" rtl="0" eaLnBrk="1" latinLnBrk="0" hangingPunct="1">
+              <a:spcBef>
+                <a:spcPts val="500"/>
+              </a:spcBef>
+              <a:buClr>
+                <a:schemeClr val="accent2"/>
+              </a:buClr>
+              <a:buSzPct val="76000"/>
+              <a:buFont typeface="Wingdings 3"/>
+              <a:buChar char=""/>
+              <a:defRPr kumimoji="0" sz="2000" kern="1200">
+                <a:solidFill>
+                  <a:schemeClr val="tx2"/>
+                </a:solidFill>
+                <a:latin typeface="+mn-lt"/>
+                <a:ea typeface="+mn-ea"/>
+                <a:cs typeface="+mn-cs"/>
+              </a:defRPr>
+            </a:lvl2pPr>
+            <a:lvl3pPr marL="822960" indent="-228600" algn="l" rtl="0" eaLnBrk="1" latinLnBrk="0" hangingPunct="1">
+              <a:spcBef>
+                <a:spcPts val="500"/>
+              </a:spcBef>
+              <a:buClr>
+                <a:schemeClr val="bg1">
+                  <a:shade val="50000"/>
+                </a:schemeClr>
+              </a:buClr>
+              <a:buSzPct val="76000"/>
+              <a:buFont typeface="Wingdings 3"/>
+              <a:buChar char=""/>
+              <a:defRPr kumimoji="0" sz="1800" kern="1200">
+                <a:solidFill>
+                  <a:schemeClr val="tx1"/>
+                </a:solidFill>
+                <a:latin typeface="+mn-lt"/>
+                <a:ea typeface="+mn-ea"/>
+                <a:cs typeface="+mn-cs"/>
+              </a:defRPr>
+            </a:lvl3pPr>
+            <a:lvl4pPr marL="1097280" indent="-228600" algn="l" rtl="0" eaLnBrk="1" latinLnBrk="0" hangingPunct="1">
+              <a:spcBef>
+                <a:spcPts val="400"/>
+              </a:spcBef>
+              <a:buClr>
+                <a:schemeClr val="accent2">
+                  <a:shade val="75000"/>
+                </a:schemeClr>
+              </a:buClr>
+              <a:buSzPct val="70000"/>
+              <a:buFont typeface="Wingdings"/>
+              <a:buChar char=""/>
+              <a:defRPr kumimoji="0" sz="1600" kern="1200">
+                <a:solidFill>
+                  <a:schemeClr val="tx1"/>
+                </a:solidFill>
+                <a:latin typeface="+mn-lt"/>
+                <a:ea typeface="+mn-ea"/>
+                <a:cs typeface="+mn-cs"/>
+              </a:defRPr>
+            </a:lvl4pPr>
+            <a:lvl5pPr marL="1371600" indent="-228600" algn="l" rtl="0" eaLnBrk="1" latinLnBrk="0" hangingPunct="1">
+              <a:spcBef>
+                <a:spcPts val="300"/>
+              </a:spcBef>
+              <a:buClr>
+                <a:schemeClr val="accent2"/>
+              </a:buClr>
+              <a:buSzPct val="70000"/>
+              <a:buFont typeface="Wingdings"/>
+              <a:buChar char=""/>
+              <a:defRPr kumimoji="0" sz="1400" kern="1200">
+                <a:solidFill>
+                  <a:schemeClr val="tx1"/>
+                </a:solidFill>
+                <a:latin typeface="+mn-lt"/>
+                <a:ea typeface="+mn-ea"/>
+                <a:cs typeface="+mn-cs"/>
+              </a:defRPr>
+            </a:lvl5pPr>
+            <a:lvl6pPr marL="1645920" indent="-182880" algn="l" rtl="0" eaLnBrk="1" latinLnBrk="0" hangingPunct="1">
+              <a:spcBef>
+                <a:spcPts val="300"/>
+              </a:spcBef>
+              <a:buClr>
+                <a:srgbClr val="9FB8CD">
+                  <a:shade val="75000"/>
+                </a:srgbClr>
+              </a:buClr>
+              <a:buSzPct val="75000"/>
+              <a:buFont typeface="Wingdings 3"/>
+              <a:buChar char=""/>
+              <a:defRPr kumimoji="0" lang="en-US" sz="1600" kern="1200" smtClean="0">
+                <a:solidFill>
+                  <a:schemeClr val="tx1"/>
+                </a:solidFill>
+                <a:latin typeface="+mn-lt"/>
+                <a:ea typeface="+mn-ea"/>
+                <a:cs typeface="+mn-cs"/>
+              </a:defRPr>
+            </a:lvl6pPr>
+            <a:lvl7pPr marL="1828800" indent="-182880" algn="l" rtl="0" eaLnBrk="1" latinLnBrk="0" hangingPunct="1">
+              <a:spcBef>
+                <a:spcPts val="300"/>
+              </a:spcBef>
+              <a:buClr>
+                <a:srgbClr val="727CA3">
+                  <a:shade val="75000"/>
+                </a:srgbClr>
+              </a:buClr>
+              <a:buSzPct val="75000"/>
+              <a:buFont typeface="Wingdings 3"/>
+              <a:buChar char=""/>
+              <a:defRPr kumimoji="0" lang="en-US" sz="1400" kern="1200" smtClean="0">
+                <a:solidFill>
+                  <a:schemeClr val="tx1"/>
+                </a:solidFill>
+                <a:latin typeface="+mn-lt"/>
+                <a:ea typeface="+mn-ea"/>
+                <a:cs typeface="+mn-cs"/>
+              </a:defRPr>
+            </a:lvl7pPr>
+            <a:lvl8pPr marL="2011680" indent="-182880" algn="l" rtl="0" eaLnBrk="1" latinLnBrk="0" hangingPunct="1">
+              <a:spcBef>
+                <a:spcPts val="300"/>
+              </a:spcBef>
+              <a:buClr>
+                <a:prstClr val="white">
+                  <a:shade val="50000"/>
+                </a:prstClr>
+              </a:buClr>
+              <a:buSzPct val="75000"/>
+              <a:buFont typeface="Wingdings 3"/>
+              <a:buChar char=""/>
+              <a:defRPr kumimoji="0" lang="en-US" sz="1400" kern="1200" smtClean="0">
+                <a:solidFill>
+                  <a:schemeClr val="tx1"/>
+                </a:solidFill>
+                <a:latin typeface="+mn-lt"/>
+                <a:ea typeface="+mn-ea"/>
+                <a:cs typeface="+mn-cs"/>
+              </a:defRPr>
+            </a:lvl8pPr>
+            <a:lvl9pPr marL="2194560" indent="-182880" algn="l" rtl="0" eaLnBrk="1" latinLnBrk="0" hangingPunct="1">
+              <a:spcBef>
+                <a:spcPts val="300"/>
+              </a:spcBef>
+              <a:buClr>
+                <a:srgbClr val="9FB8CD"/>
+              </a:buClr>
+              <a:buSzPct val="75000"/>
+              <a:buFont typeface="Wingdings 3"/>
+              <a:buChar char=""/>
+              <a:defRPr kumimoji="0" lang="en-US" sz="1200" kern="1200" smtClean="0">
+                <a:solidFill>
+                  <a:schemeClr val="tx1"/>
+                </a:solidFill>
+                <a:latin typeface="+mn-lt"/>
+                <a:ea typeface="+mn-ea"/>
+                <a:cs typeface="+mn-cs"/>
+              </a:defRPr>
+            </a:lvl9pPr>
+          </a:lstStyle>
+          <a:p>
+            <a:r>
+              <a:rPr lang="fr-FR" dirty="0" smtClean="0"/>
+              <a:t>Couronne</a:t>
+            </a:r>
+            <a:endParaRPr lang="fr-FR" dirty="0" smtClean="0"/>
+          </a:p>
+          <a:p>
+            <a:pPr lvl="1"/>
+            <a:r>
+              <a:rPr lang="fr-FR" dirty="0" smtClean="0"/>
+              <a:t>Brut laminé (cylindre creux)</a:t>
+            </a:r>
+            <a:endParaRPr lang="fr-FR" dirty="0" smtClean="0"/>
+          </a:p>
+          <a:p>
+            <a:pPr lvl="1"/>
+            <a:r>
+              <a:rPr lang="fr-FR" dirty="0" smtClean="0"/>
+              <a:t>Tournage</a:t>
+            </a:r>
+          </a:p>
+          <a:p>
+            <a:pPr lvl="1"/>
+            <a:r>
+              <a:rPr lang="fr-FR" dirty="0" smtClean="0"/>
+              <a:t>Usinage des dentures</a:t>
+            </a:r>
+            <a:endParaRPr lang="fr-FR" dirty="0" smtClean="0"/>
+          </a:p>
+        </p:txBody>
+      </p:sp>
+    </p:spTree>
+    <p:extLst>
+      <p:ext uri="{BB962C8B-B14F-4D97-AF65-F5344CB8AC3E}">
+        <p14:creationId xmlns:p14="http://schemas.microsoft.com/office/powerpoint/2010/main" val="3101692387"/>
       </p:ext>
     </p:extLst>
   </p:cSld>
@@ -13129,7 +18217,7 @@
         </p:blipFill>
         <p:spPr bwMode="auto">
           <a:xfrm>
-            <a:off x="1080536" y="1219200"/>
+            <a:off x="1547664" y="1268760"/>
             <a:ext cx="6982927" cy="4937125"/>
           </a:xfrm>
           <a:prstGeom prst="rect">
@@ -13170,6 +18258,53 @@
           </a:extLst>
         </p:spPr>
       </p:pic>
+      <p:sp>
+        <p:nvSpPr>
+          <p:cNvPr id="5" name="Rectangle 4"/>
+          <p:cNvSpPr/>
+          <p:nvPr/>
+        </p:nvSpPr>
+        <p:spPr>
+          <a:xfrm>
+            <a:off x="539552" y="764704"/>
+            <a:ext cx="6030416" cy="369332"/>
+          </a:xfrm>
+          <a:prstGeom prst="rect">
+            <a:avLst/>
+          </a:prstGeom>
+        </p:spPr>
+        <p:txBody>
+          <a:bodyPr wrap="square">
+            <a:spAutoFit/>
+          </a:bodyPr>
+          <a:lstStyle/>
+          <a:p>
+            <a:r>
+              <a:rPr lang="fr-FR" dirty="0">
+                <a:hlinkClick r:id="rId3"/>
+              </a:rPr>
+              <a:t>https</a:t>
+            </a:r>
+            <a:r>
+              <a:rPr lang="fr-FR">
+                <a:hlinkClick r:id="rId3"/>
+              </a:rPr>
+              <a:t>://</a:t>
+            </a:r>
+            <a:r>
+              <a:rPr lang="fr-FR" smtClean="0">
+                <a:hlinkClick r:id="rId3"/>
+              </a:rPr>
+              <a:t>www.youtube.com/watch?v=qVCPIXaqxqc</a:t>
+            </a:r>
+            <a:r>
+              <a:rPr lang="fr-FR" smtClean="0"/>
+              <a:t> </a:t>
+            </a:r>
+            <a:endParaRPr lang="fr-FR" dirty="0"/>
+          </a:p>
+        </p:txBody>
+      </p:sp>
     </p:spTree>
     <p:extLst>
       <p:ext uri="{BB962C8B-B14F-4D97-AF65-F5344CB8AC3E}">
@@ -14913,7 +20048,7 @@
         </p:blipFill>
         <p:spPr bwMode="auto">
           <a:xfrm>
-            <a:off x="6588224" y="1772816"/>
+            <a:off x="6525626" y="1124744"/>
             <a:ext cx="1866900" cy="2057400"/>
           </a:xfrm>
           <a:prstGeom prst="rect">
@@ -14962,8 +20097,8 @@
         </p:nvGrpSpPr>
         <p:grpSpPr>
           <a:xfrm>
-            <a:off x="6372200" y="4077072"/>
-            <a:ext cx="2174168" cy="962794"/>
+            <a:off x="6559076" y="3321129"/>
+            <a:ext cx="1748920" cy="774480"/>
             <a:chOff x="1115616" y="1340768"/>
             <a:chExt cx="2174168" cy="962794"/>
           </a:xfrm>
@@ -15309,8 +20444,8 @@
           </p:txBody>
         </p:sp>
       </p:grpSp>
-      <mc:AlternateContent xmlns:mc="http://schemas.openxmlformats.org/markup-compatibility/2006" xmlns:a14="http://schemas.microsoft.com/office/drawing/2010/main">
-        <mc:Choice Requires="a14">
+      <mc:AlternateContent xmlns:mc="http://schemas.openxmlformats.org/markup-compatibility/2006">
+        <mc:Choice xmlns:a14="http://schemas.microsoft.com/office/drawing/2010/main" Requires="a14">
           <p:sp>
             <p:nvSpPr>
               <p:cNvPr id="19" name="Espace réservé du contenu 4"/>
@@ -15322,7 +20457,7 @@
             <p:spPr>
               <a:xfrm>
                 <a:off x="457200" y="1219200"/>
-                <a:ext cx="5266928" cy="4937760"/>
+                <a:ext cx="5266928" cy="3433936"/>
               </a:xfrm>
               <a:prstGeom prst="rect">
                 <a:avLst/>
@@ -15330,7 +20465,7 @@
             </p:spPr>
             <p:txBody>
               <a:bodyPr vert="horz">
-                <a:normAutofit fontScale="85000" lnSpcReduction="10000"/>
+                <a:normAutofit fontScale="85000" lnSpcReduction="20000"/>
               </a:bodyPr>
               <a:lstStyle>
                 <a:lvl1pPr marL="274320" indent="-274320" algn="l" rtl="0" eaLnBrk="1" latinLnBrk="0" hangingPunct="1">
@@ -15744,34 +20879,10 @@
                 </a14:m>
                 <a:endParaRPr lang="fr-FR" b="0" dirty="0" smtClean="0"/>
               </a:p>
-              <a:p>
-                <a:r>
-                  <a:rPr lang="fr-FR" dirty="0" smtClean="0"/>
-                  <a:t>Contraintes de fabrications :</a:t>
-                </a:r>
-              </a:p>
-              <a:p>
-                <a:pPr lvl="1"/>
-                <a:r>
-                  <a:rPr lang="fr-FR" dirty="0" smtClean="0"/>
-                  <a:t>Distance entre les faces</a:t>
-                </a:r>
-              </a:p>
-              <a:p>
-                <a:pPr lvl="1"/>
-                <a:r>
-                  <a:rPr lang="fr-FR" dirty="0" smtClean="0"/>
-                  <a:t>Parallélisme des faces (2 contraintes d’orientation)</a:t>
-                </a:r>
-              </a:p>
-              <a:p>
-                <a:pPr lvl="1"/>
-                <a:endParaRPr lang="fr-FR" dirty="0"/>
-              </a:p>
             </p:txBody>
           </p:sp>
         </mc:Choice>
-        <mc:Fallback xmlns="">
+        <mc:Fallback>
           <p:sp>
             <p:nvSpPr>
               <p:cNvPr id="19" name="Espace réservé du contenu 4"/>
@@ -15783,7 +20894,7 @@
             <p:spPr>
               <a:xfrm>
                 <a:off x="457200" y="1219200"/>
-                <a:ext cx="5266928" cy="4937760"/>
+                <a:ext cx="5266928" cy="3433936"/>
               </a:xfrm>
               <a:prstGeom prst="rect">
                 <a:avLst/>
@@ -15791,7 +20902,7 @@
               <a:blipFill rotWithShape="1">
                 <a:blip r:embed="rId3"/>
                 <a:stretch>
-                  <a:fillRect l="-347" t="-1235" r="-2315"/>
+                  <a:fillRect l="-347" t="-2664" r="-2315" b="-888"/>
                 </a:stretch>
               </a:blipFill>
             </p:spPr>
@@ -15810,6 +20921,302 @@
           </p:sp>
         </mc:Fallback>
       </mc:AlternateContent>
+      <p:sp>
+        <p:nvSpPr>
+          <p:cNvPr id="15" name="Espace réservé du contenu 4"/>
+          <p:cNvSpPr txBox="1">
+            <a:spLocks/>
+          </p:cNvSpPr>
+          <p:nvPr/>
+        </p:nvSpPr>
+        <p:spPr>
+          <a:xfrm>
+            <a:off x="457200" y="4869159"/>
+            <a:ext cx="5122912" cy="1584177"/>
+          </a:xfrm>
+          <a:prstGeom prst="rect">
+            <a:avLst/>
+          </a:prstGeom>
+        </p:spPr>
+        <p:txBody>
+          <a:bodyPr vert="horz">
+            <a:normAutofit fontScale="77500" lnSpcReduction="20000"/>
+          </a:bodyPr>
+          <a:lstStyle>
+            <a:lvl1pPr marL="274320" indent="-274320" algn="l" rtl="0" eaLnBrk="1" latinLnBrk="0" hangingPunct="1">
+              <a:spcBef>
+                <a:spcPts val="600"/>
+              </a:spcBef>
+              <a:buClr>
+                <a:schemeClr val="accent1"/>
+              </a:buClr>
+              <a:buSzPct val="76000"/>
+              <a:buFont typeface="Wingdings 3"/>
+              <a:buChar char=""/>
+              <a:defRPr kumimoji="0" sz="2400" kern="1200">
+                <a:solidFill>
+                  <a:schemeClr val="tx1"/>
+                </a:solidFill>
+                <a:latin typeface="+mn-lt"/>
+                <a:ea typeface="+mn-ea"/>
+                <a:cs typeface="+mn-cs"/>
+              </a:defRPr>
+            </a:lvl1pPr>
+            <a:lvl2pPr marL="548640" indent="-274320" algn="l" rtl="0" eaLnBrk="1" latinLnBrk="0" hangingPunct="1">
+              <a:spcBef>
+                <a:spcPts val="500"/>
+              </a:spcBef>
+              <a:buClr>
+                <a:schemeClr val="accent2"/>
+              </a:buClr>
+              <a:buSzPct val="76000"/>
+              <a:buFont typeface="Wingdings 3"/>
+              <a:buChar char=""/>
+              <a:defRPr kumimoji="0" sz="2000" kern="1200">
+                <a:solidFill>
+                  <a:schemeClr val="tx2"/>
+                </a:solidFill>
+                <a:latin typeface="+mn-lt"/>
+                <a:ea typeface="+mn-ea"/>
+                <a:cs typeface="+mn-cs"/>
+              </a:defRPr>
+            </a:lvl2pPr>
+            <a:lvl3pPr marL="822960" indent="-228600" algn="l" rtl="0" eaLnBrk="1" latinLnBrk="0" hangingPunct="1">
+              <a:spcBef>
+                <a:spcPts val="500"/>
+              </a:spcBef>
+              <a:buClr>
+                <a:schemeClr val="bg1">
+                  <a:shade val="50000"/>
+                </a:schemeClr>
+              </a:buClr>
+              <a:buSzPct val="76000"/>
+              <a:buFont typeface="Wingdings 3"/>
+              <a:buChar char=""/>
+              <a:defRPr kumimoji="0" sz="1800" kern="1200">
+                <a:solidFill>
+                  <a:schemeClr val="tx1"/>
+                </a:solidFill>
+                <a:latin typeface="+mn-lt"/>
+                <a:ea typeface="+mn-ea"/>
+                <a:cs typeface="+mn-cs"/>
+              </a:defRPr>
+            </a:lvl3pPr>
+            <a:lvl4pPr marL="1097280" indent="-228600" algn="l" rtl="0" eaLnBrk="1" latinLnBrk="0" hangingPunct="1">
+              <a:spcBef>
+                <a:spcPts val="400"/>
+              </a:spcBef>
+              <a:buClr>
+                <a:schemeClr val="accent2">
+                  <a:shade val="75000"/>
+                </a:schemeClr>
+              </a:buClr>
+              <a:buSzPct val="70000"/>
+              <a:buFont typeface="Wingdings"/>
+              <a:buChar char=""/>
+              <a:defRPr kumimoji="0" sz="1600" kern="1200">
+                <a:solidFill>
+                  <a:schemeClr val="tx1"/>
+                </a:solidFill>
+                <a:latin typeface="+mn-lt"/>
+                <a:ea typeface="+mn-ea"/>
+                <a:cs typeface="+mn-cs"/>
+              </a:defRPr>
+            </a:lvl4pPr>
+            <a:lvl5pPr marL="1371600" indent="-228600" algn="l" rtl="0" eaLnBrk="1" latinLnBrk="0" hangingPunct="1">
+              <a:spcBef>
+                <a:spcPts val="300"/>
+              </a:spcBef>
+              <a:buClr>
+                <a:schemeClr val="accent2"/>
+              </a:buClr>
+              <a:buSzPct val="70000"/>
+              <a:buFont typeface="Wingdings"/>
+              <a:buChar char=""/>
+              <a:defRPr kumimoji="0" sz="1400" kern="1200">
+                <a:solidFill>
+                  <a:schemeClr val="tx1"/>
+                </a:solidFill>
+                <a:latin typeface="+mn-lt"/>
+                <a:ea typeface="+mn-ea"/>
+                <a:cs typeface="+mn-cs"/>
+              </a:defRPr>
+            </a:lvl5pPr>
+            <a:lvl6pPr marL="1645920" indent="-182880" algn="l" rtl="0" eaLnBrk="1" latinLnBrk="0" hangingPunct="1">
+              <a:spcBef>
+                <a:spcPts val="300"/>
+              </a:spcBef>
+              <a:buClr>
+                <a:srgbClr val="9FB8CD">
+                  <a:shade val="75000"/>
+                </a:srgbClr>
+              </a:buClr>
+              <a:buSzPct val="75000"/>
+              <a:buFont typeface="Wingdings 3"/>
+              <a:buChar char=""/>
+              <a:defRPr kumimoji="0" lang="en-US" sz="1600" kern="1200" smtClean="0">
+                <a:solidFill>
+                  <a:schemeClr val="tx1"/>
+                </a:solidFill>
+                <a:latin typeface="+mn-lt"/>
+                <a:ea typeface="+mn-ea"/>
+                <a:cs typeface="+mn-cs"/>
+              </a:defRPr>
+            </a:lvl6pPr>
+            <a:lvl7pPr marL="1828800" indent="-182880" algn="l" rtl="0" eaLnBrk="1" latinLnBrk="0" hangingPunct="1">
+              <a:spcBef>
+                <a:spcPts val="300"/>
+              </a:spcBef>
+              <a:buClr>
+                <a:srgbClr val="727CA3">
+                  <a:shade val="75000"/>
+                </a:srgbClr>
+              </a:buClr>
+              <a:buSzPct val="75000"/>
+              <a:buFont typeface="Wingdings 3"/>
+              <a:buChar char=""/>
+              <a:defRPr kumimoji="0" lang="en-US" sz="1400" kern="1200" smtClean="0">
+                <a:solidFill>
+                  <a:schemeClr val="tx1"/>
+                </a:solidFill>
+                <a:latin typeface="+mn-lt"/>
+                <a:ea typeface="+mn-ea"/>
+                <a:cs typeface="+mn-cs"/>
+              </a:defRPr>
+            </a:lvl7pPr>
+            <a:lvl8pPr marL="2011680" indent="-182880" algn="l" rtl="0" eaLnBrk="1" latinLnBrk="0" hangingPunct="1">
+              <a:spcBef>
+                <a:spcPts val="300"/>
+              </a:spcBef>
+              <a:buClr>
+                <a:prstClr val="white">
+                  <a:shade val="50000"/>
+                </a:prstClr>
+              </a:buClr>
+              <a:buSzPct val="75000"/>
+              <a:buFont typeface="Wingdings 3"/>
+              <a:buChar char=""/>
+              <a:defRPr kumimoji="0" lang="en-US" sz="1400" kern="1200" smtClean="0">
+                <a:solidFill>
+                  <a:schemeClr val="tx1"/>
+                </a:solidFill>
+                <a:latin typeface="+mn-lt"/>
+                <a:ea typeface="+mn-ea"/>
+                <a:cs typeface="+mn-cs"/>
+              </a:defRPr>
+            </a:lvl8pPr>
+            <a:lvl9pPr marL="2194560" indent="-182880" algn="l" rtl="0" eaLnBrk="1" latinLnBrk="0" hangingPunct="1">
+              <a:spcBef>
+                <a:spcPts val="300"/>
+              </a:spcBef>
+              <a:buClr>
+                <a:srgbClr val="9FB8CD"/>
+              </a:buClr>
+              <a:buSzPct val="75000"/>
+              <a:buFont typeface="Wingdings 3"/>
+              <a:buChar char=""/>
+              <a:defRPr kumimoji="0" lang="en-US" sz="1200" kern="1200" smtClean="0">
+                <a:solidFill>
+                  <a:schemeClr val="tx1"/>
+                </a:solidFill>
+                <a:latin typeface="+mn-lt"/>
+                <a:ea typeface="+mn-ea"/>
+                <a:cs typeface="+mn-cs"/>
+              </a:defRPr>
+            </a:lvl9pPr>
+          </a:lstStyle>
+          <a:p>
+            <a:r>
+              <a:rPr lang="fr-FR" dirty="0" smtClean="0"/>
+              <a:t>Spécifications dimensionnelles (mêmes spécifs sur chacune des pièces)</a:t>
+            </a:r>
+          </a:p>
+          <a:p>
+            <a:pPr lvl="1"/>
+            <a:r>
+              <a:rPr lang="fr-FR" dirty="0" smtClean="0"/>
+              <a:t>Distance entre plans</a:t>
+            </a:r>
+          </a:p>
+          <a:p>
+            <a:r>
+              <a:rPr lang="fr-FR" dirty="0" smtClean="0"/>
+              <a:t>Spécifications de forme : planéité des surfaces</a:t>
+            </a:r>
+          </a:p>
+          <a:p>
+            <a:r>
+              <a:rPr lang="fr-FR" dirty="0" smtClean="0"/>
+              <a:t>Spécifications géométrique : symétrie des faces.</a:t>
+            </a:r>
+            <a:endParaRPr lang="fr-FR" dirty="0"/>
+          </a:p>
+        </p:txBody>
+      </p:sp>
+      <p:pic>
+        <p:nvPicPr>
+          <p:cNvPr id="1027" name="Picture 3"/>
+          <p:cNvPicPr>
+            <a:picLocks noChangeAspect="1" noChangeArrowheads="1"/>
+          </p:cNvPicPr>
+          <p:nvPr/>
+        </p:nvPicPr>
+        <p:blipFill>
+          <a:blip r:embed="rId4" cstate="print">
+            <a:extLst>
+              <a:ext uri="{28A0092B-C50C-407E-A947-70E740481C1C}">
+                <a14:useLocalDpi xmlns:a14="http://schemas.microsoft.com/office/drawing/2010/main" val="0"/>
+              </a:ext>
+            </a:extLst>
+          </a:blip>
+          <a:srcRect/>
+          <a:stretch>
+            <a:fillRect/>
+          </a:stretch>
+        </p:blipFill>
+        <p:spPr bwMode="auto">
+          <a:xfrm>
+            <a:off x="6478130" y="4293096"/>
+            <a:ext cx="2197158" cy="2049782"/>
+          </a:xfrm>
+          <a:prstGeom prst="rect">
+            <a:avLst/>
+          </a:prstGeom>
+          <a:noFill/>
+          <a:ln>
+            <a:noFill/>
+          </a:ln>
+          <a:effectLst/>
+          <a:extLst>
+            <a:ext uri="{909E8E84-426E-40DD-AFC4-6F175D3DCCD1}">
+              <a14:hiddenFill xmlns:a14="http://schemas.microsoft.com/office/drawing/2010/main">
+                <a:solidFill>
+                  <a:schemeClr val="accent1"/>
+                </a:solidFill>
+              </a14:hiddenFill>
+            </a:ext>
+            <a:ext uri="{91240B29-F687-4F45-9708-019B960494DF}">
+              <a14:hiddenLine xmlns:a14="http://schemas.microsoft.com/office/drawing/2010/main" w="9525">
+                <a:solidFill>
+                  <a:schemeClr val="tx1"/>
+                </a:solidFill>
+                <a:miter lim="800000"/>
+                <a:headEnd/>
+                <a:tailEnd/>
+              </a14:hiddenLine>
+            </a:ext>
+            <a:ext uri="{AF507438-7753-43E0-B8FC-AC1667EBCBE1}">
+              <a14:hiddenEffects xmlns:a14="http://schemas.microsoft.com/office/drawing/2010/main">
+                <a:effectLst>
+                  <a:outerShdw dist="35921" dir="2700000" algn="ctr" rotWithShape="0">
+                    <a:schemeClr val="bg2"/>
+                  </a:outerShdw>
+                </a:effectLst>
+              </a14:hiddenEffects>
+            </a:ext>
+          </a:extLst>
+        </p:spPr>
+      </p:pic>
     </p:spTree>
     <p:extLst>
       <p:ext uri="{BB962C8B-B14F-4D97-AF65-F5344CB8AC3E}">
